--- a/NTMY.pptx
+++ b/NTMY.pptx
@@ -5,7 +5,7 @@
     <p:sldMasterId id="2147483648" r:id="rId1"/>
   </p:sldMasterIdLst>
   <p:notesMasterIdLst>
-    <p:notesMasterId r:id="rId17"/>
+    <p:notesMasterId r:id="rId27"/>
   </p:notesMasterIdLst>
   <p:sldIdLst>
     <p:sldId id="256" r:id="rId2"/>
@@ -20,9 +20,19 @@
     <p:sldId id="270" r:id="rId11"/>
     <p:sldId id="265" r:id="rId12"/>
     <p:sldId id="266" r:id="rId13"/>
-    <p:sldId id="264" r:id="rId14"/>
-    <p:sldId id="262" r:id="rId15"/>
-    <p:sldId id="260" r:id="rId16"/>
+    <p:sldId id="277" r:id="rId14"/>
+    <p:sldId id="278" r:id="rId15"/>
+    <p:sldId id="279" r:id="rId16"/>
+    <p:sldId id="280" r:id="rId17"/>
+    <p:sldId id="271" r:id="rId18"/>
+    <p:sldId id="272" r:id="rId19"/>
+    <p:sldId id="273" r:id="rId20"/>
+    <p:sldId id="274" r:id="rId21"/>
+    <p:sldId id="275" r:id="rId22"/>
+    <p:sldId id="276" r:id="rId23"/>
+    <p:sldId id="264" r:id="rId24"/>
+    <p:sldId id="262" r:id="rId25"/>
+    <p:sldId id="260" r:id="rId26"/>
   </p:sldIdLst>
   <p:sldSz cx="12192000" cy="6858000"/>
   <p:notesSz cx="6858000" cy="9144000"/>
@@ -121,741 +131,12 @@
       </a:defRPr>
     </a:lvl9pPr>
   </p:defaultTextStyle>
+  <p:extLst>
+    <p:ext uri="{EFAFB233-063F-42B5-8137-9DF3F51BA10A}">
+      <p15:sldGuideLst xmlns:p15="http://schemas.microsoft.com/office/powerpoint/2012/main"/>
+    </p:ext>
+  </p:extLst>
 </p:presentation>
-</file>
-
-<file path=ppt/changesInfos/changesInfo1.xml><?xml version="1.0" encoding="utf-8"?>
-<pc:chgInfo xmlns:a="http://schemas.openxmlformats.org/drawingml/2006/main" xmlns:r="http://schemas.openxmlformats.org/officeDocument/2006/relationships" xmlns:ac="http://schemas.microsoft.com/office/drawing/2013/main/command" xmlns:pc="http://schemas.microsoft.com/office/powerpoint/2013/main/command">
-  <pc:docChgLst>
-    <pc:chgData name="Matteo Corain" userId="1f5c112c79a0296d" providerId="LiveId" clId="{EEEF3436-BE3A-4069-A9FE-17852E7F22EB}"/>
-    <pc:docChg chg="undo custSel addSld delSld modSld sldOrd">
-      <pc:chgData name="Matteo Corain" userId="1f5c112c79a0296d" providerId="LiveId" clId="{EEEF3436-BE3A-4069-A9FE-17852E7F22EB}" dt="2018-06-09T20:31:56.351" v="1782"/>
-      <pc:docMkLst>
-        <pc:docMk/>
-      </pc:docMkLst>
-      <pc:sldChg chg="modSp">
-        <pc:chgData name="Matteo Corain" userId="1f5c112c79a0296d" providerId="LiveId" clId="{EEEF3436-BE3A-4069-A9FE-17852E7F22EB}" dt="2018-06-09T16:47:38.672" v="34" actId="255"/>
-        <pc:sldMkLst>
-          <pc:docMk/>
-          <pc:sldMk cId="3602478586" sldId="257"/>
-        </pc:sldMkLst>
-        <pc:spChg chg="mod">
-          <ac:chgData name="Matteo Corain" userId="1f5c112c79a0296d" providerId="LiveId" clId="{EEEF3436-BE3A-4069-A9FE-17852E7F22EB}" dt="2018-06-09T16:47:38.672" v="34" actId="255"/>
-          <ac:spMkLst>
-            <pc:docMk/>
-            <pc:sldMk cId="3602478586" sldId="257"/>
-            <ac:spMk id="3" creationId="{5AEF10D1-4C32-4139-B0C5-06821DCE0F9C}"/>
-          </ac:spMkLst>
-        </pc:spChg>
-      </pc:sldChg>
-      <pc:sldChg chg="ord">
-        <pc:chgData name="Matteo Corain" userId="1f5c112c79a0296d" providerId="LiveId" clId="{EEEF3436-BE3A-4069-A9FE-17852E7F22EB}" dt="2018-06-09T20:31:56.351" v="1782"/>
-        <pc:sldMkLst>
-          <pc:docMk/>
-          <pc:sldMk cId="776983301" sldId="258"/>
-        </pc:sldMkLst>
-      </pc:sldChg>
-      <pc:sldChg chg="addSp delSp modSp add mod setBg setClrOvrMap">
-        <pc:chgData name="Matteo Corain" userId="1f5c112c79a0296d" providerId="LiveId" clId="{EEEF3436-BE3A-4069-A9FE-17852E7F22EB}" dt="2018-06-09T17:11:55.895" v="74"/>
-        <pc:sldMkLst>
-          <pc:docMk/>
-          <pc:sldMk cId="72305853" sldId="259"/>
-        </pc:sldMkLst>
-        <pc:spChg chg="mod ord">
-          <ac:chgData name="Matteo Corain" userId="1f5c112c79a0296d" providerId="LiveId" clId="{EEEF3436-BE3A-4069-A9FE-17852E7F22EB}" dt="2018-06-09T17:10:27.374" v="70" actId="26606"/>
-          <ac:spMkLst>
-            <pc:docMk/>
-            <pc:sldMk cId="72305853" sldId="259"/>
-            <ac:spMk id="2" creationId="{24122F2C-13E7-4887-9CD2-17619347A98B}"/>
-          </ac:spMkLst>
-        </pc:spChg>
-        <pc:spChg chg="del mod">
-          <ac:chgData name="Matteo Corain" userId="1f5c112c79a0296d" providerId="LiveId" clId="{EEEF3436-BE3A-4069-A9FE-17852E7F22EB}" dt="2018-06-09T17:10:10.030" v="58"/>
-          <ac:spMkLst>
-            <pc:docMk/>
-            <pc:sldMk cId="72305853" sldId="259"/>
-            <ac:spMk id="3" creationId="{5AEF10D1-4C32-4139-B0C5-06821DCE0F9C}"/>
-          </ac:spMkLst>
-        </pc:spChg>
-        <pc:spChg chg="mod">
-          <ac:chgData name="Matteo Corain" userId="1f5c112c79a0296d" providerId="LiveId" clId="{EEEF3436-BE3A-4069-A9FE-17852E7F22EB}" dt="2018-06-09T17:10:27.374" v="70" actId="26606"/>
-          <ac:spMkLst>
-            <pc:docMk/>
-            <pc:sldMk cId="72305853" sldId="259"/>
-            <ac:spMk id="5" creationId="{02753E75-FE2C-4878-AE68-D632AC4B6E08}"/>
-          </ac:spMkLst>
-        </pc:spChg>
-        <pc:spChg chg="mod">
-          <ac:chgData name="Matteo Corain" userId="1f5c112c79a0296d" providerId="LiveId" clId="{EEEF3436-BE3A-4069-A9FE-17852E7F22EB}" dt="2018-06-09T17:10:27.374" v="70" actId="26606"/>
-          <ac:spMkLst>
-            <pc:docMk/>
-            <pc:sldMk cId="72305853" sldId="259"/>
-            <ac:spMk id="6" creationId="{AE4EA61A-C1EE-475C-A05B-EA30AA425278}"/>
-          </ac:spMkLst>
-        </pc:spChg>
-        <pc:spChg chg="mod">
-          <ac:chgData name="Matteo Corain" userId="1f5c112c79a0296d" providerId="LiveId" clId="{EEEF3436-BE3A-4069-A9FE-17852E7F22EB}" dt="2018-06-09T17:10:27.374" v="70" actId="26606"/>
-          <ac:spMkLst>
-            <pc:docMk/>
-            <pc:sldMk cId="72305853" sldId="259"/>
-            <ac:spMk id="7" creationId="{69FD55CC-6E11-4E4C-B34F-A09343C3B384}"/>
-          </ac:spMkLst>
-        </pc:spChg>
-        <pc:spChg chg="add del mod">
-          <ac:chgData name="Matteo Corain" userId="1f5c112c79a0296d" providerId="LiveId" clId="{EEEF3436-BE3A-4069-A9FE-17852E7F22EB}" dt="2018-06-09T17:11:55.895" v="74"/>
-          <ac:spMkLst>
-            <pc:docMk/>
-            <pc:sldMk cId="72305853" sldId="259"/>
-            <ac:spMk id="12" creationId="{C1F1BC46-99BF-4DB3-9C5E-E284014D0E48}"/>
-          </ac:spMkLst>
-        </pc:spChg>
-        <pc:spChg chg="add del">
-          <ac:chgData name="Matteo Corain" userId="1f5c112c79a0296d" providerId="LiveId" clId="{EEEF3436-BE3A-4069-A9FE-17852E7F22EB}" dt="2018-06-09T17:10:20.168" v="60" actId="26606"/>
-          <ac:spMkLst>
-            <pc:docMk/>
-            <pc:sldMk cId="72305853" sldId="259"/>
-            <ac:spMk id="15" creationId="{823AC064-BC96-4F32-8AE1-B2FD38754823}"/>
-          </ac:spMkLst>
-        </pc:spChg>
-        <pc:spChg chg="add del">
-          <ac:chgData name="Matteo Corain" userId="1f5c112c79a0296d" providerId="LiveId" clId="{EEEF3436-BE3A-4069-A9FE-17852E7F22EB}" dt="2018-06-09T17:10:22.734" v="64" actId="26606"/>
-          <ac:spMkLst>
-            <pc:docMk/>
-            <pc:sldMk cId="72305853" sldId="259"/>
-            <ac:spMk id="16" creationId="{E02F3C71-C981-4614-98EA-D6C494F8091E}"/>
-          </ac:spMkLst>
-        </pc:spChg>
-        <pc:spChg chg="add del">
-          <ac:chgData name="Matteo Corain" userId="1f5c112c79a0296d" providerId="LiveId" clId="{EEEF3436-BE3A-4069-A9FE-17852E7F22EB}" dt="2018-06-09T17:10:21.456" v="62" actId="26606"/>
-          <ac:spMkLst>
-            <pc:docMk/>
-            <pc:sldMk cId="72305853" sldId="259"/>
-            <ac:spMk id="19" creationId="{F72D119F-8562-42DA-AE9A-70D44FDCFD12}"/>
-          </ac:spMkLst>
-        </pc:spChg>
-        <pc:spChg chg="add del">
-          <ac:chgData name="Matteo Corain" userId="1f5c112c79a0296d" providerId="LiveId" clId="{EEEF3436-BE3A-4069-A9FE-17852E7F22EB}" dt="2018-06-09T17:10:27.374" v="70" actId="26606"/>
-          <ac:spMkLst>
-            <pc:docMk/>
-            <pc:sldMk cId="72305853" sldId="259"/>
-            <ac:spMk id="20" creationId="{1F564BCF-97B6-4D86-94EE-DD1B587F2189}"/>
-          </ac:spMkLst>
-        </pc:spChg>
-        <pc:spChg chg="add del">
-          <ac:chgData name="Matteo Corain" userId="1f5c112c79a0296d" providerId="LiveId" clId="{EEEF3436-BE3A-4069-A9FE-17852E7F22EB}" dt="2018-06-09T17:10:22.734" v="64" actId="26606"/>
-          <ac:spMkLst>
-            <pc:docMk/>
-            <pc:sldMk cId="72305853" sldId="259"/>
-            <ac:spMk id="21" creationId="{532F18B3-FF2F-43B4-941A-1A414CBE6126}"/>
-          </ac:spMkLst>
-        </pc:spChg>
-        <pc:spChg chg="add del">
-          <ac:chgData name="Matteo Corain" userId="1f5c112c79a0296d" providerId="LiveId" clId="{EEEF3436-BE3A-4069-A9FE-17852E7F22EB}" dt="2018-06-09T17:10:27.374" v="70" actId="26606"/>
-          <ac:spMkLst>
-            <pc:docMk/>
-            <pc:sldMk cId="72305853" sldId="259"/>
-            <ac:spMk id="22" creationId="{54600AC1-F146-4567-9C5E-A96D6D349234}"/>
-          </ac:spMkLst>
-        </pc:spChg>
-        <pc:spChg chg="add del">
-          <ac:chgData name="Matteo Corain" userId="1f5c112c79a0296d" providerId="LiveId" clId="{EEEF3436-BE3A-4069-A9FE-17852E7F22EB}" dt="2018-06-09T17:10:23.366" v="66" actId="26606"/>
-          <ac:spMkLst>
-            <pc:docMk/>
-            <pc:sldMk cId="72305853" sldId="259"/>
-            <ac:spMk id="23" creationId="{99899462-FC16-43B0-966B-FCA263450716}"/>
-          </ac:spMkLst>
-        </pc:spChg>
-        <pc:spChg chg="add del">
-          <ac:chgData name="Matteo Corain" userId="1f5c112c79a0296d" providerId="LiveId" clId="{EEEF3436-BE3A-4069-A9FE-17852E7F22EB}" dt="2018-06-09T17:10:23.366" v="66" actId="26606"/>
-          <ac:spMkLst>
-            <pc:docMk/>
-            <pc:sldMk cId="72305853" sldId="259"/>
-            <ac:spMk id="25" creationId="{3DBA64F2-9206-44BC-AE1E-CC0DC53021A2}"/>
-          </ac:spMkLst>
-        </pc:spChg>
-        <pc:spChg chg="add del">
-          <ac:chgData name="Matteo Corain" userId="1f5c112c79a0296d" providerId="LiveId" clId="{EEEF3436-BE3A-4069-A9FE-17852E7F22EB}" dt="2018-06-09T17:10:27.374" v="70" actId="26606"/>
-          <ac:spMkLst>
-            <pc:docMk/>
-            <pc:sldMk cId="72305853" sldId="259"/>
-            <ac:spMk id="26" creationId="{2854001E-6E9D-464A-9B65-A4012F7B30D4}"/>
-          </ac:spMkLst>
-        </pc:spChg>
-        <pc:spChg chg="add del">
-          <ac:chgData name="Matteo Corain" userId="1f5c112c79a0296d" providerId="LiveId" clId="{EEEF3436-BE3A-4069-A9FE-17852E7F22EB}" dt="2018-06-09T17:10:24.621" v="68" actId="26606"/>
-          <ac:spMkLst>
-            <pc:docMk/>
-            <pc:sldMk cId="72305853" sldId="259"/>
-            <ac:spMk id="27" creationId="{A0BF428C-DA8B-4D99-9930-18F7F91D873D}"/>
-          </ac:spMkLst>
-        </pc:spChg>
-        <pc:spChg chg="add del">
-          <ac:chgData name="Matteo Corain" userId="1f5c112c79a0296d" providerId="LiveId" clId="{EEEF3436-BE3A-4069-A9FE-17852E7F22EB}" dt="2018-06-09T17:10:24.621" v="68" actId="26606"/>
-          <ac:spMkLst>
-            <pc:docMk/>
-            <pc:sldMk cId="72305853" sldId="259"/>
-            <ac:spMk id="28" creationId="{A03E2379-8871-408A-95CE-7AAE8FA53AE5}"/>
-          </ac:spMkLst>
-        </pc:spChg>
-        <pc:spChg chg="add del">
-          <ac:chgData name="Matteo Corain" userId="1f5c112c79a0296d" providerId="LiveId" clId="{EEEF3436-BE3A-4069-A9FE-17852E7F22EB}" dt="2018-06-09T17:10:24.621" v="68" actId="26606"/>
-          <ac:spMkLst>
-            <pc:docMk/>
-            <pc:sldMk cId="72305853" sldId="259"/>
-            <ac:spMk id="30" creationId="{B0D0DDEC-BD88-4840-8AA6-D98252C8DB5F}"/>
-          </ac:spMkLst>
-        </pc:spChg>
-        <pc:spChg chg="add del">
-          <ac:chgData name="Matteo Corain" userId="1f5c112c79a0296d" providerId="LiveId" clId="{EEEF3436-BE3A-4069-A9FE-17852E7F22EB}" dt="2018-06-09T17:10:27.374" v="70" actId="26606"/>
-          <ac:spMkLst>
-            <pc:docMk/>
-            <pc:sldMk cId="72305853" sldId="259"/>
-            <ac:spMk id="32" creationId="{B1E3044D-AD17-4052-A453-8AA654EFAB6E}"/>
-          </ac:spMkLst>
-        </pc:spChg>
-        <pc:spChg chg="add del">
-          <ac:chgData name="Matteo Corain" userId="1f5c112c79a0296d" providerId="LiveId" clId="{EEEF3436-BE3A-4069-A9FE-17852E7F22EB}" dt="2018-06-09T17:10:27.374" v="70" actId="26606"/>
-          <ac:spMkLst>
-            <pc:docMk/>
-            <pc:sldMk cId="72305853" sldId="259"/>
-            <ac:spMk id="33" creationId="{81289F98-975F-4EB2-9553-8E1A9946BA3F}"/>
-          </ac:spMkLst>
-        </pc:spChg>
-        <pc:spChg chg="add del">
-          <ac:chgData name="Matteo Corain" userId="1f5c112c79a0296d" providerId="LiveId" clId="{EEEF3436-BE3A-4069-A9FE-17852E7F22EB}" dt="2018-06-09T17:10:27.374" v="70" actId="26606"/>
-          <ac:spMkLst>
-            <pc:docMk/>
-            <pc:sldMk cId="72305853" sldId="259"/>
-            <ac:spMk id="34" creationId="{EBA7E638-205A-4579-864F-125BAC629F4D}"/>
-          </ac:spMkLst>
-        </pc:spChg>
-        <pc:spChg chg="add del">
-          <ac:chgData name="Matteo Corain" userId="1f5c112c79a0296d" providerId="LiveId" clId="{EEEF3436-BE3A-4069-A9FE-17852E7F22EB}" dt="2018-06-09T17:10:27.374" v="70" actId="26606"/>
-          <ac:spMkLst>
-            <pc:docMk/>
-            <pc:sldMk cId="72305853" sldId="259"/>
-            <ac:spMk id="37" creationId="{1567BD33-8591-4BCD-BBC8-566EE1287676}"/>
-          </ac:spMkLst>
-        </pc:spChg>
-        <pc:picChg chg="mod">
-          <ac:chgData name="Matteo Corain" userId="1f5c112c79a0296d" providerId="LiveId" clId="{EEEF3436-BE3A-4069-A9FE-17852E7F22EB}" dt="2018-06-09T17:10:27.374" v="70" actId="26606"/>
-          <ac:picMkLst>
-            <pc:docMk/>
-            <pc:sldMk cId="72305853" sldId="259"/>
-            <ac:picMk id="4" creationId="{C2B166F0-3DDC-4E79-A835-B6DEC34F2A9B}"/>
-          </ac:picMkLst>
-        </pc:picChg>
-        <pc:picChg chg="add del mod ord">
-          <ac:chgData name="Matteo Corain" userId="1f5c112c79a0296d" providerId="LiveId" clId="{EEEF3436-BE3A-4069-A9FE-17852E7F22EB}" dt="2018-06-09T17:11:48.475" v="73" actId="478"/>
-          <ac:picMkLst>
-            <pc:docMk/>
-            <pc:sldMk cId="72305853" sldId="259"/>
-            <ac:picMk id="8" creationId="{2FA5B977-D061-4746-BC95-F63DFCA46A50}"/>
-          </ac:picMkLst>
-        </pc:picChg>
-        <pc:picChg chg="add del">
-          <ac:chgData name="Matteo Corain" userId="1f5c112c79a0296d" providerId="LiveId" clId="{EEEF3436-BE3A-4069-A9FE-17852E7F22EB}" dt="2018-06-09T17:11:46.084" v="72"/>
-          <ac:picMkLst>
-            <pc:docMk/>
-            <pc:sldMk cId="72305853" sldId="259"/>
-            <ac:picMk id="9" creationId="{1D936DF4-B800-4CAC-88BE-AB51B0CD26F7}"/>
-          </ac:picMkLst>
-        </pc:picChg>
-        <pc:picChg chg="add del">
-          <ac:chgData name="Matteo Corain" userId="1f5c112c79a0296d" providerId="LiveId" clId="{EEEF3436-BE3A-4069-A9FE-17852E7F22EB}" dt="2018-06-09T17:10:22.734" v="64" actId="26606"/>
-          <ac:picMkLst>
-            <pc:docMk/>
-            <pc:sldMk cId="72305853" sldId="259"/>
-            <ac:picMk id="11" creationId="{2FA5B977-D061-4746-BC95-F63DFCA46A50}"/>
-          </ac:picMkLst>
-        </pc:picChg>
-        <pc:picChg chg="add mod">
-          <ac:chgData name="Matteo Corain" userId="1f5c112c79a0296d" providerId="LiveId" clId="{EEEF3436-BE3A-4069-A9FE-17852E7F22EB}" dt="2018-06-09T17:11:55.895" v="74"/>
-          <ac:picMkLst>
-            <pc:docMk/>
-            <pc:sldMk cId="72305853" sldId="259"/>
-            <ac:picMk id="14" creationId="{5AFB27D2-E14E-4E9E-8BAC-1A325CBDC9C3}"/>
-          </ac:picMkLst>
-        </pc:picChg>
-        <pc:picChg chg="add del">
-          <ac:chgData name="Matteo Corain" userId="1f5c112c79a0296d" providerId="LiveId" clId="{EEEF3436-BE3A-4069-A9FE-17852E7F22EB}" dt="2018-06-09T17:10:23.366" v="66" actId="26606"/>
-          <ac:picMkLst>
-            <pc:docMk/>
-            <pc:sldMk cId="72305853" sldId="259"/>
-            <ac:picMk id="24" creationId="{2FA5B977-D061-4746-BC95-F63DFCA46A50}"/>
-          </ac:picMkLst>
-        </pc:picChg>
-        <pc:picChg chg="add del">
-          <ac:chgData name="Matteo Corain" userId="1f5c112c79a0296d" providerId="LiveId" clId="{EEEF3436-BE3A-4069-A9FE-17852E7F22EB}" dt="2018-06-09T17:10:24.621" v="68" actId="26606"/>
-          <ac:picMkLst>
-            <pc:docMk/>
-            <pc:sldMk cId="72305853" sldId="259"/>
-            <ac:picMk id="29" creationId="{2FA5B977-D061-4746-BC95-F63DFCA46A50}"/>
-          </ac:picMkLst>
-        </pc:picChg>
-        <pc:picChg chg="add del">
-          <ac:chgData name="Matteo Corain" userId="1f5c112c79a0296d" providerId="LiveId" clId="{EEEF3436-BE3A-4069-A9FE-17852E7F22EB}" dt="2018-06-09T17:10:27.374" v="70" actId="26606"/>
-          <ac:picMkLst>
-            <pc:docMk/>
-            <pc:sldMk cId="72305853" sldId="259"/>
-            <ac:picMk id="35" creationId="{2FA5B977-D061-4746-BC95-F63DFCA46A50}"/>
-          </ac:picMkLst>
-        </pc:picChg>
-        <pc:cxnChg chg="add del">
-          <ac:chgData name="Matteo Corain" userId="1f5c112c79a0296d" providerId="LiveId" clId="{EEEF3436-BE3A-4069-A9FE-17852E7F22EB}" dt="2018-06-09T17:10:20.168" v="60" actId="26606"/>
-          <ac:cxnSpMkLst>
-            <pc:docMk/>
-            <pc:sldMk cId="72305853" sldId="259"/>
-            <ac:cxnSpMk id="13" creationId="{DB146403-F3D6-484B-B2ED-97F9565D0370}"/>
-          </ac:cxnSpMkLst>
-        </pc:cxnChg>
-        <pc:cxnChg chg="add del">
-          <ac:chgData name="Matteo Corain" userId="1f5c112c79a0296d" providerId="LiveId" clId="{EEEF3436-BE3A-4069-A9FE-17852E7F22EB}" dt="2018-06-09T17:10:20.168" v="60" actId="26606"/>
-          <ac:cxnSpMkLst>
-            <pc:docMk/>
-            <pc:sldMk cId="72305853" sldId="259"/>
-            <ac:cxnSpMk id="17" creationId="{7E7C77BC-7138-40B1-A15B-20F57A494629}"/>
-          </ac:cxnSpMkLst>
-        </pc:cxnChg>
-        <pc:cxnChg chg="add del">
-          <ac:chgData name="Matteo Corain" userId="1f5c112c79a0296d" providerId="LiveId" clId="{EEEF3436-BE3A-4069-A9FE-17852E7F22EB}" dt="2018-06-09T17:10:23.366" v="66" actId="26606"/>
-          <ac:cxnSpMkLst>
-            <pc:docMk/>
-            <pc:sldMk cId="72305853" sldId="259"/>
-            <ac:cxnSpMk id="18" creationId="{AAFEA932-2DF1-410C-A00A-7A1E7DBF7511}"/>
-          </ac:cxnSpMkLst>
-        </pc:cxnChg>
-        <pc:cxnChg chg="add del">
-          <ac:chgData name="Matteo Corain" userId="1f5c112c79a0296d" providerId="LiveId" clId="{EEEF3436-BE3A-4069-A9FE-17852E7F22EB}" dt="2018-06-09T17:10:27.374" v="70" actId="26606"/>
-          <ac:cxnSpMkLst>
-            <pc:docMk/>
-            <pc:sldMk cId="72305853" sldId="259"/>
-            <ac:cxnSpMk id="36" creationId="{62C9802A-EFBD-41D4-894F-AFD985DBA5BD}"/>
-          </ac:cxnSpMkLst>
-        </pc:cxnChg>
-      </pc:sldChg>
-      <pc:sldChg chg="add del">
-        <pc:chgData name="Matteo Corain" userId="1f5c112c79a0296d" providerId="LiveId" clId="{EEEF3436-BE3A-4069-A9FE-17852E7F22EB}" dt="2018-06-09T16:57:13.697" v="36" actId="2696"/>
-        <pc:sldMkLst>
-          <pc:docMk/>
-          <pc:sldMk cId="1883786528" sldId="259"/>
-        </pc:sldMkLst>
-      </pc:sldChg>
-      <pc:sldChg chg="addSp delSp modSp add setBg">
-        <pc:chgData name="Matteo Corain" userId="1f5c112c79a0296d" providerId="LiveId" clId="{EEEF3436-BE3A-4069-A9FE-17852E7F22EB}" dt="2018-06-09T17:26:38.997" v="236" actId="18654"/>
-        <pc:sldMkLst>
-          <pc:docMk/>
-          <pc:sldMk cId="698761611" sldId="260"/>
-        </pc:sldMkLst>
-        <pc:spChg chg="mod">
-          <ac:chgData name="Matteo Corain" userId="1f5c112c79a0296d" providerId="LiveId" clId="{EEEF3436-BE3A-4069-A9FE-17852E7F22EB}" dt="2018-06-09T17:13:30.890" v="103" actId="20577"/>
-          <ac:spMkLst>
-            <pc:docMk/>
-            <pc:sldMk cId="698761611" sldId="260"/>
-            <ac:spMk id="2" creationId="{24122F2C-13E7-4887-9CD2-17619347A98B}"/>
-          </ac:spMkLst>
-        </pc:spChg>
-        <pc:spChg chg="add del mod">
-          <ac:chgData name="Matteo Corain" userId="1f5c112c79a0296d" providerId="LiveId" clId="{EEEF3436-BE3A-4069-A9FE-17852E7F22EB}" dt="2018-06-09T17:14:31.557" v="104" actId="1032"/>
-          <ac:spMkLst>
-            <pc:docMk/>
-            <pc:sldMk cId="698761611" sldId="260"/>
-            <ac:spMk id="8" creationId="{FC4F8134-246A-432F-AEC4-F806A53580B2}"/>
-          </ac:spMkLst>
-        </pc:spChg>
-        <pc:graphicFrameChg chg="add mod">
-          <ac:chgData name="Matteo Corain" userId="1f5c112c79a0296d" providerId="LiveId" clId="{EEEF3436-BE3A-4069-A9FE-17852E7F22EB}" dt="2018-06-09T17:26:38.997" v="236" actId="18654"/>
-          <ac:graphicFrameMkLst>
-            <pc:docMk/>
-            <pc:sldMk cId="698761611" sldId="260"/>
-            <ac:graphicFrameMk id="9" creationId="{0F404AD0-0587-4C91-93BF-7014A500CD47}"/>
-          </ac:graphicFrameMkLst>
-        </pc:graphicFrameChg>
-        <pc:picChg chg="add del mod">
-          <ac:chgData name="Matteo Corain" userId="1f5c112c79a0296d" providerId="LiveId" clId="{EEEF3436-BE3A-4069-A9FE-17852E7F22EB}" dt="2018-06-09T17:18:15.948" v="214" actId="478"/>
-          <ac:picMkLst>
-            <pc:docMk/>
-            <pc:sldMk cId="698761611" sldId="260"/>
-            <ac:picMk id="11" creationId="{52935741-F813-442A-A165-1AB1FE6D1059}"/>
-          </ac:picMkLst>
-        </pc:picChg>
-        <pc:picChg chg="del">
-          <ac:chgData name="Matteo Corain" userId="1f5c112c79a0296d" providerId="LiveId" clId="{EEEF3436-BE3A-4069-A9FE-17852E7F22EB}" dt="2018-06-09T17:13:20.684" v="77" actId="478"/>
-          <ac:picMkLst>
-            <pc:docMk/>
-            <pc:sldMk cId="698761611" sldId="260"/>
-            <ac:picMk id="14" creationId="{5AFB27D2-E14E-4E9E-8BAC-1A325CBDC9C3}"/>
-          </ac:picMkLst>
-        </pc:picChg>
-      </pc:sldChg>
-      <pc:sldChg chg="addSp modSp add ord">
-        <pc:chgData name="Matteo Corain" userId="1f5c112c79a0296d" providerId="LiveId" clId="{EEEF3436-BE3A-4069-A9FE-17852E7F22EB}" dt="2018-06-09T17:32:45.064" v="398" actId="20577"/>
-        <pc:sldMkLst>
-          <pc:docMk/>
-          <pc:sldMk cId="1817442859" sldId="261"/>
-        </pc:sldMkLst>
-        <pc:spChg chg="mod">
-          <ac:chgData name="Matteo Corain" userId="1f5c112c79a0296d" providerId="LiveId" clId="{EEEF3436-BE3A-4069-A9FE-17852E7F22EB}" dt="2018-06-09T17:28:50.020" v="299" actId="14100"/>
-          <ac:spMkLst>
-            <pc:docMk/>
-            <pc:sldMk cId="1817442859" sldId="261"/>
-            <ac:spMk id="2" creationId="{18B4CC82-BC9C-446F-9C7C-C0F06AC575DA}"/>
-          </ac:spMkLst>
-        </pc:spChg>
-        <pc:spChg chg="mod">
-          <ac:chgData name="Matteo Corain" userId="1f5c112c79a0296d" providerId="LiveId" clId="{EEEF3436-BE3A-4069-A9FE-17852E7F22EB}" dt="2018-06-09T17:32:45.064" v="398" actId="20577"/>
-          <ac:spMkLst>
-            <pc:docMk/>
-            <pc:sldMk cId="1817442859" sldId="261"/>
-            <ac:spMk id="3" creationId="{08CA3832-C30B-4A5F-92EB-C38AF5B81BFA}"/>
-          </ac:spMkLst>
-        </pc:spChg>
-        <pc:picChg chg="add mod">
-          <ac:chgData name="Matteo Corain" userId="1f5c112c79a0296d" providerId="LiveId" clId="{EEEF3436-BE3A-4069-A9FE-17852E7F22EB}" dt="2018-06-09T17:29:25.089" v="305" actId="1076"/>
-          <ac:picMkLst>
-            <pc:docMk/>
-            <pc:sldMk cId="1817442859" sldId="261"/>
-            <ac:picMk id="7" creationId="{79C0EC77-2E0A-429D-97D8-9CADB2DF2FB9}"/>
-          </ac:picMkLst>
-        </pc:picChg>
-      </pc:sldChg>
-      <pc:sldChg chg="modSp add ord">
-        <pc:chgData name="Matteo Corain" userId="1f5c112c79a0296d" providerId="LiveId" clId="{EEEF3436-BE3A-4069-A9FE-17852E7F22EB}" dt="2018-06-09T17:32:57.740" v="403" actId="6549"/>
-        <pc:sldMkLst>
-          <pc:docMk/>
-          <pc:sldMk cId="1960590167" sldId="262"/>
-        </pc:sldMkLst>
-        <pc:spChg chg="mod">
-          <ac:chgData name="Matteo Corain" userId="1f5c112c79a0296d" providerId="LiveId" clId="{EEEF3436-BE3A-4069-A9FE-17852E7F22EB}" dt="2018-06-09T17:29:46.888" v="317" actId="20577"/>
-          <ac:spMkLst>
-            <pc:docMk/>
-            <pc:sldMk cId="1960590167" sldId="262"/>
-            <ac:spMk id="2" creationId="{18B4CC82-BC9C-446F-9C7C-C0F06AC575DA}"/>
-          </ac:spMkLst>
-        </pc:spChg>
-        <pc:spChg chg="mod">
-          <ac:chgData name="Matteo Corain" userId="1f5c112c79a0296d" providerId="LiveId" clId="{EEEF3436-BE3A-4069-A9FE-17852E7F22EB}" dt="2018-06-09T17:32:57.740" v="403" actId="6549"/>
-          <ac:spMkLst>
-            <pc:docMk/>
-            <pc:sldMk cId="1960590167" sldId="262"/>
-            <ac:spMk id="3" creationId="{08CA3832-C30B-4A5F-92EB-C38AF5B81BFA}"/>
-          </ac:spMkLst>
-        </pc:spChg>
-      </pc:sldChg>
-      <pc:sldChg chg="modSp add">
-        <pc:chgData name="Matteo Corain" userId="1f5c112c79a0296d" providerId="LiveId" clId="{EEEF3436-BE3A-4069-A9FE-17852E7F22EB}" dt="2018-06-09T17:32:49.916" v="401" actId="20577"/>
-        <pc:sldMkLst>
-          <pc:docMk/>
-          <pc:sldMk cId="537542433" sldId="263"/>
-        </pc:sldMkLst>
-        <pc:spChg chg="mod">
-          <ac:chgData name="Matteo Corain" userId="1f5c112c79a0296d" providerId="LiveId" clId="{EEEF3436-BE3A-4069-A9FE-17852E7F22EB}" dt="2018-06-09T17:32:00.797" v="350" actId="20577"/>
-          <ac:spMkLst>
-            <pc:docMk/>
-            <pc:sldMk cId="537542433" sldId="263"/>
-            <ac:spMk id="2" creationId="{18B4CC82-BC9C-446F-9C7C-C0F06AC575DA}"/>
-          </ac:spMkLst>
-        </pc:spChg>
-        <pc:spChg chg="mod">
-          <ac:chgData name="Matteo Corain" userId="1f5c112c79a0296d" providerId="LiveId" clId="{EEEF3436-BE3A-4069-A9FE-17852E7F22EB}" dt="2018-06-09T17:32:49.916" v="401" actId="20577"/>
-          <ac:spMkLst>
-            <pc:docMk/>
-            <pc:sldMk cId="537542433" sldId="263"/>
-            <ac:spMk id="3" creationId="{08CA3832-C30B-4A5F-92EB-C38AF5B81BFA}"/>
-          </ac:spMkLst>
-        </pc:spChg>
-      </pc:sldChg>
-      <pc:sldChg chg="modSp add">
-        <pc:chgData name="Matteo Corain" userId="1f5c112c79a0296d" providerId="LiveId" clId="{EEEF3436-BE3A-4069-A9FE-17852E7F22EB}" dt="2018-06-09T17:32:52.513" v="402" actId="6549"/>
-        <pc:sldMkLst>
-          <pc:docMk/>
-          <pc:sldMk cId="509856423" sldId="264"/>
-        </pc:sldMkLst>
-        <pc:spChg chg="mod">
-          <ac:chgData name="Matteo Corain" userId="1f5c112c79a0296d" providerId="LiveId" clId="{EEEF3436-BE3A-4069-A9FE-17852E7F22EB}" dt="2018-06-09T17:32:08.514" v="370" actId="20577"/>
-          <ac:spMkLst>
-            <pc:docMk/>
-            <pc:sldMk cId="509856423" sldId="264"/>
-            <ac:spMk id="2" creationId="{18B4CC82-BC9C-446F-9C7C-C0F06AC575DA}"/>
-          </ac:spMkLst>
-        </pc:spChg>
-        <pc:spChg chg="mod">
-          <ac:chgData name="Matteo Corain" userId="1f5c112c79a0296d" providerId="LiveId" clId="{EEEF3436-BE3A-4069-A9FE-17852E7F22EB}" dt="2018-06-09T17:32:52.513" v="402" actId="6549"/>
-          <ac:spMkLst>
-            <pc:docMk/>
-            <pc:sldMk cId="509856423" sldId="264"/>
-            <ac:spMk id="3" creationId="{08CA3832-C30B-4A5F-92EB-C38AF5B81BFA}"/>
-          </ac:spMkLst>
-        </pc:spChg>
-      </pc:sldChg>
-      <pc:sldChg chg="modSp add ord">
-        <pc:chgData name="Matteo Corain" userId="1f5c112c79a0296d" providerId="LiveId" clId="{EEEF3436-BE3A-4069-A9FE-17852E7F22EB}" dt="2018-06-09T17:33:52.430" v="471" actId="20577"/>
-        <pc:sldMkLst>
-          <pc:docMk/>
-          <pc:sldMk cId="3025225441" sldId="265"/>
-        </pc:sldMkLst>
-        <pc:spChg chg="mod">
-          <ac:chgData name="Matteo Corain" userId="1f5c112c79a0296d" providerId="LiveId" clId="{EEEF3436-BE3A-4069-A9FE-17852E7F22EB}" dt="2018-06-09T17:33:14.147" v="421" actId="20577"/>
-          <ac:spMkLst>
-            <pc:docMk/>
-            <pc:sldMk cId="3025225441" sldId="265"/>
-            <ac:spMk id="2" creationId="{18B4CC82-BC9C-446F-9C7C-C0F06AC575DA}"/>
-          </ac:spMkLst>
-        </pc:spChg>
-        <pc:spChg chg="mod">
-          <ac:chgData name="Matteo Corain" userId="1f5c112c79a0296d" providerId="LiveId" clId="{EEEF3436-BE3A-4069-A9FE-17852E7F22EB}" dt="2018-06-09T17:33:52.430" v="471" actId="20577"/>
-          <ac:spMkLst>
-            <pc:docMk/>
-            <pc:sldMk cId="3025225441" sldId="265"/>
-            <ac:spMk id="3" creationId="{08CA3832-C30B-4A5F-92EB-C38AF5B81BFA}"/>
-          </ac:spMkLst>
-        </pc:spChg>
-      </pc:sldChg>
-      <pc:sldChg chg="modSp add">
-        <pc:chgData name="Matteo Corain" userId="1f5c112c79a0296d" providerId="LiveId" clId="{EEEF3436-BE3A-4069-A9FE-17852E7F22EB}" dt="2018-06-09T17:33:45.077" v="450" actId="20577"/>
-        <pc:sldMkLst>
-          <pc:docMk/>
-          <pc:sldMk cId="88263306" sldId="266"/>
-        </pc:sldMkLst>
-        <pc:spChg chg="mod">
-          <ac:chgData name="Matteo Corain" userId="1f5c112c79a0296d" providerId="LiveId" clId="{EEEF3436-BE3A-4069-A9FE-17852E7F22EB}" dt="2018-06-09T17:33:39.012" v="435" actId="20577"/>
-          <ac:spMkLst>
-            <pc:docMk/>
-            <pc:sldMk cId="88263306" sldId="266"/>
-            <ac:spMk id="2" creationId="{18B4CC82-BC9C-446F-9C7C-C0F06AC575DA}"/>
-          </ac:spMkLst>
-        </pc:spChg>
-        <pc:spChg chg="mod">
-          <ac:chgData name="Matteo Corain" userId="1f5c112c79a0296d" providerId="LiveId" clId="{EEEF3436-BE3A-4069-A9FE-17852E7F22EB}" dt="2018-06-09T17:33:45.077" v="450" actId="20577"/>
-          <ac:spMkLst>
-            <pc:docMk/>
-            <pc:sldMk cId="88263306" sldId="266"/>
-            <ac:spMk id="3" creationId="{08CA3832-C30B-4A5F-92EB-C38AF5B81BFA}"/>
-          </ac:spMkLst>
-        </pc:spChg>
-      </pc:sldChg>
-      <pc:sldChg chg="addSp delSp modSp add">
-        <pc:chgData name="Matteo Corain" userId="1f5c112c79a0296d" providerId="LiveId" clId="{EEEF3436-BE3A-4069-A9FE-17852E7F22EB}" dt="2018-06-09T20:22:20.440" v="1036"/>
-        <pc:sldMkLst>
-          <pc:docMk/>
-          <pc:sldMk cId="1037664274" sldId="267"/>
-        </pc:sldMkLst>
-        <pc:spChg chg="mod">
-          <ac:chgData name="Matteo Corain" userId="1f5c112c79a0296d" providerId="LiveId" clId="{EEEF3436-BE3A-4069-A9FE-17852E7F22EB}" dt="2018-06-09T17:35:03.457" v="509" actId="20577"/>
-          <ac:spMkLst>
-            <pc:docMk/>
-            <pc:sldMk cId="1037664274" sldId="267"/>
-            <ac:spMk id="2" creationId="{24122F2C-13E7-4887-9CD2-17619347A98B}"/>
-          </ac:spMkLst>
-        </pc:spChg>
-        <pc:spChg chg="del mod">
-          <ac:chgData name="Matteo Corain" userId="1f5c112c79a0296d" providerId="LiveId" clId="{EEEF3436-BE3A-4069-A9FE-17852E7F22EB}" dt="2018-06-09T17:34:58.635" v="495" actId="1032"/>
-          <ac:spMkLst>
-            <pc:docMk/>
-            <pc:sldMk cId="1037664274" sldId="267"/>
-            <ac:spMk id="3" creationId="{5AEF10D1-4C32-4139-B0C5-06821DCE0F9C}"/>
-          </ac:spMkLst>
-        </pc:spChg>
-        <pc:graphicFrameChg chg="add mod">
-          <ac:chgData name="Matteo Corain" userId="1f5c112c79a0296d" providerId="LiveId" clId="{EEEF3436-BE3A-4069-A9FE-17852E7F22EB}" dt="2018-06-09T20:22:20.440" v="1036"/>
-          <ac:graphicFrameMkLst>
-            <pc:docMk/>
-            <pc:sldMk cId="1037664274" sldId="267"/>
-            <ac:graphicFrameMk id="8" creationId="{6D33221C-BAC6-497B-85F8-8C112D61DD8B}"/>
-          </ac:graphicFrameMkLst>
-        </pc:graphicFrameChg>
-      </pc:sldChg>
-      <pc:sldChg chg="addSp delSp modSp add">
-        <pc:chgData name="Matteo Corain" userId="1f5c112c79a0296d" providerId="LiveId" clId="{EEEF3436-BE3A-4069-A9FE-17852E7F22EB}" dt="2018-06-09T20:30:38.333" v="1748" actId="13782"/>
-        <pc:sldMkLst>
-          <pc:docMk/>
-          <pc:sldMk cId="2367010815" sldId="268"/>
-        </pc:sldMkLst>
-        <pc:spChg chg="mod">
-          <ac:chgData name="Matteo Corain" userId="1f5c112c79a0296d" providerId="LiveId" clId="{EEEF3436-BE3A-4069-A9FE-17852E7F22EB}" dt="2018-06-09T20:22:40.840" v="1051" actId="20577"/>
-          <ac:spMkLst>
-            <pc:docMk/>
-            <pc:sldMk cId="2367010815" sldId="268"/>
-            <ac:spMk id="2" creationId="{24122F2C-13E7-4887-9CD2-17619347A98B}"/>
-          </ac:spMkLst>
-        </pc:spChg>
-        <pc:spChg chg="add del mod">
-          <ac:chgData name="Matteo Corain" userId="1f5c112c79a0296d" providerId="LiveId" clId="{EEEF3436-BE3A-4069-A9FE-17852E7F22EB}" dt="2018-06-09T20:30:24.224" v="1747" actId="12084"/>
-          <ac:spMkLst>
-            <pc:docMk/>
-            <pc:sldMk cId="2367010815" sldId="268"/>
-            <ac:spMk id="3" creationId="{C29376D2-01ED-487A-875B-073CC5D582CB}"/>
-          </ac:spMkLst>
-        </pc:spChg>
-        <pc:spChg chg="add del mod">
-          <ac:chgData name="Matteo Corain" userId="1f5c112c79a0296d" providerId="LiveId" clId="{EEEF3436-BE3A-4069-A9FE-17852E7F22EB}" dt="2018-06-09T20:28:50.396" v="1578" actId="478"/>
-          <ac:spMkLst>
-            <pc:docMk/>
-            <pc:sldMk cId="2367010815" sldId="268"/>
-            <ac:spMk id="12" creationId="{1CC2A5E7-F750-4EDF-B0BA-4E5FA7C0C95B}"/>
-          </ac:spMkLst>
-        </pc:spChg>
-        <pc:graphicFrameChg chg="del mod">
-          <ac:chgData name="Matteo Corain" userId="1f5c112c79a0296d" providerId="LiveId" clId="{EEEF3436-BE3A-4069-A9FE-17852E7F22EB}" dt="2018-06-09T20:22:48.005" v="1055" actId="478"/>
-          <ac:graphicFrameMkLst>
-            <pc:docMk/>
-            <pc:sldMk cId="2367010815" sldId="268"/>
-            <ac:graphicFrameMk id="8" creationId="{6D33221C-BAC6-497B-85F8-8C112D61DD8B}"/>
-          </ac:graphicFrameMkLst>
-        </pc:graphicFrameChg>
-        <pc:graphicFrameChg chg="add del mod">
-          <ac:chgData name="Matteo Corain" userId="1f5c112c79a0296d" providerId="LiveId" clId="{EEEF3436-BE3A-4069-A9FE-17852E7F22EB}" dt="2018-06-09T20:27:17.051" v="1571" actId="478"/>
-          <ac:graphicFrameMkLst>
-            <pc:docMk/>
-            <pc:sldMk cId="2367010815" sldId="268"/>
-            <ac:graphicFrameMk id="9" creationId="{3631B474-0B8F-4948-9BC7-F6942DAAF163}"/>
-          </ac:graphicFrameMkLst>
-        </pc:graphicFrameChg>
-        <pc:graphicFrameChg chg="add del mod">
-          <ac:chgData name="Matteo Corain" userId="1f5c112c79a0296d" providerId="LiveId" clId="{EEEF3436-BE3A-4069-A9FE-17852E7F22EB}" dt="2018-06-09T20:28:51.313" v="1579"/>
-          <ac:graphicFrameMkLst>
-            <pc:docMk/>
-            <pc:sldMk cId="2367010815" sldId="268"/>
-            <ac:graphicFrameMk id="10" creationId="{86480E9F-90D4-469D-BC60-2965A997A752}"/>
-          </ac:graphicFrameMkLst>
-        </pc:graphicFrameChg>
-        <pc:graphicFrameChg chg="add mod">
-          <ac:chgData name="Matteo Corain" userId="1f5c112c79a0296d" providerId="LiveId" clId="{EEEF3436-BE3A-4069-A9FE-17852E7F22EB}" dt="2018-06-09T20:30:38.333" v="1748" actId="13782"/>
-          <ac:graphicFrameMkLst>
-            <pc:docMk/>
-            <pc:sldMk cId="2367010815" sldId="268"/>
-            <ac:graphicFrameMk id="13" creationId="{0D204C79-627B-42BE-BDBD-C2741C66851C}"/>
-          </ac:graphicFrameMkLst>
-        </pc:graphicFrameChg>
-      </pc:sldChg>
-      <pc:sldChg chg="addSp delSp modSp add del">
-        <pc:chgData name="Matteo Corain" userId="1f5c112c79a0296d" providerId="LiveId" clId="{EEEF3436-BE3A-4069-A9FE-17852E7F22EB}" dt="2018-06-09T17:52:38.699" v="1014" actId="2696"/>
-        <pc:sldMkLst>
-          <pc:docMk/>
-          <pc:sldMk cId="3501955549" sldId="268"/>
-        </pc:sldMkLst>
-        <pc:spChg chg="add del mod">
-          <ac:chgData name="Matteo Corain" userId="1f5c112c79a0296d" providerId="LiveId" clId="{EEEF3436-BE3A-4069-A9FE-17852E7F22EB}" dt="2018-06-09T17:47:22.571" v="948" actId="1032"/>
-          <ac:spMkLst>
-            <pc:docMk/>
-            <pc:sldMk cId="3501955549" sldId="268"/>
-            <ac:spMk id="3" creationId="{A3618485-7E1D-4BF4-9252-DC03A207D06D}"/>
-          </ac:spMkLst>
-        </pc:spChg>
-        <pc:spChg chg="add del mod">
-          <ac:chgData name="Matteo Corain" userId="1f5c112c79a0296d" providerId="LiveId" clId="{EEEF3436-BE3A-4069-A9FE-17852E7F22EB}" dt="2018-06-09T17:49:47.383" v="986" actId="1032"/>
-          <ac:spMkLst>
-            <pc:docMk/>
-            <pc:sldMk cId="3501955549" sldId="268"/>
-            <ac:spMk id="10" creationId="{5FF0618C-D82F-4093-84FD-229B98F6F6A8}"/>
-          </ac:spMkLst>
-        </pc:spChg>
-        <pc:graphicFrameChg chg="del">
-          <ac:chgData name="Matteo Corain" userId="1f5c112c79a0296d" providerId="LiveId" clId="{EEEF3436-BE3A-4069-A9FE-17852E7F22EB}" dt="2018-06-09T17:47:14.565" v="947" actId="478"/>
-          <ac:graphicFrameMkLst>
-            <pc:docMk/>
-            <pc:sldMk cId="3501955549" sldId="268"/>
-            <ac:graphicFrameMk id="8" creationId="{6D33221C-BAC6-497B-85F8-8C112D61DD8B}"/>
-          </ac:graphicFrameMkLst>
-        </pc:graphicFrameChg>
-        <pc:graphicFrameChg chg="add del mod">
-          <ac:chgData name="Matteo Corain" userId="1f5c112c79a0296d" providerId="LiveId" clId="{EEEF3436-BE3A-4069-A9FE-17852E7F22EB}" dt="2018-06-09T17:49:39.426" v="985" actId="478"/>
-          <ac:graphicFrameMkLst>
-            <pc:docMk/>
-            <pc:sldMk cId="3501955549" sldId="268"/>
-            <ac:graphicFrameMk id="9" creationId="{6953834E-BEEA-42CA-AB5B-E4955D740EAC}"/>
-          </ac:graphicFrameMkLst>
-        </pc:graphicFrameChg>
-        <pc:graphicFrameChg chg="add mod">
-          <ac:chgData name="Matteo Corain" userId="1f5c112c79a0296d" providerId="LiveId" clId="{EEEF3436-BE3A-4069-A9FE-17852E7F22EB}" dt="2018-06-09T17:52:24.904" v="1013"/>
-          <ac:graphicFrameMkLst>
-            <pc:docMk/>
-            <pc:sldMk cId="3501955549" sldId="268"/>
-            <ac:graphicFrameMk id="11" creationId="{C8578435-54FF-4F86-A21B-70EF77343BD0}"/>
-          </ac:graphicFrameMkLst>
-        </pc:graphicFrameChg>
-      </pc:sldChg>
-      <pc:sldChg chg="addSp delSp modSp add">
-        <pc:chgData name="Matteo Corain" userId="1f5c112c79a0296d" providerId="LiveId" clId="{EEEF3436-BE3A-4069-A9FE-17852E7F22EB}" dt="2018-06-09T20:31:00.743" v="1750" actId="13782"/>
-        <pc:sldMkLst>
-          <pc:docMk/>
-          <pc:sldMk cId="3010972102" sldId="269"/>
-        </pc:sldMkLst>
-        <pc:spChg chg="mod">
-          <ac:chgData name="Matteo Corain" userId="1f5c112c79a0296d" providerId="LiveId" clId="{EEEF3436-BE3A-4069-A9FE-17852E7F22EB}" dt="2018-06-09T20:22:59.551" v="1073" actId="20577"/>
-          <ac:spMkLst>
-            <pc:docMk/>
-            <pc:sldMk cId="3010972102" sldId="269"/>
-            <ac:spMk id="2" creationId="{24122F2C-13E7-4887-9CD2-17619347A98B}"/>
-          </ac:spMkLst>
-        </pc:spChg>
-        <pc:spChg chg="add del mod">
-          <ac:chgData name="Matteo Corain" userId="1f5c112c79a0296d" providerId="LiveId" clId="{EEEF3436-BE3A-4069-A9FE-17852E7F22EB}" dt="2018-06-09T20:30:52.977" v="1749" actId="12084"/>
-          <ac:spMkLst>
-            <pc:docMk/>
-            <pc:sldMk cId="3010972102" sldId="269"/>
-            <ac:spMk id="3" creationId="{535A0D48-15D4-4AC4-922B-04291CB2C163}"/>
-          </ac:spMkLst>
-        </pc:spChg>
-        <pc:graphicFrameChg chg="del">
-          <ac:chgData name="Matteo Corain" userId="1f5c112c79a0296d" providerId="LiveId" clId="{EEEF3436-BE3A-4069-A9FE-17852E7F22EB}" dt="2018-06-09T20:22:52.384" v="1056" actId="478"/>
-          <ac:graphicFrameMkLst>
-            <pc:docMk/>
-            <pc:sldMk cId="3010972102" sldId="269"/>
-            <ac:graphicFrameMk id="8" creationId="{6D33221C-BAC6-497B-85F8-8C112D61DD8B}"/>
-          </ac:graphicFrameMkLst>
-        </pc:graphicFrameChg>
-        <pc:graphicFrameChg chg="add mod">
-          <ac:chgData name="Matteo Corain" userId="1f5c112c79a0296d" providerId="LiveId" clId="{EEEF3436-BE3A-4069-A9FE-17852E7F22EB}" dt="2018-06-09T20:31:00.743" v="1750" actId="13782"/>
-          <ac:graphicFrameMkLst>
-            <pc:docMk/>
-            <pc:sldMk cId="3010972102" sldId="269"/>
-            <ac:graphicFrameMk id="9" creationId="{63BDD22B-EB75-4831-84B7-0A782352A8A3}"/>
-          </ac:graphicFrameMkLst>
-        </pc:graphicFrameChg>
-      </pc:sldChg>
-      <pc:sldChg chg="addSp delSp modSp add">
-        <pc:chgData name="Matteo Corain" userId="1f5c112c79a0296d" providerId="LiveId" clId="{EEEF3436-BE3A-4069-A9FE-17852E7F22EB}" dt="2018-06-09T20:31:26.250" v="1780" actId="20577"/>
-        <pc:sldMkLst>
-          <pc:docMk/>
-          <pc:sldMk cId="2946601969" sldId="270"/>
-        </pc:sldMkLst>
-        <pc:spChg chg="mod">
-          <ac:chgData name="Matteo Corain" userId="1f5c112c79a0296d" providerId="LiveId" clId="{EEEF3436-BE3A-4069-A9FE-17852E7F22EB}" dt="2018-06-09T20:23:07.083" v="1088" actId="20577"/>
-          <ac:spMkLst>
-            <pc:docMk/>
-            <pc:sldMk cId="2946601969" sldId="270"/>
-            <ac:spMk id="2" creationId="{24122F2C-13E7-4887-9CD2-17619347A98B}"/>
-          </ac:spMkLst>
-        </pc:spChg>
-        <pc:spChg chg="add del mod">
-          <ac:chgData name="Matteo Corain" userId="1f5c112c79a0296d" providerId="LiveId" clId="{EEEF3436-BE3A-4069-A9FE-17852E7F22EB}" dt="2018-06-09T20:31:11.440" v="1751" actId="12084"/>
-          <ac:spMkLst>
-            <pc:docMk/>
-            <pc:sldMk cId="2946601969" sldId="270"/>
-            <ac:spMk id="3" creationId="{C3BFA7FF-546C-4B90-A12D-37BE4BE9DEB0}"/>
-          </ac:spMkLst>
-        </pc:spChg>
-        <pc:graphicFrameChg chg="del">
-          <ac:chgData name="Matteo Corain" userId="1f5c112c79a0296d" providerId="LiveId" clId="{EEEF3436-BE3A-4069-A9FE-17852E7F22EB}" dt="2018-06-09T20:23:10.469" v="1089" actId="478"/>
-          <ac:graphicFrameMkLst>
-            <pc:docMk/>
-            <pc:sldMk cId="2946601969" sldId="270"/>
-            <ac:graphicFrameMk id="8" creationId="{6D33221C-BAC6-497B-85F8-8C112D61DD8B}"/>
-          </ac:graphicFrameMkLst>
-        </pc:graphicFrameChg>
-        <pc:graphicFrameChg chg="add mod">
-          <ac:chgData name="Matteo Corain" userId="1f5c112c79a0296d" providerId="LiveId" clId="{EEEF3436-BE3A-4069-A9FE-17852E7F22EB}" dt="2018-06-09T20:31:26.250" v="1780" actId="20577"/>
-          <ac:graphicFrameMkLst>
-            <pc:docMk/>
-            <pc:sldMk cId="2946601969" sldId="270"/>
-            <ac:graphicFrameMk id="9" creationId="{99D9DBCC-DC1E-4C4D-AABF-54E48903CC9B}"/>
-          </ac:graphicFrameMkLst>
-        </pc:graphicFrameChg>
-      </pc:sldChg>
-    </pc:docChg>
-  </pc:docChgLst>
-</pc:chgInfo>
 </file>
 
 <file path=ppt/diagrams/colors1.xml><?xml version="1.0" encoding="utf-8"?>
@@ -21065,7 +20346,7 @@
           <a:p>
             <a:fld id="{2ED773D2-BFB1-40FD-AE2B-ED3AC651F5FF}" type="datetimeFigureOut">
               <a:rPr lang="it-IT" smtClean="0"/>
-              <a:t>09/06/2018</a:t>
+              <a:t>11/06/2018</a:t>
             </a:fld>
             <a:endParaRPr lang="it-IT"/>
           </a:p>
@@ -21551,13 +20832,13 @@
   <p:clrMapOvr>
     <a:masterClrMapping/>
   </p:clrMapOvr>
-  <mc:AlternateContent xmlns:mc="http://schemas.openxmlformats.org/markup-compatibility/2006">
-    <mc:Choice xmlns:p14="http://schemas.microsoft.com/office/powerpoint/2010/main" Requires="p14">
+  <mc:AlternateContent xmlns:mc="http://schemas.openxmlformats.org/markup-compatibility/2006" xmlns:p14="http://schemas.microsoft.com/office/powerpoint/2010/main">
+    <mc:Choice Requires="p14">
       <p:transition spd="med" p14:dur="700">
         <p:fade/>
       </p:transition>
     </mc:Choice>
-    <mc:Fallback>
+    <mc:Fallback xmlns="">
       <p:transition spd="med">
         <p:fade/>
       </p:transition>
@@ -21763,13 +21044,13 @@
   <p:clrMapOvr>
     <a:masterClrMapping/>
   </p:clrMapOvr>
-  <mc:AlternateContent xmlns:mc="http://schemas.openxmlformats.org/markup-compatibility/2006">
-    <mc:Choice xmlns:p14="http://schemas.microsoft.com/office/powerpoint/2010/main" Requires="p14">
+  <mc:AlternateContent xmlns:mc="http://schemas.openxmlformats.org/markup-compatibility/2006" xmlns:p14="http://schemas.microsoft.com/office/powerpoint/2010/main">
+    <mc:Choice Requires="p14">
       <p:transition spd="med" p14:dur="700">
         <p:fade/>
       </p:transition>
     </mc:Choice>
-    <mc:Fallback>
+    <mc:Fallback xmlns="">
       <p:transition spd="med">
         <p:fade/>
       </p:transition>
@@ -21985,13 +21266,13 @@
   <p:clrMapOvr>
     <a:masterClrMapping/>
   </p:clrMapOvr>
-  <mc:AlternateContent xmlns:mc="http://schemas.openxmlformats.org/markup-compatibility/2006">
-    <mc:Choice xmlns:p14="http://schemas.microsoft.com/office/powerpoint/2010/main" Requires="p14">
+  <mc:AlternateContent xmlns:mc="http://schemas.openxmlformats.org/markup-compatibility/2006" xmlns:p14="http://schemas.microsoft.com/office/powerpoint/2010/main">
+    <mc:Choice Requires="p14">
       <p:transition spd="med" p14:dur="700">
         <p:fade/>
       </p:transition>
     </mc:Choice>
-    <mc:Fallback>
+    <mc:Fallback xmlns="">
       <p:transition spd="med">
         <p:fade/>
       </p:transition>
@@ -22197,13 +21478,13 @@
   <p:clrMapOvr>
     <a:masterClrMapping/>
   </p:clrMapOvr>
-  <mc:AlternateContent xmlns:mc="http://schemas.openxmlformats.org/markup-compatibility/2006">
-    <mc:Choice xmlns:p14="http://schemas.microsoft.com/office/powerpoint/2010/main" Requires="p14">
+  <mc:AlternateContent xmlns:mc="http://schemas.openxmlformats.org/markup-compatibility/2006" xmlns:p14="http://schemas.microsoft.com/office/powerpoint/2010/main">
+    <mc:Choice Requires="p14">
       <p:transition spd="med" p14:dur="700">
         <p:fade/>
       </p:transition>
     </mc:Choice>
-    <mc:Fallback>
+    <mc:Fallback xmlns="">
       <p:transition spd="med">
         <p:fade/>
       </p:transition>
@@ -22486,13 +21767,13 @@
   <p:clrMapOvr>
     <a:masterClrMapping/>
   </p:clrMapOvr>
-  <mc:AlternateContent xmlns:mc="http://schemas.openxmlformats.org/markup-compatibility/2006">
-    <mc:Choice xmlns:p14="http://schemas.microsoft.com/office/powerpoint/2010/main" Requires="p14">
+  <mc:AlternateContent xmlns:mc="http://schemas.openxmlformats.org/markup-compatibility/2006" xmlns:p14="http://schemas.microsoft.com/office/powerpoint/2010/main">
+    <mc:Choice Requires="p14">
       <p:transition spd="med" p14:dur="700">
         <p:fade/>
       </p:transition>
     </mc:Choice>
-    <mc:Fallback>
+    <mc:Fallback xmlns="">
       <p:transition spd="med">
         <p:fade/>
       </p:transition>
@@ -22765,13 +22046,13 @@
   <p:clrMapOvr>
     <a:masterClrMapping/>
   </p:clrMapOvr>
-  <mc:AlternateContent xmlns:mc="http://schemas.openxmlformats.org/markup-compatibility/2006">
-    <mc:Choice xmlns:p14="http://schemas.microsoft.com/office/powerpoint/2010/main" Requires="p14">
+  <mc:AlternateContent xmlns:mc="http://schemas.openxmlformats.org/markup-compatibility/2006" xmlns:p14="http://schemas.microsoft.com/office/powerpoint/2010/main">
+    <mc:Choice Requires="p14">
       <p:transition spd="med" p14:dur="700">
         <p:fade/>
       </p:transition>
     </mc:Choice>
-    <mc:Fallback>
+    <mc:Fallback xmlns="">
       <p:transition spd="med">
         <p:fade/>
       </p:transition>
@@ -23191,13 +22472,13 @@
   <p:clrMapOvr>
     <a:masterClrMapping/>
   </p:clrMapOvr>
-  <mc:AlternateContent xmlns:mc="http://schemas.openxmlformats.org/markup-compatibility/2006">
-    <mc:Choice xmlns:p14="http://schemas.microsoft.com/office/powerpoint/2010/main" Requires="p14">
+  <mc:AlternateContent xmlns:mc="http://schemas.openxmlformats.org/markup-compatibility/2006" xmlns:p14="http://schemas.microsoft.com/office/powerpoint/2010/main">
+    <mc:Choice Requires="p14">
       <p:transition spd="med" p14:dur="700">
         <p:fade/>
       </p:transition>
     </mc:Choice>
-    <mc:Fallback>
+    <mc:Fallback xmlns="">
       <p:transition spd="med">
         <p:fade/>
       </p:transition>
@@ -23346,13 +22627,13 @@
   <p:clrMapOvr>
     <a:masterClrMapping/>
   </p:clrMapOvr>
-  <mc:AlternateContent xmlns:mc="http://schemas.openxmlformats.org/markup-compatibility/2006">
-    <mc:Choice xmlns:p14="http://schemas.microsoft.com/office/powerpoint/2010/main" Requires="p14">
+  <mc:AlternateContent xmlns:mc="http://schemas.openxmlformats.org/markup-compatibility/2006" xmlns:p14="http://schemas.microsoft.com/office/powerpoint/2010/main">
+    <mc:Choice Requires="p14">
       <p:transition spd="med" p14:dur="700">
         <p:fade/>
       </p:transition>
     </mc:Choice>
-    <mc:Fallback>
+    <mc:Fallback xmlns="">
       <p:transition spd="med">
         <p:fade/>
       </p:transition>
@@ -23473,13 +22754,13 @@
   <p:clrMapOvr>
     <a:masterClrMapping/>
   </p:clrMapOvr>
-  <mc:AlternateContent xmlns:mc="http://schemas.openxmlformats.org/markup-compatibility/2006">
-    <mc:Choice xmlns:p14="http://schemas.microsoft.com/office/powerpoint/2010/main" Requires="p14">
+  <mc:AlternateContent xmlns:mc="http://schemas.openxmlformats.org/markup-compatibility/2006" xmlns:p14="http://schemas.microsoft.com/office/powerpoint/2010/main">
+    <mc:Choice Requires="p14">
       <p:transition spd="med" p14:dur="700">
         <p:fade/>
       </p:transition>
     </mc:Choice>
-    <mc:Fallback>
+    <mc:Fallback xmlns="">
       <p:transition spd="med">
         <p:fade/>
       </p:transition>
@@ -23798,13 +23079,13 @@
   <p:clrMapOvr>
     <a:masterClrMapping/>
   </p:clrMapOvr>
-  <mc:AlternateContent xmlns:mc="http://schemas.openxmlformats.org/markup-compatibility/2006">
-    <mc:Choice xmlns:p14="http://schemas.microsoft.com/office/powerpoint/2010/main" Requires="p14">
+  <mc:AlternateContent xmlns:mc="http://schemas.openxmlformats.org/markup-compatibility/2006" xmlns:p14="http://schemas.microsoft.com/office/powerpoint/2010/main">
+    <mc:Choice Requires="p14">
       <p:transition spd="med" p14:dur="700">
         <p:fade/>
       </p:transition>
     </mc:Choice>
-    <mc:Fallback>
+    <mc:Fallback xmlns="">
       <p:transition spd="med">
         <p:fade/>
       </p:transition>
@@ -24100,13 +23381,13 @@
   <p:clrMapOvr>
     <a:masterClrMapping/>
   </p:clrMapOvr>
-  <mc:AlternateContent xmlns:mc="http://schemas.openxmlformats.org/markup-compatibility/2006">
-    <mc:Choice xmlns:p14="http://schemas.microsoft.com/office/powerpoint/2010/main" Requires="p14">
+  <mc:AlternateContent xmlns:mc="http://schemas.openxmlformats.org/markup-compatibility/2006" xmlns:p14="http://schemas.microsoft.com/office/powerpoint/2010/main">
+    <mc:Choice Requires="p14">
       <p:transition spd="med" p14:dur="700">
         <p:fade/>
       </p:transition>
     </mc:Choice>
-    <mc:Fallback>
+    <mc:Fallback xmlns="">
       <p:transition spd="med">
         <p:fade/>
       </p:transition>
@@ -24402,13 +23683,13 @@
     <p:sldLayoutId id="2147483658" r:id="rId10"/>
     <p:sldLayoutId id="2147483659" r:id="rId11"/>
   </p:sldLayoutIdLst>
-  <mc:AlternateContent xmlns:mc="http://schemas.openxmlformats.org/markup-compatibility/2006">
-    <mc:Choice xmlns:p14="http://schemas.microsoft.com/office/powerpoint/2010/main" Requires="p14">
+  <mc:AlternateContent xmlns:mc="http://schemas.openxmlformats.org/markup-compatibility/2006" xmlns:p14="http://schemas.microsoft.com/office/powerpoint/2010/main">
+    <mc:Choice Requires="p14">
       <p:transition spd="med" p14:dur="700">
         <p:fade/>
       </p:transition>
     </mc:Choice>
-    <mc:Fallback>
+    <mc:Fallback xmlns="">
       <p:transition spd="med">
         <p:fade/>
       </p:transition>
@@ -25046,13 +24327,13 @@
   <p:clrMapOvr>
     <a:masterClrMapping/>
   </p:clrMapOvr>
-  <mc:AlternateContent xmlns:mc="http://schemas.openxmlformats.org/markup-compatibility/2006">
-    <mc:Choice xmlns:p14="http://schemas.microsoft.com/office/powerpoint/2010/main" Requires="p14">
+  <mc:AlternateContent xmlns:mc="http://schemas.openxmlformats.org/markup-compatibility/2006" xmlns:p14="http://schemas.microsoft.com/office/powerpoint/2010/main">
+    <mc:Choice Requires="p14">
       <p:transition spd="med" p14:dur="700">
         <p:fade/>
       </p:transition>
     </mc:Choice>
-    <mc:Fallback>
+    <mc:Fallback xmlns="">
       <p:transition spd="med">
         <p:fade/>
       </p:transition>
@@ -25278,13 +24559,13 @@
   <p:clrMapOvr>
     <a:masterClrMapping/>
   </p:clrMapOvr>
-  <mc:AlternateContent xmlns:mc="http://schemas.openxmlformats.org/markup-compatibility/2006">
-    <mc:Choice xmlns:p14="http://schemas.microsoft.com/office/powerpoint/2010/main" Requires="p14">
+  <mc:AlternateContent xmlns:mc="http://schemas.openxmlformats.org/markup-compatibility/2006" xmlns:p14="http://schemas.microsoft.com/office/powerpoint/2010/main">
+    <mc:Choice Requires="p14">
       <p:transition spd="med" p14:dur="700">
         <p:fade/>
       </p:transition>
     </mc:Choice>
-    <mc:Fallback>
+    <mc:Fallback xmlns="">
       <p:transition spd="med">
         <p:fade/>
       </p:transition>
@@ -25512,13 +24793,13 @@
   <p:clrMapOvr>
     <a:masterClrMapping/>
   </p:clrMapOvr>
-  <mc:AlternateContent xmlns:mc="http://schemas.openxmlformats.org/markup-compatibility/2006">
-    <mc:Choice xmlns:p14="http://schemas.microsoft.com/office/powerpoint/2010/main" Requires="p14">
+  <mc:AlternateContent xmlns:mc="http://schemas.openxmlformats.org/markup-compatibility/2006" xmlns:p14="http://schemas.microsoft.com/office/powerpoint/2010/main">
+    <mc:Choice Requires="p14">
       <p:transition spd="med" p14:dur="700">
         <p:fade/>
       </p:transition>
     </mc:Choice>
-    <mc:Fallback>
+    <mc:Fallback xmlns="">
       <p:transition spd="med">
         <p:fade/>
       </p:transition>
@@ -25754,13 +25035,13 @@
   <p:clrMapOvr>
     <a:masterClrMapping/>
   </p:clrMapOvr>
-  <mc:AlternateContent xmlns:mc="http://schemas.openxmlformats.org/markup-compatibility/2006">
-    <mc:Choice xmlns:p14="http://schemas.microsoft.com/office/powerpoint/2010/main" Requires="p14">
+  <mc:AlternateContent xmlns:mc="http://schemas.openxmlformats.org/markup-compatibility/2006" xmlns:p14="http://schemas.microsoft.com/office/powerpoint/2010/main">
+    <mc:Choice Requires="p14">
       <p:transition spd="med" p14:dur="700">
         <p:fade/>
       </p:transition>
     </mc:Choice>
-    <mc:Fallback>
+    <mc:Fallback xmlns="">
       <p:transition spd="med">
         <p:fade/>
       </p:transition>
@@ -25770,6 +25051,2839 @@
 </file>
 
 <file path=ppt/slides/slide13.xml><?xml version="1.0" encoding="utf-8"?>
+<p:sld xmlns:a="http://schemas.openxmlformats.org/drawingml/2006/main" xmlns:r="http://schemas.openxmlformats.org/officeDocument/2006/relationships" xmlns:p="http://schemas.openxmlformats.org/presentationml/2006/main">
+  <p:cSld>
+    <p:spTree>
+      <p:nvGrpSpPr>
+        <p:cNvPr id="1" name=""/>
+        <p:cNvGrpSpPr/>
+        <p:nvPr/>
+      </p:nvGrpSpPr>
+      <p:grpSpPr>
+        <a:xfrm>
+          <a:off x="0" y="0"/>
+          <a:ext cx="0" cy="0"/>
+          <a:chOff x="0" y="0"/>
+          <a:chExt cx="0" cy="0"/>
+        </a:xfrm>
+      </p:grpSpPr>
+      <p:sp>
+        <p:nvSpPr>
+          <p:cNvPr id="2" name="Titolo 1">
+            <a:extLst>
+              <a:ext uri="{FF2B5EF4-FFF2-40B4-BE49-F238E27FC236}">
+                <a16:creationId xmlns:a16="http://schemas.microsoft.com/office/drawing/2014/main" id="{DB93A0B8-F4FE-4859-B2F3-9181AFEF72EA}"/>
+              </a:ext>
+            </a:extLst>
+          </p:cNvPr>
+          <p:cNvSpPr>
+            <a:spLocks noGrp="1"/>
+          </p:cNvSpPr>
+          <p:nvPr>
+            <p:ph type="title"/>
+          </p:nvPr>
+        </p:nvSpPr>
+        <p:spPr>
+          <a:xfrm>
+            <a:off x="2536825" y="136526"/>
+            <a:ext cx="9169400" cy="1035570"/>
+          </a:xfrm>
+        </p:spPr>
+        <p:txBody>
+          <a:bodyPr/>
+          <a:lstStyle/>
+          <a:p>
+            <a:r>
+              <a:rPr lang="it-IT" dirty="0"/>
+              <a:t>Step 1: Design</a:t>
+            </a:r>
+          </a:p>
+        </p:txBody>
+      </p:sp>
+      <p:sp>
+        <p:nvSpPr>
+          <p:cNvPr id="3" name="Segnaposto testo 2">
+            <a:extLst>
+              <a:ext uri="{FF2B5EF4-FFF2-40B4-BE49-F238E27FC236}">
+                <a16:creationId xmlns:a16="http://schemas.microsoft.com/office/drawing/2014/main" id="{86B9C604-3A8D-43A1-9C87-829D86772CED}"/>
+              </a:ext>
+            </a:extLst>
+          </p:cNvPr>
+          <p:cNvSpPr>
+            <a:spLocks noGrp="1"/>
+          </p:cNvSpPr>
+          <p:nvPr>
+            <p:ph type="body" idx="1"/>
+          </p:nvPr>
+        </p:nvSpPr>
+        <p:spPr>
+          <a:xfrm>
+            <a:off x="838200" y="1980379"/>
+            <a:ext cx="4762500" cy="3517342"/>
+          </a:xfrm>
+        </p:spPr>
+        <p:txBody>
+          <a:bodyPr>
+            <a:normAutofit/>
+          </a:bodyPr>
+          <a:lstStyle/>
+          <a:p>
+            <a:r>
+              <a:rPr lang="it-IT" dirty="0">
+                <a:solidFill>
+                  <a:schemeClr val="tx1"/>
+                </a:solidFill>
+              </a:rPr>
+              <a:t>Once </a:t>
+            </a:r>
+            <a:r>
+              <a:rPr lang="it-IT" dirty="0" err="1">
+                <a:solidFill>
+                  <a:schemeClr val="tx1"/>
+                </a:solidFill>
+              </a:rPr>
+              <a:t>opened</a:t>
+            </a:r>
+            <a:r>
+              <a:rPr lang="it-IT" dirty="0">
+                <a:solidFill>
+                  <a:schemeClr val="tx1"/>
+                </a:solidFill>
+              </a:rPr>
+              <a:t> </a:t>
+            </a:r>
+            <a:r>
+              <a:rPr lang="it-IT" dirty="0" err="1">
+                <a:solidFill>
+                  <a:schemeClr val="tx1"/>
+                </a:solidFill>
+              </a:rPr>
+              <a:t>it</a:t>
+            </a:r>
+            <a:r>
+              <a:rPr lang="it-IT" dirty="0">
+                <a:solidFill>
+                  <a:schemeClr val="tx1"/>
+                </a:solidFill>
+              </a:rPr>
+              <a:t> shows:</a:t>
+            </a:r>
+          </a:p>
+          <a:p>
+            <a:pPr marL="342900" indent="-342900">
+              <a:buFont typeface="Arial" panose="020B0604020202020204" pitchFamily="34" charset="0"/>
+              <a:buChar char="•"/>
+            </a:pPr>
+            <a:r>
+              <a:rPr lang="it-IT" dirty="0" err="1">
+                <a:solidFill>
+                  <a:schemeClr val="tx1"/>
+                </a:solidFill>
+              </a:rPr>
+              <a:t>User’s</a:t>
+            </a:r>
+            <a:r>
+              <a:rPr lang="it-IT" dirty="0">
+                <a:solidFill>
+                  <a:schemeClr val="tx1"/>
+                </a:solidFill>
+              </a:rPr>
+              <a:t> </a:t>
+            </a:r>
+            <a:r>
+              <a:rPr lang="it-IT" dirty="0" err="1">
+                <a:solidFill>
+                  <a:schemeClr val="tx1"/>
+                </a:solidFill>
+              </a:rPr>
+              <a:t>name</a:t>
+            </a:r>
+            <a:r>
+              <a:rPr lang="it-IT" dirty="0">
+                <a:solidFill>
+                  <a:schemeClr val="tx1"/>
+                </a:solidFill>
+              </a:rPr>
+              <a:t> and </a:t>
+            </a:r>
+            <a:r>
+              <a:rPr lang="it-IT" dirty="0" err="1">
+                <a:solidFill>
+                  <a:schemeClr val="tx1"/>
+                </a:solidFill>
+              </a:rPr>
+              <a:t>surname</a:t>
+            </a:r>
+            <a:endParaRPr lang="it-IT" dirty="0">
+              <a:solidFill>
+                <a:schemeClr val="tx1"/>
+              </a:solidFill>
+            </a:endParaRPr>
+          </a:p>
+          <a:p>
+            <a:pPr marL="342900" indent="-342900">
+              <a:buFont typeface="Arial" panose="020B0604020202020204" pitchFamily="34" charset="0"/>
+              <a:buChar char="•"/>
+            </a:pPr>
+            <a:r>
+              <a:rPr lang="it-IT" dirty="0" err="1">
+                <a:solidFill>
+                  <a:schemeClr val="tx1"/>
+                </a:solidFill>
+              </a:rPr>
+              <a:t>Event’s</a:t>
+            </a:r>
+            <a:r>
+              <a:rPr lang="it-IT" dirty="0">
+                <a:solidFill>
+                  <a:schemeClr val="tx1"/>
+                </a:solidFill>
+              </a:rPr>
+              <a:t> </a:t>
+            </a:r>
+            <a:r>
+              <a:rPr lang="it-IT" dirty="0" err="1">
+                <a:solidFill>
+                  <a:schemeClr val="tx1"/>
+                </a:solidFill>
+              </a:rPr>
+              <a:t>informations</a:t>
+            </a:r>
+            <a:endParaRPr lang="it-IT" dirty="0">
+              <a:solidFill>
+                <a:schemeClr val="tx1"/>
+              </a:solidFill>
+            </a:endParaRPr>
+          </a:p>
+          <a:p>
+            <a:pPr marL="342900" indent="-342900">
+              <a:buFont typeface="Arial" panose="020B0604020202020204" pitchFamily="34" charset="0"/>
+              <a:buChar char="•"/>
+            </a:pPr>
+            <a:r>
+              <a:rPr lang="it-IT" dirty="0" err="1">
+                <a:solidFill>
+                  <a:schemeClr val="tx1"/>
+                </a:solidFill>
+              </a:rPr>
+              <a:t>Event’s</a:t>
+            </a:r>
+            <a:r>
+              <a:rPr lang="it-IT" dirty="0">
+                <a:solidFill>
+                  <a:schemeClr val="tx1"/>
+                </a:solidFill>
+              </a:rPr>
+              <a:t> </a:t>
+            </a:r>
+            <a:r>
+              <a:rPr lang="it-IT" dirty="0" err="1">
+                <a:solidFill>
+                  <a:schemeClr val="tx1"/>
+                </a:solidFill>
+              </a:rPr>
+              <a:t>related</a:t>
+            </a:r>
+            <a:r>
+              <a:rPr lang="it-IT" dirty="0">
+                <a:solidFill>
+                  <a:schemeClr val="tx1"/>
+                </a:solidFill>
+              </a:rPr>
+              <a:t> color in the background.</a:t>
+            </a:r>
+          </a:p>
+        </p:txBody>
+      </p:sp>
+      <p:sp>
+        <p:nvSpPr>
+          <p:cNvPr id="4" name="Segnaposto data 3">
+            <a:extLst>
+              <a:ext uri="{FF2B5EF4-FFF2-40B4-BE49-F238E27FC236}">
+                <a16:creationId xmlns:a16="http://schemas.microsoft.com/office/drawing/2014/main" id="{9D5656E5-57AC-4AFF-8D12-808D2569572C}"/>
+              </a:ext>
+            </a:extLst>
+          </p:cNvPr>
+          <p:cNvSpPr>
+            <a:spLocks noGrp="1"/>
+          </p:cNvSpPr>
+          <p:nvPr>
+            <p:ph type="dt" sz="half" idx="10"/>
+          </p:nvPr>
+        </p:nvSpPr>
+        <p:spPr/>
+        <p:txBody>
+          <a:bodyPr/>
+          <a:lstStyle/>
+          <a:p>
+            <a:r>
+              <a:rPr lang="it-IT" dirty="0"/>
+              <a:t>29/06/2018</a:t>
+            </a:r>
+          </a:p>
+        </p:txBody>
+      </p:sp>
+      <p:sp>
+        <p:nvSpPr>
+          <p:cNvPr id="5" name="Segnaposto piè di pagina 4">
+            <a:extLst>
+              <a:ext uri="{FF2B5EF4-FFF2-40B4-BE49-F238E27FC236}">
+                <a16:creationId xmlns:a16="http://schemas.microsoft.com/office/drawing/2014/main" id="{65E7D71A-65D2-4250-BD53-DA5387C36A62}"/>
+              </a:ext>
+            </a:extLst>
+          </p:cNvPr>
+          <p:cNvSpPr>
+            <a:spLocks noGrp="1"/>
+          </p:cNvSpPr>
+          <p:nvPr>
+            <p:ph type="ftr" sz="quarter" idx="11"/>
+          </p:nvPr>
+        </p:nvSpPr>
+        <p:spPr/>
+        <p:txBody>
+          <a:bodyPr/>
+          <a:lstStyle/>
+          <a:p>
+            <a:r>
+              <a:rPr lang="it-IT" dirty="0"/>
+              <a:t>NTMY - Ambient intelligence 2018</a:t>
+            </a:r>
+          </a:p>
+        </p:txBody>
+      </p:sp>
+      <p:sp>
+        <p:nvSpPr>
+          <p:cNvPr id="6" name="Segnaposto numero diapositiva 5">
+            <a:extLst>
+              <a:ext uri="{FF2B5EF4-FFF2-40B4-BE49-F238E27FC236}">
+                <a16:creationId xmlns:a16="http://schemas.microsoft.com/office/drawing/2014/main" id="{869D648F-5BCB-4D77-A139-E60D50AE66B3}"/>
+              </a:ext>
+            </a:extLst>
+          </p:cNvPr>
+          <p:cNvSpPr>
+            <a:spLocks noGrp="1"/>
+          </p:cNvSpPr>
+          <p:nvPr>
+            <p:ph type="sldNum" sz="quarter" idx="12"/>
+          </p:nvPr>
+        </p:nvSpPr>
+        <p:spPr/>
+        <p:txBody>
+          <a:bodyPr/>
+          <a:lstStyle/>
+          <a:p>
+            <a:fld id="{A27405AD-269E-48FA-B749-A0B803F8320C}" type="slidenum">
+              <a:rPr lang="it-IT" smtClean="0"/>
+              <a:t>13</a:t>
+            </a:fld>
+            <a:endParaRPr lang="it-IT" dirty="0"/>
+          </a:p>
+        </p:txBody>
+      </p:sp>
+      <p:pic>
+        <p:nvPicPr>
+          <p:cNvPr id="9" name="Immagine 8">
+            <a:extLst>
+              <a:ext uri="{FF2B5EF4-FFF2-40B4-BE49-F238E27FC236}">
+                <a16:creationId xmlns:a16="http://schemas.microsoft.com/office/drawing/2014/main" id="{8B173911-7E39-46CF-ADF9-A3BC75E3EC90}"/>
+              </a:ext>
+            </a:extLst>
+          </p:cNvPr>
+          <p:cNvPicPr>
+            <a:picLocks noChangeAspect="1"/>
+          </p:cNvPicPr>
+          <p:nvPr/>
+        </p:nvPicPr>
+        <p:blipFill>
+          <a:blip r:embed="rId2">
+            <a:extLst>
+              <a:ext uri="{28A0092B-C50C-407E-A947-70E740481C1C}">
+                <a14:useLocalDpi xmlns:a14="http://schemas.microsoft.com/office/drawing/2010/main" val="0"/>
+              </a:ext>
+            </a:extLst>
+          </a:blip>
+          <a:stretch>
+            <a:fillRect/>
+          </a:stretch>
+        </p:blipFill>
+        <p:spPr>
+          <a:xfrm>
+            <a:off x="838200" y="115575"/>
+            <a:ext cx="1260000" cy="1260000"/>
+          </a:xfrm>
+          <a:prstGeom prst="rect">
+            <a:avLst/>
+          </a:prstGeom>
+        </p:spPr>
+      </p:pic>
+      <p:pic>
+        <p:nvPicPr>
+          <p:cNvPr id="10" name="Immagine 9">
+            <a:extLst>
+              <a:ext uri="{FF2B5EF4-FFF2-40B4-BE49-F238E27FC236}">
+                <a16:creationId xmlns:a16="http://schemas.microsoft.com/office/drawing/2014/main" id="{74C98109-BA9F-4D30-B48C-03283C128BFC}"/>
+              </a:ext>
+            </a:extLst>
+          </p:cNvPr>
+          <p:cNvPicPr>
+            <a:picLocks noChangeAspect="1"/>
+          </p:cNvPicPr>
+          <p:nvPr/>
+        </p:nvPicPr>
+        <p:blipFill>
+          <a:blip r:embed="rId3">
+            <a:extLst>
+              <a:ext uri="{28A0092B-C50C-407E-A947-70E740481C1C}">
+                <a14:useLocalDpi xmlns:a14="http://schemas.microsoft.com/office/drawing/2010/main" val="0"/>
+              </a:ext>
+            </a:extLst>
+          </a:blip>
+          <a:stretch>
+            <a:fillRect/>
+          </a:stretch>
+        </p:blipFill>
+        <p:spPr>
+          <a:xfrm>
+            <a:off x="5966743" y="1980379"/>
+            <a:ext cx="5387057" cy="2897241"/>
+          </a:xfrm>
+          <a:prstGeom prst="rect">
+            <a:avLst/>
+          </a:prstGeom>
+        </p:spPr>
+      </p:pic>
+    </p:spTree>
+    <p:extLst>
+      <p:ext uri="{BB962C8B-B14F-4D97-AF65-F5344CB8AC3E}">
+        <p14:creationId xmlns:p14="http://schemas.microsoft.com/office/powerpoint/2010/main" val="3256165556"/>
+      </p:ext>
+    </p:extLst>
+  </p:cSld>
+  <p:clrMapOvr>
+    <a:masterClrMapping/>
+  </p:clrMapOvr>
+  <mc:AlternateContent xmlns:mc="http://schemas.openxmlformats.org/markup-compatibility/2006" xmlns:p14="http://schemas.microsoft.com/office/powerpoint/2010/main">
+    <mc:Choice Requires="p14">
+      <p:transition spd="med" p14:dur="700">
+        <p:fade/>
+      </p:transition>
+    </mc:Choice>
+    <mc:Fallback xmlns="">
+      <p:transition spd="med">
+        <p:fade/>
+      </p:transition>
+    </mc:Fallback>
+  </mc:AlternateContent>
+</p:sld>
+</file>
+
+<file path=ppt/slides/slide14.xml><?xml version="1.0" encoding="utf-8"?>
+<p:sld xmlns:a="http://schemas.openxmlformats.org/drawingml/2006/main" xmlns:r="http://schemas.openxmlformats.org/officeDocument/2006/relationships" xmlns:p="http://schemas.openxmlformats.org/presentationml/2006/main">
+  <p:cSld>
+    <p:spTree>
+      <p:nvGrpSpPr>
+        <p:cNvPr id="1" name=""/>
+        <p:cNvGrpSpPr/>
+        <p:nvPr/>
+      </p:nvGrpSpPr>
+      <p:grpSpPr>
+        <a:xfrm>
+          <a:off x="0" y="0"/>
+          <a:ext cx="0" cy="0"/>
+          <a:chOff x="0" y="0"/>
+          <a:chExt cx="0" cy="0"/>
+        </a:xfrm>
+      </p:grpSpPr>
+      <p:sp>
+        <p:nvSpPr>
+          <p:cNvPr id="2" name="Titolo 1">
+            <a:extLst>
+              <a:ext uri="{FF2B5EF4-FFF2-40B4-BE49-F238E27FC236}">
+                <a16:creationId xmlns:a16="http://schemas.microsoft.com/office/drawing/2014/main" id="{DB93A0B8-F4FE-4859-B2F3-9181AFEF72EA}"/>
+              </a:ext>
+            </a:extLst>
+          </p:cNvPr>
+          <p:cNvSpPr>
+            <a:spLocks noGrp="1"/>
+          </p:cNvSpPr>
+          <p:nvPr>
+            <p:ph type="title"/>
+          </p:nvPr>
+        </p:nvSpPr>
+        <p:spPr>
+          <a:xfrm>
+            <a:off x="2536825" y="136526"/>
+            <a:ext cx="9169400" cy="1035570"/>
+          </a:xfrm>
+        </p:spPr>
+        <p:txBody>
+          <a:bodyPr/>
+          <a:lstStyle/>
+          <a:p>
+            <a:r>
+              <a:rPr lang="it-IT" dirty="0"/>
+              <a:t>Step 2: </a:t>
+            </a:r>
+            <a:r>
+              <a:rPr lang="it-IT" dirty="0" err="1"/>
+              <a:t>Load</a:t>
+            </a:r>
+            <a:r>
+              <a:rPr lang="it-IT" dirty="0"/>
+              <a:t> data</a:t>
+            </a:r>
+          </a:p>
+        </p:txBody>
+      </p:sp>
+      <p:sp>
+        <p:nvSpPr>
+          <p:cNvPr id="3" name="Segnaposto testo 2">
+            <a:extLst>
+              <a:ext uri="{FF2B5EF4-FFF2-40B4-BE49-F238E27FC236}">
+                <a16:creationId xmlns:a16="http://schemas.microsoft.com/office/drawing/2014/main" id="{86B9C604-3A8D-43A1-9C87-829D86772CED}"/>
+              </a:ext>
+            </a:extLst>
+          </p:cNvPr>
+          <p:cNvSpPr>
+            <a:spLocks noGrp="1"/>
+          </p:cNvSpPr>
+          <p:nvPr>
+            <p:ph type="body" idx="1"/>
+          </p:nvPr>
+        </p:nvSpPr>
+        <p:spPr>
+          <a:xfrm>
+            <a:off x="1200150" y="1589681"/>
+            <a:ext cx="4762500" cy="3988159"/>
+          </a:xfrm>
+        </p:spPr>
+        <p:txBody>
+          <a:bodyPr>
+            <a:normAutofit lnSpcReduction="10000"/>
+          </a:bodyPr>
+          <a:lstStyle/>
+          <a:p>
+            <a:r>
+              <a:rPr lang="it-IT" dirty="0" err="1">
+                <a:solidFill>
+                  <a:schemeClr val="tx1"/>
+                </a:solidFill>
+              </a:rPr>
+              <a:t>When</a:t>
+            </a:r>
+            <a:r>
+              <a:rPr lang="it-IT" dirty="0">
+                <a:solidFill>
+                  <a:schemeClr val="tx1"/>
+                </a:solidFill>
+              </a:rPr>
+              <a:t> user </a:t>
+            </a:r>
+            <a:r>
+              <a:rPr lang="it-IT" dirty="0" err="1">
+                <a:solidFill>
+                  <a:schemeClr val="tx1"/>
+                </a:solidFill>
+              </a:rPr>
+              <a:t>runs</a:t>
+            </a:r>
+            <a:r>
+              <a:rPr lang="it-IT" dirty="0">
+                <a:solidFill>
+                  <a:schemeClr val="tx1"/>
+                </a:solidFill>
+              </a:rPr>
+              <a:t> the </a:t>
+            </a:r>
+            <a:r>
+              <a:rPr lang="it-IT" dirty="0" err="1">
+                <a:solidFill>
+                  <a:schemeClr val="tx1"/>
+                </a:solidFill>
+              </a:rPr>
+              <a:t>wear</a:t>
+            </a:r>
+            <a:r>
+              <a:rPr lang="it-IT" dirty="0">
+                <a:solidFill>
+                  <a:schemeClr val="tx1"/>
+                </a:solidFill>
+              </a:rPr>
+              <a:t> </a:t>
+            </a:r>
+            <a:r>
+              <a:rPr lang="it-IT" dirty="0" err="1">
+                <a:solidFill>
+                  <a:schemeClr val="tx1"/>
+                </a:solidFill>
+              </a:rPr>
+              <a:t>app</a:t>
+            </a:r>
+            <a:r>
+              <a:rPr lang="it-IT" dirty="0">
+                <a:solidFill>
+                  <a:schemeClr val="tx1"/>
+                </a:solidFill>
+              </a:rPr>
+              <a:t>:</a:t>
+            </a:r>
+          </a:p>
+          <a:p>
+            <a:pPr marL="342900" indent="-342900">
+              <a:buFont typeface="Arial" panose="020B0604020202020204" pitchFamily="34" charset="0"/>
+              <a:buChar char="•"/>
+            </a:pPr>
+            <a:r>
+              <a:rPr lang="it-IT" dirty="0" err="1">
+                <a:solidFill>
+                  <a:schemeClr val="tx1"/>
+                </a:solidFill>
+              </a:rPr>
+              <a:t>Wear</a:t>
+            </a:r>
+            <a:r>
+              <a:rPr lang="it-IT" dirty="0">
+                <a:solidFill>
+                  <a:schemeClr val="tx1"/>
+                </a:solidFill>
+              </a:rPr>
+              <a:t> </a:t>
+            </a:r>
+            <a:r>
+              <a:rPr lang="it-IT" dirty="0" err="1">
+                <a:solidFill>
+                  <a:schemeClr val="tx1"/>
+                </a:solidFill>
+              </a:rPr>
+              <a:t>sends</a:t>
+            </a:r>
+            <a:r>
+              <a:rPr lang="it-IT" dirty="0">
+                <a:solidFill>
+                  <a:schemeClr val="tx1"/>
+                </a:solidFill>
+              </a:rPr>
+              <a:t> a </a:t>
+            </a:r>
+            <a:r>
+              <a:rPr lang="it-IT" dirty="0" err="1">
+                <a:solidFill>
+                  <a:schemeClr val="tx1"/>
+                </a:solidFill>
+              </a:rPr>
+              <a:t>message</a:t>
+            </a:r>
+            <a:r>
+              <a:rPr lang="it-IT" dirty="0">
+                <a:solidFill>
+                  <a:schemeClr val="tx1"/>
+                </a:solidFill>
+              </a:rPr>
+              <a:t> to the </a:t>
+            </a:r>
+            <a:r>
+              <a:rPr lang="it-IT" dirty="0" err="1">
+                <a:solidFill>
+                  <a:schemeClr val="tx1"/>
+                </a:solidFill>
+              </a:rPr>
+              <a:t>phone</a:t>
+            </a:r>
+            <a:r>
+              <a:rPr lang="it-IT" dirty="0">
+                <a:solidFill>
+                  <a:schemeClr val="tx1"/>
+                </a:solidFill>
+              </a:rPr>
+              <a:t> in </a:t>
+            </a:r>
+            <a:r>
+              <a:rPr lang="it-IT" dirty="0" err="1">
+                <a:solidFill>
+                  <a:schemeClr val="tx1"/>
+                </a:solidFill>
+              </a:rPr>
+              <a:t>order</a:t>
+            </a:r>
+            <a:r>
+              <a:rPr lang="it-IT" dirty="0">
+                <a:solidFill>
+                  <a:schemeClr val="tx1"/>
+                </a:solidFill>
+              </a:rPr>
+              <a:t> to </a:t>
+            </a:r>
+            <a:r>
+              <a:rPr lang="it-IT" dirty="0" err="1">
+                <a:solidFill>
+                  <a:schemeClr val="tx1"/>
+                </a:solidFill>
+              </a:rPr>
+              <a:t>obtain</a:t>
+            </a:r>
+            <a:r>
+              <a:rPr lang="it-IT" dirty="0">
+                <a:solidFill>
+                  <a:schemeClr val="tx1"/>
+                </a:solidFill>
+              </a:rPr>
+              <a:t> the data</a:t>
+            </a:r>
+          </a:p>
+          <a:p>
+            <a:pPr marL="342900" indent="-342900">
+              <a:buFont typeface="Arial" panose="020B0604020202020204" pitchFamily="34" charset="0"/>
+              <a:buChar char="•"/>
+            </a:pPr>
+            <a:r>
+              <a:rPr lang="it-IT" dirty="0" err="1">
+                <a:solidFill>
+                  <a:schemeClr val="tx1"/>
+                </a:solidFill>
+              </a:rPr>
+              <a:t>If</a:t>
+            </a:r>
+            <a:r>
+              <a:rPr lang="it-IT" dirty="0">
+                <a:solidFill>
+                  <a:schemeClr val="tx1"/>
+                </a:solidFill>
+              </a:rPr>
+              <a:t> the </a:t>
+            </a:r>
+            <a:r>
+              <a:rPr lang="it-IT" dirty="0" err="1">
+                <a:solidFill>
+                  <a:schemeClr val="tx1"/>
+                </a:solidFill>
+              </a:rPr>
+              <a:t>phone</a:t>
+            </a:r>
+            <a:r>
+              <a:rPr lang="it-IT" dirty="0">
+                <a:solidFill>
+                  <a:schemeClr val="tx1"/>
+                </a:solidFill>
+              </a:rPr>
+              <a:t> </a:t>
+            </a:r>
+            <a:r>
+              <a:rPr lang="it-IT" dirty="0" err="1">
+                <a:solidFill>
+                  <a:schemeClr val="tx1"/>
+                </a:solidFill>
+              </a:rPr>
+              <a:t>is</a:t>
+            </a:r>
+            <a:r>
+              <a:rPr lang="it-IT" dirty="0">
+                <a:solidFill>
+                  <a:schemeClr val="tx1"/>
+                </a:solidFill>
+              </a:rPr>
+              <a:t> </a:t>
+            </a:r>
+            <a:r>
+              <a:rPr lang="it-IT" dirty="0" err="1">
+                <a:solidFill>
+                  <a:schemeClr val="tx1"/>
+                </a:solidFill>
+              </a:rPr>
+              <a:t>connected</a:t>
+            </a:r>
+            <a:r>
+              <a:rPr lang="it-IT" dirty="0">
+                <a:solidFill>
+                  <a:schemeClr val="tx1"/>
+                </a:solidFill>
+              </a:rPr>
+              <a:t> to the server (user </a:t>
+            </a:r>
+            <a:r>
+              <a:rPr lang="it-IT" dirty="0" err="1">
+                <a:solidFill>
+                  <a:schemeClr val="tx1"/>
+                </a:solidFill>
+              </a:rPr>
+              <a:t>logged</a:t>
+            </a:r>
+            <a:r>
+              <a:rPr lang="it-IT" dirty="0">
+                <a:solidFill>
+                  <a:schemeClr val="tx1"/>
+                </a:solidFill>
+              </a:rPr>
+              <a:t>) </a:t>
+            </a:r>
+            <a:r>
+              <a:rPr lang="it-IT" dirty="0" err="1">
+                <a:solidFill>
+                  <a:schemeClr val="tx1"/>
+                </a:solidFill>
+              </a:rPr>
+              <a:t>sends</a:t>
+            </a:r>
+            <a:r>
+              <a:rPr lang="it-IT" dirty="0">
+                <a:solidFill>
+                  <a:schemeClr val="tx1"/>
+                </a:solidFill>
+              </a:rPr>
+              <a:t> back the </a:t>
+            </a:r>
+            <a:r>
+              <a:rPr lang="it-IT" dirty="0" err="1">
+                <a:solidFill>
+                  <a:schemeClr val="tx1"/>
+                </a:solidFill>
+              </a:rPr>
+              <a:t>requested</a:t>
+            </a:r>
+            <a:r>
+              <a:rPr lang="it-IT" dirty="0">
+                <a:solidFill>
+                  <a:schemeClr val="tx1"/>
+                </a:solidFill>
+              </a:rPr>
+              <a:t> data and the </a:t>
+            </a:r>
+            <a:r>
+              <a:rPr lang="it-IT" dirty="0" err="1">
+                <a:solidFill>
+                  <a:schemeClr val="tx1"/>
+                </a:solidFill>
+              </a:rPr>
+              <a:t>wear</a:t>
+            </a:r>
+            <a:r>
+              <a:rPr lang="it-IT" dirty="0">
+                <a:solidFill>
+                  <a:schemeClr val="tx1"/>
+                </a:solidFill>
+              </a:rPr>
+              <a:t> update the layout with </a:t>
+            </a:r>
+            <a:r>
+              <a:rPr lang="it-IT" dirty="0" err="1">
+                <a:solidFill>
+                  <a:schemeClr val="tx1"/>
+                </a:solidFill>
+              </a:rPr>
+              <a:t>real</a:t>
+            </a:r>
+            <a:r>
+              <a:rPr lang="it-IT" dirty="0">
+                <a:solidFill>
+                  <a:schemeClr val="tx1"/>
+                </a:solidFill>
+              </a:rPr>
+              <a:t> data.</a:t>
+            </a:r>
+          </a:p>
+          <a:p>
+            <a:pPr marL="342900" indent="-342900">
+              <a:buFont typeface="Arial" panose="020B0604020202020204" pitchFamily="34" charset="0"/>
+              <a:buChar char="•"/>
+            </a:pPr>
+            <a:r>
+              <a:rPr lang="it-IT" dirty="0" err="1">
+                <a:solidFill>
+                  <a:schemeClr val="tx1"/>
+                </a:solidFill>
+              </a:rPr>
+              <a:t>Otherwise</a:t>
+            </a:r>
+            <a:r>
+              <a:rPr lang="it-IT" dirty="0">
+                <a:solidFill>
+                  <a:schemeClr val="tx1"/>
+                </a:solidFill>
+              </a:rPr>
+              <a:t> </a:t>
+            </a:r>
+            <a:r>
+              <a:rPr lang="it-IT" dirty="0" err="1">
+                <a:solidFill>
+                  <a:schemeClr val="tx1"/>
+                </a:solidFill>
+              </a:rPr>
+              <a:t>if</a:t>
+            </a:r>
+            <a:r>
+              <a:rPr lang="it-IT" dirty="0">
+                <a:solidFill>
+                  <a:schemeClr val="tx1"/>
+                </a:solidFill>
+              </a:rPr>
+              <a:t> the </a:t>
+            </a:r>
+            <a:r>
+              <a:rPr lang="it-IT" dirty="0" err="1">
+                <a:solidFill>
+                  <a:schemeClr val="tx1"/>
+                </a:solidFill>
+              </a:rPr>
+              <a:t>phone</a:t>
+            </a:r>
+            <a:r>
+              <a:rPr lang="it-IT" dirty="0">
+                <a:solidFill>
+                  <a:schemeClr val="tx1"/>
+                </a:solidFill>
+              </a:rPr>
+              <a:t> </a:t>
+            </a:r>
+            <a:r>
+              <a:rPr lang="it-IT" dirty="0" err="1">
+                <a:solidFill>
+                  <a:schemeClr val="tx1"/>
+                </a:solidFill>
+              </a:rPr>
+              <a:t>can’t</a:t>
+            </a:r>
+            <a:r>
+              <a:rPr lang="it-IT" dirty="0">
+                <a:solidFill>
+                  <a:schemeClr val="tx1"/>
+                </a:solidFill>
+              </a:rPr>
+              <a:t> </a:t>
+            </a:r>
+            <a:r>
+              <a:rPr lang="it-IT" dirty="0" err="1">
+                <a:solidFill>
+                  <a:schemeClr val="tx1"/>
+                </a:solidFill>
+              </a:rPr>
+              <a:t>reach</a:t>
+            </a:r>
+            <a:r>
+              <a:rPr lang="it-IT" dirty="0">
+                <a:solidFill>
+                  <a:schemeClr val="tx1"/>
+                </a:solidFill>
+              </a:rPr>
+              <a:t> the server, the </a:t>
+            </a:r>
+            <a:r>
+              <a:rPr lang="it-IT" dirty="0" err="1">
+                <a:solidFill>
+                  <a:schemeClr val="tx1"/>
+                </a:solidFill>
+              </a:rPr>
+              <a:t>wear</a:t>
+            </a:r>
+            <a:r>
+              <a:rPr lang="it-IT" dirty="0">
+                <a:solidFill>
+                  <a:schemeClr val="tx1"/>
+                </a:solidFill>
+              </a:rPr>
+              <a:t> </a:t>
+            </a:r>
+            <a:r>
+              <a:rPr lang="it-IT" dirty="0" err="1">
+                <a:solidFill>
+                  <a:schemeClr val="tx1"/>
+                </a:solidFill>
+              </a:rPr>
+              <a:t>will</a:t>
+            </a:r>
+            <a:r>
+              <a:rPr lang="it-IT" dirty="0">
+                <a:solidFill>
+                  <a:schemeClr val="tx1"/>
+                </a:solidFill>
+              </a:rPr>
+              <a:t> shows the default data ( </a:t>
+            </a:r>
+            <a:r>
+              <a:rPr lang="it-IT" dirty="0" err="1">
+                <a:solidFill>
+                  <a:schemeClr val="tx1"/>
+                </a:solidFill>
+              </a:rPr>
+              <a:t>previous</a:t>
+            </a:r>
+            <a:r>
+              <a:rPr lang="it-IT" dirty="0">
+                <a:solidFill>
+                  <a:schemeClr val="tx1"/>
+                </a:solidFill>
+              </a:rPr>
+              <a:t> slide ).</a:t>
+            </a:r>
+          </a:p>
+        </p:txBody>
+      </p:sp>
+      <p:sp>
+        <p:nvSpPr>
+          <p:cNvPr id="4" name="Segnaposto data 3">
+            <a:extLst>
+              <a:ext uri="{FF2B5EF4-FFF2-40B4-BE49-F238E27FC236}">
+                <a16:creationId xmlns:a16="http://schemas.microsoft.com/office/drawing/2014/main" id="{9D5656E5-57AC-4AFF-8D12-808D2569572C}"/>
+              </a:ext>
+            </a:extLst>
+          </p:cNvPr>
+          <p:cNvSpPr>
+            <a:spLocks noGrp="1"/>
+          </p:cNvSpPr>
+          <p:nvPr>
+            <p:ph type="dt" sz="half" idx="10"/>
+          </p:nvPr>
+        </p:nvSpPr>
+        <p:spPr/>
+        <p:txBody>
+          <a:bodyPr/>
+          <a:lstStyle/>
+          <a:p>
+            <a:r>
+              <a:rPr lang="it-IT" dirty="0"/>
+              <a:t>29/06/2018</a:t>
+            </a:r>
+          </a:p>
+        </p:txBody>
+      </p:sp>
+      <p:sp>
+        <p:nvSpPr>
+          <p:cNvPr id="5" name="Segnaposto piè di pagina 4">
+            <a:extLst>
+              <a:ext uri="{FF2B5EF4-FFF2-40B4-BE49-F238E27FC236}">
+                <a16:creationId xmlns:a16="http://schemas.microsoft.com/office/drawing/2014/main" id="{65E7D71A-65D2-4250-BD53-DA5387C36A62}"/>
+              </a:ext>
+            </a:extLst>
+          </p:cNvPr>
+          <p:cNvSpPr>
+            <a:spLocks noGrp="1"/>
+          </p:cNvSpPr>
+          <p:nvPr>
+            <p:ph type="ftr" sz="quarter" idx="11"/>
+          </p:nvPr>
+        </p:nvSpPr>
+        <p:spPr/>
+        <p:txBody>
+          <a:bodyPr/>
+          <a:lstStyle/>
+          <a:p>
+            <a:r>
+              <a:rPr lang="it-IT" dirty="0"/>
+              <a:t>NTMY - Ambient intelligence 2018</a:t>
+            </a:r>
+          </a:p>
+        </p:txBody>
+      </p:sp>
+      <p:sp>
+        <p:nvSpPr>
+          <p:cNvPr id="6" name="Segnaposto numero diapositiva 5">
+            <a:extLst>
+              <a:ext uri="{FF2B5EF4-FFF2-40B4-BE49-F238E27FC236}">
+                <a16:creationId xmlns:a16="http://schemas.microsoft.com/office/drawing/2014/main" id="{869D648F-5BCB-4D77-A139-E60D50AE66B3}"/>
+              </a:ext>
+            </a:extLst>
+          </p:cNvPr>
+          <p:cNvSpPr>
+            <a:spLocks noGrp="1"/>
+          </p:cNvSpPr>
+          <p:nvPr>
+            <p:ph type="sldNum" sz="quarter" idx="12"/>
+          </p:nvPr>
+        </p:nvSpPr>
+        <p:spPr/>
+        <p:txBody>
+          <a:bodyPr/>
+          <a:lstStyle/>
+          <a:p>
+            <a:fld id="{A27405AD-269E-48FA-B749-A0B803F8320C}" type="slidenum">
+              <a:rPr lang="it-IT" smtClean="0"/>
+              <a:t>14</a:t>
+            </a:fld>
+            <a:endParaRPr lang="it-IT" dirty="0"/>
+          </a:p>
+        </p:txBody>
+      </p:sp>
+      <p:pic>
+        <p:nvPicPr>
+          <p:cNvPr id="9" name="Immagine 8">
+            <a:extLst>
+              <a:ext uri="{FF2B5EF4-FFF2-40B4-BE49-F238E27FC236}">
+                <a16:creationId xmlns:a16="http://schemas.microsoft.com/office/drawing/2014/main" id="{8B173911-7E39-46CF-ADF9-A3BC75E3EC90}"/>
+              </a:ext>
+            </a:extLst>
+          </p:cNvPr>
+          <p:cNvPicPr>
+            <a:picLocks noChangeAspect="1"/>
+          </p:cNvPicPr>
+          <p:nvPr/>
+        </p:nvPicPr>
+        <p:blipFill>
+          <a:blip r:embed="rId2">
+            <a:extLst>
+              <a:ext uri="{28A0092B-C50C-407E-A947-70E740481C1C}">
+                <a14:useLocalDpi xmlns:a14="http://schemas.microsoft.com/office/drawing/2010/main" val="0"/>
+              </a:ext>
+            </a:extLst>
+          </a:blip>
+          <a:stretch>
+            <a:fillRect/>
+          </a:stretch>
+        </p:blipFill>
+        <p:spPr>
+          <a:xfrm>
+            <a:off x="838200" y="115575"/>
+            <a:ext cx="1260000" cy="1260000"/>
+          </a:xfrm>
+          <a:prstGeom prst="rect">
+            <a:avLst/>
+          </a:prstGeom>
+        </p:spPr>
+      </p:pic>
+      <p:pic>
+        <p:nvPicPr>
+          <p:cNvPr id="8" name="Immagine 7">
+            <a:extLst>
+              <a:ext uri="{FF2B5EF4-FFF2-40B4-BE49-F238E27FC236}">
+                <a16:creationId xmlns:a16="http://schemas.microsoft.com/office/drawing/2014/main" id="{E4A6B309-094D-4D4F-A247-15DDD10E2CCF}"/>
+              </a:ext>
+            </a:extLst>
+          </p:cNvPr>
+          <p:cNvPicPr>
+            <a:picLocks noChangeAspect="1"/>
+          </p:cNvPicPr>
+          <p:nvPr/>
+        </p:nvPicPr>
+        <p:blipFill>
+          <a:blip r:embed="rId3">
+            <a:extLst>
+              <a:ext uri="{28A0092B-C50C-407E-A947-70E740481C1C}">
+                <a14:useLocalDpi xmlns:a14="http://schemas.microsoft.com/office/drawing/2010/main" val="0"/>
+              </a:ext>
+            </a:extLst>
+          </a:blip>
+          <a:stretch>
+            <a:fillRect/>
+          </a:stretch>
+        </p:blipFill>
+        <p:spPr>
+          <a:xfrm>
+            <a:off x="7121525" y="1589681"/>
+            <a:ext cx="3714750" cy="3714750"/>
+          </a:xfrm>
+          <a:prstGeom prst="rect">
+            <a:avLst/>
+          </a:prstGeom>
+        </p:spPr>
+      </p:pic>
+    </p:spTree>
+    <p:extLst>
+      <p:ext uri="{BB962C8B-B14F-4D97-AF65-F5344CB8AC3E}">
+        <p14:creationId xmlns:p14="http://schemas.microsoft.com/office/powerpoint/2010/main" val="2543933576"/>
+      </p:ext>
+    </p:extLst>
+  </p:cSld>
+  <p:clrMapOvr>
+    <a:masterClrMapping/>
+  </p:clrMapOvr>
+  <mc:AlternateContent xmlns:mc="http://schemas.openxmlformats.org/markup-compatibility/2006" xmlns:p14="http://schemas.microsoft.com/office/powerpoint/2010/main">
+    <mc:Choice Requires="p14">
+      <p:transition spd="med" p14:dur="700">
+        <p:fade/>
+      </p:transition>
+    </mc:Choice>
+    <mc:Fallback xmlns="">
+      <p:transition spd="med">
+        <p:fade/>
+      </p:transition>
+    </mc:Fallback>
+  </mc:AlternateContent>
+</p:sld>
+</file>
+
+<file path=ppt/slides/slide15.xml><?xml version="1.0" encoding="utf-8"?>
+<p:sld xmlns:a="http://schemas.openxmlformats.org/drawingml/2006/main" xmlns:r="http://schemas.openxmlformats.org/officeDocument/2006/relationships" xmlns:p="http://schemas.openxmlformats.org/presentationml/2006/main">
+  <p:cSld>
+    <p:spTree>
+      <p:nvGrpSpPr>
+        <p:cNvPr id="1" name=""/>
+        <p:cNvGrpSpPr/>
+        <p:nvPr/>
+      </p:nvGrpSpPr>
+      <p:grpSpPr>
+        <a:xfrm>
+          <a:off x="0" y="0"/>
+          <a:ext cx="0" cy="0"/>
+          <a:chOff x="0" y="0"/>
+          <a:chExt cx="0" cy="0"/>
+        </a:xfrm>
+      </p:grpSpPr>
+      <p:sp>
+        <p:nvSpPr>
+          <p:cNvPr id="2" name="Titolo 1">
+            <a:extLst>
+              <a:ext uri="{FF2B5EF4-FFF2-40B4-BE49-F238E27FC236}">
+                <a16:creationId xmlns:a16="http://schemas.microsoft.com/office/drawing/2014/main" id="{DB93A0B8-F4FE-4859-B2F3-9181AFEF72EA}"/>
+              </a:ext>
+            </a:extLst>
+          </p:cNvPr>
+          <p:cNvSpPr>
+            <a:spLocks noGrp="1"/>
+          </p:cNvSpPr>
+          <p:nvPr>
+            <p:ph type="title"/>
+          </p:nvPr>
+        </p:nvSpPr>
+        <p:spPr>
+          <a:xfrm>
+            <a:off x="2536825" y="136526"/>
+            <a:ext cx="9169400" cy="1035570"/>
+          </a:xfrm>
+        </p:spPr>
+        <p:txBody>
+          <a:bodyPr/>
+          <a:lstStyle/>
+          <a:p>
+            <a:r>
+              <a:rPr lang="it-IT" dirty="0"/>
+              <a:t>Step 3: </a:t>
+            </a:r>
+            <a:r>
+              <a:rPr lang="it-IT" dirty="0" err="1"/>
+              <a:t>Handshake</a:t>
+            </a:r>
+            <a:r>
+              <a:rPr lang="it-IT" dirty="0"/>
+              <a:t> </a:t>
+            </a:r>
+            <a:r>
+              <a:rPr lang="it-IT" dirty="0" err="1"/>
+              <a:t>Detection</a:t>
+            </a:r>
+            <a:endParaRPr lang="it-IT" dirty="0"/>
+          </a:p>
+        </p:txBody>
+      </p:sp>
+      <p:sp>
+        <p:nvSpPr>
+          <p:cNvPr id="3" name="Segnaposto testo 2">
+            <a:extLst>
+              <a:ext uri="{FF2B5EF4-FFF2-40B4-BE49-F238E27FC236}">
+                <a16:creationId xmlns:a16="http://schemas.microsoft.com/office/drawing/2014/main" id="{86B9C604-3A8D-43A1-9C87-829D86772CED}"/>
+              </a:ext>
+            </a:extLst>
+          </p:cNvPr>
+          <p:cNvSpPr>
+            <a:spLocks noGrp="1"/>
+          </p:cNvSpPr>
+          <p:nvPr>
+            <p:ph type="body" idx="1"/>
+          </p:nvPr>
+        </p:nvSpPr>
+        <p:spPr>
+          <a:xfrm>
+            <a:off x="838198" y="2350844"/>
+            <a:ext cx="6229352" cy="3587321"/>
+          </a:xfrm>
+        </p:spPr>
+        <p:txBody>
+          <a:bodyPr>
+            <a:normAutofit/>
+          </a:bodyPr>
+          <a:lstStyle/>
+          <a:p>
+            <a:pPr marL="342900" indent="-342900">
+              <a:buFont typeface="Arial" panose="020B0604020202020204" pitchFamily="34" charset="0"/>
+              <a:buChar char="•"/>
+            </a:pPr>
+            <a:r>
+              <a:rPr lang="it-IT" dirty="0">
+                <a:solidFill>
+                  <a:schemeClr val="tx1"/>
+                </a:solidFill>
+              </a:rPr>
+              <a:t>An </a:t>
+            </a:r>
+            <a:r>
+              <a:rPr lang="it-IT" dirty="0" err="1">
+                <a:solidFill>
+                  <a:schemeClr val="tx1"/>
+                </a:solidFill>
+              </a:rPr>
+              <a:t>handshake</a:t>
+            </a:r>
+            <a:r>
+              <a:rPr lang="it-IT" dirty="0">
+                <a:solidFill>
+                  <a:schemeClr val="tx1"/>
+                </a:solidFill>
+              </a:rPr>
+              <a:t> </a:t>
+            </a:r>
+            <a:r>
+              <a:rPr lang="it-IT" dirty="0" err="1">
+                <a:solidFill>
+                  <a:schemeClr val="tx1"/>
+                </a:solidFill>
+              </a:rPr>
+              <a:t>is</a:t>
+            </a:r>
+            <a:r>
+              <a:rPr lang="it-IT" dirty="0">
+                <a:solidFill>
+                  <a:schemeClr val="tx1"/>
+                </a:solidFill>
+              </a:rPr>
+              <a:t> </a:t>
+            </a:r>
+            <a:r>
+              <a:rPr lang="it-IT" dirty="0" err="1">
+                <a:solidFill>
+                  <a:schemeClr val="tx1"/>
+                </a:solidFill>
+              </a:rPr>
+              <a:t>here</a:t>
+            </a:r>
+            <a:r>
+              <a:rPr lang="it-IT" dirty="0">
+                <a:solidFill>
+                  <a:schemeClr val="tx1"/>
+                </a:solidFill>
+              </a:rPr>
+              <a:t> </a:t>
+            </a:r>
+            <a:r>
+              <a:rPr lang="it-IT" dirty="0" err="1">
+                <a:solidFill>
+                  <a:schemeClr val="tx1"/>
+                </a:solidFill>
+              </a:rPr>
+              <a:t>considered</a:t>
+            </a:r>
+            <a:r>
+              <a:rPr lang="it-IT" dirty="0">
+                <a:solidFill>
+                  <a:schemeClr val="tx1"/>
+                </a:solidFill>
+              </a:rPr>
+              <a:t> </a:t>
+            </a:r>
+            <a:r>
+              <a:rPr lang="it-IT" dirty="0" err="1">
+                <a:solidFill>
+                  <a:schemeClr val="tx1"/>
+                </a:solidFill>
+              </a:rPr>
+              <a:t>as</a:t>
+            </a:r>
+            <a:r>
+              <a:rPr lang="it-IT" dirty="0">
+                <a:solidFill>
+                  <a:schemeClr val="tx1"/>
+                </a:solidFill>
+              </a:rPr>
+              <a:t> a </a:t>
+            </a:r>
+            <a:r>
+              <a:rPr lang="it-IT" dirty="0" err="1">
+                <a:solidFill>
+                  <a:schemeClr val="tx1"/>
+                </a:solidFill>
+              </a:rPr>
+              <a:t>significant</a:t>
+            </a:r>
+            <a:r>
+              <a:rPr lang="it-IT" dirty="0">
+                <a:solidFill>
+                  <a:schemeClr val="tx1"/>
+                </a:solidFill>
+              </a:rPr>
+              <a:t> </a:t>
+            </a:r>
+            <a:r>
+              <a:rPr lang="it-IT" dirty="0" err="1">
+                <a:solidFill>
+                  <a:schemeClr val="tx1"/>
+                </a:solidFill>
+              </a:rPr>
+              <a:t>acceleration</a:t>
+            </a:r>
+            <a:r>
+              <a:rPr lang="it-IT" dirty="0">
+                <a:solidFill>
+                  <a:schemeClr val="tx1"/>
+                </a:solidFill>
+              </a:rPr>
+              <a:t> on </a:t>
+            </a:r>
+            <a:r>
+              <a:rPr lang="it-IT" dirty="0" err="1">
+                <a:solidFill>
+                  <a:schemeClr val="tx1"/>
+                </a:solidFill>
+              </a:rPr>
+              <a:t>wear’s</a:t>
+            </a:r>
+            <a:r>
+              <a:rPr lang="it-IT" dirty="0">
+                <a:solidFill>
+                  <a:schemeClr val="tx1"/>
+                </a:solidFill>
+              </a:rPr>
+              <a:t> Y </a:t>
+            </a:r>
+            <a:r>
+              <a:rPr lang="it-IT" dirty="0" err="1">
+                <a:solidFill>
+                  <a:schemeClr val="tx1"/>
+                </a:solidFill>
+              </a:rPr>
+              <a:t>axis</a:t>
+            </a:r>
+            <a:r>
+              <a:rPr lang="it-IT" dirty="0">
+                <a:solidFill>
+                  <a:schemeClr val="tx1"/>
+                </a:solidFill>
+              </a:rPr>
+              <a:t>.</a:t>
+            </a:r>
+          </a:p>
+          <a:p>
+            <a:pPr marL="342900" indent="-342900">
+              <a:buFont typeface="Arial" panose="020B0604020202020204" pitchFamily="34" charset="0"/>
+              <a:buChar char="•"/>
+            </a:pPr>
+            <a:r>
+              <a:rPr lang="it-IT" dirty="0">
+                <a:solidFill>
+                  <a:schemeClr val="tx1"/>
+                </a:solidFill>
+              </a:rPr>
+              <a:t>The </a:t>
+            </a:r>
+            <a:r>
+              <a:rPr lang="it-IT" dirty="0" err="1">
+                <a:solidFill>
+                  <a:schemeClr val="tx1"/>
+                </a:solidFill>
+              </a:rPr>
+              <a:t>detection</a:t>
+            </a:r>
+            <a:r>
+              <a:rPr lang="it-IT" dirty="0">
+                <a:solidFill>
+                  <a:schemeClr val="tx1"/>
+                </a:solidFill>
+              </a:rPr>
+              <a:t> must be </a:t>
+            </a:r>
+            <a:r>
+              <a:rPr lang="it-IT" dirty="0" err="1">
+                <a:solidFill>
+                  <a:schemeClr val="tx1"/>
+                </a:solidFill>
+              </a:rPr>
+              <a:t>calibrated</a:t>
+            </a:r>
+            <a:r>
+              <a:rPr lang="it-IT" dirty="0">
+                <a:solidFill>
+                  <a:schemeClr val="tx1"/>
+                </a:solidFill>
+              </a:rPr>
+              <a:t> in </a:t>
+            </a:r>
+            <a:r>
+              <a:rPr lang="it-IT" dirty="0" err="1">
+                <a:solidFill>
+                  <a:schemeClr val="tx1"/>
+                </a:solidFill>
+              </a:rPr>
+              <a:t>order</a:t>
+            </a:r>
+            <a:r>
+              <a:rPr lang="it-IT" dirty="0">
+                <a:solidFill>
+                  <a:schemeClr val="tx1"/>
+                </a:solidFill>
+              </a:rPr>
+              <a:t> to </a:t>
+            </a:r>
+            <a:r>
+              <a:rPr lang="it-IT" dirty="0" err="1">
+                <a:solidFill>
+                  <a:schemeClr val="tx1"/>
+                </a:solidFill>
+              </a:rPr>
+              <a:t>not</a:t>
+            </a:r>
+            <a:r>
+              <a:rPr lang="it-IT" dirty="0">
+                <a:solidFill>
+                  <a:schemeClr val="tx1"/>
+                </a:solidFill>
+              </a:rPr>
+              <a:t> associate </a:t>
+            </a:r>
+            <a:r>
+              <a:rPr lang="it-IT" dirty="0" err="1">
+                <a:solidFill>
+                  <a:schemeClr val="tx1"/>
+                </a:solidFill>
+              </a:rPr>
+              <a:t>ordinary</a:t>
+            </a:r>
+            <a:r>
+              <a:rPr lang="it-IT" dirty="0">
+                <a:solidFill>
+                  <a:schemeClr val="tx1"/>
+                </a:solidFill>
+              </a:rPr>
+              <a:t> </a:t>
+            </a:r>
+            <a:r>
+              <a:rPr lang="it-IT" dirty="0" err="1">
+                <a:solidFill>
+                  <a:schemeClr val="tx1"/>
+                </a:solidFill>
+              </a:rPr>
+              <a:t>user’s</a:t>
+            </a:r>
+            <a:r>
+              <a:rPr lang="it-IT" dirty="0">
+                <a:solidFill>
+                  <a:schemeClr val="tx1"/>
+                </a:solidFill>
+              </a:rPr>
+              <a:t> </a:t>
+            </a:r>
+            <a:r>
+              <a:rPr lang="it-IT" dirty="0" err="1">
+                <a:solidFill>
+                  <a:schemeClr val="tx1"/>
+                </a:solidFill>
+              </a:rPr>
+              <a:t>movement</a:t>
+            </a:r>
+            <a:r>
+              <a:rPr lang="it-IT" dirty="0">
+                <a:solidFill>
+                  <a:schemeClr val="tx1"/>
+                </a:solidFill>
+              </a:rPr>
+              <a:t> to </a:t>
+            </a:r>
+            <a:r>
+              <a:rPr lang="it-IT" dirty="0" err="1">
+                <a:solidFill>
+                  <a:schemeClr val="tx1"/>
+                </a:solidFill>
+              </a:rPr>
+              <a:t>handshake</a:t>
+            </a:r>
+            <a:r>
+              <a:rPr lang="it-IT" dirty="0">
+                <a:solidFill>
+                  <a:schemeClr val="tx1"/>
+                </a:solidFill>
+              </a:rPr>
+              <a:t>. </a:t>
+            </a:r>
+          </a:p>
+          <a:p>
+            <a:pPr marL="342900" indent="-342900">
+              <a:buFont typeface="Arial" panose="020B0604020202020204" pitchFamily="34" charset="0"/>
+              <a:buChar char="•"/>
+            </a:pPr>
+            <a:r>
+              <a:rPr lang="it-IT" dirty="0">
+                <a:solidFill>
+                  <a:schemeClr val="tx1"/>
+                </a:solidFill>
+              </a:rPr>
+              <a:t>On the </a:t>
+            </a:r>
+            <a:r>
+              <a:rPr lang="it-IT" dirty="0" err="1">
+                <a:solidFill>
+                  <a:schemeClr val="tx1"/>
+                </a:solidFill>
+              </a:rPr>
+              <a:t>other</a:t>
+            </a:r>
+            <a:r>
+              <a:rPr lang="it-IT" dirty="0">
+                <a:solidFill>
+                  <a:schemeClr val="tx1"/>
+                </a:solidFill>
+              </a:rPr>
+              <a:t> </a:t>
+            </a:r>
+            <a:r>
+              <a:rPr lang="it-IT" dirty="0" err="1">
+                <a:solidFill>
+                  <a:schemeClr val="tx1"/>
+                </a:solidFill>
+              </a:rPr>
+              <a:t>hand</a:t>
+            </a:r>
+            <a:r>
+              <a:rPr lang="it-IT" dirty="0">
+                <a:solidFill>
+                  <a:schemeClr val="tx1"/>
+                </a:solidFill>
+              </a:rPr>
+              <a:t> </a:t>
+            </a:r>
+            <a:r>
+              <a:rPr lang="it-IT" dirty="0" err="1">
+                <a:solidFill>
+                  <a:schemeClr val="tx1"/>
+                </a:solidFill>
+              </a:rPr>
+              <a:t>it</a:t>
+            </a:r>
+            <a:r>
+              <a:rPr lang="it-IT" dirty="0">
+                <a:solidFill>
+                  <a:schemeClr val="tx1"/>
+                </a:solidFill>
+              </a:rPr>
+              <a:t> must be sensitive </a:t>
+            </a:r>
+            <a:r>
+              <a:rPr lang="it-IT" dirty="0" err="1">
+                <a:solidFill>
+                  <a:schemeClr val="tx1"/>
+                </a:solidFill>
+              </a:rPr>
+              <a:t>enough</a:t>
+            </a:r>
+            <a:r>
+              <a:rPr lang="it-IT" dirty="0">
+                <a:solidFill>
+                  <a:schemeClr val="tx1"/>
+                </a:solidFill>
+              </a:rPr>
+              <a:t> </a:t>
+            </a:r>
+            <a:r>
+              <a:rPr lang="it-IT" dirty="0" err="1">
+                <a:solidFill>
+                  <a:schemeClr val="tx1"/>
+                </a:solidFill>
+              </a:rPr>
+              <a:t>not</a:t>
+            </a:r>
+            <a:r>
+              <a:rPr lang="it-IT" dirty="0">
+                <a:solidFill>
+                  <a:schemeClr val="tx1"/>
+                </a:solidFill>
+              </a:rPr>
+              <a:t> to </a:t>
+            </a:r>
+            <a:r>
+              <a:rPr lang="it-IT" dirty="0" err="1">
+                <a:solidFill>
+                  <a:schemeClr val="tx1"/>
+                </a:solidFill>
+              </a:rPr>
+              <a:t>lose</a:t>
+            </a:r>
+            <a:r>
+              <a:rPr lang="it-IT" dirty="0">
+                <a:solidFill>
+                  <a:schemeClr val="tx1"/>
+                </a:solidFill>
+              </a:rPr>
+              <a:t> </a:t>
+            </a:r>
+            <a:r>
+              <a:rPr lang="it-IT" dirty="0" err="1">
+                <a:solidFill>
+                  <a:schemeClr val="tx1"/>
+                </a:solidFill>
+              </a:rPr>
+              <a:t>any</a:t>
+            </a:r>
+            <a:r>
+              <a:rPr lang="it-IT" dirty="0">
+                <a:solidFill>
+                  <a:schemeClr val="tx1"/>
+                </a:solidFill>
+              </a:rPr>
+              <a:t> </a:t>
+            </a:r>
+            <a:r>
+              <a:rPr lang="it-IT" dirty="0" err="1">
+                <a:solidFill>
+                  <a:schemeClr val="tx1"/>
+                </a:solidFill>
+              </a:rPr>
+              <a:t>handshake</a:t>
+            </a:r>
+            <a:endParaRPr lang="it-IT" dirty="0">
+              <a:solidFill>
+                <a:schemeClr val="tx1"/>
+              </a:solidFill>
+            </a:endParaRPr>
+          </a:p>
+        </p:txBody>
+      </p:sp>
+      <p:sp>
+        <p:nvSpPr>
+          <p:cNvPr id="4" name="Segnaposto data 3">
+            <a:extLst>
+              <a:ext uri="{FF2B5EF4-FFF2-40B4-BE49-F238E27FC236}">
+                <a16:creationId xmlns:a16="http://schemas.microsoft.com/office/drawing/2014/main" id="{9D5656E5-57AC-4AFF-8D12-808D2569572C}"/>
+              </a:ext>
+            </a:extLst>
+          </p:cNvPr>
+          <p:cNvSpPr>
+            <a:spLocks noGrp="1"/>
+          </p:cNvSpPr>
+          <p:nvPr>
+            <p:ph type="dt" sz="half" idx="10"/>
+          </p:nvPr>
+        </p:nvSpPr>
+        <p:spPr/>
+        <p:txBody>
+          <a:bodyPr/>
+          <a:lstStyle/>
+          <a:p>
+            <a:r>
+              <a:rPr lang="it-IT" dirty="0"/>
+              <a:t>29/06/2018</a:t>
+            </a:r>
+          </a:p>
+        </p:txBody>
+      </p:sp>
+      <p:sp>
+        <p:nvSpPr>
+          <p:cNvPr id="5" name="Segnaposto piè di pagina 4">
+            <a:extLst>
+              <a:ext uri="{FF2B5EF4-FFF2-40B4-BE49-F238E27FC236}">
+                <a16:creationId xmlns:a16="http://schemas.microsoft.com/office/drawing/2014/main" id="{65E7D71A-65D2-4250-BD53-DA5387C36A62}"/>
+              </a:ext>
+            </a:extLst>
+          </p:cNvPr>
+          <p:cNvSpPr>
+            <a:spLocks noGrp="1"/>
+          </p:cNvSpPr>
+          <p:nvPr>
+            <p:ph type="ftr" sz="quarter" idx="11"/>
+          </p:nvPr>
+        </p:nvSpPr>
+        <p:spPr/>
+        <p:txBody>
+          <a:bodyPr/>
+          <a:lstStyle/>
+          <a:p>
+            <a:r>
+              <a:rPr lang="it-IT" dirty="0"/>
+              <a:t>NTMY - Ambient intelligence 2018</a:t>
+            </a:r>
+          </a:p>
+        </p:txBody>
+      </p:sp>
+      <p:sp>
+        <p:nvSpPr>
+          <p:cNvPr id="6" name="Segnaposto numero diapositiva 5">
+            <a:extLst>
+              <a:ext uri="{FF2B5EF4-FFF2-40B4-BE49-F238E27FC236}">
+                <a16:creationId xmlns:a16="http://schemas.microsoft.com/office/drawing/2014/main" id="{869D648F-5BCB-4D77-A139-E60D50AE66B3}"/>
+              </a:ext>
+            </a:extLst>
+          </p:cNvPr>
+          <p:cNvSpPr>
+            <a:spLocks noGrp="1"/>
+          </p:cNvSpPr>
+          <p:nvPr>
+            <p:ph type="sldNum" sz="quarter" idx="12"/>
+          </p:nvPr>
+        </p:nvSpPr>
+        <p:spPr/>
+        <p:txBody>
+          <a:bodyPr/>
+          <a:lstStyle/>
+          <a:p>
+            <a:fld id="{A27405AD-269E-48FA-B749-A0B803F8320C}" type="slidenum">
+              <a:rPr lang="it-IT" smtClean="0"/>
+              <a:t>15</a:t>
+            </a:fld>
+            <a:endParaRPr lang="it-IT" dirty="0"/>
+          </a:p>
+        </p:txBody>
+      </p:sp>
+      <p:pic>
+        <p:nvPicPr>
+          <p:cNvPr id="9" name="Immagine 8">
+            <a:extLst>
+              <a:ext uri="{FF2B5EF4-FFF2-40B4-BE49-F238E27FC236}">
+                <a16:creationId xmlns:a16="http://schemas.microsoft.com/office/drawing/2014/main" id="{8B173911-7E39-46CF-ADF9-A3BC75E3EC90}"/>
+              </a:ext>
+            </a:extLst>
+          </p:cNvPr>
+          <p:cNvPicPr>
+            <a:picLocks noChangeAspect="1"/>
+          </p:cNvPicPr>
+          <p:nvPr/>
+        </p:nvPicPr>
+        <p:blipFill>
+          <a:blip r:embed="rId2">
+            <a:extLst>
+              <a:ext uri="{28A0092B-C50C-407E-A947-70E740481C1C}">
+                <a14:useLocalDpi xmlns:a14="http://schemas.microsoft.com/office/drawing/2010/main" val="0"/>
+              </a:ext>
+            </a:extLst>
+          </a:blip>
+          <a:stretch>
+            <a:fillRect/>
+          </a:stretch>
+        </p:blipFill>
+        <p:spPr>
+          <a:xfrm>
+            <a:off x="838200" y="115575"/>
+            <a:ext cx="1260000" cy="1260000"/>
+          </a:xfrm>
+          <a:prstGeom prst="rect">
+            <a:avLst/>
+          </a:prstGeom>
+        </p:spPr>
+      </p:pic>
+      <p:sp>
+        <p:nvSpPr>
+          <p:cNvPr id="7" name="CasellaDiTesto 6">
+            <a:extLst>
+              <a:ext uri="{FF2B5EF4-FFF2-40B4-BE49-F238E27FC236}">
+                <a16:creationId xmlns:a16="http://schemas.microsoft.com/office/drawing/2014/main" id="{7D671223-2AEC-4C63-9E92-1957E934A4AA}"/>
+              </a:ext>
+            </a:extLst>
+          </p:cNvPr>
+          <p:cNvSpPr txBox="1"/>
+          <p:nvPr/>
+        </p:nvSpPr>
+        <p:spPr>
+          <a:xfrm>
+            <a:off x="838198" y="1509267"/>
+            <a:ext cx="6229352" cy="707886"/>
+          </a:xfrm>
+          <a:prstGeom prst="rect">
+            <a:avLst/>
+          </a:prstGeom>
+          <a:noFill/>
+        </p:spPr>
+        <p:txBody>
+          <a:bodyPr wrap="square" rtlCol="0">
+            <a:spAutoFit/>
+          </a:bodyPr>
+          <a:lstStyle/>
+          <a:p>
+            <a:r>
+              <a:rPr lang="it-IT" sz="4000" dirty="0" err="1"/>
+              <a:t>Assumptions</a:t>
+            </a:r>
+            <a:r>
+              <a:rPr lang="it-IT" sz="4000" dirty="0"/>
+              <a:t> &amp; </a:t>
+            </a:r>
+            <a:r>
+              <a:rPr lang="it-IT" sz="4000" dirty="0" err="1"/>
+              <a:t>limitations</a:t>
+            </a:r>
+            <a:r>
+              <a:rPr lang="it-IT" sz="4000" dirty="0"/>
+              <a:t>:</a:t>
+            </a:r>
+            <a:endParaRPr lang="it-IT" dirty="0"/>
+          </a:p>
+        </p:txBody>
+      </p:sp>
+      <p:pic>
+        <p:nvPicPr>
+          <p:cNvPr id="13" name="Immagine 12">
+            <a:extLst>
+              <a:ext uri="{FF2B5EF4-FFF2-40B4-BE49-F238E27FC236}">
+                <a16:creationId xmlns:a16="http://schemas.microsoft.com/office/drawing/2014/main" id="{F14E0372-B330-474C-A4C7-504964016B86}"/>
+              </a:ext>
+            </a:extLst>
+          </p:cNvPr>
+          <p:cNvPicPr>
+            <a:picLocks noChangeAspect="1"/>
+          </p:cNvPicPr>
+          <p:nvPr/>
+        </p:nvPicPr>
+        <p:blipFill>
+          <a:blip r:embed="rId3">
+            <a:extLst>
+              <a:ext uri="{28A0092B-C50C-407E-A947-70E740481C1C}">
+                <a14:useLocalDpi xmlns:a14="http://schemas.microsoft.com/office/drawing/2010/main" val="0"/>
+              </a:ext>
+            </a:extLst>
+          </a:blip>
+          <a:stretch>
+            <a:fillRect/>
+          </a:stretch>
+        </p:blipFill>
+        <p:spPr>
+          <a:xfrm>
+            <a:off x="7696200" y="1863210"/>
+            <a:ext cx="3049327" cy="3273425"/>
+          </a:xfrm>
+          <a:prstGeom prst="rect">
+            <a:avLst/>
+          </a:prstGeom>
+        </p:spPr>
+      </p:pic>
+    </p:spTree>
+    <p:extLst>
+      <p:ext uri="{BB962C8B-B14F-4D97-AF65-F5344CB8AC3E}">
+        <p14:creationId xmlns:p14="http://schemas.microsoft.com/office/powerpoint/2010/main" val="1430469936"/>
+      </p:ext>
+    </p:extLst>
+  </p:cSld>
+  <p:clrMapOvr>
+    <a:masterClrMapping/>
+  </p:clrMapOvr>
+  <mc:AlternateContent xmlns:mc="http://schemas.openxmlformats.org/markup-compatibility/2006" xmlns:p14="http://schemas.microsoft.com/office/powerpoint/2010/main">
+    <mc:Choice Requires="p14">
+      <p:transition spd="med" p14:dur="700">
+        <p:fade/>
+      </p:transition>
+    </mc:Choice>
+    <mc:Fallback xmlns="">
+      <p:transition spd="med">
+        <p:fade/>
+      </p:transition>
+    </mc:Fallback>
+  </mc:AlternateContent>
+</p:sld>
+</file>
+
+<file path=ppt/slides/slide16.xml><?xml version="1.0" encoding="utf-8"?>
+<p:sld xmlns:a="http://schemas.openxmlformats.org/drawingml/2006/main" xmlns:r="http://schemas.openxmlformats.org/officeDocument/2006/relationships" xmlns:p="http://schemas.openxmlformats.org/presentationml/2006/main">
+  <p:cSld>
+    <p:spTree>
+      <p:nvGrpSpPr>
+        <p:cNvPr id="1" name=""/>
+        <p:cNvGrpSpPr/>
+        <p:nvPr/>
+      </p:nvGrpSpPr>
+      <p:grpSpPr>
+        <a:xfrm>
+          <a:off x="0" y="0"/>
+          <a:ext cx="0" cy="0"/>
+          <a:chOff x="0" y="0"/>
+          <a:chExt cx="0" cy="0"/>
+        </a:xfrm>
+      </p:grpSpPr>
+      <p:sp>
+        <p:nvSpPr>
+          <p:cNvPr id="2" name="Titolo 1">
+            <a:extLst>
+              <a:ext uri="{FF2B5EF4-FFF2-40B4-BE49-F238E27FC236}">
+                <a16:creationId xmlns:a16="http://schemas.microsoft.com/office/drawing/2014/main" id="{DB93A0B8-F4FE-4859-B2F3-9181AFEF72EA}"/>
+              </a:ext>
+            </a:extLst>
+          </p:cNvPr>
+          <p:cNvSpPr>
+            <a:spLocks noGrp="1"/>
+          </p:cNvSpPr>
+          <p:nvPr>
+            <p:ph type="title"/>
+          </p:nvPr>
+        </p:nvSpPr>
+        <p:spPr>
+          <a:xfrm>
+            <a:off x="2536825" y="136526"/>
+            <a:ext cx="9169400" cy="1035570"/>
+          </a:xfrm>
+        </p:spPr>
+        <p:txBody>
+          <a:bodyPr/>
+          <a:lstStyle/>
+          <a:p>
+            <a:r>
+              <a:rPr lang="it-IT" dirty="0"/>
+              <a:t>Step 3: </a:t>
+            </a:r>
+            <a:r>
+              <a:rPr lang="it-IT" dirty="0" err="1"/>
+              <a:t>Handshake</a:t>
+            </a:r>
+            <a:r>
+              <a:rPr lang="it-IT" dirty="0"/>
+              <a:t> </a:t>
+            </a:r>
+            <a:r>
+              <a:rPr lang="it-IT" dirty="0" err="1"/>
+              <a:t>Detection</a:t>
+            </a:r>
+            <a:endParaRPr lang="it-IT" dirty="0"/>
+          </a:p>
+        </p:txBody>
+      </p:sp>
+      <p:sp>
+        <p:nvSpPr>
+          <p:cNvPr id="3" name="Segnaposto testo 2">
+            <a:extLst>
+              <a:ext uri="{FF2B5EF4-FFF2-40B4-BE49-F238E27FC236}">
+                <a16:creationId xmlns:a16="http://schemas.microsoft.com/office/drawing/2014/main" id="{86B9C604-3A8D-43A1-9C87-829D86772CED}"/>
+              </a:ext>
+            </a:extLst>
+          </p:cNvPr>
+          <p:cNvSpPr>
+            <a:spLocks noGrp="1"/>
+          </p:cNvSpPr>
+          <p:nvPr>
+            <p:ph type="body" idx="1"/>
+          </p:nvPr>
+        </p:nvSpPr>
+        <p:spPr>
+          <a:xfrm>
+            <a:off x="838198" y="2350844"/>
+            <a:ext cx="6229352" cy="3587321"/>
+          </a:xfrm>
+        </p:spPr>
+        <p:txBody>
+          <a:bodyPr>
+            <a:normAutofit fontScale="92500" lnSpcReduction="10000"/>
+          </a:bodyPr>
+          <a:lstStyle/>
+          <a:p>
+            <a:r>
+              <a:rPr lang="it-IT" dirty="0" err="1">
+                <a:solidFill>
+                  <a:schemeClr val="tx1"/>
+                </a:solidFill>
+              </a:rPr>
+              <a:t>When</a:t>
+            </a:r>
+            <a:r>
+              <a:rPr lang="it-IT" dirty="0">
+                <a:solidFill>
+                  <a:schemeClr val="tx1"/>
+                </a:solidFill>
+              </a:rPr>
+              <a:t> an </a:t>
+            </a:r>
+            <a:r>
+              <a:rPr lang="it-IT" dirty="0" err="1">
+                <a:solidFill>
+                  <a:schemeClr val="tx1"/>
+                </a:solidFill>
+              </a:rPr>
+              <a:t>handshake</a:t>
+            </a:r>
+            <a:r>
+              <a:rPr lang="it-IT" dirty="0">
+                <a:solidFill>
+                  <a:schemeClr val="tx1"/>
+                </a:solidFill>
+              </a:rPr>
+              <a:t> </a:t>
+            </a:r>
+            <a:r>
+              <a:rPr lang="it-IT" dirty="0" err="1">
+                <a:solidFill>
+                  <a:schemeClr val="tx1"/>
+                </a:solidFill>
+              </a:rPr>
+              <a:t>is</a:t>
+            </a:r>
+            <a:r>
+              <a:rPr lang="it-IT" dirty="0">
+                <a:solidFill>
+                  <a:schemeClr val="tx1"/>
+                </a:solidFill>
+              </a:rPr>
+              <a:t> </a:t>
+            </a:r>
+            <a:r>
+              <a:rPr lang="it-IT" dirty="0" err="1">
+                <a:solidFill>
+                  <a:schemeClr val="tx1"/>
+                </a:solidFill>
+              </a:rPr>
+              <a:t>detected</a:t>
+            </a:r>
+            <a:r>
+              <a:rPr lang="it-IT" dirty="0">
+                <a:solidFill>
+                  <a:schemeClr val="tx1"/>
+                </a:solidFill>
+              </a:rPr>
+              <a:t>:</a:t>
+            </a:r>
+          </a:p>
+          <a:p>
+            <a:pPr marL="342900" indent="-342900">
+              <a:buFont typeface="Arial" panose="020B0604020202020204" pitchFamily="34" charset="0"/>
+              <a:buChar char="•"/>
+            </a:pPr>
+            <a:r>
+              <a:rPr lang="it-IT" dirty="0">
+                <a:solidFill>
+                  <a:schemeClr val="tx1"/>
+                </a:solidFill>
+              </a:rPr>
+              <a:t>Check </a:t>
+            </a:r>
+            <a:r>
+              <a:rPr lang="it-IT" dirty="0" err="1">
+                <a:solidFill>
+                  <a:schemeClr val="tx1"/>
+                </a:solidFill>
+              </a:rPr>
+              <a:t>if</a:t>
+            </a:r>
+            <a:r>
+              <a:rPr lang="it-IT" dirty="0">
+                <a:solidFill>
+                  <a:schemeClr val="tx1"/>
+                </a:solidFill>
+              </a:rPr>
+              <a:t> </a:t>
+            </a:r>
+            <a:r>
+              <a:rPr lang="it-IT" dirty="0" err="1">
+                <a:solidFill>
+                  <a:schemeClr val="tx1"/>
+                </a:solidFill>
+              </a:rPr>
+              <a:t>is</a:t>
+            </a:r>
+            <a:r>
+              <a:rPr lang="it-IT" dirty="0">
+                <a:solidFill>
+                  <a:schemeClr val="tx1"/>
+                </a:solidFill>
+              </a:rPr>
+              <a:t> </a:t>
+            </a:r>
+            <a:r>
+              <a:rPr lang="it-IT" dirty="0" err="1">
+                <a:solidFill>
+                  <a:schemeClr val="tx1"/>
+                </a:solidFill>
+              </a:rPr>
+              <a:t>passed</a:t>
+            </a:r>
+            <a:r>
+              <a:rPr lang="it-IT" dirty="0">
+                <a:solidFill>
+                  <a:schemeClr val="tx1"/>
+                </a:solidFill>
+              </a:rPr>
+              <a:t> </a:t>
+            </a:r>
+            <a:r>
+              <a:rPr lang="it-IT" dirty="0" err="1">
+                <a:solidFill>
+                  <a:schemeClr val="tx1"/>
+                </a:solidFill>
+              </a:rPr>
+              <a:t>enough</a:t>
+            </a:r>
+            <a:r>
+              <a:rPr lang="it-IT" dirty="0">
+                <a:solidFill>
+                  <a:schemeClr val="tx1"/>
+                </a:solidFill>
+              </a:rPr>
+              <a:t> time </a:t>
+            </a:r>
+            <a:r>
+              <a:rPr lang="it-IT" dirty="0" err="1">
+                <a:solidFill>
+                  <a:schemeClr val="tx1"/>
+                </a:solidFill>
+              </a:rPr>
+              <a:t>since</a:t>
+            </a:r>
+            <a:r>
+              <a:rPr lang="it-IT" dirty="0">
+                <a:solidFill>
+                  <a:schemeClr val="tx1"/>
+                </a:solidFill>
+              </a:rPr>
+              <a:t> the last one.</a:t>
+            </a:r>
+          </a:p>
+          <a:p>
+            <a:pPr marL="342900" indent="-342900">
+              <a:buFont typeface="Arial" panose="020B0604020202020204" pitchFamily="34" charset="0"/>
+              <a:buChar char="•"/>
+            </a:pPr>
+            <a:r>
+              <a:rPr lang="it-IT" dirty="0" err="1">
+                <a:solidFill>
+                  <a:schemeClr val="tx1"/>
+                </a:solidFill>
+              </a:rPr>
+              <a:t>Send</a:t>
+            </a:r>
+            <a:r>
+              <a:rPr lang="it-IT" dirty="0">
+                <a:solidFill>
+                  <a:schemeClr val="tx1"/>
+                </a:solidFill>
+              </a:rPr>
+              <a:t> a </a:t>
+            </a:r>
+            <a:r>
+              <a:rPr lang="it-IT" dirty="0" err="1">
+                <a:solidFill>
+                  <a:schemeClr val="tx1"/>
+                </a:solidFill>
+              </a:rPr>
+              <a:t>message</a:t>
+            </a:r>
+            <a:r>
+              <a:rPr lang="it-IT" dirty="0">
+                <a:solidFill>
+                  <a:schemeClr val="tx1"/>
+                </a:solidFill>
+              </a:rPr>
+              <a:t> to the </a:t>
+            </a:r>
+            <a:r>
+              <a:rPr lang="it-IT" dirty="0" err="1">
+                <a:solidFill>
+                  <a:schemeClr val="tx1"/>
+                </a:solidFill>
+              </a:rPr>
+              <a:t>phone</a:t>
+            </a:r>
+            <a:r>
+              <a:rPr lang="it-IT" dirty="0">
+                <a:solidFill>
+                  <a:schemeClr val="tx1"/>
+                </a:solidFill>
+              </a:rPr>
+              <a:t>.</a:t>
+            </a:r>
+          </a:p>
+          <a:p>
+            <a:pPr marL="342900" indent="-342900">
+              <a:buFont typeface="Arial" panose="020B0604020202020204" pitchFamily="34" charset="0"/>
+              <a:buChar char="•"/>
+            </a:pPr>
+            <a:r>
+              <a:rPr lang="it-IT" dirty="0">
+                <a:solidFill>
+                  <a:schemeClr val="tx1"/>
+                </a:solidFill>
+              </a:rPr>
+              <a:t>The </a:t>
+            </a:r>
+            <a:r>
+              <a:rPr lang="it-IT" dirty="0" err="1">
+                <a:solidFill>
+                  <a:schemeClr val="tx1"/>
+                </a:solidFill>
+              </a:rPr>
+              <a:t>phone</a:t>
+            </a:r>
+            <a:r>
+              <a:rPr lang="it-IT" dirty="0">
+                <a:solidFill>
+                  <a:schemeClr val="tx1"/>
+                </a:solidFill>
+              </a:rPr>
+              <a:t> </a:t>
+            </a:r>
+            <a:r>
+              <a:rPr lang="it-IT" dirty="0" err="1">
+                <a:solidFill>
+                  <a:schemeClr val="tx1"/>
+                </a:solidFill>
+              </a:rPr>
+              <a:t>searches</a:t>
+            </a:r>
+            <a:r>
+              <a:rPr lang="it-IT" dirty="0">
+                <a:solidFill>
+                  <a:schemeClr val="tx1"/>
+                </a:solidFill>
+              </a:rPr>
+              <a:t> the </a:t>
+            </a:r>
+            <a:r>
+              <a:rPr lang="it-IT" dirty="0" err="1">
+                <a:solidFill>
+                  <a:schemeClr val="tx1"/>
+                </a:solidFill>
+              </a:rPr>
+              <a:t>other</a:t>
+            </a:r>
+            <a:r>
+              <a:rPr lang="it-IT" dirty="0">
+                <a:solidFill>
+                  <a:schemeClr val="tx1"/>
+                </a:solidFill>
+              </a:rPr>
+              <a:t> smartwatch (note: </a:t>
+            </a:r>
+            <a:r>
+              <a:rPr lang="it-IT" dirty="0" err="1">
+                <a:solidFill>
+                  <a:schemeClr val="tx1"/>
+                </a:solidFill>
+              </a:rPr>
+              <a:t>smartwatches</a:t>
+            </a:r>
+            <a:r>
+              <a:rPr lang="it-IT" dirty="0">
+                <a:solidFill>
+                  <a:schemeClr val="tx1"/>
+                </a:solidFill>
+              </a:rPr>
+              <a:t> </a:t>
+            </a:r>
+            <a:r>
+              <a:rPr lang="it-IT" dirty="0" err="1">
+                <a:solidFill>
+                  <a:schemeClr val="tx1"/>
+                </a:solidFill>
+              </a:rPr>
+              <a:t>only</a:t>
+            </a:r>
+            <a:r>
+              <a:rPr lang="it-IT" dirty="0">
+                <a:solidFill>
+                  <a:schemeClr val="tx1"/>
+                </a:solidFill>
+              </a:rPr>
+              <a:t> </a:t>
+            </a:r>
+            <a:r>
+              <a:rPr lang="it-IT" dirty="0" err="1">
+                <a:solidFill>
+                  <a:schemeClr val="tx1"/>
+                </a:solidFill>
+              </a:rPr>
+              <a:t>have</a:t>
+            </a:r>
+            <a:r>
+              <a:rPr lang="it-IT" dirty="0">
+                <a:solidFill>
+                  <a:schemeClr val="tx1"/>
+                </a:solidFill>
+              </a:rPr>
+              <a:t> «</a:t>
+            </a:r>
+            <a:r>
+              <a:rPr lang="it-IT" dirty="0" err="1">
+                <a:solidFill>
+                  <a:schemeClr val="tx1"/>
+                </a:solidFill>
+              </a:rPr>
+              <a:t>always</a:t>
+            </a:r>
+            <a:r>
+              <a:rPr lang="it-IT" dirty="0">
+                <a:solidFill>
+                  <a:schemeClr val="tx1"/>
+                </a:solidFill>
+              </a:rPr>
+              <a:t> </a:t>
+            </a:r>
+            <a:r>
+              <a:rPr lang="it-IT" dirty="0" err="1">
+                <a:solidFill>
+                  <a:schemeClr val="tx1"/>
+                </a:solidFill>
+              </a:rPr>
+              <a:t>detectable</a:t>
+            </a:r>
+            <a:r>
+              <a:rPr lang="it-IT" dirty="0">
+                <a:solidFill>
+                  <a:schemeClr val="tx1"/>
+                </a:solidFill>
+              </a:rPr>
+              <a:t>» </a:t>
+            </a:r>
+            <a:r>
+              <a:rPr lang="it-IT" dirty="0" err="1">
+                <a:solidFill>
+                  <a:schemeClr val="tx1"/>
+                </a:solidFill>
+              </a:rPr>
+              <a:t>enabled</a:t>
+            </a:r>
+            <a:r>
+              <a:rPr lang="it-IT" dirty="0">
+                <a:solidFill>
+                  <a:schemeClr val="tx1"/>
+                </a:solidFill>
+              </a:rPr>
+              <a:t>) and </a:t>
+            </a:r>
+            <a:r>
+              <a:rPr lang="it-IT" dirty="0" err="1">
+                <a:solidFill>
+                  <a:schemeClr val="tx1"/>
+                </a:solidFill>
+              </a:rPr>
+              <a:t>if</a:t>
+            </a:r>
+            <a:r>
+              <a:rPr lang="it-IT" dirty="0">
+                <a:solidFill>
+                  <a:schemeClr val="tx1"/>
+                </a:solidFill>
+              </a:rPr>
+              <a:t> </a:t>
+            </a:r>
+            <a:r>
+              <a:rPr lang="it-IT" dirty="0" err="1">
+                <a:solidFill>
+                  <a:schemeClr val="tx1"/>
+                </a:solidFill>
+              </a:rPr>
+              <a:t>it</a:t>
+            </a:r>
+            <a:r>
+              <a:rPr lang="it-IT" dirty="0">
+                <a:solidFill>
+                  <a:schemeClr val="tx1"/>
+                </a:solidFill>
+              </a:rPr>
+              <a:t> </a:t>
+            </a:r>
+            <a:r>
+              <a:rPr lang="it-IT" dirty="0" err="1">
+                <a:solidFill>
+                  <a:schemeClr val="tx1"/>
+                </a:solidFill>
+              </a:rPr>
+              <a:t>is</a:t>
+            </a:r>
+            <a:r>
+              <a:rPr lang="it-IT" dirty="0">
+                <a:solidFill>
+                  <a:schemeClr val="tx1"/>
+                </a:solidFill>
+              </a:rPr>
+              <a:t> </a:t>
+            </a:r>
+            <a:r>
+              <a:rPr lang="it-IT" dirty="0" err="1">
+                <a:solidFill>
+                  <a:schemeClr val="tx1"/>
+                </a:solidFill>
+              </a:rPr>
+              <a:t>found</a:t>
+            </a:r>
+            <a:r>
+              <a:rPr lang="it-IT" dirty="0">
+                <a:solidFill>
+                  <a:schemeClr val="tx1"/>
+                </a:solidFill>
+              </a:rPr>
+              <a:t>, </a:t>
+            </a:r>
+            <a:r>
+              <a:rPr lang="it-IT" dirty="0" err="1">
+                <a:solidFill>
+                  <a:schemeClr val="tx1"/>
+                </a:solidFill>
+              </a:rPr>
+              <a:t>phone</a:t>
+            </a:r>
+            <a:r>
+              <a:rPr lang="it-IT" dirty="0">
+                <a:solidFill>
+                  <a:schemeClr val="tx1"/>
+                </a:solidFill>
+              </a:rPr>
+              <a:t> </a:t>
+            </a:r>
+            <a:r>
+              <a:rPr lang="it-IT" dirty="0" err="1">
+                <a:solidFill>
+                  <a:schemeClr val="tx1"/>
+                </a:solidFill>
+              </a:rPr>
+              <a:t>sends</a:t>
+            </a:r>
+            <a:r>
+              <a:rPr lang="it-IT" dirty="0">
+                <a:solidFill>
+                  <a:schemeClr val="tx1"/>
+                </a:solidFill>
+              </a:rPr>
+              <a:t> back to the </a:t>
+            </a:r>
+            <a:r>
+              <a:rPr lang="it-IT" dirty="0" err="1">
+                <a:solidFill>
+                  <a:schemeClr val="tx1"/>
+                </a:solidFill>
+              </a:rPr>
+              <a:t>wear</a:t>
+            </a:r>
+            <a:r>
+              <a:rPr lang="it-IT" dirty="0">
+                <a:solidFill>
+                  <a:schemeClr val="tx1"/>
+                </a:solidFill>
+              </a:rPr>
+              <a:t> the </a:t>
+            </a:r>
+            <a:r>
+              <a:rPr lang="it-IT" dirty="0" err="1">
+                <a:solidFill>
+                  <a:schemeClr val="tx1"/>
+                </a:solidFill>
+              </a:rPr>
+              <a:t>fullname</a:t>
+            </a:r>
+            <a:r>
+              <a:rPr lang="it-IT" dirty="0">
+                <a:solidFill>
+                  <a:schemeClr val="tx1"/>
+                </a:solidFill>
+              </a:rPr>
+              <a:t> of the </a:t>
+            </a:r>
+            <a:r>
+              <a:rPr lang="it-IT" dirty="0" err="1">
+                <a:solidFill>
+                  <a:schemeClr val="tx1"/>
+                </a:solidFill>
+              </a:rPr>
+              <a:t>detected</a:t>
+            </a:r>
+            <a:r>
+              <a:rPr lang="it-IT" dirty="0">
+                <a:solidFill>
+                  <a:schemeClr val="tx1"/>
+                </a:solidFill>
+              </a:rPr>
+              <a:t> user (smartwatch).</a:t>
+            </a:r>
+          </a:p>
+          <a:p>
+            <a:pPr marL="342900" indent="-342900">
+              <a:buFont typeface="Arial" panose="020B0604020202020204" pitchFamily="34" charset="0"/>
+              <a:buChar char="•"/>
+            </a:pPr>
+            <a:r>
+              <a:rPr lang="it-IT" dirty="0">
+                <a:solidFill>
+                  <a:schemeClr val="tx1"/>
+                </a:solidFill>
+              </a:rPr>
+              <a:t>The smartwatch and the </a:t>
+            </a:r>
+            <a:r>
+              <a:rPr lang="it-IT" dirty="0" err="1">
+                <a:solidFill>
+                  <a:schemeClr val="tx1"/>
+                </a:solidFill>
+              </a:rPr>
+              <a:t>phone</a:t>
+            </a:r>
+            <a:r>
+              <a:rPr lang="it-IT" dirty="0">
+                <a:solidFill>
+                  <a:schemeClr val="tx1"/>
+                </a:solidFill>
+              </a:rPr>
+              <a:t> </a:t>
+            </a:r>
+            <a:r>
+              <a:rPr lang="it-IT" dirty="0" err="1">
+                <a:solidFill>
+                  <a:schemeClr val="tx1"/>
+                </a:solidFill>
+              </a:rPr>
+              <a:t>will</a:t>
+            </a:r>
+            <a:r>
+              <a:rPr lang="it-IT" dirty="0">
+                <a:solidFill>
+                  <a:schemeClr val="tx1"/>
+                </a:solidFill>
+              </a:rPr>
+              <a:t> show a toast </a:t>
+            </a:r>
+            <a:r>
+              <a:rPr lang="it-IT" dirty="0" err="1">
+                <a:solidFill>
+                  <a:schemeClr val="tx1"/>
+                </a:solidFill>
+              </a:rPr>
+              <a:t>containing</a:t>
+            </a:r>
+            <a:r>
+              <a:rPr lang="it-IT" dirty="0">
+                <a:solidFill>
+                  <a:schemeClr val="tx1"/>
+                </a:solidFill>
+              </a:rPr>
+              <a:t> the </a:t>
+            </a:r>
+            <a:r>
+              <a:rPr lang="it-IT" dirty="0" err="1">
+                <a:solidFill>
+                  <a:schemeClr val="tx1"/>
+                </a:solidFill>
+              </a:rPr>
+              <a:t>user’s</a:t>
+            </a:r>
+            <a:r>
+              <a:rPr lang="it-IT" dirty="0">
+                <a:solidFill>
+                  <a:schemeClr val="tx1"/>
+                </a:solidFill>
+              </a:rPr>
+              <a:t> </a:t>
+            </a:r>
+            <a:r>
+              <a:rPr lang="it-IT" dirty="0" err="1">
+                <a:solidFill>
+                  <a:schemeClr val="tx1"/>
+                </a:solidFill>
+              </a:rPr>
+              <a:t>fullname</a:t>
+            </a:r>
+            <a:r>
+              <a:rPr lang="it-IT" dirty="0">
+                <a:solidFill>
+                  <a:schemeClr val="tx1"/>
+                </a:solidFill>
+              </a:rPr>
+              <a:t>.</a:t>
+            </a:r>
+          </a:p>
+        </p:txBody>
+      </p:sp>
+      <p:sp>
+        <p:nvSpPr>
+          <p:cNvPr id="4" name="Segnaposto data 3">
+            <a:extLst>
+              <a:ext uri="{FF2B5EF4-FFF2-40B4-BE49-F238E27FC236}">
+                <a16:creationId xmlns:a16="http://schemas.microsoft.com/office/drawing/2014/main" id="{9D5656E5-57AC-4AFF-8D12-808D2569572C}"/>
+              </a:ext>
+            </a:extLst>
+          </p:cNvPr>
+          <p:cNvSpPr>
+            <a:spLocks noGrp="1"/>
+          </p:cNvSpPr>
+          <p:nvPr>
+            <p:ph type="dt" sz="half" idx="10"/>
+          </p:nvPr>
+        </p:nvSpPr>
+        <p:spPr/>
+        <p:txBody>
+          <a:bodyPr/>
+          <a:lstStyle/>
+          <a:p>
+            <a:r>
+              <a:rPr lang="it-IT" dirty="0"/>
+              <a:t>29/06/2018</a:t>
+            </a:r>
+          </a:p>
+        </p:txBody>
+      </p:sp>
+      <p:sp>
+        <p:nvSpPr>
+          <p:cNvPr id="5" name="Segnaposto piè di pagina 4">
+            <a:extLst>
+              <a:ext uri="{FF2B5EF4-FFF2-40B4-BE49-F238E27FC236}">
+                <a16:creationId xmlns:a16="http://schemas.microsoft.com/office/drawing/2014/main" id="{65E7D71A-65D2-4250-BD53-DA5387C36A62}"/>
+              </a:ext>
+            </a:extLst>
+          </p:cNvPr>
+          <p:cNvSpPr>
+            <a:spLocks noGrp="1"/>
+          </p:cNvSpPr>
+          <p:nvPr>
+            <p:ph type="ftr" sz="quarter" idx="11"/>
+          </p:nvPr>
+        </p:nvSpPr>
+        <p:spPr/>
+        <p:txBody>
+          <a:bodyPr/>
+          <a:lstStyle/>
+          <a:p>
+            <a:r>
+              <a:rPr lang="it-IT" dirty="0"/>
+              <a:t>NTMY - Ambient intelligence 2018</a:t>
+            </a:r>
+          </a:p>
+        </p:txBody>
+      </p:sp>
+      <p:sp>
+        <p:nvSpPr>
+          <p:cNvPr id="6" name="Segnaposto numero diapositiva 5">
+            <a:extLst>
+              <a:ext uri="{FF2B5EF4-FFF2-40B4-BE49-F238E27FC236}">
+                <a16:creationId xmlns:a16="http://schemas.microsoft.com/office/drawing/2014/main" id="{869D648F-5BCB-4D77-A139-E60D50AE66B3}"/>
+              </a:ext>
+            </a:extLst>
+          </p:cNvPr>
+          <p:cNvSpPr>
+            <a:spLocks noGrp="1"/>
+          </p:cNvSpPr>
+          <p:nvPr>
+            <p:ph type="sldNum" sz="quarter" idx="12"/>
+          </p:nvPr>
+        </p:nvSpPr>
+        <p:spPr/>
+        <p:txBody>
+          <a:bodyPr/>
+          <a:lstStyle/>
+          <a:p>
+            <a:fld id="{A27405AD-269E-48FA-B749-A0B803F8320C}" type="slidenum">
+              <a:rPr lang="it-IT" smtClean="0"/>
+              <a:t>16</a:t>
+            </a:fld>
+            <a:endParaRPr lang="it-IT" dirty="0"/>
+          </a:p>
+        </p:txBody>
+      </p:sp>
+      <p:pic>
+        <p:nvPicPr>
+          <p:cNvPr id="9" name="Immagine 8">
+            <a:extLst>
+              <a:ext uri="{FF2B5EF4-FFF2-40B4-BE49-F238E27FC236}">
+                <a16:creationId xmlns:a16="http://schemas.microsoft.com/office/drawing/2014/main" id="{8B173911-7E39-46CF-ADF9-A3BC75E3EC90}"/>
+              </a:ext>
+            </a:extLst>
+          </p:cNvPr>
+          <p:cNvPicPr>
+            <a:picLocks noChangeAspect="1"/>
+          </p:cNvPicPr>
+          <p:nvPr/>
+        </p:nvPicPr>
+        <p:blipFill>
+          <a:blip r:embed="rId2">
+            <a:extLst>
+              <a:ext uri="{28A0092B-C50C-407E-A947-70E740481C1C}">
+                <a14:useLocalDpi xmlns:a14="http://schemas.microsoft.com/office/drawing/2010/main" val="0"/>
+              </a:ext>
+            </a:extLst>
+          </a:blip>
+          <a:stretch>
+            <a:fillRect/>
+          </a:stretch>
+        </p:blipFill>
+        <p:spPr>
+          <a:xfrm>
+            <a:off x="838200" y="115575"/>
+            <a:ext cx="1260000" cy="1260000"/>
+          </a:xfrm>
+          <a:prstGeom prst="rect">
+            <a:avLst/>
+          </a:prstGeom>
+        </p:spPr>
+      </p:pic>
+      <p:sp>
+        <p:nvSpPr>
+          <p:cNvPr id="7" name="CasellaDiTesto 6">
+            <a:extLst>
+              <a:ext uri="{FF2B5EF4-FFF2-40B4-BE49-F238E27FC236}">
+                <a16:creationId xmlns:a16="http://schemas.microsoft.com/office/drawing/2014/main" id="{7D671223-2AEC-4C63-9E92-1957E934A4AA}"/>
+              </a:ext>
+            </a:extLst>
+          </p:cNvPr>
+          <p:cNvSpPr txBox="1"/>
+          <p:nvPr/>
+        </p:nvSpPr>
+        <p:spPr>
+          <a:xfrm>
+            <a:off x="838198" y="1509267"/>
+            <a:ext cx="6229352" cy="707886"/>
+          </a:xfrm>
+          <a:prstGeom prst="rect">
+            <a:avLst/>
+          </a:prstGeom>
+          <a:noFill/>
+        </p:spPr>
+        <p:txBody>
+          <a:bodyPr wrap="square" rtlCol="0">
+            <a:spAutoFit/>
+          </a:bodyPr>
+          <a:lstStyle/>
+          <a:p>
+            <a:r>
+              <a:rPr lang="it-IT" sz="4000" dirty="0" err="1"/>
+              <a:t>Algorithm</a:t>
+            </a:r>
+            <a:r>
+              <a:rPr lang="it-IT" sz="4000" dirty="0"/>
+              <a:t>:</a:t>
+            </a:r>
+            <a:endParaRPr lang="it-IT" dirty="0"/>
+          </a:p>
+        </p:txBody>
+      </p:sp>
+      <p:pic>
+        <p:nvPicPr>
+          <p:cNvPr id="10" name="Immagine 9">
+            <a:extLst>
+              <a:ext uri="{FF2B5EF4-FFF2-40B4-BE49-F238E27FC236}">
+                <a16:creationId xmlns:a16="http://schemas.microsoft.com/office/drawing/2014/main" id="{C2025E88-4A22-4125-BDCF-688F0B13A098}"/>
+              </a:ext>
+            </a:extLst>
+          </p:cNvPr>
+          <p:cNvPicPr>
+            <a:picLocks noChangeAspect="1"/>
+          </p:cNvPicPr>
+          <p:nvPr/>
+        </p:nvPicPr>
+        <p:blipFill>
+          <a:blip r:embed="rId3">
+            <a:extLst>
+              <a:ext uri="{28A0092B-C50C-407E-A947-70E740481C1C}">
+                <a14:useLocalDpi xmlns:a14="http://schemas.microsoft.com/office/drawing/2010/main" val="0"/>
+              </a:ext>
+            </a:extLst>
+          </a:blip>
+          <a:stretch>
+            <a:fillRect/>
+          </a:stretch>
+        </p:blipFill>
+        <p:spPr>
+          <a:xfrm>
+            <a:off x="7639050" y="1863210"/>
+            <a:ext cx="3714750" cy="3714750"/>
+          </a:xfrm>
+          <a:prstGeom prst="rect">
+            <a:avLst/>
+          </a:prstGeom>
+        </p:spPr>
+      </p:pic>
+    </p:spTree>
+    <p:extLst>
+      <p:ext uri="{BB962C8B-B14F-4D97-AF65-F5344CB8AC3E}">
+        <p14:creationId xmlns:p14="http://schemas.microsoft.com/office/powerpoint/2010/main" val="1719087288"/>
+      </p:ext>
+    </p:extLst>
+  </p:cSld>
+  <p:clrMapOvr>
+    <a:masterClrMapping/>
+  </p:clrMapOvr>
+  <mc:AlternateContent xmlns:mc="http://schemas.openxmlformats.org/markup-compatibility/2006" xmlns:p14="http://schemas.microsoft.com/office/powerpoint/2010/main">
+    <mc:Choice Requires="p14">
+      <p:transition spd="med" p14:dur="700">
+        <p:fade/>
+      </p:transition>
+    </mc:Choice>
+    <mc:Fallback xmlns="">
+      <p:transition spd="med">
+        <p:fade/>
+      </p:transition>
+    </mc:Fallback>
+  </mc:AlternateContent>
+</p:sld>
+</file>
+
+<file path=ppt/slides/slide17.xml><?xml version="1.0" encoding="utf-8"?>
 <p:sld xmlns:a="http://schemas.openxmlformats.org/drawingml/2006/main" xmlns:r="http://schemas.openxmlformats.org/officeDocument/2006/relationships" xmlns:p="http://schemas.openxmlformats.org/presentationml/2006/main">
   <p:cSld>
     <p:spTree>
@@ -25813,18 +27927,9 @@
           <a:lstStyle/>
           <a:p>
             <a:r>
-              <a:rPr lang="it-IT" dirty="0" err="1"/>
-              <a:t>Panels</a:t>
-            </a:r>
-            <a:r>
               <a:rPr lang="it-IT" dirty="0"/>
-              <a:t> </a:t>
-            </a:r>
-            <a:r>
-              <a:rPr lang="it-IT" dirty="0" err="1"/>
-              <a:t>architecture</a:t>
-            </a:r>
-            <a:endParaRPr lang="it-IT" dirty="0"/>
+              <a:t>Routing</a:t>
+            </a:r>
           </a:p>
         </p:txBody>
       </p:sp>
@@ -25851,11 +27956,11 @@
           <a:p>
             <a:r>
               <a:rPr lang="it-IT" dirty="0"/>
-              <a:t>Raffaele </a:t>
+              <a:t>Alessio </a:t>
             </a:r>
             <a:r>
               <a:rPr lang="it-IT" dirty="0" err="1"/>
-              <a:t>Tuzzo</a:t>
+              <a:t>Ciarcià</a:t>
             </a:r>
             <a:endParaRPr lang="it-IT" dirty="0"/>
           </a:p>
@@ -25940,7 +28045,7 @@
           <a:p>
             <a:fld id="{A27405AD-269E-48FA-B749-A0B803F8320C}" type="slidenum">
               <a:rPr lang="it-IT" smtClean="0"/>
-              <a:t>13</a:t>
+              <a:t>17</a:t>
             </a:fld>
             <a:endParaRPr lang="it-IT"/>
           </a:p>
@@ -25985,20 +28090,20 @@
     </p:spTree>
     <p:extLst>
       <p:ext uri="{BB962C8B-B14F-4D97-AF65-F5344CB8AC3E}">
-        <p14:creationId xmlns:p14="http://schemas.microsoft.com/office/powerpoint/2010/main" val="509856423"/>
+        <p14:creationId xmlns:p14="http://schemas.microsoft.com/office/powerpoint/2010/main" val="522353301"/>
       </p:ext>
     </p:extLst>
   </p:cSld>
   <p:clrMapOvr>
     <a:masterClrMapping/>
   </p:clrMapOvr>
-  <mc:AlternateContent xmlns:mc="http://schemas.openxmlformats.org/markup-compatibility/2006">
-    <mc:Choice xmlns:p14="http://schemas.microsoft.com/office/powerpoint/2010/main" Requires="p14">
+  <mc:AlternateContent xmlns:mc="http://schemas.openxmlformats.org/markup-compatibility/2006" xmlns:p14="http://schemas.microsoft.com/office/powerpoint/2010/main">
+    <mc:Choice Requires="p14">
       <p:transition spd="med" p14:dur="700">
         <p:fade/>
       </p:transition>
     </mc:Choice>
-    <mc:Fallback>
+    <mc:Fallback xmlns="">
       <p:transition spd="med">
         <p:fade/>
       </p:transition>
@@ -26007,7 +28112,7 @@
 </p:sld>
 </file>
 
-<file path=ppt/slides/slide14.xml><?xml version="1.0" encoding="utf-8"?>
+<file path=ppt/slides/slide18.xml><?xml version="1.0" encoding="utf-8"?>
 <p:sld xmlns:a="http://schemas.openxmlformats.org/drawingml/2006/main" xmlns:r="http://schemas.openxmlformats.org/officeDocument/2006/relationships" xmlns:p="http://schemas.openxmlformats.org/presentationml/2006/main">
   <p:cSld>
     <p:spTree>
@@ -26029,7 +28134,7 @@
           <p:cNvPr id="2" name="Titolo 1">
             <a:extLst>
               <a:ext uri="{FF2B5EF4-FFF2-40B4-BE49-F238E27FC236}">
-                <a16:creationId xmlns:a16="http://schemas.microsoft.com/office/drawing/2014/main" id="{18B4CC82-BC9C-446F-9C7C-C0F06AC575DA}"/>
+                <a16:creationId xmlns:a16="http://schemas.microsoft.com/office/drawing/2014/main" id="{DB93A0B8-F4FE-4859-B2F3-9181AFEF72EA}"/>
               </a:ext>
             </a:extLst>
           </p:cNvPr>
@@ -26042,8 +28147,8 @@
         </p:nvSpPr>
         <p:spPr>
           <a:xfrm>
-            <a:off x="838200" y="1709738"/>
-            <a:ext cx="10509250" cy="2852737"/>
+            <a:off x="2536825" y="136526"/>
+            <a:ext cx="9169400" cy="1035570"/>
           </a:xfrm>
         </p:spPr>
         <p:txBody>
@@ -26052,7 +28157,7 @@
           <a:p>
             <a:r>
               <a:rPr lang="it-IT" dirty="0"/>
-              <a:t>Demo time!</a:t>
+              <a:t>Step 1: Design college model</a:t>
             </a:r>
           </a:p>
         </p:txBody>
@@ -26062,7 +28167,7 @@
           <p:cNvPr id="3" name="Segnaposto testo 2">
             <a:extLst>
               <a:ext uri="{FF2B5EF4-FFF2-40B4-BE49-F238E27FC236}">
-                <a16:creationId xmlns:a16="http://schemas.microsoft.com/office/drawing/2014/main" id="{08CA3832-C30B-4A5F-92EB-C38AF5B81BFA}"/>
+                <a16:creationId xmlns:a16="http://schemas.microsoft.com/office/drawing/2014/main" id="{86B9C604-3A8D-43A1-9C87-829D86772CED}"/>
               </a:ext>
             </a:extLst>
           </p:cNvPr>
@@ -26073,15 +28178,417 @@
             <p:ph type="body" idx="1"/>
           </p:nvPr>
         </p:nvSpPr>
-        <p:spPr/>
+        <p:spPr>
+          <a:xfrm>
+            <a:off x="838200" y="1579054"/>
+            <a:ext cx="4762500" cy="3517342"/>
+          </a:xfrm>
+        </p:spPr>
         <p:txBody>
-          <a:bodyPr/>
+          <a:bodyPr>
+            <a:normAutofit/>
+          </a:bodyPr>
           <a:lstStyle/>
           <a:p>
             <a:r>
-              <a:rPr lang="it-IT" dirty="0"/>
-              <a:t>NTMY team</a:t>
-            </a:r>
+              <a:rPr lang="it-IT" dirty="0">
+                <a:solidFill>
+                  <a:schemeClr val="tx1"/>
+                </a:solidFill>
+              </a:rPr>
+              <a:t>O</a:t>
+            </a:r>
+            <a:r>
+              <a:rPr lang="en-GB" dirty="0" err="1">
+                <a:solidFill>
+                  <a:schemeClr val="tx1"/>
+                </a:solidFill>
+              </a:rPr>
+              <a:t>ur</a:t>
+            </a:r>
+            <a:r>
+              <a:rPr lang="en-GB" dirty="0">
+                <a:solidFill>
+                  <a:schemeClr val="tx1"/>
+                </a:solidFill>
+              </a:rPr>
+              <a:t> imaginary </a:t>
+            </a:r>
+            <a:r>
+              <a:rPr lang="it-IT" dirty="0">
+                <a:solidFill>
+                  <a:schemeClr val="tx1"/>
+                </a:solidFill>
+              </a:rPr>
+              <a:t>college </a:t>
+            </a:r>
+            <a:r>
+              <a:rPr lang="it-IT" dirty="0" err="1">
+                <a:solidFill>
+                  <a:schemeClr val="tx1"/>
+                </a:solidFill>
+              </a:rPr>
+              <a:t>has</a:t>
+            </a:r>
+            <a:r>
+              <a:rPr lang="it-IT" dirty="0">
+                <a:solidFill>
+                  <a:schemeClr val="tx1"/>
+                </a:solidFill>
+              </a:rPr>
+              <a:t> </a:t>
+            </a:r>
+            <a:r>
+              <a:rPr lang="it-IT" dirty="0" err="1">
+                <a:solidFill>
+                  <a:schemeClr val="tx1"/>
+                </a:solidFill>
+              </a:rPr>
+              <a:t>been</a:t>
+            </a:r>
+            <a:r>
+              <a:rPr lang="it-IT" dirty="0">
+                <a:solidFill>
+                  <a:schemeClr val="tx1"/>
+                </a:solidFill>
+              </a:rPr>
+              <a:t> </a:t>
+            </a:r>
+            <a:r>
+              <a:rPr lang="it-IT" dirty="0" err="1">
+                <a:solidFill>
+                  <a:schemeClr val="tx1"/>
+                </a:solidFill>
+              </a:rPr>
+              <a:t>designed</a:t>
+            </a:r>
+            <a:r>
+              <a:rPr lang="it-IT" dirty="0">
+                <a:solidFill>
+                  <a:schemeClr val="tx1"/>
+                </a:solidFill>
+              </a:rPr>
+              <a:t> </a:t>
+            </a:r>
+            <a:r>
+              <a:rPr lang="it-IT" dirty="0" err="1">
+                <a:solidFill>
+                  <a:schemeClr val="tx1"/>
+                </a:solidFill>
+              </a:rPr>
+              <a:t>taking</a:t>
+            </a:r>
+            <a:r>
+              <a:rPr lang="it-IT" dirty="0">
+                <a:solidFill>
+                  <a:schemeClr val="tx1"/>
+                </a:solidFill>
+              </a:rPr>
+              <a:t> </a:t>
+            </a:r>
+            <a:r>
+              <a:rPr lang="it-IT" dirty="0" err="1">
+                <a:solidFill>
+                  <a:schemeClr val="tx1"/>
+                </a:solidFill>
+              </a:rPr>
+              <a:t>into</a:t>
+            </a:r>
+            <a:r>
+              <a:rPr lang="it-IT" dirty="0">
+                <a:solidFill>
+                  <a:schemeClr val="tx1"/>
+                </a:solidFill>
+              </a:rPr>
+              <a:t> account </a:t>
+            </a:r>
+            <a:r>
+              <a:rPr lang="it-IT" dirty="0" err="1">
+                <a:solidFill>
+                  <a:schemeClr val="tx1"/>
+                </a:solidFill>
+              </a:rPr>
+              <a:t>that</a:t>
+            </a:r>
+            <a:r>
+              <a:rPr lang="it-IT" dirty="0">
+                <a:solidFill>
+                  <a:schemeClr val="tx1"/>
+                </a:solidFill>
+              </a:rPr>
+              <a:t>:</a:t>
+            </a:r>
+          </a:p>
+          <a:p>
+            <a:pPr marL="342900" indent="-342900">
+              <a:buFont typeface="Arial" panose="020B0604020202020204" pitchFamily="34" charset="0"/>
+              <a:buChar char="•"/>
+            </a:pPr>
+            <a:r>
+              <a:rPr lang="it-IT" dirty="0" err="1">
+                <a:solidFill>
+                  <a:schemeClr val="tx1"/>
+                </a:solidFill>
+              </a:rPr>
+              <a:t>Bookable</a:t>
+            </a:r>
+            <a:r>
+              <a:rPr lang="it-IT" dirty="0">
+                <a:solidFill>
+                  <a:schemeClr val="tx1"/>
+                </a:solidFill>
+              </a:rPr>
+              <a:t> rooms are </a:t>
+            </a:r>
+            <a:r>
+              <a:rPr lang="it-IT" dirty="0" err="1">
+                <a:solidFill>
+                  <a:schemeClr val="tx1"/>
+                </a:solidFill>
+              </a:rPr>
+              <a:t>not</a:t>
+            </a:r>
+            <a:r>
+              <a:rPr lang="it-IT" dirty="0">
+                <a:solidFill>
+                  <a:schemeClr val="tx1"/>
+                </a:solidFill>
+              </a:rPr>
+              <a:t> </a:t>
+            </a:r>
+            <a:r>
+              <a:rPr lang="it-IT" dirty="0" err="1">
+                <a:solidFill>
+                  <a:schemeClr val="tx1"/>
+                </a:solidFill>
+              </a:rPr>
+              <a:t>all</a:t>
+            </a:r>
+            <a:r>
+              <a:rPr lang="it-IT" dirty="0">
+                <a:solidFill>
+                  <a:schemeClr val="tx1"/>
+                </a:solidFill>
+              </a:rPr>
+              <a:t> in the </a:t>
+            </a:r>
+            <a:r>
+              <a:rPr lang="it-IT" dirty="0" err="1">
+                <a:solidFill>
+                  <a:schemeClr val="tx1"/>
+                </a:solidFill>
+              </a:rPr>
+              <a:t>same</a:t>
+            </a:r>
+            <a:r>
+              <a:rPr lang="it-IT" dirty="0">
+                <a:solidFill>
+                  <a:schemeClr val="tx1"/>
+                </a:solidFill>
+              </a:rPr>
+              <a:t> location </a:t>
+            </a:r>
+          </a:p>
+          <a:p>
+            <a:pPr marL="342900" indent="-342900">
+              <a:buFont typeface="Arial" panose="020B0604020202020204" pitchFamily="34" charset="0"/>
+              <a:buChar char="•"/>
+            </a:pPr>
+            <a:r>
+              <a:rPr lang="it-IT" dirty="0">
+                <a:solidFill>
+                  <a:schemeClr val="tx1"/>
+                </a:solidFill>
+              </a:rPr>
+              <a:t>The </a:t>
+            </a:r>
+            <a:r>
+              <a:rPr lang="it-IT" dirty="0" err="1">
+                <a:solidFill>
+                  <a:schemeClr val="tx1"/>
+                </a:solidFill>
+              </a:rPr>
+              <a:t>streets</a:t>
+            </a:r>
+            <a:r>
+              <a:rPr lang="it-IT" dirty="0">
+                <a:solidFill>
+                  <a:schemeClr val="tx1"/>
+                </a:solidFill>
+              </a:rPr>
+              <a:t> do </a:t>
+            </a:r>
+            <a:r>
+              <a:rPr lang="it-IT" dirty="0" err="1">
+                <a:solidFill>
+                  <a:schemeClr val="tx1"/>
+                </a:solidFill>
+              </a:rPr>
+              <a:t>not</a:t>
+            </a:r>
+            <a:r>
+              <a:rPr lang="it-IT" dirty="0">
+                <a:solidFill>
+                  <a:schemeClr val="tx1"/>
+                </a:solidFill>
+              </a:rPr>
+              <a:t> </a:t>
+            </a:r>
+            <a:r>
+              <a:rPr lang="it-IT" dirty="0" err="1">
+                <a:solidFill>
+                  <a:schemeClr val="tx1"/>
+                </a:solidFill>
+              </a:rPr>
+              <a:t>form</a:t>
+            </a:r>
+            <a:r>
+              <a:rPr lang="it-IT" dirty="0">
+                <a:solidFill>
+                  <a:schemeClr val="tx1"/>
+                </a:solidFill>
+              </a:rPr>
+              <a:t> a </a:t>
+            </a:r>
+            <a:r>
+              <a:rPr lang="it-IT" dirty="0" err="1">
+                <a:solidFill>
+                  <a:schemeClr val="tx1"/>
+                </a:solidFill>
+              </a:rPr>
+              <a:t>perfect</a:t>
+            </a:r>
+            <a:r>
+              <a:rPr lang="it-IT" dirty="0">
+                <a:solidFill>
+                  <a:schemeClr val="tx1"/>
+                </a:solidFill>
+              </a:rPr>
+              <a:t> </a:t>
+            </a:r>
+            <a:r>
+              <a:rPr lang="it-IT" dirty="0" err="1">
+                <a:solidFill>
+                  <a:schemeClr val="tx1"/>
+                </a:solidFill>
+              </a:rPr>
+              <a:t>grid</a:t>
+            </a:r>
+            <a:r>
+              <a:rPr lang="it-IT" dirty="0">
+                <a:solidFill>
+                  <a:schemeClr val="tx1"/>
+                </a:solidFill>
+              </a:rPr>
+              <a:t> so </a:t>
+            </a:r>
+            <a:r>
+              <a:rPr lang="it-IT" dirty="0" err="1">
+                <a:solidFill>
+                  <a:schemeClr val="tx1"/>
+                </a:solidFill>
+              </a:rPr>
+              <a:t>that</a:t>
+            </a:r>
+            <a:r>
+              <a:rPr lang="it-IT" dirty="0">
+                <a:solidFill>
+                  <a:schemeClr val="tx1"/>
+                </a:solidFill>
+              </a:rPr>
+              <a:t> the </a:t>
+            </a:r>
+            <a:r>
+              <a:rPr lang="it-IT" dirty="0" err="1">
+                <a:solidFill>
+                  <a:schemeClr val="tx1"/>
+                </a:solidFill>
+              </a:rPr>
+              <a:t>routing</a:t>
+            </a:r>
+            <a:r>
+              <a:rPr lang="it-IT" dirty="0">
+                <a:solidFill>
+                  <a:schemeClr val="tx1"/>
+                </a:solidFill>
+              </a:rPr>
+              <a:t> </a:t>
+            </a:r>
+            <a:r>
+              <a:rPr lang="it-IT" dirty="0" err="1">
+                <a:solidFill>
+                  <a:schemeClr val="tx1"/>
+                </a:solidFill>
+              </a:rPr>
+              <a:t>prediction</a:t>
+            </a:r>
+            <a:r>
+              <a:rPr lang="it-IT" dirty="0">
+                <a:solidFill>
+                  <a:schemeClr val="tx1"/>
+                </a:solidFill>
+              </a:rPr>
+              <a:t> </a:t>
+            </a:r>
+            <a:r>
+              <a:rPr lang="it-IT" dirty="0" err="1">
+                <a:solidFill>
+                  <a:schemeClr val="tx1"/>
+                </a:solidFill>
+              </a:rPr>
+              <a:t>is</a:t>
+            </a:r>
+            <a:r>
+              <a:rPr lang="it-IT" dirty="0">
+                <a:solidFill>
+                  <a:schemeClr val="tx1"/>
+                </a:solidFill>
+              </a:rPr>
+              <a:t> </a:t>
+            </a:r>
+            <a:r>
+              <a:rPr lang="it-IT" dirty="0" err="1">
+                <a:solidFill>
+                  <a:schemeClr val="tx1"/>
+                </a:solidFill>
+              </a:rPr>
+              <a:t>not</a:t>
+            </a:r>
+            <a:r>
+              <a:rPr lang="it-IT" dirty="0">
+                <a:solidFill>
+                  <a:schemeClr val="tx1"/>
+                </a:solidFill>
+              </a:rPr>
+              <a:t> </a:t>
+            </a:r>
+            <a:r>
+              <a:rPr lang="it-IT" dirty="0" err="1">
+                <a:solidFill>
+                  <a:schemeClr val="tx1"/>
+                </a:solidFill>
+              </a:rPr>
+              <a:t>trivial</a:t>
+            </a:r>
+            <a:r>
+              <a:rPr lang="it-IT" dirty="0">
+                <a:solidFill>
+                  <a:schemeClr val="tx1"/>
+                </a:solidFill>
+              </a:rPr>
+              <a:t>. </a:t>
+            </a:r>
+          </a:p>
+          <a:p>
+            <a:pPr marL="342900" indent="-342900">
+              <a:buFont typeface="Arial" panose="020B0604020202020204" pitchFamily="34" charset="0"/>
+              <a:buChar char="•"/>
+            </a:pPr>
+            <a:endParaRPr lang="it-IT" dirty="0">
+              <a:solidFill>
+                <a:schemeClr val="tx1"/>
+              </a:solidFill>
+            </a:endParaRPr>
           </a:p>
         </p:txBody>
       </p:sp>
@@ -26090,7 +28597,7 @@
           <p:cNvPr id="4" name="Segnaposto data 3">
             <a:extLst>
               <a:ext uri="{FF2B5EF4-FFF2-40B4-BE49-F238E27FC236}">
-                <a16:creationId xmlns:a16="http://schemas.microsoft.com/office/drawing/2014/main" id="{3F77042A-4674-47B6-9E01-CF1F1F99244E}"/>
+                <a16:creationId xmlns:a16="http://schemas.microsoft.com/office/drawing/2014/main" id="{9D5656E5-57AC-4AFF-8D12-808D2569572C}"/>
               </a:ext>
             </a:extLst>
           </p:cNvPr>
@@ -26107,7 +28614,7 @@
           <a:lstStyle/>
           <a:p>
             <a:r>
-              <a:rPr lang="it-IT"/>
+              <a:rPr lang="it-IT" dirty="0"/>
               <a:t>29/06/2018</a:t>
             </a:r>
           </a:p>
@@ -26118,7 +28625,7 @@
           <p:cNvPr id="5" name="Segnaposto piè di pagina 4">
             <a:extLst>
               <a:ext uri="{FF2B5EF4-FFF2-40B4-BE49-F238E27FC236}">
-                <a16:creationId xmlns:a16="http://schemas.microsoft.com/office/drawing/2014/main" id="{ACE2CD12-A276-404C-855E-2EFFDC2D9E29}"/>
+                <a16:creationId xmlns:a16="http://schemas.microsoft.com/office/drawing/2014/main" id="{65E7D71A-65D2-4250-BD53-DA5387C36A62}"/>
               </a:ext>
             </a:extLst>
           </p:cNvPr>
@@ -26135,7 +28642,7 @@
           <a:lstStyle/>
           <a:p>
             <a:r>
-              <a:rPr lang="it-IT"/>
+              <a:rPr lang="it-IT" dirty="0"/>
               <a:t>NTMY - Ambient intelligence 2018</a:t>
             </a:r>
           </a:p>
@@ -26146,7 +28653,7 @@
           <p:cNvPr id="6" name="Segnaposto numero diapositiva 5">
             <a:extLst>
               <a:ext uri="{FF2B5EF4-FFF2-40B4-BE49-F238E27FC236}">
-                <a16:creationId xmlns:a16="http://schemas.microsoft.com/office/drawing/2014/main" id="{2E017C6A-2561-4D91-AE7A-E3DDF6E0D73B}"/>
+                <a16:creationId xmlns:a16="http://schemas.microsoft.com/office/drawing/2014/main" id="{869D648F-5BCB-4D77-A139-E60D50AE66B3}"/>
               </a:ext>
             </a:extLst>
           </p:cNvPr>
@@ -26164,18 +28671,18 @@
           <a:p>
             <a:fld id="{A27405AD-269E-48FA-B749-A0B803F8320C}" type="slidenum">
               <a:rPr lang="it-IT" smtClean="0"/>
-              <a:t>14</a:t>
+              <a:t>18</a:t>
             </a:fld>
-            <a:endParaRPr lang="it-IT"/>
+            <a:endParaRPr lang="it-IT" dirty="0"/>
           </a:p>
         </p:txBody>
       </p:sp>
       <p:pic>
         <p:nvPicPr>
-          <p:cNvPr id="7" name="Immagine 6">
+          <p:cNvPr id="8" name="Immagine 7">
             <a:extLst>
               <a:ext uri="{FF2B5EF4-FFF2-40B4-BE49-F238E27FC236}">
-                <a16:creationId xmlns:a16="http://schemas.microsoft.com/office/drawing/2014/main" id="{79C0EC77-2E0A-429D-97D8-9CADB2DF2FB9}"/>
+                <a16:creationId xmlns:a16="http://schemas.microsoft.com/office/drawing/2014/main" id="{0D07F46B-8FC1-406E-8A75-5877E61A50A9}"/>
               </a:ext>
             </a:extLst>
           </p:cNvPr>
@@ -26198,8 +28705,44 @@
         </p:blipFill>
         <p:spPr>
           <a:xfrm>
-            <a:off x="844550" y="2346119"/>
-            <a:ext cx="1440000" cy="1440000"/>
+            <a:off x="5740400" y="1467371"/>
+            <a:ext cx="6451600" cy="3629025"/>
+          </a:xfrm>
+          <a:prstGeom prst="rect">
+            <a:avLst/>
+          </a:prstGeom>
+        </p:spPr>
+      </p:pic>
+      <p:pic>
+        <p:nvPicPr>
+          <p:cNvPr id="9" name="Immagine 8">
+            <a:extLst>
+              <a:ext uri="{FF2B5EF4-FFF2-40B4-BE49-F238E27FC236}">
+                <a16:creationId xmlns:a16="http://schemas.microsoft.com/office/drawing/2014/main" id="{8B173911-7E39-46CF-ADF9-A3BC75E3EC90}"/>
+              </a:ext>
+            </a:extLst>
+          </p:cNvPr>
+          <p:cNvPicPr>
+            <a:picLocks noChangeAspect="1"/>
+          </p:cNvPicPr>
+          <p:nvPr/>
+        </p:nvPicPr>
+        <p:blipFill>
+          <a:blip r:embed="rId3">
+            <a:extLst>
+              <a:ext uri="{28A0092B-C50C-407E-A947-70E740481C1C}">
+                <a14:useLocalDpi xmlns:a14="http://schemas.microsoft.com/office/drawing/2010/main" val="0"/>
+              </a:ext>
+            </a:extLst>
+          </a:blip>
+          <a:stretch>
+            <a:fillRect/>
+          </a:stretch>
+        </p:blipFill>
+        <p:spPr>
+          <a:xfrm>
+            <a:off x="838200" y="115575"/>
+            <a:ext cx="1260000" cy="1260000"/>
           </a:xfrm>
           <a:prstGeom prst="rect">
             <a:avLst/>
@@ -26209,20 +28752,20 @@
     </p:spTree>
     <p:extLst>
       <p:ext uri="{BB962C8B-B14F-4D97-AF65-F5344CB8AC3E}">
-        <p14:creationId xmlns:p14="http://schemas.microsoft.com/office/powerpoint/2010/main" val="1960590167"/>
+        <p14:creationId xmlns:p14="http://schemas.microsoft.com/office/powerpoint/2010/main" val="3924859394"/>
       </p:ext>
     </p:extLst>
   </p:cSld>
   <p:clrMapOvr>
     <a:masterClrMapping/>
   </p:clrMapOvr>
-  <mc:AlternateContent xmlns:mc="http://schemas.openxmlformats.org/markup-compatibility/2006">
-    <mc:Choice xmlns:p14="http://schemas.microsoft.com/office/powerpoint/2010/main" Requires="p14">
+  <mc:AlternateContent xmlns:mc="http://schemas.openxmlformats.org/markup-compatibility/2006" xmlns:p14="http://schemas.microsoft.com/office/powerpoint/2010/main">
+    <mc:Choice Requires="p14">
       <p:transition spd="med" p14:dur="700">
         <p:fade/>
       </p:transition>
     </mc:Choice>
-    <mc:Fallback>
+    <mc:Fallback xmlns="">
       <p:transition spd="med">
         <p:fade/>
       </p:transition>
@@ -26231,17 +28774,9 @@
 </p:sld>
 </file>
 
-<file path=ppt/slides/slide15.xml><?xml version="1.0" encoding="utf-8"?>
+<file path=ppt/slides/slide19.xml><?xml version="1.0" encoding="utf-8"?>
 <p:sld xmlns:a="http://schemas.openxmlformats.org/drawingml/2006/main" xmlns:r="http://schemas.openxmlformats.org/officeDocument/2006/relationships" xmlns:p="http://schemas.openxmlformats.org/presentationml/2006/main">
   <p:cSld>
-    <p:bg>
-      <p:bgPr>
-        <a:solidFill>
-          <a:schemeClr val="bg1"/>
-        </a:solidFill>
-        <a:effectLst/>
-      </p:bgPr>
-    </p:bg>
     <p:spTree>
       <p:nvGrpSpPr>
         <p:cNvPr id="1" name=""/>
@@ -26261,7 +28796,7 @@
           <p:cNvPr id="2" name="Titolo 1">
             <a:extLst>
               <a:ext uri="{FF2B5EF4-FFF2-40B4-BE49-F238E27FC236}">
-                <a16:creationId xmlns:a16="http://schemas.microsoft.com/office/drawing/2014/main" id="{24122F2C-13E7-4887-9CD2-17619347A98B}"/>
+                <a16:creationId xmlns:a16="http://schemas.microsoft.com/office/drawing/2014/main" id="{DB93A0B8-F4FE-4859-B2F3-9181AFEF72EA}"/>
               </a:ext>
             </a:extLst>
           </p:cNvPr>
@@ -26274,8 +28809,8 @@
         </p:nvSpPr>
         <p:spPr>
           <a:xfrm>
-            <a:off x="2098200" y="365125"/>
-            <a:ext cx="9255600" cy="1325563"/>
+            <a:off x="2536825" y="136526"/>
+            <a:ext cx="9169400" cy="1035570"/>
           </a:xfrm>
         </p:spPr>
         <p:txBody>
@@ -26283,43 +28818,519 @@
           <a:lstStyle/>
           <a:p>
             <a:r>
+              <a:rPr lang="it-IT" dirty="0"/>
+              <a:t>Step 2: </a:t>
+            </a:r>
+            <a:r>
               <a:rPr lang="it-IT" dirty="0" err="1"/>
-              <a:t>What</a:t>
+              <a:t>Graph</a:t>
             </a:r>
             <a:r>
               <a:rPr lang="it-IT" dirty="0"/>
+              <a:t> model</a:t>
+            </a:r>
+          </a:p>
+        </p:txBody>
+      </p:sp>
+      <p:sp>
+        <p:nvSpPr>
+          <p:cNvPr id="3" name="Segnaposto testo 2">
+            <a:extLst>
+              <a:ext uri="{FF2B5EF4-FFF2-40B4-BE49-F238E27FC236}">
+                <a16:creationId xmlns:a16="http://schemas.microsoft.com/office/drawing/2014/main" id="{86B9C604-3A8D-43A1-9C87-829D86772CED}"/>
+              </a:ext>
+            </a:extLst>
+          </p:cNvPr>
+          <p:cNvSpPr>
+            <a:spLocks noGrp="1"/>
+          </p:cNvSpPr>
+          <p:nvPr>
+            <p:ph type="body" idx="1"/>
+          </p:nvPr>
+        </p:nvSpPr>
+        <p:spPr>
+          <a:xfrm>
+            <a:off x="838200" y="1579054"/>
+            <a:ext cx="4762500" cy="3517342"/>
+          </a:xfrm>
+        </p:spPr>
+        <p:txBody>
+          <a:bodyPr>
+            <a:normAutofit/>
+          </a:bodyPr>
+          <a:lstStyle/>
+          <a:p>
+            <a:r>
+              <a:rPr lang="it-IT" dirty="0">
+                <a:solidFill>
+                  <a:schemeClr val="tx1"/>
+                </a:solidFill>
+              </a:rPr>
+              <a:t>From the college model </a:t>
+            </a:r>
+            <a:r>
+              <a:rPr lang="it-IT" dirty="0" err="1">
+                <a:solidFill>
+                  <a:schemeClr val="tx1"/>
+                </a:solidFill>
+              </a:rPr>
+              <a:t>was</a:t>
+            </a:r>
+            <a:r>
+              <a:rPr lang="it-IT" dirty="0">
+                <a:solidFill>
+                  <a:schemeClr val="tx1"/>
+                </a:solidFill>
+              </a:rPr>
               <a:t> </a:t>
             </a:r>
             <a:r>
-              <a:rPr lang="it-IT" dirty="0" err="1"/>
-              <a:t>you’ll</a:t>
-            </a:r>
+              <a:rPr lang="it-IT" dirty="0" err="1">
+                <a:solidFill>
+                  <a:schemeClr val="tx1"/>
+                </a:solidFill>
+              </a:rPr>
+              <a:t>built</a:t>
+            </a:r>
+            <a:r>
+              <a:rPr lang="it-IT" dirty="0">
+                <a:solidFill>
+                  <a:schemeClr val="tx1"/>
+                </a:solidFill>
+              </a:rPr>
+              <a:t> a </a:t>
+            </a:r>
+            <a:r>
+              <a:rPr lang="it-IT" dirty="0" err="1">
+                <a:solidFill>
+                  <a:schemeClr val="tx1"/>
+                </a:solidFill>
+              </a:rPr>
+              <a:t>graph</a:t>
+            </a:r>
+            <a:r>
+              <a:rPr lang="it-IT" dirty="0">
+                <a:solidFill>
+                  <a:schemeClr val="tx1"/>
+                </a:solidFill>
+              </a:rPr>
+              <a:t> over </a:t>
+            </a:r>
+            <a:r>
+              <a:rPr lang="it-IT" dirty="0" err="1">
+                <a:solidFill>
+                  <a:schemeClr val="tx1"/>
+                </a:solidFill>
+              </a:rPr>
+              <a:t>it</a:t>
+            </a:r>
+            <a:r>
+              <a:rPr lang="it-IT" dirty="0">
+                <a:solidFill>
+                  <a:schemeClr val="tx1"/>
+                </a:solidFill>
+              </a:rPr>
+              <a:t>:</a:t>
+            </a:r>
+          </a:p>
+          <a:p>
+            <a:pPr marL="342900" indent="-342900">
+              <a:buFont typeface="Arial" panose="020B0604020202020204" pitchFamily="34" charset="0"/>
+              <a:buChar char="•"/>
+            </a:pPr>
+            <a:r>
+              <a:rPr lang="it-IT" dirty="0" err="1">
+                <a:solidFill>
+                  <a:schemeClr val="tx1"/>
+                </a:solidFill>
+              </a:rPr>
+              <a:t>There</a:t>
+            </a:r>
+            <a:r>
+              <a:rPr lang="it-IT" dirty="0">
+                <a:solidFill>
+                  <a:schemeClr val="tx1"/>
+                </a:solidFill>
+              </a:rPr>
+              <a:t> are 32 </a:t>
+            </a:r>
+            <a:r>
+              <a:rPr lang="it-IT" dirty="0" err="1">
+                <a:solidFill>
+                  <a:schemeClr val="tx1"/>
+                </a:solidFill>
+              </a:rPr>
+              <a:t>nodes</a:t>
+            </a:r>
+            <a:r>
+              <a:rPr lang="it-IT" dirty="0">
+                <a:solidFill>
+                  <a:schemeClr val="tx1"/>
+                </a:solidFill>
+              </a:rPr>
+              <a:t> </a:t>
+            </a:r>
+            <a:r>
+              <a:rPr lang="it-IT" dirty="0" err="1">
+                <a:solidFill>
+                  <a:schemeClr val="tx1"/>
+                </a:solidFill>
+              </a:rPr>
+              <a:t>covering</a:t>
+            </a:r>
+            <a:r>
+              <a:rPr lang="it-IT" dirty="0">
+                <a:solidFill>
+                  <a:schemeClr val="tx1"/>
+                </a:solidFill>
+              </a:rPr>
+              <a:t> </a:t>
+            </a:r>
+            <a:r>
+              <a:rPr lang="it-IT" dirty="0" err="1">
+                <a:solidFill>
+                  <a:schemeClr val="tx1"/>
+                </a:solidFill>
+              </a:rPr>
+              <a:t>almost</a:t>
+            </a:r>
+            <a:r>
+              <a:rPr lang="it-IT" dirty="0">
+                <a:solidFill>
+                  <a:schemeClr val="tx1"/>
+                </a:solidFill>
+              </a:rPr>
+              <a:t> </a:t>
+            </a:r>
+            <a:r>
+              <a:rPr lang="it-IT" dirty="0" err="1">
+                <a:solidFill>
+                  <a:schemeClr val="tx1"/>
+                </a:solidFill>
+              </a:rPr>
+              <a:t>all</a:t>
+            </a:r>
+            <a:r>
+              <a:rPr lang="it-IT" dirty="0">
+                <a:solidFill>
+                  <a:schemeClr val="tx1"/>
+                </a:solidFill>
+              </a:rPr>
+              <a:t> the </a:t>
+            </a:r>
+            <a:r>
+              <a:rPr lang="it-IT" dirty="0" err="1">
+                <a:solidFill>
+                  <a:schemeClr val="tx1"/>
+                </a:solidFill>
+              </a:rPr>
+              <a:t>crossroads</a:t>
+            </a:r>
+            <a:r>
+              <a:rPr lang="it-IT" dirty="0">
+                <a:solidFill>
+                  <a:schemeClr val="tx1"/>
+                </a:solidFill>
+              </a:rPr>
+              <a:t>.</a:t>
+            </a:r>
+          </a:p>
+          <a:p>
+            <a:pPr marL="342900" indent="-342900">
+              <a:buFont typeface="Arial" panose="020B0604020202020204" pitchFamily="34" charset="0"/>
+              <a:buChar char="•"/>
+            </a:pPr>
+            <a:r>
+              <a:rPr lang="it-IT" dirty="0">
+                <a:solidFill>
+                  <a:schemeClr val="tx1"/>
+                </a:solidFill>
+              </a:rPr>
+              <a:t>In </a:t>
+            </a:r>
+            <a:r>
+              <a:rPr lang="it-IT" dirty="0" err="1">
+                <a:solidFill>
+                  <a:schemeClr val="tx1"/>
+                </a:solidFill>
+              </a:rPr>
+              <a:t>each</a:t>
+            </a:r>
+            <a:r>
+              <a:rPr lang="it-IT" dirty="0">
+                <a:solidFill>
+                  <a:schemeClr val="tx1"/>
+                </a:solidFill>
+              </a:rPr>
+              <a:t> </a:t>
+            </a:r>
+            <a:r>
+              <a:rPr lang="it-IT" dirty="0" err="1">
+                <a:solidFill>
+                  <a:schemeClr val="tx1"/>
+                </a:solidFill>
+              </a:rPr>
+              <a:t>nodes</a:t>
+            </a:r>
+            <a:r>
+              <a:rPr lang="it-IT" dirty="0">
+                <a:solidFill>
+                  <a:schemeClr val="tx1"/>
+                </a:solidFill>
+              </a:rPr>
+              <a:t> </a:t>
+            </a:r>
+            <a:r>
+              <a:rPr lang="it-IT" dirty="0" err="1">
+                <a:solidFill>
+                  <a:schemeClr val="tx1"/>
+                </a:solidFill>
+              </a:rPr>
+              <a:t>there</a:t>
+            </a:r>
+            <a:r>
+              <a:rPr lang="it-IT" dirty="0">
+                <a:solidFill>
+                  <a:schemeClr val="tx1"/>
+                </a:solidFill>
+              </a:rPr>
+              <a:t> </a:t>
+            </a:r>
+            <a:r>
+              <a:rPr lang="it-IT" dirty="0" err="1">
+                <a:solidFill>
+                  <a:schemeClr val="tx1"/>
+                </a:solidFill>
+              </a:rPr>
+              <a:t>is</a:t>
+            </a:r>
+            <a:r>
+              <a:rPr lang="it-IT" dirty="0">
+                <a:solidFill>
+                  <a:schemeClr val="tx1"/>
+                </a:solidFill>
+              </a:rPr>
+              <a:t> a </a:t>
+            </a:r>
+            <a:r>
+              <a:rPr lang="it-IT" dirty="0" err="1">
+                <a:solidFill>
+                  <a:schemeClr val="tx1"/>
+                </a:solidFill>
+              </a:rPr>
+              <a:t>direction</a:t>
+            </a:r>
+            <a:r>
+              <a:rPr lang="it-IT" dirty="0">
+                <a:solidFill>
+                  <a:schemeClr val="tx1"/>
+                </a:solidFill>
+              </a:rPr>
+              <a:t> panel.</a:t>
+            </a:r>
+          </a:p>
+          <a:p>
+            <a:pPr marL="342900" indent="-342900">
+              <a:buFont typeface="Arial" panose="020B0604020202020204" pitchFamily="34" charset="0"/>
+              <a:buChar char="•"/>
+            </a:pPr>
+            <a:r>
+              <a:rPr lang="it-IT" dirty="0">
+                <a:solidFill>
+                  <a:schemeClr val="tx1"/>
+                </a:solidFill>
+              </a:rPr>
+              <a:t>A </a:t>
+            </a:r>
+            <a:r>
+              <a:rPr lang="it-IT" dirty="0" err="1">
+                <a:solidFill>
+                  <a:schemeClr val="tx1"/>
+                </a:solidFill>
+              </a:rPr>
+              <a:t>node</a:t>
+            </a:r>
+            <a:r>
+              <a:rPr lang="it-IT" dirty="0">
+                <a:solidFill>
+                  <a:schemeClr val="tx1"/>
+                </a:solidFill>
+              </a:rPr>
+              <a:t> </a:t>
+            </a:r>
+            <a:r>
+              <a:rPr lang="it-IT" dirty="0" err="1">
+                <a:solidFill>
+                  <a:schemeClr val="tx1"/>
+                </a:solidFill>
+              </a:rPr>
+              <a:t>has</a:t>
+            </a:r>
+            <a:r>
+              <a:rPr lang="it-IT" dirty="0">
+                <a:solidFill>
+                  <a:schemeClr val="tx1"/>
+                </a:solidFill>
+              </a:rPr>
+              <a:t> </a:t>
+            </a:r>
+            <a:r>
+              <a:rPr lang="it-IT" dirty="0" err="1">
+                <a:solidFill>
+                  <a:schemeClr val="tx1"/>
+                </a:solidFill>
+              </a:rPr>
+              <a:t>at</a:t>
+            </a:r>
+            <a:r>
+              <a:rPr lang="it-IT" dirty="0">
+                <a:solidFill>
+                  <a:schemeClr val="tx1"/>
+                </a:solidFill>
+              </a:rPr>
+              <a:t> </a:t>
+            </a:r>
+            <a:r>
+              <a:rPr lang="it-IT" dirty="0" err="1">
+                <a:solidFill>
+                  <a:schemeClr val="tx1"/>
+                </a:solidFill>
+              </a:rPr>
+              <a:t>most</a:t>
+            </a:r>
+            <a:r>
+              <a:rPr lang="it-IT" dirty="0">
+                <a:solidFill>
+                  <a:schemeClr val="tx1"/>
+                </a:solidFill>
+              </a:rPr>
+              <a:t> 4 </a:t>
+            </a:r>
+            <a:r>
+              <a:rPr lang="it-IT" dirty="0" err="1">
+                <a:solidFill>
+                  <a:schemeClr val="tx1"/>
+                </a:solidFill>
+              </a:rPr>
+              <a:t>edges</a:t>
+            </a:r>
+            <a:r>
+              <a:rPr lang="it-IT" dirty="0">
+                <a:solidFill>
+                  <a:schemeClr val="tx1"/>
+                </a:solidFill>
+              </a:rPr>
+              <a:t> </a:t>
+            </a:r>
+            <a:br>
+              <a:rPr lang="it-IT" dirty="0">
+                <a:solidFill>
+                  <a:schemeClr val="tx1"/>
+                </a:solidFill>
+              </a:rPr>
+            </a:br>
+            <a:r>
+              <a:rPr lang="it-IT" dirty="0">
+                <a:solidFill>
+                  <a:schemeClr val="tx1"/>
+                </a:solidFill>
+              </a:rPr>
+              <a:t>=&gt; 4-directions panel	 </a:t>
+            </a:r>
+          </a:p>
+        </p:txBody>
+      </p:sp>
+      <p:sp>
+        <p:nvSpPr>
+          <p:cNvPr id="4" name="Segnaposto data 3">
+            <a:extLst>
+              <a:ext uri="{FF2B5EF4-FFF2-40B4-BE49-F238E27FC236}">
+                <a16:creationId xmlns:a16="http://schemas.microsoft.com/office/drawing/2014/main" id="{9D5656E5-57AC-4AFF-8D12-808D2569572C}"/>
+              </a:ext>
+            </a:extLst>
+          </p:cNvPr>
+          <p:cNvSpPr>
+            <a:spLocks noGrp="1"/>
+          </p:cNvSpPr>
+          <p:nvPr>
+            <p:ph type="dt" sz="half" idx="10"/>
+          </p:nvPr>
+        </p:nvSpPr>
+        <p:spPr/>
+        <p:txBody>
+          <a:bodyPr/>
+          <a:lstStyle/>
+          <a:p>
             <a:r>
               <a:rPr lang="it-IT" dirty="0"/>
-              <a:t> </a:t>
-            </a:r>
-            <a:r>
-              <a:rPr lang="it-IT" dirty="0" err="1"/>
-              <a:t>see</a:t>
-            </a:r>
+              <a:t>29/06/2018</a:t>
+            </a:r>
+          </a:p>
+        </p:txBody>
+      </p:sp>
+      <p:sp>
+        <p:nvSpPr>
+          <p:cNvPr id="5" name="Segnaposto piè di pagina 4">
+            <a:extLst>
+              <a:ext uri="{FF2B5EF4-FFF2-40B4-BE49-F238E27FC236}">
+                <a16:creationId xmlns:a16="http://schemas.microsoft.com/office/drawing/2014/main" id="{65E7D71A-65D2-4250-BD53-DA5387C36A62}"/>
+              </a:ext>
+            </a:extLst>
+          </p:cNvPr>
+          <p:cNvSpPr>
+            <a:spLocks noGrp="1"/>
+          </p:cNvSpPr>
+          <p:nvPr>
+            <p:ph type="ftr" sz="quarter" idx="11"/>
+          </p:nvPr>
+        </p:nvSpPr>
+        <p:spPr/>
+        <p:txBody>
+          <a:bodyPr/>
+          <a:lstStyle/>
+          <a:p>
             <a:r>
               <a:rPr lang="it-IT" dirty="0"/>
-              <a:t> </a:t>
-            </a:r>
-            <a:r>
-              <a:rPr lang="it-IT" dirty="0" err="1"/>
-              <a:t>today</a:t>
-            </a:r>
+              <a:t>NTMY - Ambient intelligence 2018</a:t>
+            </a:r>
+          </a:p>
+        </p:txBody>
+      </p:sp>
+      <p:sp>
+        <p:nvSpPr>
+          <p:cNvPr id="6" name="Segnaposto numero diapositiva 5">
+            <a:extLst>
+              <a:ext uri="{FF2B5EF4-FFF2-40B4-BE49-F238E27FC236}">
+                <a16:creationId xmlns:a16="http://schemas.microsoft.com/office/drawing/2014/main" id="{869D648F-5BCB-4D77-A139-E60D50AE66B3}"/>
+              </a:ext>
+            </a:extLst>
+          </p:cNvPr>
+          <p:cNvSpPr>
+            <a:spLocks noGrp="1"/>
+          </p:cNvSpPr>
+          <p:nvPr>
+            <p:ph type="sldNum" sz="quarter" idx="12"/>
+          </p:nvPr>
+        </p:nvSpPr>
+        <p:spPr/>
+        <p:txBody>
+          <a:bodyPr/>
+          <a:lstStyle/>
+          <a:p>
+            <a:fld id="{A27405AD-269E-48FA-B749-A0B803F8320C}" type="slidenum">
+              <a:rPr lang="it-IT" smtClean="0"/>
+              <a:t>19</a:t>
+            </a:fld>
             <a:endParaRPr lang="it-IT" dirty="0"/>
           </a:p>
         </p:txBody>
       </p:sp>
       <p:pic>
         <p:nvPicPr>
-          <p:cNvPr id="4" name="Immagine 3">
+          <p:cNvPr id="9" name="Immagine 8">
             <a:extLst>
               <a:ext uri="{FF2B5EF4-FFF2-40B4-BE49-F238E27FC236}">
-                <a16:creationId xmlns:a16="http://schemas.microsoft.com/office/drawing/2014/main" id="{C2B166F0-3DDC-4E79-A835-B6DEC34F2A9B}"/>
+                <a16:creationId xmlns:a16="http://schemas.microsoft.com/office/drawing/2014/main" id="{8B173911-7E39-46CF-ADF9-A3BC75E3EC90}"/>
               </a:ext>
             </a:extLst>
           </p:cNvPr>
@@ -26342,7 +29353,7 @@
         </p:blipFill>
         <p:spPr>
           <a:xfrm>
-            <a:off x="838200" y="365125"/>
+            <a:off x="838200" y="115575"/>
             <a:ext cx="1260000" cy="1260000"/>
           </a:xfrm>
           <a:prstGeom prst="rect">
@@ -26350,154 +29361,59 @@
           </a:prstGeom>
         </p:spPr>
       </p:pic>
-      <p:sp>
-        <p:nvSpPr>
-          <p:cNvPr id="5" name="Segnaposto data 4">
+      <p:pic>
+        <p:nvPicPr>
+          <p:cNvPr id="10" name="Immagine 9">
             <a:extLst>
               <a:ext uri="{FF2B5EF4-FFF2-40B4-BE49-F238E27FC236}">
-                <a16:creationId xmlns:a16="http://schemas.microsoft.com/office/drawing/2014/main" id="{02753E75-FE2C-4878-AE68-D632AC4B6E08}"/>
+                <a16:creationId xmlns:a16="http://schemas.microsoft.com/office/drawing/2014/main" id="{F6C7847F-4E44-4478-9F28-27D06A86EB18}"/>
               </a:ext>
             </a:extLst>
           </p:cNvPr>
-          <p:cNvSpPr>
-            <a:spLocks noGrp="1"/>
-          </p:cNvSpPr>
-          <p:nvPr>
-            <p:ph type="dt" sz="half" idx="10"/>
-          </p:nvPr>
-        </p:nvSpPr>
+          <p:cNvPicPr>
+            <a:picLocks noChangeAspect="1"/>
+          </p:cNvPicPr>
+          <p:nvPr/>
+        </p:nvPicPr>
+        <p:blipFill>
+          <a:blip r:embed="rId3">
+            <a:extLst>
+              <a:ext uri="{28A0092B-C50C-407E-A947-70E740481C1C}">
+                <a14:useLocalDpi xmlns:a14="http://schemas.microsoft.com/office/drawing/2010/main" val="0"/>
+              </a:ext>
+            </a:extLst>
+          </a:blip>
+          <a:stretch>
+            <a:fillRect/>
+          </a:stretch>
+        </p:blipFill>
         <p:spPr>
           <a:xfrm>
-            <a:off x="838200" y="6356350"/>
-            <a:ext cx="2743200" cy="365125"/>
+            <a:off x="5867400" y="1579054"/>
+            <a:ext cx="6324600" cy="3557587"/>
           </a:xfrm>
+          <a:prstGeom prst="rect">
+            <a:avLst/>
+          </a:prstGeom>
         </p:spPr>
-        <p:txBody>
-          <a:bodyPr/>
-          <a:lstStyle/>
-          <a:p>
-            <a:r>
-              <a:rPr lang="it-IT"/>
-              <a:t>29/06/2018</a:t>
-            </a:r>
-          </a:p>
-        </p:txBody>
-      </p:sp>
-      <p:sp>
-        <p:nvSpPr>
-          <p:cNvPr id="6" name="Segnaposto piè di pagina 5">
-            <a:extLst>
-              <a:ext uri="{FF2B5EF4-FFF2-40B4-BE49-F238E27FC236}">
-                <a16:creationId xmlns:a16="http://schemas.microsoft.com/office/drawing/2014/main" id="{AE4EA61A-C1EE-475C-A05B-EA30AA425278}"/>
-              </a:ext>
-            </a:extLst>
-          </p:cNvPr>
-          <p:cNvSpPr>
-            <a:spLocks noGrp="1"/>
-          </p:cNvSpPr>
-          <p:nvPr>
-            <p:ph type="ftr" sz="quarter" idx="11"/>
-          </p:nvPr>
-        </p:nvSpPr>
-        <p:spPr>
-          <a:xfrm>
-            <a:off x="4038600" y="6356350"/>
-            <a:ext cx="4114800" cy="365125"/>
-          </a:xfrm>
-        </p:spPr>
-        <p:txBody>
-          <a:bodyPr/>
-          <a:lstStyle/>
-          <a:p>
-            <a:r>
-              <a:rPr lang="it-IT"/>
-              <a:t>NTMY - Ambient intelligence 2018</a:t>
-            </a:r>
-          </a:p>
-        </p:txBody>
-      </p:sp>
-      <p:sp>
-        <p:nvSpPr>
-          <p:cNvPr id="7" name="Segnaposto numero diapositiva 6">
-            <a:extLst>
-              <a:ext uri="{FF2B5EF4-FFF2-40B4-BE49-F238E27FC236}">
-                <a16:creationId xmlns:a16="http://schemas.microsoft.com/office/drawing/2014/main" id="{69FD55CC-6E11-4E4C-B34F-A09343C3B384}"/>
-              </a:ext>
-            </a:extLst>
-          </p:cNvPr>
-          <p:cNvSpPr>
-            <a:spLocks noGrp="1"/>
-          </p:cNvSpPr>
-          <p:nvPr>
-            <p:ph type="sldNum" sz="quarter" idx="12"/>
-          </p:nvPr>
-        </p:nvSpPr>
-        <p:spPr>
-          <a:xfrm>
-            <a:off x="8610600" y="6356350"/>
-            <a:ext cx="2743200" cy="365125"/>
-          </a:xfrm>
-        </p:spPr>
-        <p:txBody>
-          <a:bodyPr/>
-          <a:lstStyle/>
-          <a:p>
-            <a:fld id="{A27405AD-269E-48FA-B749-A0B803F8320C}" type="slidenum">
-              <a:rPr lang="it-IT" smtClean="0"/>
-              <a:t>15</a:t>
-            </a:fld>
-            <a:endParaRPr lang="it-IT"/>
-          </a:p>
-        </p:txBody>
-      </p:sp>
-      <p:graphicFrame>
-        <p:nvGraphicFramePr>
-          <p:cNvPr id="9" name="Segnaposto contenuto 8">
-            <a:extLst>
-              <a:ext uri="{FF2B5EF4-FFF2-40B4-BE49-F238E27FC236}">
-                <a16:creationId xmlns:a16="http://schemas.microsoft.com/office/drawing/2014/main" id="{0F404AD0-0587-4C91-93BF-7014A500CD47}"/>
-              </a:ext>
-            </a:extLst>
-          </p:cNvPr>
-          <p:cNvGraphicFramePr>
-            <a:graphicFrameLocks noGrp="1"/>
-          </p:cNvGraphicFramePr>
-          <p:nvPr>
-            <p:ph idx="1"/>
-            <p:extLst>
-              <p:ext uri="{D42A27DB-BD31-4B8C-83A1-F6EECF244321}">
-                <p14:modId xmlns:p14="http://schemas.microsoft.com/office/powerpoint/2010/main" val="405238783"/>
-              </p:ext>
-            </p:extLst>
-          </p:nvPr>
-        </p:nvGraphicFramePr>
-        <p:xfrm>
-          <a:off x="838200" y="1825625"/>
-          <a:ext cx="10515600" cy="4351338"/>
-        </p:xfrm>
-        <a:graphic>
-          <a:graphicData uri="http://schemas.openxmlformats.org/drawingml/2006/diagram">
-            <dgm:relIds xmlns:dgm="http://schemas.openxmlformats.org/drawingml/2006/diagram" xmlns:r="http://schemas.openxmlformats.org/officeDocument/2006/relationships" r:dm="rId3" r:lo="rId4" r:qs="rId5" r:cs="rId6"/>
-          </a:graphicData>
-        </a:graphic>
-      </p:graphicFrame>
+      </p:pic>
     </p:spTree>
     <p:extLst>
       <p:ext uri="{BB962C8B-B14F-4D97-AF65-F5344CB8AC3E}">
-        <p14:creationId xmlns:p14="http://schemas.microsoft.com/office/powerpoint/2010/main" val="698761611"/>
+        <p14:creationId xmlns:p14="http://schemas.microsoft.com/office/powerpoint/2010/main" val="3921676028"/>
       </p:ext>
     </p:extLst>
   </p:cSld>
   <p:clrMapOvr>
     <a:masterClrMapping/>
   </p:clrMapOvr>
-  <mc:AlternateContent xmlns:mc="http://schemas.openxmlformats.org/markup-compatibility/2006">
-    <mc:Choice xmlns:p14="http://schemas.microsoft.com/office/powerpoint/2010/main" Requires="p14">
+  <mc:AlternateContent xmlns:mc="http://schemas.openxmlformats.org/markup-compatibility/2006" xmlns:p14="http://schemas.microsoft.com/office/powerpoint/2010/main">
+    <mc:Choice Requires="p14">
       <p:transition spd="med" p14:dur="700">
         <p:fade/>
       </p:transition>
     </mc:Choice>
-    <mc:Fallback>
+    <mc:Fallback xmlns="">
       <p:transition spd="med">
         <p:fade/>
       </p:transition>
@@ -26716,13 +29632,3247 @@
   <p:clrMapOvr>
     <a:masterClrMapping/>
   </p:clrMapOvr>
-  <mc:AlternateContent xmlns:mc="http://schemas.openxmlformats.org/markup-compatibility/2006">
-    <mc:Choice xmlns:p14="http://schemas.microsoft.com/office/powerpoint/2010/main" Requires="p14">
+  <mc:AlternateContent xmlns:mc="http://schemas.openxmlformats.org/markup-compatibility/2006" xmlns:p14="http://schemas.microsoft.com/office/powerpoint/2010/main">
+    <mc:Choice Requires="p14">
       <p:transition spd="med" p14:dur="700">
         <p:fade/>
       </p:transition>
     </mc:Choice>
-    <mc:Fallback>
+    <mc:Fallback xmlns="">
+      <p:transition spd="med">
+        <p:fade/>
+      </p:transition>
+    </mc:Fallback>
+  </mc:AlternateContent>
+</p:sld>
+</file>
+
+<file path=ppt/slides/slide20.xml><?xml version="1.0" encoding="utf-8"?>
+<p:sld xmlns:a="http://schemas.openxmlformats.org/drawingml/2006/main" xmlns:r="http://schemas.openxmlformats.org/officeDocument/2006/relationships" xmlns:p="http://schemas.openxmlformats.org/presentationml/2006/main">
+  <p:cSld>
+    <p:spTree>
+      <p:nvGrpSpPr>
+        <p:cNvPr id="1" name=""/>
+        <p:cNvGrpSpPr/>
+        <p:nvPr/>
+      </p:nvGrpSpPr>
+      <p:grpSpPr>
+        <a:xfrm>
+          <a:off x="0" y="0"/>
+          <a:ext cx="0" cy="0"/>
+          <a:chOff x="0" y="0"/>
+          <a:chExt cx="0" cy="0"/>
+        </a:xfrm>
+      </p:grpSpPr>
+      <p:sp>
+        <p:nvSpPr>
+          <p:cNvPr id="2" name="Titolo 1">
+            <a:extLst>
+              <a:ext uri="{FF2B5EF4-FFF2-40B4-BE49-F238E27FC236}">
+                <a16:creationId xmlns:a16="http://schemas.microsoft.com/office/drawing/2014/main" id="{DB93A0B8-F4FE-4859-B2F3-9181AFEF72EA}"/>
+              </a:ext>
+            </a:extLst>
+          </p:cNvPr>
+          <p:cNvSpPr>
+            <a:spLocks noGrp="1"/>
+          </p:cNvSpPr>
+          <p:nvPr>
+            <p:ph type="title"/>
+          </p:nvPr>
+        </p:nvSpPr>
+        <p:spPr>
+          <a:xfrm>
+            <a:off x="2536825" y="136526"/>
+            <a:ext cx="9169400" cy="1035570"/>
+          </a:xfrm>
+        </p:spPr>
+        <p:txBody>
+          <a:bodyPr/>
+          <a:lstStyle/>
+          <a:p>
+            <a:r>
+              <a:rPr lang="it-IT" dirty="0"/>
+              <a:t>Step 3: Programming</a:t>
+            </a:r>
+          </a:p>
+        </p:txBody>
+      </p:sp>
+      <p:sp>
+        <p:nvSpPr>
+          <p:cNvPr id="3" name="Segnaposto testo 2">
+            <a:extLst>
+              <a:ext uri="{FF2B5EF4-FFF2-40B4-BE49-F238E27FC236}">
+                <a16:creationId xmlns:a16="http://schemas.microsoft.com/office/drawing/2014/main" id="{86B9C604-3A8D-43A1-9C87-829D86772CED}"/>
+              </a:ext>
+            </a:extLst>
+          </p:cNvPr>
+          <p:cNvSpPr>
+            <a:spLocks noGrp="1"/>
+          </p:cNvSpPr>
+          <p:nvPr>
+            <p:ph type="body" idx="1"/>
+          </p:nvPr>
+        </p:nvSpPr>
+        <p:spPr>
+          <a:xfrm>
+            <a:off x="838198" y="2350845"/>
+            <a:ext cx="10515601" cy="1849946"/>
+          </a:xfrm>
+        </p:spPr>
+        <p:txBody>
+          <a:bodyPr>
+            <a:normAutofit/>
+          </a:bodyPr>
+          <a:lstStyle/>
+          <a:p>
+            <a:r>
+              <a:rPr lang="it-IT" dirty="0">
+                <a:solidFill>
+                  <a:schemeClr val="tx1"/>
+                </a:solidFill>
+              </a:rPr>
+              <a:t>Three </a:t>
+            </a:r>
+            <a:r>
+              <a:rPr lang="it-IT" dirty="0" err="1">
+                <a:solidFill>
+                  <a:schemeClr val="tx1"/>
+                </a:solidFill>
+              </a:rPr>
+              <a:t>libraries</a:t>
+            </a:r>
+            <a:r>
+              <a:rPr lang="it-IT" dirty="0">
+                <a:solidFill>
+                  <a:schemeClr val="tx1"/>
+                </a:solidFill>
+              </a:rPr>
+              <a:t> </a:t>
+            </a:r>
+            <a:r>
+              <a:rPr lang="it-IT" dirty="0" err="1">
+                <a:solidFill>
+                  <a:schemeClr val="tx1"/>
+                </a:solidFill>
+              </a:rPr>
+              <a:t>were</a:t>
+            </a:r>
+            <a:r>
+              <a:rPr lang="it-IT" dirty="0">
+                <a:solidFill>
+                  <a:schemeClr val="tx1"/>
+                </a:solidFill>
+              </a:rPr>
+              <a:t> </a:t>
+            </a:r>
+            <a:r>
+              <a:rPr lang="it-IT" dirty="0" err="1">
+                <a:solidFill>
+                  <a:schemeClr val="tx1"/>
+                </a:solidFill>
+              </a:rPr>
+              <a:t>used</a:t>
+            </a:r>
+            <a:r>
+              <a:rPr lang="it-IT" dirty="0">
+                <a:solidFill>
+                  <a:schemeClr val="tx1"/>
+                </a:solidFill>
+              </a:rPr>
+              <a:t> </a:t>
+            </a:r>
+            <a:r>
+              <a:rPr lang="it-IT" dirty="0" err="1">
+                <a:solidFill>
+                  <a:schemeClr val="tx1"/>
+                </a:solidFill>
+              </a:rPr>
+              <a:t>mainly</a:t>
+            </a:r>
+            <a:r>
+              <a:rPr lang="it-IT" dirty="0">
+                <a:solidFill>
+                  <a:schemeClr val="tx1"/>
+                </a:solidFill>
+              </a:rPr>
+              <a:t>:</a:t>
+            </a:r>
+          </a:p>
+          <a:p>
+            <a:pPr marL="342900" indent="-342900">
+              <a:buFont typeface="Arial" panose="020B0604020202020204" pitchFamily="34" charset="0"/>
+              <a:buChar char="•"/>
+            </a:pPr>
+            <a:r>
+              <a:rPr lang="it-IT" dirty="0" err="1">
+                <a:solidFill>
+                  <a:schemeClr val="tx1"/>
+                </a:solidFill>
+              </a:rPr>
+              <a:t>Networkx</a:t>
+            </a:r>
+            <a:r>
+              <a:rPr lang="it-IT" dirty="0">
+                <a:solidFill>
+                  <a:schemeClr val="tx1"/>
+                </a:solidFill>
+              </a:rPr>
+              <a:t> : To create and </a:t>
+            </a:r>
+            <a:r>
+              <a:rPr lang="it-IT" dirty="0" err="1">
+                <a:solidFill>
+                  <a:schemeClr val="tx1"/>
+                </a:solidFill>
+              </a:rPr>
+              <a:t>handle</a:t>
+            </a:r>
+            <a:r>
+              <a:rPr lang="it-IT" dirty="0">
+                <a:solidFill>
+                  <a:schemeClr val="tx1"/>
+                </a:solidFill>
+              </a:rPr>
+              <a:t> the </a:t>
+            </a:r>
+            <a:r>
+              <a:rPr lang="it-IT" dirty="0" err="1">
+                <a:solidFill>
+                  <a:schemeClr val="tx1"/>
+                </a:solidFill>
+              </a:rPr>
+              <a:t>graph</a:t>
+            </a:r>
+            <a:r>
+              <a:rPr lang="it-IT" dirty="0">
+                <a:solidFill>
+                  <a:schemeClr val="tx1"/>
+                </a:solidFill>
+              </a:rPr>
+              <a:t>.</a:t>
+            </a:r>
+          </a:p>
+          <a:p>
+            <a:pPr marL="342900" indent="-342900">
+              <a:buFont typeface="Arial" panose="020B0604020202020204" pitchFamily="34" charset="0"/>
+              <a:buChar char="•"/>
+            </a:pPr>
+            <a:r>
+              <a:rPr lang="it-IT" dirty="0">
+                <a:solidFill>
+                  <a:schemeClr val="tx1"/>
+                </a:solidFill>
+              </a:rPr>
+              <a:t>Sqlite3: To create and </a:t>
+            </a:r>
+            <a:r>
+              <a:rPr lang="it-IT" dirty="0" err="1">
+                <a:solidFill>
+                  <a:schemeClr val="tx1"/>
+                </a:solidFill>
+              </a:rPr>
+              <a:t>connect</a:t>
+            </a:r>
+            <a:r>
+              <a:rPr lang="it-IT" dirty="0">
+                <a:solidFill>
+                  <a:schemeClr val="tx1"/>
+                </a:solidFill>
+              </a:rPr>
+              <a:t> to a database </a:t>
+            </a:r>
+            <a:r>
+              <a:rPr lang="it-IT" dirty="0" err="1">
+                <a:solidFill>
+                  <a:schemeClr val="tx1"/>
+                </a:solidFill>
+              </a:rPr>
+              <a:t>containing</a:t>
+            </a:r>
+            <a:r>
+              <a:rPr lang="it-IT" dirty="0">
+                <a:solidFill>
+                  <a:schemeClr val="tx1"/>
+                </a:solidFill>
+              </a:rPr>
+              <a:t> </a:t>
+            </a:r>
+            <a:r>
+              <a:rPr lang="it-IT" dirty="0" err="1">
+                <a:solidFill>
+                  <a:schemeClr val="tx1"/>
+                </a:solidFill>
+              </a:rPr>
+              <a:t>graph’s</a:t>
+            </a:r>
+            <a:r>
+              <a:rPr lang="it-IT" dirty="0">
+                <a:solidFill>
+                  <a:schemeClr val="tx1"/>
+                </a:solidFill>
+              </a:rPr>
+              <a:t> </a:t>
+            </a:r>
+            <a:r>
+              <a:rPr lang="it-IT" dirty="0" err="1">
+                <a:solidFill>
+                  <a:schemeClr val="tx1"/>
+                </a:solidFill>
+              </a:rPr>
+              <a:t>nodes</a:t>
+            </a:r>
+            <a:r>
+              <a:rPr lang="it-IT" dirty="0">
+                <a:solidFill>
+                  <a:schemeClr val="tx1"/>
+                </a:solidFill>
+              </a:rPr>
+              <a:t> and </a:t>
+            </a:r>
+            <a:r>
+              <a:rPr lang="it-IT" dirty="0" err="1">
+                <a:solidFill>
+                  <a:schemeClr val="tx1"/>
+                </a:solidFill>
+              </a:rPr>
+              <a:t>edges</a:t>
+            </a:r>
+            <a:endParaRPr lang="it-IT" dirty="0">
+              <a:solidFill>
+                <a:schemeClr val="tx1"/>
+              </a:solidFill>
+            </a:endParaRPr>
+          </a:p>
+          <a:p>
+            <a:pPr marL="342900" indent="-342900">
+              <a:buFont typeface="Arial" panose="020B0604020202020204" pitchFamily="34" charset="0"/>
+              <a:buChar char="•"/>
+            </a:pPr>
+            <a:r>
+              <a:rPr lang="it-IT" dirty="0" err="1">
+                <a:solidFill>
+                  <a:schemeClr val="tx1"/>
+                </a:solidFill>
+              </a:rPr>
+              <a:t>Pandas</a:t>
+            </a:r>
+            <a:r>
+              <a:rPr lang="it-IT" dirty="0">
+                <a:solidFill>
+                  <a:schemeClr val="tx1"/>
+                </a:solidFill>
+              </a:rPr>
+              <a:t>: To </a:t>
+            </a:r>
+            <a:r>
+              <a:rPr lang="it-IT" dirty="0" err="1">
+                <a:solidFill>
+                  <a:schemeClr val="tx1"/>
+                </a:solidFill>
+              </a:rPr>
+              <a:t>read</a:t>
+            </a:r>
+            <a:r>
+              <a:rPr lang="it-IT" dirty="0">
+                <a:solidFill>
+                  <a:schemeClr val="tx1"/>
+                </a:solidFill>
+              </a:rPr>
+              <a:t> the database and </a:t>
+            </a:r>
+            <a:r>
+              <a:rPr lang="it-IT" dirty="0" err="1">
+                <a:solidFill>
+                  <a:schemeClr val="tx1"/>
+                </a:solidFill>
+              </a:rPr>
+              <a:t>handle</a:t>
+            </a:r>
+            <a:r>
+              <a:rPr lang="it-IT" dirty="0">
+                <a:solidFill>
+                  <a:schemeClr val="tx1"/>
+                </a:solidFill>
+              </a:rPr>
+              <a:t> the data </a:t>
+            </a:r>
+            <a:r>
+              <a:rPr lang="it-IT" dirty="0" err="1">
+                <a:solidFill>
+                  <a:schemeClr val="tx1"/>
+                </a:solidFill>
+              </a:rPr>
+              <a:t>structure</a:t>
+            </a:r>
+            <a:r>
+              <a:rPr lang="it-IT" dirty="0">
+                <a:solidFill>
+                  <a:schemeClr val="tx1"/>
+                </a:solidFill>
+              </a:rPr>
+              <a:t> in an </a:t>
+            </a:r>
+            <a:r>
+              <a:rPr lang="it-IT" dirty="0" err="1">
+                <a:solidFill>
+                  <a:schemeClr val="tx1"/>
+                </a:solidFill>
+              </a:rPr>
+              <a:t>easier</a:t>
+            </a:r>
+            <a:r>
+              <a:rPr lang="it-IT" dirty="0">
+                <a:solidFill>
+                  <a:schemeClr val="tx1"/>
+                </a:solidFill>
+              </a:rPr>
+              <a:t> way.</a:t>
+            </a:r>
+          </a:p>
+        </p:txBody>
+      </p:sp>
+      <p:sp>
+        <p:nvSpPr>
+          <p:cNvPr id="4" name="Segnaposto data 3">
+            <a:extLst>
+              <a:ext uri="{FF2B5EF4-FFF2-40B4-BE49-F238E27FC236}">
+                <a16:creationId xmlns:a16="http://schemas.microsoft.com/office/drawing/2014/main" id="{9D5656E5-57AC-4AFF-8D12-808D2569572C}"/>
+              </a:ext>
+            </a:extLst>
+          </p:cNvPr>
+          <p:cNvSpPr>
+            <a:spLocks noGrp="1"/>
+          </p:cNvSpPr>
+          <p:nvPr>
+            <p:ph type="dt" sz="half" idx="10"/>
+          </p:nvPr>
+        </p:nvSpPr>
+        <p:spPr/>
+        <p:txBody>
+          <a:bodyPr/>
+          <a:lstStyle/>
+          <a:p>
+            <a:r>
+              <a:rPr lang="it-IT" dirty="0"/>
+              <a:t>29/06/2018</a:t>
+            </a:r>
+          </a:p>
+        </p:txBody>
+      </p:sp>
+      <p:sp>
+        <p:nvSpPr>
+          <p:cNvPr id="5" name="Segnaposto piè di pagina 4">
+            <a:extLst>
+              <a:ext uri="{FF2B5EF4-FFF2-40B4-BE49-F238E27FC236}">
+                <a16:creationId xmlns:a16="http://schemas.microsoft.com/office/drawing/2014/main" id="{65E7D71A-65D2-4250-BD53-DA5387C36A62}"/>
+              </a:ext>
+            </a:extLst>
+          </p:cNvPr>
+          <p:cNvSpPr>
+            <a:spLocks noGrp="1"/>
+          </p:cNvSpPr>
+          <p:nvPr>
+            <p:ph type="ftr" sz="quarter" idx="11"/>
+          </p:nvPr>
+        </p:nvSpPr>
+        <p:spPr/>
+        <p:txBody>
+          <a:bodyPr/>
+          <a:lstStyle/>
+          <a:p>
+            <a:r>
+              <a:rPr lang="it-IT" dirty="0"/>
+              <a:t>NTMY - Ambient intelligence 2018</a:t>
+            </a:r>
+          </a:p>
+        </p:txBody>
+      </p:sp>
+      <p:sp>
+        <p:nvSpPr>
+          <p:cNvPr id="6" name="Segnaposto numero diapositiva 5">
+            <a:extLst>
+              <a:ext uri="{FF2B5EF4-FFF2-40B4-BE49-F238E27FC236}">
+                <a16:creationId xmlns:a16="http://schemas.microsoft.com/office/drawing/2014/main" id="{869D648F-5BCB-4D77-A139-E60D50AE66B3}"/>
+              </a:ext>
+            </a:extLst>
+          </p:cNvPr>
+          <p:cNvSpPr>
+            <a:spLocks noGrp="1"/>
+          </p:cNvSpPr>
+          <p:nvPr>
+            <p:ph type="sldNum" sz="quarter" idx="12"/>
+          </p:nvPr>
+        </p:nvSpPr>
+        <p:spPr/>
+        <p:txBody>
+          <a:bodyPr/>
+          <a:lstStyle/>
+          <a:p>
+            <a:fld id="{A27405AD-269E-48FA-B749-A0B803F8320C}" type="slidenum">
+              <a:rPr lang="it-IT" smtClean="0"/>
+              <a:t>20</a:t>
+            </a:fld>
+            <a:endParaRPr lang="it-IT" dirty="0"/>
+          </a:p>
+        </p:txBody>
+      </p:sp>
+      <p:pic>
+        <p:nvPicPr>
+          <p:cNvPr id="9" name="Immagine 8">
+            <a:extLst>
+              <a:ext uri="{FF2B5EF4-FFF2-40B4-BE49-F238E27FC236}">
+                <a16:creationId xmlns:a16="http://schemas.microsoft.com/office/drawing/2014/main" id="{8B173911-7E39-46CF-ADF9-A3BC75E3EC90}"/>
+              </a:ext>
+            </a:extLst>
+          </p:cNvPr>
+          <p:cNvPicPr>
+            <a:picLocks noChangeAspect="1"/>
+          </p:cNvPicPr>
+          <p:nvPr/>
+        </p:nvPicPr>
+        <p:blipFill>
+          <a:blip r:embed="rId2">
+            <a:extLst>
+              <a:ext uri="{28A0092B-C50C-407E-A947-70E740481C1C}">
+                <a14:useLocalDpi xmlns:a14="http://schemas.microsoft.com/office/drawing/2010/main" val="0"/>
+              </a:ext>
+            </a:extLst>
+          </a:blip>
+          <a:stretch>
+            <a:fillRect/>
+          </a:stretch>
+        </p:blipFill>
+        <p:spPr>
+          <a:xfrm>
+            <a:off x="838200" y="115575"/>
+            <a:ext cx="1260000" cy="1260000"/>
+          </a:xfrm>
+          <a:prstGeom prst="rect">
+            <a:avLst/>
+          </a:prstGeom>
+        </p:spPr>
+      </p:pic>
+      <p:sp>
+        <p:nvSpPr>
+          <p:cNvPr id="7" name="CasellaDiTesto 6">
+            <a:extLst>
+              <a:ext uri="{FF2B5EF4-FFF2-40B4-BE49-F238E27FC236}">
+                <a16:creationId xmlns:a16="http://schemas.microsoft.com/office/drawing/2014/main" id="{7D671223-2AEC-4C63-9E92-1957E934A4AA}"/>
+              </a:ext>
+            </a:extLst>
+          </p:cNvPr>
+          <p:cNvSpPr txBox="1"/>
+          <p:nvPr/>
+        </p:nvSpPr>
+        <p:spPr>
+          <a:xfrm>
+            <a:off x="838198" y="1509267"/>
+            <a:ext cx="10515601" cy="707886"/>
+          </a:xfrm>
+          <a:prstGeom prst="rect">
+            <a:avLst/>
+          </a:prstGeom>
+          <a:noFill/>
+        </p:spPr>
+        <p:txBody>
+          <a:bodyPr wrap="square" rtlCol="0">
+            <a:spAutoFit/>
+          </a:bodyPr>
+          <a:lstStyle/>
+          <a:p>
+            <a:r>
+              <a:rPr lang="it-IT" sz="4000" dirty="0"/>
+              <a:t>Tools:</a:t>
+            </a:r>
+            <a:endParaRPr lang="it-IT" dirty="0"/>
+          </a:p>
+        </p:txBody>
+      </p:sp>
+    </p:spTree>
+    <p:extLst>
+      <p:ext uri="{BB962C8B-B14F-4D97-AF65-F5344CB8AC3E}">
+        <p14:creationId xmlns:p14="http://schemas.microsoft.com/office/powerpoint/2010/main" val="2949260159"/>
+      </p:ext>
+    </p:extLst>
+  </p:cSld>
+  <p:clrMapOvr>
+    <a:masterClrMapping/>
+  </p:clrMapOvr>
+  <mc:AlternateContent xmlns:mc="http://schemas.openxmlformats.org/markup-compatibility/2006" xmlns:p14="http://schemas.microsoft.com/office/powerpoint/2010/main">
+    <mc:Choice Requires="p14">
+      <p:transition spd="med" p14:dur="700">
+        <p:fade/>
+      </p:transition>
+    </mc:Choice>
+    <mc:Fallback xmlns="">
+      <p:transition spd="med">
+        <p:fade/>
+      </p:transition>
+    </mc:Fallback>
+  </mc:AlternateContent>
+</p:sld>
+</file>
+
+<file path=ppt/slides/slide21.xml><?xml version="1.0" encoding="utf-8"?>
+<p:sld xmlns:a="http://schemas.openxmlformats.org/drawingml/2006/main" xmlns:r="http://schemas.openxmlformats.org/officeDocument/2006/relationships" xmlns:p="http://schemas.openxmlformats.org/presentationml/2006/main">
+  <p:cSld>
+    <p:spTree>
+      <p:nvGrpSpPr>
+        <p:cNvPr id="1" name=""/>
+        <p:cNvGrpSpPr/>
+        <p:nvPr/>
+      </p:nvGrpSpPr>
+      <p:grpSpPr>
+        <a:xfrm>
+          <a:off x="0" y="0"/>
+          <a:ext cx="0" cy="0"/>
+          <a:chOff x="0" y="0"/>
+          <a:chExt cx="0" cy="0"/>
+        </a:xfrm>
+      </p:grpSpPr>
+      <p:sp>
+        <p:nvSpPr>
+          <p:cNvPr id="2" name="Titolo 1">
+            <a:extLst>
+              <a:ext uri="{FF2B5EF4-FFF2-40B4-BE49-F238E27FC236}">
+                <a16:creationId xmlns:a16="http://schemas.microsoft.com/office/drawing/2014/main" id="{DB93A0B8-F4FE-4859-B2F3-9181AFEF72EA}"/>
+              </a:ext>
+            </a:extLst>
+          </p:cNvPr>
+          <p:cNvSpPr>
+            <a:spLocks noGrp="1"/>
+          </p:cNvSpPr>
+          <p:nvPr>
+            <p:ph type="title"/>
+          </p:nvPr>
+        </p:nvSpPr>
+        <p:spPr>
+          <a:xfrm>
+            <a:off x="2536825" y="136526"/>
+            <a:ext cx="9169400" cy="1035570"/>
+          </a:xfrm>
+        </p:spPr>
+        <p:txBody>
+          <a:bodyPr/>
+          <a:lstStyle/>
+          <a:p>
+            <a:r>
+              <a:rPr lang="it-IT" dirty="0"/>
+              <a:t>Step 3: Programming</a:t>
+            </a:r>
+          </a:p>
+        </p:txBody>
+      </p:sp>
+      <p:sp>
+        <p:nvSpPr>
+          <p:cNvPr id="3" name="Segnaposto testo 2">
+            <a:extLst>
+              <a:ext uri="{FF2B5EF4-FFF2-40B4-BE49-F238E27FC236}">
+                <a16:creationId xmlns:a16="http://schemas.microsoft.com/office/drawing/2014/main" id="{86B9C604-3A8D-43A1-9C87-829D86772CED}"/>
+              </a:ext>
+            </a:extLst>
+          </p:cNvPr>
+          <p:cNvSpPr>
+            <a:spLocks noGrp="1"/>
+          </p:cNvSpPr>
+          <p:nvPr>
+            <p:ph type="body" idx="1"/>
+          </p:nvPr>
+        </p:nvSpPr>
+        <p:spPr>
+          <a:xfrm>
+            <a:off x="838198" y="2350844"/>
+            <a:ext cx="6229352" cy="3587321"/>
+          </a:xfrm>
+        </p:spPr>
+        <p:txBody>
+          <a:bodyPr>
+            <a:normAutofit/>
+          </a:bodyPr>
+          <a:lstStyle/>
+          <a:p>
+            <a:pPr marL="342900" indent="-342900">
+              <a:buFont typeface="Arial" panose="020B0604020202020204" pitchFamily="34" charset="0"/>
+              <a:buChar char="•"/>
+            </a:pPr>
+            <a:r>
+              <a:rPr lang="it-IT" dirty="0">
+                <a:solidFill>
+                  <a:schemeClr val="tx1"/>
+                </a:solidFill>
+              </a:rPr>
+              <a:t>The database </a:t>
+            </a:r>
+            <a:r>
+              <a:rPr lang="it-IT" dirty="0" err="1">
+                <a:solidFill>
+                  <a:schemeClr val="tx1"/>
+                </a:solidFill>
+              </a:rPr>
+              <a:t>contains</a:t>
+            </a:r>
+            <a:r>
+              <a:rPr lang="it-IT" dirty="0">
+                <a:solidFill>
+                  <a:schemeClr val="tx1"/>
+                </a:solidFill>
+              </a:rPr>
+              <a:t> </a:t>
+            </a:r>
+            <a:r>
+              <a:rPr lang="it-IT" dirty="0" err="1">
+                <a:solidFill>
+                  <a:schemeClr val="tx1"/>
+                </a:solidFill>
+              </a:rPr>
+              <a:t>two</a:t>
+            </a:r>
+            <a:r>
+              <a:rPr lang="it-IT" dirty="0">
+                <a:solidFill>
+                  <a:schemeClr val="tx1"/>
+                </a:solidFill>
+              </a:rPr>
+              <a:t> </a:t>
+            </a:r>
+            <a:r>
+              <a:rPr lang="it-IT" dirty="0" err="1">
+                <a:solidFill>
+                  <a:schemeClr val="tx1"/>
+                </a:solidFill>
+              </a:rPr>
+              <a:t>tables</a:t>
+            </a:r>
+            <a:r>
+              <a:rPr lang="it-IT" dirty="0">
+                <a:solidFill>
+                  <a:schemeClr val="tx1"/>
+                </a:solidFill>
+              </a:rPr>
+              <a:t>, one for </a:t>
+            </a:r>
+            <a:r>
+              <a:rPr lang="it-IT" dirty="0" err="1">
+                <a:solidFill>
+                  <a:schemeClr val="tx1"/>
+                </a:solidFill>
+              </a:rPr>
+              <a:t>nodes</a:t>
+            </a:r>
+            <a:r>
+              <a:rPr lang="it-IT" dirty="0">
+                <a:solidFill>
+                  <a:schemeClr val="tx1"/>
+                </a:solidFill>
+              </a:rPr>
+              <a:t> and </a:t>
+            </a:r>
+            <a:r>
+              <a:rPr lang="it-IT" dirty="0" err="1">
+                <a:solidFill>
+                  <a:schemeClr val="tx1"/>
+                </a:solidFill>
+              </a:rPr>
+              <a:t>another</a:t>
+            </a:r>
+            <a:r>
+              <a:rPr lang="it-IT" dirty="0">
+                <a:solidFill>
+                  <a:schemeClr val="tx1"/>
+                </a:solidFill>
+              </a:rPr>
+              <a:t> for </a:t>
+            </a:r>
+            <a:r>
+              <a:rPr lang="it-IT" dirty="0" err="1">
+                <a:solidFill>
+                  <a:schemeClr val="tx1"/>
+                </a:solidFill>
+              </a:rPr>
+              <a:t>edges</a:t>
+            </a:r>
+            <a:r>
+              <a:rPr lang="it-IT" dirty="0">
+                <a:solidFill>
+                  <a:schemeClr val="tx1"/>
+                </a:solidFill>
+              </a:rPr>
+              <a:t>.</a:t>
+            </a:r>
+          </a:p>
+          <a:p>
+            <a:pPr marL="342900" indent="-342900">
+              <a:buFont typeface="Arial" panose="020B0604020202020204" pitchFamily="34" charset="0"/>
+              <a:buChar char="•"/>
+            </a:pPr>
+            <a:r>
+              <a:rPr lang="it-IT" dirty="0" err="1">
+                <a:solidFill>
+                  <a:schemeClr val="tx1"/>
+                </a:solidFill>
+              </a:rPr>
+              <a:t>Each</a:t>
+            </a:r>
+            <a:r>
+              <a:rPr lang="it-IT" dirty="0">
+                <a:solidFill>
+                  <a:schemeClr val="tx1"/>
+                </a:solidFill>
+              </a:rPr>
+              <a:t> </a:t>
+            </a:r>
+            <a:r>
+              <a:rPr lang="it-IT" dirty="0" err="1">
+                <a:solidFill>
+                  <a:schemeClr val="tx1"/>
+                </a:solidFill>
+              </a:rPr>
+              <a:t>node</a:t>
+            </a:r>
+            <a:r>
+              <a:rPr lang="it-IT" dirty="0">
+                <a:solidFill>
+                  <a:schemeClr val="tx1"/>
+                </a:solidFill>
+              </a:rPr>
+              <a:t> </a:t>
+            </a:r>
+            <a:r>
+              <a:rPr lang="it-IT" dirty="0" err="1">
+                <a:solidFill>
+                  <a:schemeClr val="tx1"/>
+                </a:solidFill>
+              </a:rPr>
+              <a:t>has</a:t>
+            </a:r>
+            <a:r>
+              <a:rPr lang="it-IT" dirty="0">
+                <a:solidFill>
+                  <a:schemeClr val="tx1"/>
+                </a:solidFill>
+              </a:rPr>
+              <a:t> a </a:t>
+            </a:r>
+            <a:r>
+              <a:rPr lang="it-IT" dirty="0" err="1">
+                <a:solidFill>
+                  <a:schemeClr val="tx1"/>
+                </a:solidFill>
+              </a:rPr>
+              <a:t>string</a:t>
+            </a:r>
+            <a:r>
+              <a:rPr lang="it-IT" dirty="0">
+                <a:solidFill>
+                  <a:schemeClr val="tx1"/>
+                </a:solidFill>
+              </a:rPr>
+              <a:t> </a:t>
+            </a:r>
+            <a:r>
+              <a:rPr lang="it-IT" dirty="0" err="1">
+                <a:solidFill>
+                  <a:schemeClr val="tx1"/>
+                </a:solidFill>
+              </a:rPr>
+              <a:t>identifier</a:t>
+            </a:r>
+            <a:r>
+              <a:rPr lang="it-IT" dirty="0">
+                <a:solidFill>
+                  <a:schemeClr val="tx1"/>
+                </a:solidFill>
+              </a:rPr>
+              <a:t>,  </a:t>
+            </a:r>
+            <a:r>
+              <a:rPr lang="it-IT" dirty="0" err="1">
+                <a:solidFill>
+                  <a:schemeClr val="tx1"/>
+                </a:solidFill>
+              </a:rPr>
+              <a:t>coordinates</a:t>
+            </a:r>
+            <a:r>
+              <a:rPr lang="it-IT" dirty="0">
+                <a:solidFill>
+                  <a:schemeClr val="tx1"/>
+                </a:solidFill>
+              </a:rPr>
+              <a:t> and panel </a:t>
+            </a:r>
+            <a:r>
+              <a:rPr lang="it-IT" dirty="0" err="1">
+                <a:solidFill>
+                  <a:schemeClr val="tx1"/>
+                </a:solidFill>
+              </a:rPr>
+              <a:t>orientation</a:t>
+            </a:r>
+            <a:r>
+              <a:rPr lang="it-IT" dirty="0">
+                <a:solidFill>
+                  <a:schemeClr val="tx1"/>
+                </a:solidFill>
+              </a:rPr>
+              <a:t> (</a:t>
+            </a:r>
+            <a:r>
+              <a:rPr lang="it-IT" dirty="0" err="1">
+                <a:solidFill>
+                  <a:schemeClr val="tx1"/>
+                </a:solidFill>
+              </a:rPr>
+              <a:t>since</a:t>
+            </a:r>
+            <a:r>
+              <a:rPr lang="it-IT" dirty="0">
+                <a:solidFill>
+                  <a:schemeClr val="tx1"/>
+                </a:solidFill>
+              </a:rPr>
+              <a:t> </a:t>
+            </a:r>
+            <a:r>
+              <a:rPr lang="it-IT" dirty="0" err="1">
+                <a:solidFill>
+                  <a:schemeClr val="tx1"/>
+                </a:solidFill>
+              </a:rPr>
+              <a:t>not</a:t>
+            </a:r>
+            <a:r>
+              <a:rPr lang="it-IT" dirty="0">
+                <a:solidFill>
+                  <a:schemeClr val="tx1"/>
+                </a:solidFill>
+              </a:rPr>
+              <a:t> </a:t>
+            </a:r>
+            <a:r>
+              <a:rPr lang="it-IT" dirty="0" err="1">
+                <a:solidFill>
+                  <a:schemeClr val="tx1"/>
+                </a:solidFill>
+              </a:rPr>
+              <a:t>all</a:t>
+            </a:r>
+            <a:r>
+              <a:rPr lang="it-IT" dirty="0">
+                <a:solidFill>
+                  <a:schemeClr val="tx1"/>
+                </a:solidFill>
+              </a:rPr>
+              <a:t> the </a:t>
+            </a:r>
+            <a:r>
+              <a:rPr lang="it-IT" dirty="0" err="1">
+                <a:solidFill>
+                  <a:schemeClr val="tx1"/>
+                </a:solidFill>
+              </a:rPr>
+              <a:t>crossroads</a:t>
+            </a:r>
+            <a:r>
+              <a:rPr lang="it-IT" dirty="0">
+                <a:solidFill>
+                  <a:schemeClr val="tx1"/>
+                </a:solidFill>
+              </a:rPr>
+              <a:t> </a:t>
+            </a:r>
+            <a:r>
+              <a:rPr lang="it-IT" dirty="0" err="1">
+                <a:solidFill>
+                  <a:schemeClr val="tx1"/>
+                </a:solidFill>
+              </a:rPr>
+              <a:t>have</a:t>
+            </a:r>
+            <a:r>
+              <a:rPr lang="it-IT" dirty="0">
+                <a:solidFill>
+                  <a:schemeClr val="tx1"/>
+                </a:solidFill>
+              </a:rPr>
+              <a:t> </a:t>
+            </a:r>
+            <a:r>
+              <a:rPr lang="it-IT" dirty="0" err="1">
+                <a:solidFill>
+                  <a:schemeClr val="tx1"/>
+                </a:solidFill>
+              </a:rPr>
+              <a:t>orthogonal</a:t>
+            </a:r>
+            <a:r>
+              <a:rPr lang="it-IT" dirty="0">
+                <a:solidFill>
+                  <a:schemeClr val="tx1"/>
+                </a:solidFill>
+              </a:rPr>
+              <a:t> </a:t>
+            </a:r>
+            <a:r>
+              <a:rPr lang="it-IT" dirty="0" err="1">
+                <a:solidFill>
+                  <a:schemeClr val="tx1"/>
+                </a:solidFill>
+              </a:rPr>
+              <a:t>intersections</a:t>
+            </a:r>
+            <a:r>
+              <a:rPr lang="it-IT" dirty="0">
+                <a:solidFill>
+                  <a:schemeClr val="tx1"/>
+                </a:solidFill>
+              </a:rPr>
+              <a:t> or </a:t>
+            </a:r>
+            <a:r>
+              <a:rPr lang="it-IT" dirty="0" err="1">
+                <a:solidFill>
+                  <a:schemeClr val="tx1"/>
+                </a:solidFill>
+              </a:rPr>
+              <a:t>not</a:t>
+            </a:r>
+            <a:r>
+              <a:rPr lang="it-IT" dirty="0">
+                <a:solidFill>
+                  <a:schemeClr val="tx1"/>
+                </a:solidFill>
+              </a:rPr>
+              <a:t> </a:t>
+            </a:r>
+            <a:r>
+              <a:rPr lang="it-IT" dirty="0" err="1">
+                <a:solidFill>
+                  <a:schemeClr val="tx1"/>
+                </a:solidFill>
+              </a:rPr>
+              <a:t>all</a:t>
+            </a:r>
+            <a:r>
+              <a:rPr lang="it-IT" dirty="0">
+                <a:solidFill>
+                  <a:schemeClr val="tx1"/>
+                </a:solidFill>
+              </a:rPr>
+              <a:t> the </a:t>
+            </a:r>
+            <a:r>
+              <a:rPr lang="it-IT" dirty="0" err="1">
+                <a:solidFill>
+                  <a:schemeClr val="tx1"/>
+                </a:solidFill>
+              </a:rPr>
+              <a:t>streets</a:t>
+            </a:r>
+            <a:r>
+              <a:rPr lang="it-IT" dirty="0">
+                <a:solidFill>
+                  <a:schemeClr val="tx1"/>
+                </a:solidFill>
+              </a:rPr>
+              <a:t> are </a:t>
+            </a:r>
+            <a:r>
+              <a:rPr lang="it-IT" dirty="0" err="1">
+                <a:solidFill>
+                  <a:schemeClr val="tx1"/>
+                </a:solidFill>
+              </a:rPr>
+              <a:t>aligned</a:t>
+            </a:r>
+            <a:r>
+              <a:rPr lang="it-IT" dirty="0">
+                <a:solidFill>
+                  <a:schemeClr val="tx1"/>
+                </a:solidFill>
+              </a:rPr>
+              <a:t> with cardinal </a:t>
+            </a:r>
+            <a:r>
+              <a:rPr lang="it-IT" dirty="0" err="1">
+                <a:solidFill>
+                  <a:schemeClr val="tx1"/>
+                </a:solidFill>
+              </a:rPr>
+              <a:t>axes</a:t>
+            </a:r>
+            <a:r>
+              <a:rPr lang="it-IT" dirty="0">
+                <a:solidFill>
+                  <a:schemeClr val="tx1"/>
+                </a:solidFill>
+              </a:rPr>
+              <a:t>.</a:t>
+            </a:r>
+          </a:p>
+          <a:p>
+            <a:pPr marL="342900" indent="-342900">
+              <a:buFont typeface="Arial" panose="020B0604020202020204" pitchFamily="34" charset="0"/>
+              <a:buChar char="•"/>
+            </a:pPr>
+            <a:r>
+              <a:rPr lang="it-IT" dirty="0" err="1">
+                <a:solidFill>
+                  <a:schemeClr val="tx1"/>
+                </a:solidFill>
+              </a:rPr>
+              <a:t>Each</a:t>
+            </a:r>
+            <a:r>
+              <a:rPr lang="it-IT" dirty="0">
+                <a:solidFill>
+                  <a:schemeClr val="tx1"/>
+                </a:solidFill>
+              </a:rPr>
+              <a:t> </a:t>
+            </a:r>
+            <a:r>
+              <a:rPr lang="it-IT" dirty="0" err="1">
+                <a:solidFill>
+                  <a:schemeClr val="tx1"/>
+                </a:solidFill>
+              </a:rPr>
+              <a:t>edge</a:t>
+            </a:r>
+            <a:r>
+              <a:rPr lang="it-IT" dirty="0">
+                <a:solidFill>
+                  <a:schemeClr val="tx1"/>
+                </a:solidFill>
+              </a:rPr>
+              <a:t> </a:t>
+            </a:r>
+            <a:r>
+              <a:rPr lang="it-IT" dirty="0" err="1">
+                <a:solidFill>
+                  <a:schemeClr val="tx1"/>
+                </a:solidFill>
+              </a:rPr>
+              <a:t>tuple</a:t>
+            </a:r>
+            <a:r>
+              <a:rPr lang="it-IT" dirty="0">
+                <a:solidFill>
+                  <a:schemeClr val="tx1"/>
+                </a:solidFill>
+              </a:rPr>
+              <a:t> </a:t>
+            </a:r>
+            <a:r>
+              <a:rPr lang="it-IT" dirty="0" err="1">
+                <a:solidFill>
+                  <a:schemeClr val="tx1"/>
+                </a:solidFill>
+              </a:rPr>
+              <a:t>contains</a:t>
+            </a:r>
+            <a:r>
+              <a:rPr lang="it-IT" dirty="0">
+                <a:solidFill>
+                  <a:schemeClr val="tx1"/>
+                </a:solidFill>
+              </a:rPr>
+              <a:t> the </a:t>
+            </a:r>
+            <a:r>
+              <a:rPr lang="it-IT" dirty="0" err="1">
+                <a:solidFill>
+                  <a:schemeClr val="tx1"/>
+                </a:solidFill>
+              </a:rPr>
+              <a:t>two</a:t>
+            </a:r>
+            <a:r>
+              <a:rPr lang="it-IT" dirty="0">
+                <a:solidFill>
+                  <a:schemeClr val="tx1"/>
+                </a:solidFill>
+              </a:rPr>
+              <a:t> </a:t>
+            </a:r>
+            <a:r>
+              <a:rPr lang="it-IT" dirty="0" err="1">
+                <a:solidFill>
+                  <a:schemeClr val="tx1"/>
+                </a:solidFill>
+              </a:rPr>
+              <a:t>nodes</a:t>
+            </a:r>
+            <a:r>
+              <a:rPr lang="it-IT" dirty="0">
+                <a:solidFill>
+                  <a:schemeClr val="tx1"/>
+                </a:solidFill>
+              </a:rPr>
+              <a:t> id and the </a:t>
+            </a:r>
+            <a:r>
+              <a:rPr lang="it-IT" dirty="0" err="1">
+                <a:solidFill>
+                  <a:schemeClr val="tx1"/>
+                </a:solidFill>
+              </a:rPr>
+              <a:t>length</a:t>
+            </a:r>
+            <a:r>
+              <a:rPr lang="it-IT" dirty="0">
+                <a:solidFill>
+                  <a:schemeClr val="tx1"/>
+                </a:solidFill>
+              </a:rPr>
+              <a:t> of </a:t>
+            </a:r>
+            <a:r>
+              <a:rPr lang="it-IT" dirty="0" err="1">
+                <a:solidFill>
+                  <a:schemeClr val="tx1"/>
+                </a:solidFill>
+              </a:rPr>
+              <a:t>associated</a:t>
+            </a:r>
+            <a:r>
+              <a:rPr lang="it-IT" dirty="0">
+                <a:solidFill>
+                  <a:schemeClr val="tx1"/>
+                </a:solidFill>
+              </a:rPr>
+              <a:t> stretch of road</a:t>
+            </a:r>
+          </a:p>
+        </p:txBody>
+      </p:sp>
+      <p:sp>
+        <p:nvSpPr>
+          <p:cNvPr id="4" name="Segnaposto data 3">
+            <a:extLst>
+              <a:ext uri="{FF2B5EF4-FFF2-40B4-BE49-F238E27FC236}">
+                <a16:creationId xmlns:a16="http://schemas.microsoft.com/office/drawing/2014/main" id="{9D5656E5-57AC-4AFF-8D12-808D2569572C}"/>
+              </a:ext>
+            </a:extLst>
+          </p:cNvPr>
+          <p:cNvSpPr>
+            <a:spLocks noGrp="1"/>
+          </p:cNvSpPr>
+          <p:nvPr>
+            <p:ph type="dt" sz="half" idx="10"/>
+          </p:nvPr>
+        </p:nvSpPr>
+        <p:spPr/>
+        <p:txBody>
+          <a:bodyPr/>
+          <a:lstStyle/>
+          <a:p>
+            <a:r>
+              <a:rPr lang="it-IT" dirty="0"/>
+              <a:t>29/06/2018</a:t>
+            </a:r>
+          </a:p>
+        </p:txBody>
+      </p:sp>
+      <p:sp>
+        <p:nvSpPr>
+          <p:cNvPr id="5" name="Segnaposto piè di pagina 4">
+            <a:extLst>
+              <a:ext uri="{FF2B5EF4-FFF2-40B4-BE49-F238E27FC236}">
+                <a16:creationId xmlns:a16="http://schemas.microsoft.com/office/drawing/2014/main" id="{65E7D71A-65D2-4250-BD53-DA5387C36A62}"/>
+              </a:ext>
+            </a:extLst>
+          </p:cNvPr>
+          <p:cNvSpPr>
+            <a:spLocks noGrp="1"/>
+          </p:cNvSpPr>
+          <p:nvPr>
+            <p:ph type="ftr" sz="quarter" idx="11"/>
+          </p:nvPr>
+        </p:nvSpPr>
+        <p:spPr/>
+        <p:txBody>
+          <a:bodyPr/>
+          <a:lstStyle/>
+          <a:p>
+            <a:r>
+              <a:rPr lang="it-IT" dirty="0"/>
+              <a:t>NTMY - Ambient intelligence 2018</a:t>
+            </a:r>
+          </a:p>
+        </p:txBody>
+      </p:sp>
+      <p:sp>
+        <p:nvSpPr>
+          <p:cNvPr id="6" name="Segnaposto numero diapositiva 5">
+            <a:extLst>
+              <a:ext uri="{FF2B5EF4-FFF2-40B4-BE49-F238E27FC236}">
+                <a16:creationId xmlns:a16="http://schemas.microsoft.com/office/drawing/2014/main" id="{869D648F-5BCB-4D77-A139-E60D50AE66B3}"/>
+              </a:ext>
+            </a:extLst>
+          </p:cNvPr>
+          <p:cNvSpPr>
+            <a:spLocks noGrp="1"/>
+          </p:cNvSpPr>
+          <p:nvPr>
+            <p:ph type="sldNum" sz="quarter" idx="12"/>
+          </p:nvPr>
+        </p:nvSpPr>
+        <p:spPr/>
+        <p:txBody>
+          <a:bodyPr/>
+          <a:lstStyle/>
+          <a:p>
+            <a:fld id="{A27405AD-269E-48FA-B749-A0B803F8320C}" type="slidenum">
+              <a:rPr lang="it-IT" smtClean="0"/>
+              <a:t>21</a:t>
+            </a:fld>
+            <a:endParaRPr lang="it-IT" dirty="0"/>
+          </a:p>
+        </p:txBody>
+      </p:sp>
+      <p:pic>
+        <p:nvPicPr>
+          <p:cNvPr id="9" name="Immagine 8">
+            <a:extLst>
+              <a:ext uri="{FF2B5EF4-FFF2-40B4-BE49-F238E27FC236}">
+                <a16:creationId xmlns:a16="http://schemas.microsoft.com/office/drawing/2014/main" id="{8B173911-7E39-46CF-ADF9-A3BC75E3EC90}"/>
+              </a:ext>
+            </a:extLst>
+          </p:cNvPr>
+          <p:cNvPicPr>
+            <a:picLocks noChangeAspect="1"/>
+          </p:cNvPicPr>
+          <p:nvPr/>
+        </p:nvPicPr>
+        <p:blipFill>
+          <a:blip r:embed="rId2">
+            <a:extLst>
+              <a:ext uri="{28A0092B-C50C-407E-A947-70E740481C1C}">
+                <a14:useLocalDpi xmlns:a14="http://schemas.microsoft.com/office/drawing/2010/main" val="0"/>
+              </a:ext>
+            </a:extLst>
+          </a:blip>
+          <a:stretch>
+            <a:fillRect/>
+          </a:stretch>
+        </p:blipFill>
+        <p:spPr>
+          <a:xfrm>
+            <a:off x="838200" y="115575"/>
+            <a:ext cx="1260000" cy="1260000"/>
+          </a:xfrm>
+          <a:prstGeom prst="rect">
+            <a:avLst/>
+          </a:prstGeom>
+        </p:spPr>
+      </p:pic>
+      <p:sp>
+        <p:nvSpPr>
+          <p:cNvPr id="7" name="CasellaDiTesto 6">
+            <a:extLst>
+              <a:ext uri="{FF2B5EF4-FFF2-40B4-BE49-F238E27FC236}">
+                <a16:creationId xmlns:a16="http://schemas.microsoft.com/office/drawing/2014/main" id="{7D671223-2AEC-4C63-9E92-1957E934A4AA}"/>
+              </a:ext>
+            </a:extLst>
+          </p:cNvPr>
+          <p:cNvSpPr txBox="1"/>
+          <p:nvPr/>
+        </p:nvSpPr>
+        <p:spPr>
+          <a:xfrm>
+            <a:off x="838198" y="1509267"/>
+            <a:ext cx="6229352" cy="707886"/>
+          </a:xfrm>
+          <a:prstGeom prst="rect">
+            <a:avLst/>
+          </a:prstGeom>
+          <a:noFill/>
+        </p:spPr>
+        <p:txBody>
+          <a:bodyPr wrap="square" rtlCol="0">
+            <a:spAutoFit/>
+          </a:bodyPr>
+          <a:lstStyle/>
+          <a:p>
+            <a:r>
+              <a:rPr lang="it-IT" sz="4000" dirty="0" err="1"/>
+              <a:t>Process</a:t>
+            </a:r>
+            <a:r>
+              <a:rPr lang="it-IT" sz="4000" dirty="0"/>
+              <a:t>: Database </a:t>
+            </a:r>
+            <a:r>
+              <a:rPr lang="it-IT" sz="4000" dirty="0" err="1"/>
+              <a:t>creation</a:t>
+            </a:r>
+            <a:r>
+              <a:rPr lang="it-IT" sz="4000" dirty="0"/>
+              <a:t>.</a:t>
+            </a:r>
+            <a:endParaRPr lang="it-IT" dirty="0"/>
+          </a:p>
+        </p:txBody>
+      </p:sp>
+      <p:pic>
+        <p:nvPicPr>
+          <p:cNvPr id="10" name="Immagine 9">
+            <a:extLst>
+              <a:ext uri="{FF2B5EF4-FFF2-40B4-BE49-F238E27FC236}">
+                <a16:creationId xmlns:a16="http://schemas.microsoft.com/office/drawing/2014/main" id="{7A677F27-B812-4A8C-BC39-7A34F4E77CB2}"/>
+              </a:ext>
+            </a:extLst>
+          </p:cNvPr>
+          <p:cNvPicPr>
+            <a:picLocks noChangeAspect="1"/>
+          </p:cNvPicPr>
+          <p:nvPr/>
+        </p:nvPicPr>
+        <p:blipFill>
+          <a:blip r:embed="rId3">
+            <a:extLst>
+              <a:ext uri="{28A0092B-C50C-407E-A947-70E740481C1C}">
+                <a14:useLocalDpi xmlns:a14="http://schemas.microsoft.com/office/drawing/2010/main" val="0"/>
+              </a:ext>
+            </a:extLst>
+          </a:blip>
+          <a:stretch>
+            <a:fillRect/>
+          </a:stretch>
+        </p:blipFill>
+        <p:spPr>
+          <a:xfrm>
+            <a:off x="7578725" y="1375574"/>
+            <a:ext cx="3775075" cy="4562591"/>
+          </a:xfrm>
+          <a:prstGeom prst="rect">
+            <a:avLst/>
+          </a:prstGeom>
+        </p:spPr>
+      </p:pic>
+    </p:spTree>
+    <p:extLst>
+      <p:ext uri="{BB962C8B-B14F-4D97-AF65-F5344CB8AC3E}">
+        <p14:creationId xmlns:p14="http://schemas.microsoft.com/office/powerpoint/2010/main" val="48628047"/>
+      </p:ext>
+    </p:extLst>
+  </p:cSld>
+  <p:clrMapOvr>
+    <a:masterClrMapping/>
+  </p:clrMapOvr>
+  <mc:AlternateContent xmlns:mc="http://schemas.openxmlformats.org/markup-compatibility/2006" xmlns:p14="http://schemas.microsoft.com/office/powerpoint/2010/main">
+    <mc:Choice Requires="p14">
+      <p:transition spd="med" p14:dur="700">
+        <p:fade/>
+      </p:transition>
+    </mc:Choice>
+    <mc:Fallback xmlns="">
+      <p:transition spd="med">
+        <p:fade/>
+      </p:transition>
+    </mc:Fallback>
+  </mc:AlternateContent>
+</p:sld>
+</file>
+
+<file path=ppt/slides/slide22.xml><?xml version="1.0" encoding="utf-8"?>
+<p:sld xmlns:a="http://schemas.openxmlformats.org/drawingml/2006/main" xmlns:r="http://schemas.openxmlformats.org/officeDocument/2006/relationships" xmlns:p="http://schemas.openxmlformats.org/presentationml/2006/main">
+  <p:cSld>
+    <p:spTree>
+      <p:nvGrpSpPr>
+        <p:cNvPr id="1" name=""/>
+        <p:cNvGrpSpPr/>
+        <p:nvPr/>
+      </p:nvGrpSpPr>
+      <p:grpSpPr>
+        <a:xfrm>
+          <a:off x="0" y="0"/>
+          <a:ext cx="0" cy="0"/>
+          <a:chOff x="0" y="0"/>
+          <a:chExt cx="0" cy="0"/>
+        </a:xfrm>
+      </p:grpSpPr>
+      <p:sp>
+        <p:nvSpPr>
+          <p:cNvPr id="2" name="Titolo 1">
+            <a:extLst>
+              <a:ext uri="{FF2B5EF4-FFF2-40B4-BE49-F238E27FC236}">
+                <a16:creationId xmlns:a16="http://schemas.microsoft.com/office/drawing/2014/main" id="{DB93A0B8-F4FE-4859-B2F3-9181AFEF72EA}"/>
+              </a:ext>
+            </a:extLst>
+          </p:cNvPr>
+          <p:cNvSpPr>
+            <a:spLocks noGrp="1"/>
+          </p:cNvSpPr>
+          <p:nvPr>
+            <p:ph type="title"/>
+          </p:nvPr>
+        </p:nvSpPr>
+        <p:spPr>
+          <a:xfrm>
+            <a:off x="2536825" y="136526"/>
+            <a:ext cx="9169400" cy="1035570"/>
+          </a:xfrm>
+        </p:spPr>
+        <p:txBody>
+          <a:bodyPr/>
+          <a:lstStyle/>
+          <a:p>
+            <a:r>
+              <a:rPr lang="it-IT" dirty="0"/>
+              <a:t>Step 3: Programming</a:t>
+            </a:r>
+          </a:p>
+        </p:txBody>
+      </p:sp>
+      <mc:AlternateContent xmlns:mc="http://schemas.openxmlformats.org/markup-compatibility/2006" xmlns:a14="http://schemas.microsoft.com/office/drawing/2010/main">
+        <mc:Choice Requires="a14">
+          <p:sp>
+            <p:nvSpPr>
+              <p:cNvPr id="3" name="Segnaposto testo 2">
+                <a:extLst>
+                  <a:ext uri="{FF2B5EF4-FFF2-40B4-BE49-F238E27FC236}">
+                    <a16:creationId xmlns:a16="http://schemas.microsoft.com/office/drawing/2014/main" id="{86B9C604-3A8D-43A1-9C87-829D86772CED}"/>
+                  </a:ext>
+                </a:extLst>
+              </p:cNvPr>
+              <p:cNvSpPr>
+                <a:spLocks noGrp="1"/>
+              </p:cNvSpPr>
+              <p:nvPr>
+                <p:ph type="body" idx="1"/>
+              </p:nvPr>
+            </p:nvSpPr>
+            <p:spPr>
+              <a:xfrm>
+                <a:off x="838198" y="2350844"/>
+                <a:ext cx="7639052" cy="3587321"/>
+              </a:xfrm>
+            </p:spPr>
+            <p:txBody>
+              <a:bodyPr>
+                <a:normAutofit lnSpcReduction="10000"/>
+              </a:bodyPr>
+              <a:lstStyle/>
+              <a:p>
+                <a:pPr marL="342900" indent="-342900">
+                  <a:buFont typeface="Arial" panose="020B0604020202020204" pitchFamily="34" charset="0"/>
+                  <a:buChar char="•"/>
+                </a:pPr>
+                <a:r>
+                  <a:rPr lang="it-IT" dirty="0">
+                    <a:solidFill>
+                      <a:schemeClr val="tx1"/>
+                    </a:solidFill>
+                  </a:rPr>
+                  <a:t>To generate the </a:t>
+                </a:r>
+                <a:r>
+                  <a:rPr lang="it-IT" dirty="0" err="1">
+                    <a:solidFill>
+                      <a:schemeClr val="tx1"/>
+                    </a:solidFill>
+                  </a:rPr>
+                  <a:t>direction</a:t>
+                </a:r>
+                <a:r>
+                  <a:rPr lang="it-IT" dirty="0">
+                    <a:solidFill>
+                      <a:schemeClr val="tx1"/>
+                    </a:solidFill>
+                  </a:rPr>
+                  <a:t> from start </a:t>
+                </a:r>
+                <a:r>
+                  <a:rPr lang="it-IT" dirty="0" err="1">
+                    <a:solidFill>
+                      <a:schemeClr val="tx1"/>
+                    </a:solidFill>
+                  </a:rPr>
+                  <a:t>node</a:t>
+                </a:r>
+                <a:r>
+                  <a:rPr lang="it-IT" dirty="0">
+                    <a:solidFill>
+                      <a:schemeClr val="tx1"/>
+                    </a:solidFill>
+                  </a:rPr>
+                  <a:t> to the </a:t>
+                </a:r>
+                <a:r>
+                  <a:rPr lang="it-IT" dirty="0" err="1">
+                    <a:solidFill>
+                      <a:schemeClr val="tx1"/>
+                    </a:solidFill>
+                  </a:rPr>
+                  <a:t>destination</a:t>
+                </a:r>
+                <a:r>
+                  <a:rPr lang="it-IT" dirty="0">
+                    <a:solidFill>
+                      <a:schemeClr val="tx1"/>
+                    </a:solidFill>
+                  </a:rPr>
+                  <a:t> one </a:t>
+                </a:r>
+                <a:r>
+                  <a:rPr lang="it-IT" dirty="0" err="1">
+                    <a:solidFill>
+                      <a:schemeClr val="tx1"/>
+                    </a:solidFill>
+                  </a:rPr>
+                  <a:t>was</a:t>
+                </a:r>
+                <a:r>
+                  <a:rPr lang="it-IT" dirty="0">
+                    <a:solidFill>
+                      <a:schemeClr val="tx1"/>
+                    </a:solidFill>
+                  </a:rPr>
+                  <a:t> </a:t>
+                </a:r>
+                <a:r>
+                  <a:rPr lang="it-IT" dirty="0" err="1">
+                    <a:solidFill>
+                      <a:schemeClr val="tx1"/>
+                    </a:solidFill>
+                  </a:rPr>
+                  <a:t>used</a:t>
+                </a:r>
+                <a:r>
+                  <a:rPr lang="it-IT" dirty="0">
+                    <a:solidFill>
+                      <a:schemeClr val="tx1"/>
+                    </a:solidFill>
+                  </a:rPr>
+                  <a:t> the </a:t>
+                </a:r>
+                <a:r>
+                  <a:rPr lang="it-IT" dirty="0" err="1">
+                    <a:solidFill>
+                      <a:schemeClr val="tx1"/>
+                    </a:solidFill>
+                  </a:rPr>
+                  <a:t>Dijkstra</a:t>
+                </a:r>
+                <a:r>
+                  <a:rPr lang="it-IT" dirty="0">
+                    <a:solidFill>
+                      <a:schemeClr val="tx1"/>
+                    </a:solidFill>
+                  </a:rPr>
+                  <a:t> </a:t>
+                </a:r>
+                <a:r>
+                  <a:rPr lang="it-IT" dirty="0" err="1">
+                    <a:solidFill>
+                      <a:schemeClr val="tx1"/>
+                    </a:solidFill>
+                  </a:rPr>
+                  <a:t>algorithm</a:t>
+                </a:r>
+                <a:r>
+                  <a:rPr lang="it-IT" dirty="0">
+                    <a:solidFill>
+                      <a:schemeClr val="tx1"/>
+                    </a:solidFill>
+                  </a:rPr>
+                  <a:t> in </a:t>
+                </a:r>
+                <a:r>
+                  <a:rPr lang="it-IT" dirty="0" err="1">
+                    <a:solidFill>
+                      <a:schemeClr val="tx1"/>
+                    </a:solidFill>
+                  </a:rPr>
+                  <a:t>order</a:t>
+                </a:r>
+                <a:r>
+                  <a:rPr lang="it-IT" dirty="0">
+                    <a:solidFill>
+                      <a:schemeClr val="tx1"/>
+                    </a:solidFill>
+                  </a:rPr>
+                  <a:t> to </a:t>
+                </a:r>
+                <a:r>
+                  <a:rPr lang="it-IT" dirty="0" err="1">
+                    <a:solidFill>
+                      <a:schemeClr val="tx1"/>
+                    </a:solidFill>
+                  </a:rPr>
+                  <a:t>obtain</a:t>
+                </a:r>
+                <a:r>
+                  <a:rPr lang="it-IT" dirty="0">
+                    <a:solidFill>
+                      <a:schemeClr val="tx1"/>
+                    </a:solidFill>
+                  </a:rPr>
+                  <a:t> the best </a:t>
+                </a:r>
+                <a:r>
+                  <a:rPr lang="it-IT" dirty="0" err="1">
+                    <a:solidFill>
+                      <a:schemeClr val="tx1"/>
+                    </a:solidFill>
+                  </a:rPr>
+                  <a:t>path</a:t>
+                </a:r>
+                <a:r>
+                  <a:rPr lang="it-IT" dirty="0">
+                    <a:solidFill>
+                      <a:schemeClr val="tx1"/>
+                    </a:solidFill>
+                  </a:rPr>
+                  <a:t> and </a:t>
+                </a:r>
+                <a:r>
+                  <a:rPr lang="it-IT" dirty="0" err="1">
+                    <a:solidFill>
+                      <a:schemeClr val="tx1"/>
+                    </a:solidFill>
+                  </a:rPr>
+                  <a:t>return</a:t>
+                </a:r>
+                <a:r>
+                  <a:rPr lang="it-IT" dirty="0">
+                    <a:solidFill>
+                      <a:schemeClr val="tx1"/>
+                    </a:solidFill>
+                  </a:rPr>
+                  <a:t> the exit </a:t>
+                </a:r>
+                <a:r>
+                  <a:rPr lang="it-IT" dirty="0" err="1">
+                    <a:solidFill>
+                      <a:schemeClr val="tx1"/>
+                    </a:solidFill>
+                  </a:rPr>
+                  <a:t>related</a:t>
+                </a:r>
+                <a:r>
+                  <a:rPr lang="it-IT" dirty="0">
+                    <a:solidFill>
+                      <a:schemeClr val="tx1"/>
+                    </a:solidFill>
+                  </a:rPr>
+                  <a:t> to the </a:t>
+                </a:r>
+                <a:r>
+                  <a:rPr lang="it-IT" dirty="0" err="1">
+                    <a:solidFill>
+                      <a:schemeClr val="tx1"/>
+                    </a:solidFill>
+                  </a:rPr>
+                  <a:t>next</a:t>
+                </a:r>
+                <a:r>
+                  <a:rPr lang="it-IT" dirty="0">
+                    <a:solidFill>
+                      <a:schemeClr val="tx1"/>
+                    </a:solidFill>
+                  </a:rPr>
+                  <a:t> </a:t>
+                </a:r>
+                <a:r>
+                  <a:rPr lang="it-IT" dirty="0" err="1">
+                    <a:solidFill>
+                      <a:schemeClr val="tx1"/>
+                    </a:solidFill>
+                  </a:rPr>
+                  <a:t>node</a:t>
+                </a:r>
+                <a:r>
+                  <a:rPr lang="it-IT" dirty="0">
+                    <a:solidFill>
+                      <a:schemeClr val="tx1"/>
+                    </a:solidFill>
+                  </a:rPr>
+                  <a:t> in </a:t>
+                </a:r>
+                <a:r>
+                  <a:rPr lang="it-IT" dirty="0" err="1">
+                    <a:solidFill>
+                      <a:schemeClr val="tx1"/>
+                    </a:solidFill>
+                  </a:rPr>
+                  <a:t>this</a:t>
+                </a:r>
+                <a:r>
+                  <a:rPr lang="it-IT" dirty="0">
+                    <a:solidFill>
+                      <a:schemeClr val="tx1"/>
+                    </a:solidFill>
+                  </a:rPr>
+                  <a:t> </a:t>
+                </a:r>
+                <a:r>
+                  <a:rPr lang="it-IT" dirty="0" err="1">
+                    <a:solidFill>
+                      <a:schemeClr val="tx1"/>
+                    </a:solidFill>
+                  </a:rPr>
+                  <a:t>path</a:t>
+                </a:r>
+                <a:r>
+                  <a:rPr lang="it-IT" dirty="0">
+                    <a:solidFill>
+                      <a:schemeClr val="tx1"/>
+                    </a:solidFill>
+                  </a:rPr>
+                  <a:t>.</a:t>
+                </a:r>
+              </a:p>
+              <a:p>
+                <a:pPr marL="342900" indent="-342900">
+                  <a:buFont typeface="Arial" panose="020B0604020202020204" pitchFamily="34" charset="0"/>
+                  <a:buChar char="•"/>
+                </a:pPr>
+                <a:r>
+                  <a:rPr lang="it-IT" dirty="0">
+                    <a:solidFill>
+                      <a:schemeClr val="tx1"/>
+                    </a:solidFill>
+                  </a:rPr>
+                  <a:t>The exit point </a:t>
+                </a:r>
+                <a:r>
+                  <a:rPr lang="it-IT" dirty="0" err="1">
+                    <a:solidFill>
+                      <a:schemeClr val="tx1"/>
+                    </a:solidFill>
+                  </a:rPr>
+                  <a:t>is</a:t>
+                </a:r>
+                <a:r>
+                  <a:rPr lang="it-IT" dirty="0">
+                    <a:solidFill>
+                      <a:schemeClr val="tx1"/>
+                    </a:solidFill>
+                  </a:rPr>
+                  <a:t> </a:t>
+                </a:r>
+                <a:r>
+                  <a:rPr lang="it-IT" dirty="0" err="1">
+                    <a:solidFill>
+                      <a:schemeClr val="tx1"/>
+                    </a:solidFill>
+                  </a:rPr>
+                  <a:t>obtained</a:t>
+                </a:r>
+                <a:r>
+                  <a:rPr lang="it-IT" dirty="0">
+                    <a:solidFill>
+                      <a:schemeClr val="tx1"/>
+                    </a:solidFill>
+                  </a:rPr>
+                  <a:t> by </a:t>
+                </a:r>
+                <a:r>
+                  <a:rPr lang="it-IT" dirty="0" err="1">
+                    <a:solidFill>
+                      <a:schemeClr val="tx1"/>
+                    </a:solidFill>
+                  </a:rPr>
+                  <a:t>calculating</a:t>
+                </a:r>
+                <a:r>
+                  <a:rPr lang="it-IT" dirty="0">
+                    <a:solidFill>
+                      <a:schemeClr val="tx1"/>
+                    </a:solidFill>
+                  </a:rPr>
+                  <a:t> the </a:t>
+                </a:r>
+                <a:r>
+                  <a:rPr lang="it-IT" dirty="0" err="1">
+                    <a:solidFill>
+                      <a:schemeClr val="tx1"/>
+                    </a:solidFill>
+                  </a:rPr>
+                  <a:t>vector</a:t>
+                </a:r>
+                <a:r>
+                  <a:rPr lang="it-IT" dirty="0">
+                    <a:solidFill>
+                      <a:schemeClr val="tx1"/>
+                    </a:solidFill>
+                  </a:rPr>
+                  <a:t> </a:t>
+                </a:r>
+                <a:r>
+                  <a:rPr lang="it-IT" dirty="0" err="1">
+                    <a:solidFill>
+                      <a:schemeClr val="tx1"/>
+                    </a:solidFill>
+                  </a:rPr>
+                  <a:t>corrisponding</a:t>
+                </a:r>
+                <a:r>
+                  <a:rPr lang="it-IT" dirty="0">
+                    <a:solidFill>
+                      <a:schemeClr val="tx1"/>
+                    </a:solidFill>
+                  </a:rPr>
+                  <a:t> to the </a:t>
+                </a:r>
+                <a:r>
+                  <a:rPr lang="it-IT" dirty="0" err="1">
+                    <a:solidFill>
+                      <a:schemeClr val="tx1"/>
+                    </a:solidFill>
+                  </a:rPr>
+                  <a:t>edge</a:t>
+                </a:r>
+                <a:r>
+                  <a:rPr lang="it-IT" dirty="0">
+                    <a:solidFill>
+                      <a:schemeClr val="tx1"/>
+                    </a:solidFill>
+                  </a:rPr>
+                  <a:t> and </a:t>
+                </a:r>
+                <a:r>
+                  <a:rPr lang="it-IT" dirty="0" err="1">
+                    <a:solidFill>
+                      <a:schemeClr val="tx1"/>
+                    </a:solidFill>
+                  </a:rPr>
+                  <a:t>then</a:t>
+                </a:r>
+                <a:r>
+                  <a:rPr lang="it-IT" dirty="0">
+                    <a:solidFill>
+                      <a:schemeClr val="tx1"/>
+                    </a:solidFill>
+                  </a:rPr>
+                  <a:t> the angle with </a:t>
+                </a:r>
+                <a:r>
+                  <a:rPr lang="it-IT" dirty="0" err="1">
+                    <a:solidFill>
+                      <a:schemeClr val="tx1"/>
+                    </a:solidFill>
+                  </a:rPr>
+                  <a:t>arctan</a:t>
+                </a:r>
+                <a:r>
+                  <a:rPr lang="it-IT" dirty="0">
+                    <a:solidFill>
+                      <a:schemeClr val="tx1"/>
+                    </a:solidFill>
+                  </a:rPr>
+                  <a:t> </a:t>
+                </a:r>
+                <a:r>
+                  <a:rPr lang="it-IT" dirty="0" err="1">
+                    <a:solidFill>
+                      <a:schemeClr val="tx1"/>
+                    </a:solidFill>
+                  </a:rPr>
+                  <a:t>function</a:t>
+                </a:r>
+                <a:r>
+                  <a:rPr lang="it-IT" dirty="0">
+                    <a:solidFill>
+                      <a:schemeClr val="tx1"/>
+                    </a:solidFill>
+                  </a:rPr>
+                  <a:t>. </a:t>
+                </a:r>
+                <a:r>
+                  <a:rPr lang="en-US" dirty="0">
+                    <a:solidFill>
+                      <a:schemeClr val="tx1"/>
+                    </a:solidFill>
+                  </a:rPr>
+                  <a:t> To each exit corresponds an equal portion of the entire corner</a:t>
+                </a:r>
+                <a:r>
+                  <a:rPr lang="it-IT" dirty="0">
+                    <a:solidFill>
+                      <a:schemeClr val="tx1"/>
+                    </a:solidFill>
+                  </a:rPr>
+                  <a:t>, </a:t>
+                </a:r>
+                <a:r>
+                  <a:rPr lang="it-IT" dirty="0" err="1">
+                    <a:solidFill>
+                      <a:schemeClr val="tx1"/>
+                    </a:solidFill>
+                  </a:rPr>
+                  <a:t>based</a:t>
+                </a:r>
+                <a:r>
+                  <a:rPr lang="it-IT" dirty="0">
+                    <a:solidFill>
+                      <a:schemeClr val="tx1"/>
+                    </a:solidFill>
+                  </a:rPr>
+                  <a:t> on the </a:t>
+                </a:r>
+                <a:r>
+                  <a:rPr lang="it-IT" dirty="0" err="1">
+                    <a:solidFill>
+                      <a:schemeClr val="tx1"/>
+                    </a:solidFill>
+                  </a:rPr>
+                  <a:t>equation</a:t>
+                </a:r>
+                <a:r>
+                  <a:rPr lang="it-IT" dirty="0">
+                    <a:solidFill>
+                      <a:schemeClr val="tx1"/>
+                    </a:solidFill>
+                  </a:rPr>
+                  <a:t>:</a:t>
+                </a:r>
+              </a:p>
+              <a:p>
+                <a:pPr lvl="2"/>
+                <a:endParaRPr lang="it-IT" i="1" dirty="0">
+                  <a:solidFill>
+                    <a:schemeClr val="tx1"/>
+                  </a:solidFill>
+                  <a:latin typeface="Cambria Math" panose="02040503050406030204" pitchFamily="18" charset="0"/>
+                </a:endParaRPr>
+              </a:p>
+              <a:p>
+                <a:pPr lvl="2"/>
+                <a:r>
+                  <a:rPr lang="it-IT" dirty="0">
+                    <a:solidFill>
+                      <a:schemeClr val="tx1"/>
+                    </a:solidFill>
+                  </a:rPr>
+                  <a:t>Exit point </a:t>
+                </a:r>
+                <a14:m>
+                  <m:oMath xmlns:m="http://schemas.openxmlformats.org/officeDocument/2006/math">
+                    <m:r>
+                      <a:rPr lang="it-IT" i="1" smtClean="0">
+                        <a:solidFill>
+                          <a:schemeClr val="tx1"/>
+                        </a:solidFill>
+                        <a:latin typeface="Cambria Math" panose="02040503050406030204" pitchFamily="18" charset="0"/>
+                      </a:rPr>
+                      <m:t>=</m:t>
+                    </m:r>
+                    <m:f>
+                      <m:fPr>
+                        <m:ctrlPr>
+                          <a:rPr lang="it-IT" b="0" i="1" smtClean="0">
+                            <a:solidFill>
+                              <a:schemeClr val="tx1"/>
+                            </a:solidFill>
+                            <a:latin typeface="Cambria Math" panose="02040503050406030204" pitchFamily="18" charset="0"/>
+                          </a:rPr>
+                        </m:ctrlPr>
+                      </m:fPr>
+                      <m:num>
+                        <m:r>
+                          <a:rPr lang="it-IT" i="1">
+                            <a:solidFill>
+                              <a:schemeClr val="tx1"/>
+                            </a:solidFill>
+                            <a:latin typeface="Cambria Math" panose="02040503050406030204" pitchFamily="18" charset="0"/>
+                          </a:rPr>
+                          <m:t>𝑎𝑛𝑔𝑙𝑒</m:t>
+                        </m:r>
+                      </m:num>
+                      <m:den>
+                        <m:r>
+                          <a:rPr lang="it-IT" b="0" i="1" smtClean="0">
+                            <a:solidFill>
+                              <a:schemeClr val="tx1"/>
+                            </a:solidFill>
+                            <a:latin typeface="Cambria Math" panose="02040503050406030204" pitchFamily="18" charset="0"/>
+                          </a:rPr>
+                          <m:t>4</m:t>
+                        </m:r>
+                      </m:den>
+                    </m:f>
+                    <m:r>
+                      <a:rPr lang="it-IT" b="0" i="1" smtClean="0">
+                        <a:solidFill>
+                          <a:schemeClr val="tx1"/>
+                        </a:solidFill>
+                        <a:latin typeface="Cambria Math" panose="02040503050406030204" pitchFamily="18" charset="0"/>
+                      </a:rPr>
+                      <m:t>   </m:t>
+                    </m:r>
+                  </m:oMath>
+                </a14:m>
+                <a:r>
+                  <a:rPr lang="it-IT" dirty="0">
+                    <a:solidFill>
+                      <a:schemeClr val="tx1"/>
+                    </a:solidFill>
+                  </a:rPr>
+                  <a:t>         </a:t>
+                </a:r>
+                <a:r>
+                  <a:rPr lang="it-IT" dirty="0" err="1">
+                    <a:solidFill>
+                      <a:schemeClr val="tx1"/>
+                    </a:solidFill>
+                  </a:rPr>
+                  <a:t>n.b</a:t>
+                </a:r>
+                <a:r>
+                  <a:rPr lang="it-IT" dirty="0">
+                    <a:solidFill>
+                      <a:schemeClr val="tx1"/>
+                    </a:solidFill>
+                  </a:rPr>
+                  <a:t> the </a:t>
+                </a:r>
+                <a:r>
+                  <a:rPr lang="it-IT" dirty="0" err="1">
+                    <a:solidFill>
+                      <a:schemeClr val="tx1"/>
+                    </a:solidFill>
+                  </a:rPr>
+                  <a:t>result</a:t>
+                </a:r>
+                <a:r>
+                  <a:rPr lang="it-IT" dirty="0">
+                    <a:solidFill>
+                      <a:schemeClr val="tx1"/>
+                    </a:solidFill>
+                  </a:rPr>
+                  <a:t> </a:t>
+                </a:r>
+                <a:r>
+                  <a:rPr lang="it-IT" dirty="0" err="1">
+                    <a:solidFill>
+                      <a:schemeClr val="tx1"/>
+                    </a:solidFill>
+                  </a:rPr>
+                  <a:t>is</a:t>
+                </a:r>
+                <a:r>
+                  <a:rPr lang="it-IT" dirty="0">
+                    <a:solidFill>
+                      <a:schemeClr val="tx1"/>
+                    </a:solidFill>
+                  </a:rPr>
+                  <a:t> </a:t>
+                </a:r>
+                <a:r>
+                  <a:rPr lang="it-IT" dirty="0" err="1">
+                    <a:solidFill>
+                      <a:schemeClr val="tx1"/>
+                    </a:solidFill>
+                  </a:rPr>
+                  <a:t>rounded</a:t>
+                </a:r>
+                <a:r>
+                  <a:rPr lang="it-IT" dirty="0">
+                    <a:solidFill>
+                      <a:schemeClr val="tx1"/>
+                    </a:solidFill>
+                  </a:rPr>
+                  <a:t> to the </a:t>
+                </a:r>
+                <a:r>
+                  <a:rPr lang="it-IT" dirty="0" err="1">
+                    <a:solidFill>
+                      <a:schemeClr val="tx1"/>
+                    </a:solidFill>
+                  </a:rPr>
+                  <a:t>nearest</a:t>
+                </a:r>
+                <a:r>
+                  <a:rPr lang="it-IT" dirty="0">
+                    <a:solidFill>
+                      <a:schemeClr val="tx1"/>
+                    </a:solidFill>
+                  </a:rPr>
+                  <a:t>.</a:t>
+                </a:r>
+              </a:p>
+            </p:txBody>
+          </p:sp>
+        </mc:Choice>
+        <mc:Fallback xmlns="">
+          <p:sp>
+            <p:nvSpPr>
+              <p:cNvPr id="3" name="Segnaposto testo 2">
+                <a:extLst>
+                  <a:ext uri="{FF2B5EF4-FFF2-40B4-BE49-F238E27FC236}">
+                    <a16:creationId xmlns:a16="http://schemas.microsoft.com/office/drawing/2014/main" id="{86B9C604-3A8D-43A1-9C87-829D86772CED}"/>
+                  </a:ext>
+                </a:extLst>
+              </p:cNvPr>
+              <p:cNvSpPr>
+                <a:spLocks noGrp="1" noRot="1" noChangeAspect="1" noMove="1" noResize="1" noEditPoints="1" noAdjustHandles="1" noChangeArrowheads="1" noChangeShapeType="1" noTextEdit="1"/>
+              </p:cNvSpPr>
+              <p:nvPr>
+                <p:ph type="body" idx="1"/>
+              </p:nvPr>
+            </p:nvSpPr>
+            <p:spPr>
+              <a:xfrm>
+                <a:off x="838198" y="2350844"/>
+                <a:ext cx="7639052" cy="3587321"/>
+              </a:xfrm>
+              <a:blipFill>
+                <a:blip r:embed="rId2"/>
+                <a:stretch>
+                  <a:fillRect l="-1037" t="-3231" r="-319"/>
+                </a:stretch>
+              </a:blipFill>
+            </p:spPr>
+            <p:txBody>
+              <a:bodyPr/>
+              <a:lstStyle/>
+              <a:p>
+                <a:r>
+                  <a:rPr lang="it-IT">
+                    <a:noFill/>
+                  </a:rPr>
+                  <a:t> </a:t>
+                </a:r>
+              </a:p>
+            </p:txBody>
+          </p:sp>
+        </mc:Fallback>
+      </mc:AlternateContent>
+      <p:sp>
+        <p:nvSpPr>
+          <p:cNvPr id="4" name="Segnaposto data 3">
+            <a:extLst>
+              <a:ext uri="{FF2B5EF4-FFF2-40B4-BE49-F238E27FC236}">
+                <a16:creationId xmlns:a16="http://schemas.microsoft.com/office/drawing/2014/main" id="{9D5656E5-57AC-4AFF-8D12-808D2569572C}"/>
+              </a:ext>
+            </a:extLst>
+          </p:cNvPr>
+          <p:cNvSpPr>
+            <a:spLocks noGrp="1"/>
+          </p:cNvSpPr>
+          <p:nvPr>
+            <p:ph type="dt" sz="half" idx="10"/>
+          </p:nvPr>
+        </p:nvSpPr>
+        <p:spPr/>
+        <p:txBody>
+          <a:bodyPr/>
+          <a:lstStyle/>
+          <a:p>
+            <a:r>
+              <a:rPr lang="it-IT" dirty="0"/>
+              <a:t>29/06/2018</a:t>
+            </a:r>
+          </a:p>
+        </p:txBody>
+      </p:sp>
+      <p:sp>
+        <p:nvSpPr>
+          <p:cNvPr id="5" name="Segnaposto piè di pagina 4">
+            <a:extLst>
+              <a:ext uri="{FF2B5EF4-FFF2-40B4-BE49-F238E27FC236}">
+                <a16:creationId xmlns:a16="http://schemas.microsoft.com/office/drawing/2014/main" id="{65E7D71A-65D2-4250-BD53-DA5387C36A62}"/>
+              </a:ext>
+            </a:extLst>
+          </p:cNvPr>
+          <p:cNvSpPr>
+            <a:spLocks noGrp="1"/>
+          </p:cNvSpPr>
+          <p:nvPr>
+            <p:ph type="ftr" sz="quarter" idx="11"/>
+          </p:nvPr>
+        </p:nvSpPr>
+        <p:spPr/>
+        <p:txBody>
+          <a:bodyPr/>
+          <a:lstStyle/>
+          <a:p>
+            <a:r>
+              <a:rPr lang="it-IT" dirty="0"/>
+              <a:t>NTMY - Ambient intelligence 2018</a:t>
+            </a:r>
+          </a:p>
+        </p:txBody>
+      </p:sp>
+      <p:sp>
+        <p:nvSpPr>
+          <p:cNvPr id="6" name="Segnaposto numero diapositiva 5">
+            <a:extLst>
+              <a:ext uri="{FF2B5EF4-FFF2-40B4-BE49-F238E27FC236}">
+                <a16:creationId xmlns:a16="http://schemas.microsoft.com/office/drawing/2014/main" id="{869D648F-5BCB-4D77-A139-E60D50AE66B3}"/>
+              </a:ext>
+            </a:extLst>
+          </p:cNvPr>
+          <p:cNvSpPr>
+            <a:spLocks noGrp="1"/>
+          </p:cNvSpPr>
+          <p:nvPr>
+            <p:ph type="sldNum" sz="quarter" idx="12"/>
+          </p:nvPr>
+        </p:nvSpPr>
+        <p:spPr/>
+        <p:txBody>
+          <a:bodyPr/>
+          <a:lstStyle/>
+          <a:p>
+            <a:fld id="{A27405AD-269E-48FA-B749-A0B803F8320C}" type="slidenum">
+              <a:rPr lang="it-IT" smtClean="0"/>
+              <a:t>22</a:t>
+            </a:fld>
+            <a:endParaRPr lang="it-IT" dirty="0"/>
+          </a:p>
+        </p:txBody>
+      </p:sp>
+      <p:pic>
+        <p:nvPicPr>
+          <p:cNvPr id="9" name="Immagine 8">
+            <a:extLst>
+              <a:ext uri="{FF2B5EF4-FFF2-40B4-BE49-F238E27FC236}">
+                <a16:creationId xmlns:a16="http://schemas.microsoft.com/office/drawing/2014/main" id="{8B173911-7E39-46CF-ADF9-A3BC75E3EC90}"/>
+              </a:ext>
+            </a:extLst>
+          </p:cNvPr>
+          <p:cNvPicPr>
+            <a:picLocks noChangeAspect="1"/>
+          </p:cNvPicPr>
+          <p:nvPr/>
+        </p:nvPicPr>
+        <p:blipFill>
+          <a:blip r:embed="rId3">
+            <a:extLst>
+              <a:ext uri="{28A0092B-C50C-407E-A947-70E740481C1C}">
+                <a14:useLocalDpi xmlns:a14="http://schemas.microsoft.com/office/drawing/2010/main" val="0"/>
+              </a:ext>
+            </a:extLst>
+          </a:blip>
+          <a:stretch>
+            <a:fillRect/>
+          </a:stretch>
+        </p:blipFill>
+        <p:spPr>
+          <a:xfrm>
+            <a:off x="838200" y="115575"/>
+            <a:ext cx="1260000" cy="1260000"/>
+          </a:xfrm>
+          <a:prstGeom prst="rect">
+            <a:avLst/>
+          </a:prstGeom>
+        </p:spPr>
+      </p:pic>
+      <p:sp>
+        <p:nvSpPr>
+          <p:cNvPr id="7" name="CasellaDiTesto 6">
+            <a:extLst>
+              <a:ext uri="{FF2B5EF4-FFF2-40B4-BE49-F238E27FC236}">
+                <a16:creationId xmlns:a16="http://schemas.microsoft.com/office/drawing/2014/main" id="{7D671223-2AEC-4C63-9E92-1957E934A4AA}"/>
+              </a:ext>
+            </a:extLst>
+          </p:cNvPr>
+          <p:cNvSpPr txBox="1"/>
+          <p:nvPr/>
+        </p:nvSpPr>
+        <p:spPr>
+          <a:xfrm>
+            <a:off x="838198" y="1509267"/>
+            <a:ext cx="10515602" cy="707886"/>
+          </a:xfrm>
+          <a:prstGeom prst="rect">
+            <a:avLst/>
+          </a:prstGeom>
+          <a:noFill/>
+        </p:spPr>
+        <p:txBody>
+          <a:bodyPr wrap="square" rtlCol="0">
+            <a:spAutoFit/>
+          </a:bodyPr>
+          <a:lstStyle/>
+          <a:p>
+            <a:r>
+              <a:rPr lang="it-IT" sz="4000" dirty="0" err="1"/>
+              <a:t>Process</a:t>
+            </a:r>
+            <a:r>
+              <a:rPr lang="it-IT" sz="4000" dirty="0"/>
+              <a:t>: </a:t>
+            </a:r>
+            <a:r>
+              <a:rPr lang="it-IT" sz="4000" dirty="0" err="1"/>
+              <a:t>Strategy</a:t>
+            </a:r>
+            <a:r>
+              <a:rPr lang="it-IT" sz="4000" dirty="0"/>
+              <a:t>.</a:t>
+            </a:r>
+            <a:endParaRPr lang="it-IT" dirty="0"/>
+          </a:p>
+        </p:txBody>
+      </p:sp>
+      <p:pic>
+        <p:nvPicPr>
+          <p:cNvPr id="12" name="Immagine 11">
+            <a:extLst>
+              <a:ext uri="{FF2B5EF4-FFF2-40B4-BE49-F238E27FC236}">
+                <a16:creationId xmlns:a16="http://schemas.microsoft.com/office/drawing/2014/main" id="{1BC95A8F-CE53-42C8-B0C3-10F2465313DA}"/>
+              </a:ext>
+            </a:extLst>
+          </p:cNvPr>
+          <p:cNvPicPr>
+            <a:picLocks noChangeAspect="1"/>
+          </p:cNvPicPr>
+          <p:nvPr/>
+        </p:nvPicPr>
+        <p:blipFill>
+          <a:blip r:embed="rId4">
+            <a:extLst>
+              <a:ext uri="{28A0092B-C50C-407E-A947-70E740481C1C}">
+                <a14:useLocalDpi xmlns:a14="http://schemas.microsoft.com/office/drawing/2010/main" val="0"/>
+              </a:ext>
+            </a:extLst>
+          </a:blip>
+          <a:stretch>
+            <a:fillRect/>
+          </a:stretch>
+        </p:blipFill>
+        <p:spPr>
+          <a:xfrm>
+            <a:off x="8707320" y="1588510"/>
+            <a:ext cx="2945532" cy="2028304"/>
+          </a:xfrm>
+          <a:prstGeom prst="rect">
+            <a:avLst/>
+          </a:prstGeom>
+        </p:spPr>
+      </p:pic>
+      <p:pic>
+        <p:nvPicPr>
+          <p:cNvPr id="14" name="Immagine 13">
+            <a:extLst>
+              <a:ext uri="{FF2B5EF4-FFF2-40B4-BE49-F238E27FC236}">
+                <a16:creationId xmlns:a16="http://schemas.microsoft.com/office/drawing/2014/main" id="{28B06BE3-176B-4EA2-9872-8363FC9181DF}"/>
+              </a:ext>
+            </a:extLst>
+          </p:cNvPr>
+          <p:cNvPicPr>
+            <a:picLocks noChangeAspect="1"/>
+          </p:cNvPicPr>
+          <p:nvPr/>
+        </p:nvPicPr>
+        <p:blipFill>
+          <a:blip r:embed="rId5">
+            <a:extLst>
+              <a:ext uri="{28A0092B-C50C-407E-A947-70E740481C1C}">
+                <a14:useLocalDpi xmlns:a14="http://schemas.microsoft.com/office/drawing/2010/main" val="0"/>
+              </a:ext>
+            </a:extLst>
+          </a:blip>
+          <a:stretch>
+            <a:fillRect/>
+          </a:stretch>
+        </p:blipFill>
+        <p:spPr>
+          <a:xfrm>
+            <a:off x="9508331" y="2186069"/>
+            <a:ext cx="947737" cy="933901"/>
+          </a:xfrm>
+          <a:prstGeom prst="rect">
+            <a:avLst/>
+          </a:prstGeom>
+        </p:spPr>
+      </p:pic>
+      <p:pic>
+        <p:nvPicPr>
+          <p:cNvPr id="16" name="Immagine 15">
+            <a:extLst>
+              <a:ext uri="{FF2B5EF4-FFF2-40B4-BE49-F238E27FC236}">
+                <a16:creationId xmlns:a16="http://schemas.microsoft.com/office/drawing/2014/main" id="{6CBA088A-4708-4249-AA31-B245DDADEDF7}"/>
+              </a:ext>
+            </a:extLst>
+          </p:cNvPr>
+          <p:cNvPicPr>
+            <a:picLocks noChangeAspect="1"/>
+          </p:cNvPicPr>
+          <p:nvPr/>
+        </p:nvPicPr>
+        <p:blipFill>
+          <a:blip r:embed="rId6">
+            <a:extLst>
+              <a:ext uri="{28A0092B-C50C-407E-A947-70E740481C1C}">
+                <a14:useLocalDpi xmlns:a14="http://schemas.microsoft.com/office/drawing/2010/main" val="0"/>
+              </a:ext>
+            </a:extLst>
+          </a:blip>
+          <a:stretch>
+            <a:fillRect/>
+          </a:stretch>
+        </p:blipFill>
+        <p:spPr>
+          <a:xfrm>
+            <a:off x="8920648" y="3761193"/>
+            <a:ext cx="2347427" cy="2098313"/>
+          </a:xfrm>
+          <a:prstGeom prst="rect">
+            <a:avLst/>
+          </a:prstGeom>
+        </p:spPr>
+      </p:pic>
+    </p:spTree>
+    <p:extLst>
+      <p:ext uri="{BB962C8B-B14F-4D97-AF65-F5344CB8AC3E}">
+        <p14:creationId xmlns:p14="http://schemas.microsoft.com/office/powerpoint/2010/main" val="682941579"/>
+      </p:ext>
+    </p:extLst>
+  </p:cSld>
+  <p:clrMapOvr>
+    <a:masterClrMapping/>
+  </p:clrMapOvr>
+  <mc:AlternateContent xmlns:mc="http://schemas.openxmlformats.org/markup-compatibility/2006" xmlns:p14="http://schemas.microsoft.com/office/powerpoint/2010/main">
+    <mc:Choice Requires="p14">
+      <p:transition spd="med" p14:dur="700">
+        <p:fade/>
+      </p:transition>
+    </mc:Choice>
+    <mc:Fallback xmlns="">
+      <p:transition spd="med">
+        <p:fade/>
+      </p:transition>
+    </mc:Fallback>
+  </mc:AlternateContent>
+</p:sld>
+</file>
+
+<file path=ppt/slides/slide23.xml><?xml version="1.0" encoding="utf-8"?>
+<p:sld xmlns:a="http://schemas.openxmlformats.org/drawingml/2006/main" xmlns:r="http://schemas.openxmlformats.org/officeDocument/2006/relationships" xmlns:p="http://schemas.openxmlformats.org/presentationml/2006/main">
+  <p:cSld>
+    <p:spTree>
+      <p:nvGrpSpPr>
+        <p:cNvPr id="1" name=""/>
+        <p:cNvGrpSpPr/>
+        <p:nvPr/>
+      </p:nvGrpSpPr>
+      <p:grpSpPr>
+        <a:xfrm>
+          <a:off x="0" y="0"/>
+          <a:ext cx="0" cy="0"/>
+          <a:chOff x="0" y="0"/>
+          <a:chExt cx="0" cy="0"/>
+        </a:xfrm>
+      </p:grpSpPr>
+      <p:sp>
+        <p:nvSpPr>
+          <p:cNvPr id="2" name="Titolo 1">
+            <a:extLst>
+              <a:ext uri="{FF2B5EF4-FFF2-40B4-BE49-F238E27FC236}">
+                <a16:creationId xmlns:a16="http://schemas.microsoft.com/office/drawing/2014/main" id="{18B4CC82-BC9C-446F-9C7C-C0F06AC575DA}"/>
+              </a:ext>
+            </a:extLst>
+          </p:cNvPr>
+          <p:cNvSpPr>
+            <a:spLocks noGrp="1"/>
+          </p:cNvSpPr>
+          <p:nvPr>
+            <p:ph type="title"/>
+          </p:nvPr>
+        </p:nvSpPr>
+        <p:spPr>
+          <a:xfrm>
+            <a:off x="838200" y="1709738"/>
+            <a:ext cx="10509250" cy="2852737"/>
+          </a:xfrm>
+        </p:spPr>
+        <p:txBody>
+          <a:bodyPr/>
+          <a:lstStyle/>
+          <a:p>
+            <a:r>
+              <a:rPr lang="it-IT" dirty="0" err="1"/>
+              <a:t>Panels</a:t>
+            </a:r>
+            <a:r>
+              <a:rPr lang="it-IT" dirty="0"/>
+              <a:t> </a:t>
+            </a:r>
+            <a:r>
+              <a:rPr lang="it-IT" dirty="0" err="1"/>
+              <a:t>architecture</a:t>
+            </a:r>
+            <a:endParaRPr lang="it-IT" dirty="0"/>
+          </a:p>
+        </p:txBody>
+      </p:sp>
+      <p:sp>
+        <p:nvSpPr>
+          <p:cNvPr id="3" name="Segnaposto testo 2">
+            <a:extLst>
+              <a:ext uri="{FF2B5EF4-FFF2-40B4-BE49-F238E27FC236}">
+                <a16:creationId xmlns:a16="http://schemas.microsoft.com/office/drawing/2014/main" id="{08CA3832-C30B-4A5F-92EB-C38AF5B81BFA}"/>
+              </a:ext>
+            </a:extLst>
+          </p:cNvPr>
+          <p:cNvSpPr>
+            <a:spLocks noGrp="1"/>
+          </p:cNvSpPr>
+          <p:nvPr>
+            <p:ph type="body" idx="1"/>
+          </p:nvPr>
+        </p:nvSpPr>
+        <p:spPr/>
+        <p:txBody>
+          <a:bodyPr/>
+          <a:lstStyle/>
+          <a:p>
+            <a:r>
+              <a:rPr lang="it-IT" dirty="0"/>
+              <a:t>Raffaele </a:t>
+            </a:r>
+            <a:r>
+              <a:rPr lang="it-IT" dirty="0" err="1"/>
+              <a:t>Tuzzo</a:t>
+            </a:r>
+            <a:endParaRPr lang="it-IT" dirty="0"/>
+          </a:p>
+        </p:txBody>
+      </p:sp>
+      <p:sp>
+        <p:nvSpPr>
+          <p:cNvPr id="4" name="Segnaposto data 3">
+            <a:extLst>
+              <a:ext uri="{FF2B5EF4-FFF2-40B4-BE49-F238E27FC236}">
+                <a16:creationId xmlns:a16="http://schemas.microsoft.com/office/drawing/2014/main" id="{3F77042A-4674-47B6-9E01-CF1F1F99244E}"/>
+              </a:ext>
+            </a:extLst>
+          </p:cNvPr>
+          <p:cNvSpPr>
+            <a:spLocks noGrp="1"/>
+          </p:cNvSpPr>
+          <p:nvPr>
+            <p:ph type="dt" sz="half" idx="10"/>
+          </p:nvPr>
+        </p:nvSpPr>
+        <p:spPr/>
+        <p:txBody>
+          <a:bodyPr/>
+          <a:lstStyle/>
+          <a:p>
+            <a:r>
+              <a:rPr lang="it-IT"/>
+              <a:t>29/06/2018</a:t>
+            </a:r>
+          </a:p>
+        </p:txBody>
+      </p:sp>
+      <p:sp>
+        <p:nvSpPr>
+          <p:cNvPr id="5" name="Segnaposto piè di pagina 4">
+            <a:extLst>
+              <a:ext uri="{FF2B5EF4-FFF2-40B4-BE49-F238E27FC236}">
+                <a16:creationId xmlns:a16="http://schemas.microsoft.com/office/drawing/2014/main" id="{ACE2CD12-A276-404C-855E-2EFFDC2D9E29}"/>
+              </a:ext>
+            </a:extLst>
+          </p:cNvPr>
+          <p:cNvSpPr>
+            <a:spLocks noGrp="1"/>
+          </p:cNvSpPr>
+          <p:nvPr>
+            <p:ph type="ftr" sz="quarter" idx="11"/>
+          </p:nvPr>
+        </p:nvSpPr>
+        <p:spPr/>
+        <p:txBody>
+          <a:bodyPr/>
+          <a:lstStyle/>
+          <a:p>
+            <a:r>
+              <a:rPr lang="it-IT"/>
+              <a:t>NTMY - Ambient intelligence 2018</a:t>
+            </a:r>
+          </a:p>
+        </p:txBody>
+      </p:sp>
+      <p:sp>
+        <p:nvSpPr>
+          <p:cNvPr id="6" name="Segnaposto numero diapositiva 5">
+            <a:extLst>
+              <a:ext uri="{FF2B5EF4-FFF2-40B4-BE49-F238E27FC236}">
+                <a16:creationId xmlns:a16="http://schemas.microsoft.com/office/drawing/2014/main" id="{2E017C6A-2561-4D91-AE7A-E3DDF6E0D73B}"/>
+              </a:ext>
+            </a:extLst>
+          </p:cNvPr>
+          <p:cNvSpPr>
+            <a:spLocks noGrp="1"/>
+          </p:cNvSpPr>
+          <p:nvPr>
+            <p:ph type="sldNum" sz="quarter" idx="12"/>
+          </p:nvPr>
+        </p:nvSpPr>
+        <p:spPr/>
+        <p:txBody>
+          <a:bodyPr/>
+          <a:lstStyle/>
+          <a:p>
+            <a:fld id="{A27405AD-269E-48FA-B749-A0B803F8320C}" type="slidenum">
+              <a:rPr lang="it-IT" smtClean="0"/>
+              <a:t>23</a:t>
+            </a:fld>
+            <a:endParaRPr lang="it-IT"/>
+          </a:p>
+        </p:txBody>
+      </p:sp>
+      <p:pic>
+        <p:nvPicPr>
+          <p:cNvPr id="7" name="Immagine 6">
+            <a:extLst>
+              <a:ext uri="{FF2B5EF4-FFF2-40B4-BE49-F238E27FC236}">
+                <a16:creationId xmlns:a16="http://schemas.microsoft.com/office/drawing/2014/main" id="{79C0EC77-2E0A-429D-97D8-9CADB2DF2FB9}"/>
+              </a:ext>
+            </a:extLst>
+          </p:cNvPr>
+          <p:cNvPicPr>
+            <a:picLocks noChangeAspect="1"/>
+          </p:cNvPicPr>
+          <p:nvPr/>
+        </p:nvPicPr>
+        <p:blipFill>
+          <a:blip r:embed="rId2">
+            <a:extLst>
+              <a:ext uri="{28A0092B-C50C-407E-A947-70E740481C1C}">
+                <a14:useLocalDpi xmlns:a14="http://schemas.microsoft.com/office/drawing/2010/main" val="0"/>
+              </a:ext>
+            </a:extLst>
+          </a:blip>
+          <a:stretch>
+            <a:fillRect/>
+          </a:stretch>
+        </p:blipFill>
+        <p:spPr>
+          <a:xfrm>
+            <a:off x="844550" y="2346119"/>
+            <a:ext cx="1440000" cy="1440000"/>
+          </a:xfrm>
+          <a:prstGeom prst="rect">
+            <a:avLst/>
+          </a:prstGeom>
+        </p:spPr>
+      </p:pic>
+    </p:spTree>
+    <p:extLst>
+      <p:ext uri="{BB962C8B-B14F-4D97-AF65-F5344CB8AC3E}">
+        <p14:creationId xmlns:p14="http://schemas.microsoft.com/office/powerpoint/2010/main" val="509856423"/>
+      </p:ext>
+    </p:extLst>
+  </p:cSld>
+  <p:clrMapOvr>
+    <a:masterClrMapping/>
+  </p:clrMapOvr>
+  <mc:AlternateContent xmlns:mc="http://schemas.openxmlformats.org/markup-compatibility/2006" xmlns:p14="http://schemas.microsoft.com/office/powerpoint/2010/main">
+    <mc:Choice Requires="p14">
+      <p:transition spd="med" p14:dur="700">
+        <p:fade/>
+      </p:transition>
+    </mc:Choice>
+    <mc:Fallback xmlns="">
+      <p:transition spd="med">
+        <p:fade/>
+      </p:transition>
+    </mc:Fallback>
+  </mc:AlternateContent>
+</p:sld>
+</file>
+
+<file path=ppt/slides/slide24.xml><?xml version="1.0" encoding="utf-8"?>
+<p:sld xmlns:a="http://schemas.openxmlformats.org/drawingml/2006/main" xmlns:r="http://schemas.openxmlformats.org/officeDocument/2006/relationships" xmlns:p="http://schemas.openxmlformats.org/presentationml/2006/main">
+  <p:cSld>
+    <p:spTree>
+      <p:nvGrpSpPr>
+        <p:cNvPr id="1" name=""/>
+        <p:cNvGrpSpPr/>
+        <p:nvPr/>
+      </p:nvGrpSpPr>
+      <p:grpSpPr>
+        <a:xfrm>
+          <a:off x="0" y="0"/>
+          <a:ext cx="0" cy="0"/>
+          <a:chOff x="0" y="0"/>
+          <a:chExt cx="0" cy="0"/>
+        </a:xfrm>
+      </p:grpSpPr>
+      <p:sp>
+        <p:nvSpPr>
+          <p:cNvPr id="2" name="Titolo 1">
+            <a:extLst>
+              <a:ext uri="{FF2B5EF4-FFF2-40B4-BE49-F238E27FC236}">
+                <a16:creationId xmlns:a16="http://schemas.microsoft.com/office/drawing/2014/main" id="{18B4CC82-BC9C-446F-9C7C-C0F06AC575DA}"/>
+              </a:ext>
+            </a:extLst>
+          </p:cNvPr>
+          <p:cNvSpPr>
+            <a:spLocks noGrp="1"/>
+          </p:cNvSpPr>
+          <p:nvPr>
+            <p:ph type="title"/>
+          </p:nvPr>
+        </p:nvSpPr>
+        <p:spPr>
+          <a:xfrm>
+            <a:off x="838200" y="1709738"/>
+            <a:ext cx="10509250" cy="2852737"/>
+          </a:xfrm>
+        </p:spPr>
+        <p:txBody>
+          <a:bodyPr/>
+          <a:lstStyle/>
+          <a:p>
+            <a:r>
+              <a:rPr lang="it-IT" dirty="0"/>
+              <a:t>Demo time!</a:t>
+            </a:r>
+          </a:p>
+        </p:txBody>
+      </p:sp>
+      <p:sp>
+        <p:nvSpPr>
+          <p:cNvPr id="3" name="Segnaposto testo 2">
+            <a:extLst>
+              <a:ext uri="{FF2B5EF4-FFF2-40B4-BE49-F238E27FC236}">
+                <a16:creationId xmlns:a16="http://schemas.microsoft.com/office/drawing/2014/main" id="{08CA3832-C30B-4A5F-92EB-C38AF5B81BFA}"/>
+              </a:ext>
+            </a:extLst>
+          </p:cNvPr>
+          <p:cNvSpPr>
+            <a:spLocks noGrp="1"/>
+          </p:cNvSpPr>
+          <p:nvPr>
+            <p:ph type="body" idx="1"/>
+          </p:nvPr>
+        </p:nvSpPr>
+        <p:spPr/>
+        <p:txBody>
+          <a:bodyPr/>
+          <a:lstStyle/>
+          <a:p>
+            <a:r>
+              <a:rPr lang="it-IT" dirty="0"/>
+              <a:t>NTMY team</a:t>
+            </a:r>
+          </a:p>
+        </p:txBody>
+      </p:sp>
+      <p:sp>
+        <p:nvSpPr>
+          <p:cNvPr id="4" name="Segnaposto data 3">
+            <a:extLst>
+              <a:ext uri="{FF2B5EF4-FFF2-40B4-BE49-F238E27FC236}">
+                <a16:creationId xmlns:a16="http://schemas.microsoft.com/office/drawing/2014/main" id="{3F77042A-4674-47B6-9E01-CF1F1F99244E}"/>
+              </a:ext>
+            </a:extLst>
+          </p:cNvPr>
+          <p:cNvSpPr>
+            <a:spLocks noGrp="1"/>
+          </p:cNvSpPr>
+          <p:nvPr>
+            <p:ph type="dt" sz="half" idx="10"/>
+          </p:nvPr>
+        </p:nvSpPr>
+        <p:spPr/>
+        <p:txBody>
+          <a:bodyPr/>
+          <a:lstStyle/>
+          <a:p>
+            <a:r>
+              <a:rPr lang="it-IT"/>
+              <a:t>29/06/2018</a:t>
+            </a:r>
+          </a:p>
+        </p:txBody>
+      </p:sp>
+      <p:sp>
+        <p:nvSpPr>
+          <p:cNvPr id="5" name="Segnaposto piè di pagina 4">
+            <a:extLst>
+              <a:ext uri="{FF2B5EF4-FFF2-40B4-BE49-F238E27FC236}">
+                <a16:creationId xmlns:a16="http://schemas.microsoft.com/office/drawing/2014/main" id="{ACE2CD12-A276-404C-855E-2EFFDC2D9E29}"/>
+              </a:ext>
+            </a:extLst>
+          </p:cNvPr>
+          <p:cNvSpPr>
+            <a:spLocks noGrp="1"/>
+          </p:cNvSpPr>
+          <p:nvPr>
+            <p:ph type="ftr" sz="quarter" idx="11"/>
+          </p:nvPr>
+        </p:nvSpPr>
+        <p:spPr/>
+        <p:txBody>
+          <a:bodyPr/>
+          <a:lstStyle/>
+          <a:p>
+            <a:r>
+              <a:rPr lang="it-IT"/>
+              <a:t>NTMY - Ambient intelligence 2018</a:t>
+            </a:r>
+          </a:p>
+        </p:txBody>
+      </p:sp>
+      <p:sp>
+        <p:nvSpPr>
+          <p:cNvPr id="6" name="Segnaposto numero diapositiva 5">
+            <a:extLst>
+              <a:ext uri="{FF2B5EF4-FFF2-40B4-BE49-F238E27FC236}">
+                <a16:creationId xmlns:a16="http://schemas.microsoft.com/office/drawing/2014/main" id="{2E017C6A-2561-4D91-AE7A-E3DDF6E0D73B}"/>
+              </a:ext>
+            </a:extLst>
+          </p:cNvPr>
+          <p:cNvSpPr>
+            <a:spLocks noGrp="1"/>
+          </p:cNvSpPr>
+          <p:nvPr>
+            <p:ph type="sldNum" sz="quarter" idx="12"/>
+          </p:nvPr>
+        </p:nvSpPr>
+        <p:spPr/>
+        <p:txBody>
+          <a:bodyPr/>
+          <a:lstStyle/>
+          <a:p>
+            <a:fld id="{A27405AD-269E-48FA-B749-A0B803F8320C}" type="slidenum">
+              <a:rPr lang="it-IT" smtClean="0"/>
+              <a:t>24</a:t>
+            </a:fld>
+            <a:endParaRPr lang="it-IT"/>
+          </a:p>
+        </p:txBody>
+      </p:sp>
+      <p:pic>
+        <p:nvPicPr>
+          <p:cNvPr id="7" name="Immagine 6">
+            <a:extLst>
+              <a:ext uri="{FF2B5EF4-FFF2-40B4-BE49-F238E27FC236}">
+                <a16:creationId xmlns:a16="http://schemas.microsoft.com/office/drawing/2014/main" id="{79C0EC77-2E0A-429D-97D8-9CADB2DF2FB9}"/>
+              </a:ext>
+            </a:extLst>
+          </p:cNvPr>
+          <p:cNvPicPr>
+            <a:picLocks noChangeAspect="1"/>
+          </p:cNvPicPr>
+          <p:nvPr/>
+        </p:nvPicPr>
+        <p:blipFill>
+          <a:blip r:embed="rId2">
+            <a:extLst>
+              <a:ext uri="{28A0092B-C50C-407E-A947-70E740481C1C}">
+                <a14:useLocalDpi xmlns:a14="http://schemas.microsoft.com/office/drawing/2010/main" val="0"/>
+              </a:ext>
+            </a:extLst>
+          </a:blip>
+          <a:stretch>
+            <a:fillRect/>
+          </a:stretch>
+        </p:blipFill>
+        <p:spPr>
+          <a:xfrm>
+            <a:off x="844550" y="2346119"/>
+            <a:ext cx="1440000" cy="1440000"/>
+          </a:xfrm>
+          <a:prstGeom prst="rect">
+            <a:avLst/>
+          </a:prstGeom>
+        </p:spPr>
+      </p:pic>
+    </p:spTree>
+    <p:extLst>
+      <p:ext uri="{BB962C8B-B14F-4D97-AF65-F5344CB8AC3E}">
+        <p14:creationId xmlns:p14="http://schemas.microsoft.com/office/powerpoint/2010/main" val="1960590167"/>
+      </p:ext>
+    </p:extLst>
+  </p:cSld>
+  <p:clrMapOvr>
+    <a:masterClrMapping/>
+  </p:clrMapOvr>
+  <mc:AlternateContent xmlns:mc="http://schemas.openxmlformats.org/markup-compatibility/2006" xmlns:p14="http://schemas.microsoft.com/office/powerpoint/2010/main">
+    <mc:Choice Requires="p14">
+      <p:transition spd="med" p14:dur="700">
+        <p:fade/>
+      </p:transition>
+    </mc:Choice>
+    <mc:Fallback xmlns="">
+      <p:transition spd="med">
+        <p:fade/>
+      </p:transition>
+    </mc:Fallback>
+  </mc:AlternateContent>
+</p:sld>
+</file>
+
+<file path=ppt/slides/slide25.xml><?xml version="1.0" encoding="utf-8"?>
+<p:sld xmlns:a="http://schemas.openxmlformats.org/drawingml/2006/main" xmlns:r="http://schemas.openxmlformats.org/officeDocument/2006/relationships" xmlns:p="http://schemas.openxmlformats.org/presentationml/2006/main">
+  <p:cSld>
+    <p:bg>
+      <p:bgPr>
+        <a:solidFill>
+          <a:schemeClr val="bg1"/>
+        </a:solidFill>
+        <a:effectLst/>
+      </p:bgPr>
+    </p:bg>
+    <p:spTree>
+      <p:nvGrpSpPr>
+        <p:cNvPr id="1" name=""/>
+        <p:cNvGrpSpPr/>
+        <p:nvPr/>
+      </p:nvGrpSpPr>
+      <p:grpSpPr>
+        <a:xfrm>
+          <a:off x="0" y="0"/>
+          <a:ext cx="0" cy="0"/>
+          <a:chOff x="0" y="0"/>
+          <a:chExt cx="0" cy="0"/>
+        </a:xfrm>
+      </p:grpSpPr>
+      <p:sp>
+        <p:nvSpPr>
+          <p:cNvPr id="2" name="Titolo 1">
+            <a:extLst>
+              <a:ext uri="{FF2B5EF4-FFF2-40B4-BE49-F238E27FC236}">
+                <a16:creationId xmlns:a16="http://schemas.microsoft.com/office/drawing/2014/main" id="{24122F2C-13E7-4887-9CD2-17619347A98B}"/>
+              </a:ext>
+            </a:extLst>
+          </p:cNvPr>
+          <p:cNvSpPr>
+            <a:spLocks noGrp="1"/>
+          </p:cNvSpPr>
+          <p:nvPr>
+            <p:ph type="title"/>
+          </p:nvPr>
+        </p:nvSpPr>
+        <p:spPr>
+          <a:xfrm>
+            <a:off x="2098200" y="365125"/>
+            <a:ext cx="9255600" cy="1325563"/>
+          </a:xfrm>
+        </p:spPr>
+        <p:txBody>
+          <a:bodyPr/>
+          <a:lstStyle/>
+          <a:p>
+            <a:r>
+              <a:rPr lang="it-IT" dirty="0" err="1"/>
+              <a:t>What</a:t>
+            </a:r>
+            <a:r>
+              <a:rPr lang="it-IT" dirty="0"/>
+              <a:t> </a:t>
+            </a:r>
+            <a:r>
+              <a:rPr lang="it-IT" dirty="0" err="1"/>
+              <a:t>you’ll</a:t>
+            </a:r>
+            <a:r>
+              <a:rPr lang="it-IT" dirty="0"/>
+              <a:t> </a:t>
+            </a:r>
+            <a:r>
+              <a:rPr lang="it-IT" dirty="0" err="1"/>
+              <a:t>see</a:t>
+            </a:r>
+            <a:r>
+              <a:rPr lang="it-IT" dirty="0"/>
+              <a:t> </a:t>
+            </a:r>
+            <a:r>
+              <a:rPr lang="it-IT" dirty="0" err="1"/>
+              <a:t>today</a:t>
+            </a:r>
+            <a:endParaRPr lang="it-IT" dirty="0"/>
+          </a:p>
+        </p:txBody>
+      </p:sp>
+      <p:pic>
+        <p:nvPicPr>
+          <p:cNvPr id="4" name="Immagine 3">
+            <a:extLst>
+              <a:ext uri="{FF2B5EF4-FFF2-40B4-BE49-F238E27FC236}">
+                <a16:creationId xmlns:a16="http://schemas.microsoft.com/office/drawing/2014/main" id="{C2B166F0-3DDC-4E79-A835-B6DEC34F2A9B}"/>
+              </a:ext>
+            </a:extLst>
+          </p:cNvPr>
+          <p:cNvPicPr>
+            <a:picLocks noChangeAspect="1"/>
+          </p:cNvPicPr>
+          <p:nvPr/>
+        </p:nvPicPr>
+        <p:blipFill>
+          <a:blip r:embed="rId2">
+            <a:extLst>
+              <a:ext uri="{28A0092B-C50C-407E-A947-70E740481C1C}">
+                <a14:useLocalDpi xmlns:a14="http://schemas.microsoft.com/office/drawing/2010/main" val="0"/>
+              </a:ext>
+            </a:extLst>
+          </a:blip>
+          <a:stretch>
+            <a:fillRect/>
+          </a:stretch>
+        </p:blipFill>
+        <p:spPr>
+          <a:xfrm>
+            <a:off x="838200" y="365125"/>
+            <a:ext cx="1260000" cy="1260000"/>
+          </a:xfrm>
+          <a:prstGeom prst="rect">
+            <a:avLst/>
+          </a:prstGeom>
+        </p:spPr>
+      </p:pic>
+      <p:sp>
+        <p:nvSpPr>
+          <p:cNvPr id="5" name="Segnaposto data 4">
+            <a:extLst>
+              <a:ext uri="{FF2B5EF4-FFF2-40B4-BE49-F238E27FC236}">
+                <a16:creationId xmlns:a16="http://schemas.microsoft.com/office/drawing/2014/main" id="{02753E75-FE2C-4878-AE68-D632AC4B6E08}"/>
+              </a:ext>
+            </a:extLst>
+          </p:cNvPr>
+          <p:cNvSpPr>
+            <a:spLocks noGrp="1"/>
+          </p:cNvSpPr>
+          <p:nvPr>
+            <p:ph type="dt" sz="half" idx="10"/>
+          </p:nvPr>
+        </p:nvSpPr>
+        <p:spPr>
+          <a:xfrm>
+            <a:off x="838200" y="6356350"/>
+            <a:ext cx="2743200" cy="365125"/>
+          </a:xfrm>
+        </p:spPr>
+        <p:txBody>
+          <a:bodyPr/>
+          <a:lstStyle/>
+          <a:p>
+            <a:r>
+              <a:rPr lang="it-IT"/>
+              <a:t>29/06/2018</a:t>
+            </a:r>
+          </a:p>
+        </p:txBody>
+      </p:sp>
+      <p:sp>
+        <p:nvSpPr>
+          <p:cNvPr id="6" name="Segnaposto piè di pagina 5">
+            <a:extLst>
+              <a:ext uri="{FF2B5EF4-FFF2-40B4-BE49-F238E27FC236}">
+                <a16:creationId xmlns:a16="http://schemas.microsoft.com/office/drawing/2014/main" id="{AE4EA61A-C1EE-475C-A05B-EA30AA425278}"/>
+              </a:ext>
+            </a:extLst>
+          </p:cNvPr>
+          <p:cNvSpPr>
+            <a:spLocks noGrp="1"/>
+          </p:cNvSpPr>
+          <p:nvPr>
+            <p:ph type="ftr" sz="quarter" idx="11"/>
+          </p:nvPr>
+        </p:nvSpPr>
+        <p:spPr>
+          <a:xfrm>
+            <a:off x="4038600" y="6356350"/>
+            <a:ext cx="4114800" cy="365125"/>
+          </a:xfrm>
+        </p:spPr>
+        <p:txBody>
+          <a:bodyPr/>
+          <a:lstStyle/>
+          <a:p>
+            <a:r>
+              <a:rPr lang="it-IT"/>
+              <a:t>NTMY - Ambient intelligence 2018</a:t>
+            </a:r>
+          </a:p>
+        </p:txBody>
+      </p:sp>
+      <p:sp>
+        <p:nvSpPr>
+          <p:cNvPr id="7" name="Segnaposto numero diapositiva 6">
+            <a:extLst>
+              <a:ext uri="{FF2B5EF4-FFF2-40B4-BE49-F238E27FC236}">
+                <a16:creationId xmlns:a16="http://schemas.microsoft.com/office/drawing/2014/main" id="{69FD55CC-6E11-4E4C-B34F-A09343C3B384}"/>
+              </a:ext>
+            </a:extLst>
+          </p:cNvPr>
+          <p:cNvSpPr>
+            <a:spLocks noGrp="1"/>
+          </p:cNvSpPr>
+          <p:nvPr>
+            <p:ph type="sldNum" sz="quarter" idx="12"/>
+          </p:nvPr>
+        </p:nvSpPr>
+        <p:spPr>
+          <a:xfrm>
+            <a:off x="8610600" y="6356350"/>
+            <a:ext cx="2743200" cy="365125"/>
+          </a:xfrm>
+        </p:spPr>
+        <p:txBody>
+          <a:bodyPr/>
+          <a:lstStyle/>
+          <a:p>
+            <a:fld id="{A27405AD-269E-48FA-B749-A0B803F8320C}" type="slidenum">
+              <a:rPr lang="it-IT" smtClean="0"/>
+              <a:t>25</a:t>
+            </a:fld>
+            <a:endParaRPr lang="it-IT"/>
+          </a:p>
+        </p:txBody>
+      </p:sp>
+      <p:graphicFrame>
+        <p:nvGraphicFramePr>
+          <p:cNvPr id="9" name="Segnaposto contenuto 8">
+            <a:extLst>
+              <a:ext uri="{FF2B5EF4-FFF2-40B4-BE49-F238E27FC236}">
+                <a16:creationId xmlns:a16="http://schemas.microsoft.com/office/drawing/2014/main" id="{0F404AD0-0587-4C91-93BF-7014A500CD47}"/>
+              </a:ext>
+            </a:extLst>
+          </p:cNvPr>
+          <p:cNvGraphicFramePr>
+            <a:graphicFrameLocks noGrp="1"/>
+          </p:cNvGraphicFramePr>
+          <p:nvPr>
+            <p:ph idx="1"/>
+            <p:extLst>
+              <p:ext uri="{D42A27DB-BD31-4B8C-83A1-F6EECF244321}">
+                <p14:modId xmlns:p14="http://schemas.microsoft.com/office/powerpoint/2010/main" val="405238783"/>
+              </p:ext>
+            </p:extLst>
+          </p:nvPr>
+        </p:nvGraphicFramePr>
+        <p:xfrm>
+          <a:off x="838200" y="1825625"/>
+          <a:ext cx="10515600" cy="4351338"/>
+        </p:xfrm>
+        <a:graphic>
+          <a:graphicData uri="http://schemas.openxmlformats.org/drawingml/2006/diagram">
+            <dgm:relIds xmlns:dgm="http://schemas.openxmlformats.org/drawingml/2006/diagram" xmlns:r="http://schemas.openxmlformats.org/officeDocument/2006/relationships" r:dm="rId3" r:lo="rId4" r:qs="rId5" r:cs="rId6"/>
+          </a:graphicData>
+        </a:graphic>
+      </p:graphicFrame>
+    </p:spTree>
+    <p:extLst>
+      <p:ext uri="{BB962C8B-B14F-4D97-AF65-F5344CB8AC3E}">
+        <p14:creationId xmlns:p14="http://schemas.microsoft.com/office/powerpoint/2010/main" val="698761611"/>
+      </p:ext>
+    </p:extLst>
+  </p:cSld>
+  <p:clrMapOvr>
+    <a:masterClrMapping/>
+  </p:clrMapOvr>
+  <mc:AlternateContent xmlns:mc="http://schemas.openxmlformats.org/markup-compatibility/2006" xmlns:p14="http://schemas.microsoft.com/office/powerpoint/2010/main">
+    <mc:Choice Requires="p14">
+      <p:transition spd="med" p14:dur="700">
+        <p:fade/>
+      </p:transition>
+    </mc:Choice>
+    <mc:Fallback xmlns="">
       <p:transition spd="med">
         <p:fade/>
       </p:transition>
@@ -26974,13 +33124,13 @@
   <p:clrMapOvr>
     <a:masterClrMapping/>
   </p:clrMapOvr>
-  <mc:AlternateContent xmlns:mc="http://schemas.openxmlformats.org/markup-compatibility/2006">
-    <mc:Choice xmlns:p14="http://schemas.microsoft.com/office/powerpoint/2010/main" Requires="p14">
+  <mc:AlternateContent xmlns:mc="http://schemas.openxmlformats.org/markup-compatibility/2006" xmlns:p14="http://schemas.microsoft.com/office/powerpoint/2010/main">
+    <mc:Choice Requires="p14">
       <p:transition spd="med" p14:dur="700">
         <p:fade/>
       </p:transition>
     </mc:Choice>
-    <mc:Fallback>
+    <mc:Fallback xmlns="">
       <p:transition spd="med">
         <p:fade/>
       </p:transition>
@@ -27218,13 +33368,13 @@
   <p:clrMapOvr>
     <a:masterClrMapping/>
   </p:clrMapOvr>
-  <mc:AlternateContent xmlns:mc="http://schemas.openxmlformats.org/markup-compatibility/2006">
-    <mc:Choice xmlns:p14="http://schemas.microsoft.com/office/powerpoint/2010/main" Requires="p14">
+  <mc:AlternateContent xmlns:mc="http://schemas.openxmlformats.org/markup-compatibility/2006" xmlns:p14="http://schemas.microsoft.com/office/powerpoint/2010/main">
+    <mc:Choice Requires="p14">
       <p:transition spd="med" p14:dur="700">
         <p:fade/>
       </p:transition>
     </mc:Choice>
-    <mc:Fallback>
+    <mc:Fallback xmlns="">
       <p:transition spd="med">
         <p:fade/>
       </p:transition>
@@ -27445,13 +33595,13 @@
   <p:clrMapOvr>
     <a:masterClrMapping/>
   </p:clrMapOvr>
-  <mc:AlternateContent xmlns:mc="http://schemas.openxmlformats.org/markup-compatibility/2006">
-    <mc:Choice xmlns:p14="http://schemas.microsoft.com/office/powerpoint/2010/main" Requires="p14">
+  <mc:AlternateContent xmlns:mc="http://schemas.openxmlformats.org/markup-compatibility/2006" xmlns:p14="http://schemas.microsoft.com/office/powerpoint/2010/main">
+    <mc:Choice Requires="p14">
       <p:transition spd="med" p14:dur="700">
         <p:fade/>
       </p:transition>
     </mc:Choice>
-    <mc:Fallback>
+    <mc:Fallback xmlns="">
       <p:transition spd="med">
         <p:fade/>
       </p:transition>
@@ -27674,13 +33824,13 @@
   <p:clrMapOvr>
     <a:masterClrMapping/>
   </p:clrMapOvr>
-  <mc:AlternateContent xmlns:mc="http://schemas.openxmlformats.org/markup-compatibility/2006">
-    <mc:Choice xmlns:p14="http://schemas.microsoft.com/office/powerpoint/2010/main" Requires="p14">
+  <mc:AlternateContent xmlns:mc="http://schemas.openxmlformats.org/markup-compatibility/2006" xmlns:p14="http://schemas.microsoft.com/office/powerpoint/2010/main">
+    <mc:Choice Requires="p14">
       <p:transition spd="med" p14:dur="700">
         <p:fade/>
       </p:transition>
     </mc:Choice>
-    <mc:Fallback>
+    <mc:Fallback xmlns="">
       <p:transition spd="med">
         <p:fade/>
       </p:transition>
@@ -27914,13 +34064,13 @@
   <p:clrMapOvr>
     <a:masterClrMapping/>
   </p:clrMapOvr>
-  <mc:AlternateContent xmlns:mc="http://schemas.openxmlformats.org/markup-compatibility/2006">
-    <mc:Choice xmlns:p14="http://schemas.microsoft.com/office/powerpoint/2010/main" Requires="p14">
+  <mc:AlternateContent xmlns:mc="http://schemas.openxmlformats.org/markup-compatibility/2006" xmlns:p14="http://schemas.microsoft.com/office/powerpoint/2010/main">
+    <mc:Choice Requires="p14">
       <p:transition spd="med" p14:dur="700">
         <p:fade/>
       </p:transition>
     </mc:Choice>
-    <mc:Fallback>
+    <mc:Fallback xmlns="">
       <p:transition spd="med">
         <p:fade/>
       </p:transition>
@@ -28141,13 +34291,13 @@
   <p:clrMapOvr>
     <a:masterClrMapping/>
   </p:clrMapOvr>
-  <mc:AlternateContent xmlns:mc="http://schemas.openxmlformats.org/markup-compatibility/2006">
-    <mc:Choice xmlns:p14="http://schemas.microsoft.com/office/powerpoint/2010/main" Requires="p14">
+  <mc:AlternateContent xmlns:mc="http://schemas.openxmlformats.org/markup-compatibility/2006" xmlns:p14="http://schemas.microsoft.com/office/powerpoint/2010/main">
+    <mc:Choice Requires="p14">
       <p:transition spd="med" p14:dur="700">
         <p:fade/>
       </p:transition>
     </mc:Choice>
-    <mc:Fallback>
+    <mc:Fallback xmlns="">
       <p:transition spd="med">
         <p:fade/>
       </p:transition>
@@ -28377,13 +34527,13 @@
   <p:clrMapOvr>
     <a:masterClrMapping/>
   </p:clrMapOvr>
-  <mc:AlternateContent xmlns:mc="http://schemas.openxmlformats.org/markup-compatibility/2006">
-    <mc:Choice xmlns:p14="http://schemas.microsoft.com/office/powerpoint/2010/main" Requires="p14">
+  <mc:AlternateContent xmlns:mc="http://schemas.openxmlformats.org/markup-compatibility/2006" xmlns:p14="http://schemas.microsoft.com/office/powerpoint/2010/main">
+    <mc:Choice Requires="p14">
       <p:transition spd="med" p14:dur="700">
         <p:fade/>
       </p:transition>
     </mc:Choice>
-    <mc:Fallback>
+    <mc:Fallback xmlns="">
       <p:transition spd="med">
         <p:fade/>
       </p:transition>

--- a/NTMY.pptx
+++ b/NTMY.pptx
@@ -137,6 +137,320 @@
     </p:ext>
   </p:extLst>
 </p:presentation>
+</file>
+
+<file path=ppt/changesInfos/changesInfo1.xml><?xml version="1.0" encoding="utf-8"?>
+<pc:chgInfo xmlns:a="http://schemas.openxmlformats.org/drawingml/2006/main" xmlns:r="http://schemas.openxmlformats.org/officeDocument/2006/relationships" xmlns:ac="http://schemas.microsoft.com/office/drawing/2013/main/command" xmlns:pc="http://schemas.microsoft.com/office/powerpoint/2013/main/command">
+  <pc:docChgLst>
+    <pc:chgData name="Matteo Corain" userId="1f5c112c79a0296d" providerId="LiveId" clId="{EEEF3436-BE3A-4069-A9FE-17852E7F22EB}"/>
+    <pc:docChg chg="custSel modSld modMainMaster">
+      <pc:chgData name="Matteo Corain" userId="1f5c112c79a0296d" providerId="LiveId" clId="{EEEF3436-BE3A-4069-A9FE-17852E7F22EB}" dt="2018-06-11T12:17:02.218" v="30" actId="478"/>
+      <pc:docMkLst>
+        <pc:docMk/>
+      </pc:docMkLst>
+      <pc:sldChg chg="delSp">
+        <pc:chgData name="Matteo Corain" userId="1f5c112c79a0296d" providerId="LiveId" clId="{EEEF3436-BE3A-4069-A9FE-17852E7F22EB}" dt="2018-06-11T12:14:56.509" v="17" actId="478"/>
+        <pc:sldMkLst>
+          <pc:docMk/>
+          <pc:sldMk cId="3602478586" sldId="257"/>
+        </pc:sldMkLst>
+        <pc:picChg chg="del">
+          <ac:chgData name="Matteo Corain" userId="1f5c112c79a0296d" providerId="LiveId" clId="{EEEF3436-BE3A-4069-A9FE-17852E7F22EB}" dt="2018-06-11T12:14:56.509" v="17" actId="478"/>
+          <ac:picMkLst>
+            <pc:docMk/>
+            <pc:sldMk cId="3602478586" sldId="257"/>
+            <ac:picMk id="4" creationId="{C2B166F0-3DDC-4E79-A835-B6DEC34F2A9B}"/>
+          </ac:picMkLst>
+        </pc:picChg>
+      </pc:sldChg>
+      <pc:sldChg chg="delSp">
+        <pc:chgData name="Matteo Corain" userId="1f5c112c79a0296d" providerId="LiveId" clId="{EEEF3436-BE3A-4069-A9FE-17852E7F22EB}" dt="2018-06-11T12:15:01.063" v="18" actId="478"/>
+        <pc:sldMkLst>
+          <pc:docMk/>
+          <pc:sldMk cId="776983301" sldId="258"/>
+        </pc:sldMkLst>
+        <pc:picChg chg="del">
+          <ac:chgData name="Matteo Corain" userId="1f5c112c79a0296d" providerId="LiveId" clId="{EEEF3436-BE3A-4069-A9FE-17852E7F22EB}" dt="2018-06-11T12:15:01.063" v="18" actId="478"/>
+          <ac:picMkLst>
+            <pc:docMk/>
+            <pc:sldMk cId="776983301" sldId="258"/>
+            <ac:picMk id="4" creationId="{C2B166F0-3DDC-4E79-A835-B6DEC34F2A9B}"/>
+          </ac:picMkLst>
+        </pc:picChg>
+      </pc:sldChg>
+      <pc:sldChg chg="delSp">
+        <pc:chgData name="Matteo Corain" userId="1f5c112c79a0296d" providerId="LiveId" clId="{EEEF3436-BE3A-4069-A9FE-17852E7F22EB}" dt="2018-06-11T12:14:32.961" v="14" actId="478"/>
+        <pc:sldMkLst>
+          <pc:docMk/>
+          <pc:sldMk cId="72305853" sldId="259"/>
+        </pc:sldMkLst>
+        <pc:picChg chg="del">
+          <ac:chgData name="Matteo Corain" userId="1f5c112c79a0296d" providerId="LiveId" clId="{EEEF3436-BE3A-4069-A9FE-17852E7F22EB}" dt="2018-06-11T12:14:32.961" v="14" actId="478"/>
+          <ac:picMkLst>
+            <pc:docMk/>
+            <pc:sldMk cId="72305853" sldId="259"/>
+            <ac:picMk id="4" creationId="{C2B166F0-3DDC-4E79-A835-B6DEC34F2A9B}"/>
+          </ac:picMkLst>
+        </pc:picChg>
+      </pc:sldChg>
+      <pc:sldChg chg="delSp">
+        <pc:chgData name="Matteo Corain" userId="1f5c112c79a0296d" providerId="LiveId" clId="{EEEF3436-BE3A-4069-A9FE-17852E7F22EB}" dt="2018-06-11T12:17:02.218" v="30" actId="478"/>
+        <pc:sldMkLst>
+          <pc:docMk/>
+          <pc:sldMk cId="698761611" sldId="260"/>
+        </pc:sldMkLst>
+        <pc:picChg chg="del">
+          <ac:chgData name="Matteo Corain" userId="1f5c112c79a0296d" providerId="LiveId" clId="{EEEF3436-BE3A-4069-A9FE-17852E7F22EB}" dt="2018-06-11T12:17:02.218" v="30" actId="478"/>
+          <ac:picMkLst>
+            <pc:docMk/>
+            <pc:sldMk cId="698761611" sldId="260"/>
+            <ac:picMk id="4" creationId="{C2B166F0-3DDC-4E79-A835-B6DEC34F2A9B}"/>
+          </ac:picMkLst>
+        </pc:picChg>
+      </pc:sldChg>
+      <pc:sldChg chg="delSp">
+        <pc:chgData name="Matteo Corain" userId="1f5c112c79a0296d" providerId="LiveId" clId="{EEEF3436-BE3A-4069-A9FE-17852E7F22EB}" dt="2018-06-11T12:14:38.856" v="15" actId="478"/>
+        <pc:sldMkLst>
+          <pc:docMk/>
+          <pc:sldMk cId="1817442859" sldId="261"/>
+        </pc:sldMkLst>
+        <pc:picChg chg="del">
+          <ac:chgData name="Matteo Corain" userId="1f5c112c79a0296d" providerId="LiveId" clId="{EEEF3436-BE3A-4069-A9FE-17852E7F22EB}" dt="2018-06-11T12:14:38.856" v="15" actId="478"/>
+          <ac:picMkLst>
+            <pc:docMk/>
+            <pc:sldMk cId="1817442859" sldId="261"/>
+            <ac:picMk id="7" creationId="{79C0EC77-2E0A-429D-97D8-9CADB2DF2FB9}"/>
+          </ac:picMkLst>
+        </pc:picChg>
+      </pc:sldChg>
+      <pc:sldChg chg="delSp">
+        <pc:chgData name="Matteo Corain" userId="1f5c112c79a0296d" providerId="LiveId" clId="{EEEF3436-BE3A-4069-A9FE-17852E7F22EB}" dt="2018-06-11T12:16:59.238" v="29" actId="478"/>
+        <pc:sldMkLst>
+          <pc:docMk/>
+          <pc:sldMk cId="1960590167" sldId="262"/>
+        </pc:sldMkLst>
+        <pc:picChg chg="del">
+          <ac:chgData name="Matteo Corain" userId="1f5c112c79a0296d" providerId="LiveId" clId="{EEEF3436-BE3A-4069-A9FE-17852E7F22EB}" dt="2018-06-11T12:16:59.238" v="29" actId="478"/>
+          <ac:picMkLst>
+            <pc:docMk/>
+            <pc:sldMk cId="1960590167" sldId="262"/>
+            <ac:picMk id="7" creationId="{79C0EC77-2E0A-429D-97D8-9CADB2DF2FB9}"/>
+          </ac:picMkLst>
+        </pc:picChg>
+      </pc:sldChg>
+      <pc:sldChg chg="delSp">
+        <pc:chgData name="Matteo Corain" userId="1f5c112c79a0296d" providerId="LiveId" clId="{EEEF3436-BE3A-4069-A9FE-17852E7F22EB}" dt="2018-06-11T12:15:04.209" v="19" actId="478"/>
+        <pc:sldMkLst>
+          <pc:docMk/>
+          <pc:sldMk cId="537542433" sldId="263"/>
+        </pc:sldMkLst>
+        <pc:picChg chg="del">
+          <ac:chgData name="Matteo Corain" userId="1f5c112c79a0296d" providerId="LiveId" clId="{EEEF3436-BE3A-4069-A9FE-17852E7F22EB}" dt="2018-06-11T12:15:04.209" v="19" actId="478"/>
+          <ac:picMkLst>
+            <pc:docMk/>
+            <pc:sldMk cId="537542433" sldId="263"/>
+            <ac:picMk id="7" creationId="{79C0EC77-2E0A-429D-97D8-9CADB2DF2FB9}"/>
+          </ac:picMkLst>
+        </pc:picChg>
+      </pc:sldChg>
+      <pc:sldChg chg="delSp">
+        <pc:chgData name="Matteo Corain" userId="1f5c112c79a0296d" providerId="LiveId" clId="{EEEF3436-BE3A-4069-A9FE-17852E7F22EB}" dt="2018-06-11T12:16:56.042" v="28" actId="478"/>
+        <pc:sldMkLst>
+          <pc:docMk/>
+          <pc:sldMk cId="509856423" sldId="264"/>
+        </pc:sldMkLst>
+        <pc:picChg chg="del">
+          <ac:chgData name="Matteo Corain" userId="1f5c112c79a0296d" providerId="LiveId" clId="{EEEF3436-BE3A-4069-A9FE-17852E7F22EB}" dt="2018-06-11T12:16:56.042" v="28" actId="478"/>
+          <ac:picMkLst>
+            <pc:docMk/>
+            <pc:sldMk cId="509856423" sldId="264"/>
+            <ac:picMk id="7" creationId="{79C0EC77-2E0A-429D-97D8-9CADB2DF2FB9}"/>
+          </ac:picMkLst>
+        </pc:picChg>
+      </pc:sldChg>
+      <pc:sldChg chg="delSp">
+        <pc:chgData name="Matteo Corain" userId="1f5c112c79a0296d" providerId="LiveId" clId="{EEEF3436-BE3A-4069-A9FE-17852E7F22EB}" dt="2018-06-11T12:15:33.806" v="25" actId="478"/>
+        <pc:sldMkLst>
+          <pc:docMk/>
+          <pc:sldMk cId="3025225441" sldId="265"/>
+        </pc:sldMkLst>
+        <pc:picChg chg="del">
+          <ac:chgData name="Matteo Corain" userId="1f5c112c79a0296d" providerId="LiveId" clId="{EEEF3436-BE3A-4069-A9FE-17852E7F22EB}" dt="2018-06-11T12:15:33.806" v="25" actId="478"/>
+          <ac:picMkLst>
+            <pc:docMk/>
+            <pc:sldMk cId="3025225441" sldId="265"/>
+            <ac:picMk id="7" creationId="{79C0EC77-2E0A-429D-97D8-9CADB2DF2FB9}"/>
+          </ac:picMkLst>
+        </pc:picChg>
+      </pc:sldChg>
+      <pc:sldChg chg="delSp">
+        <pc:chgData name="Matteo Corain" userId="1f5c112c79a0296d" providerId="LiveId" clId="{EEEF3436-BE3A-4069-A9FE-17852E7F22EB}" dt="2018-06-11T12:15:38.684" v="26" actId="478"/>
+        <pc:sldMkLst>
+          <pc:docMk/>
+          <pc:sldMk cId="88263306" sldId="266"/>
+        </pc:sldMkLst>
+        <pc:picChg chg="del">
+          <ac:chgData name="Matteo Corain" userId="1f5c112c79a0296d" providerId="LiveId" clId="{EEEF3436-BE3A-4069-A9FE-17852E7F22EB}" dt="2018-06-11T12:15:38.684" v="26" actId="478"/>
+          <ac:picMkLst>
+            <pc:docMk/>
+            <pc:sldMk cId="88263306" sldId="266"/>
+            <ac:picMk id="7" creationId="{79C0EC77-2E0A-429D-97D8-9CADB2DF2FB9}"/>
+          </ac:picMkLst>
+        </pc:picChg>
+      </pc:sldChg>
+      <pc:sldChg chg="delSp">
+        <pc:chgData name="Matteo Corain" userId="1f5c112c79a0296d" providerId="LiveId" clId="{EEEF3436-BE3A-4069-A9FE-17852E7F22EB}" dt="2018-06-11T12:15:20.004" v="21" actId="478"/>
+        <pc:sldMkLst>
+          <pc:docMk/>
+          <pc:sldMk cId="1037664274" sldId="267"/>
+        </pc:sldMkLst>
+        <pc:picChg chg="del">
+          <ac:chgData name="Matteo Corain" userId="1f5c112c79a0296d" providerId="LiveId" clId="{EEEF3436-BE3A-4069-A9FE-17852E7F22EB}" dt="2018-06-11T12:15:20.004" v="21" actId="478"/>
+          <ac:picMkLst>
+            <pc:docMk/>
+            <pc:sldMk cId="1037664274" sldId="267"/>
+            <ac:picMk id="4" creationId="{C2B166F0-3DDC-4E79-A835-B6DEC34F2A9B}"/>
+          </ac:picMkLst>
+        </pc:picChg>
+      </pc:sldChg>
+      <pc:sldChg chg="delSp">
+        <pc:chgData name="Matteo Corain" userId="1f5c112c79a0296d" providerId="LiveId" clId="{EEEF3436-BE3A-4069-A9FE-17852E7F22EB}" dt="2018-06-11T12:15:22.742" v="22" actId="478"/>
+        <pc:sldMkLst>
+          <pc:docMk/>
+          <pc:sldMk cId="2367010815" sldId="268"/>
+        </pc:sldMkLst>
+        <pc:picChg chg="del">
+          <ac:chgData name="Matteo Corain" userId="1f5c112c79a0296d" providerId="LiveId" clId="{EEEF3436-BE3A-4069-A9FE-17852E7F22EB}" dt="2018-06-11T12:15:22.742" v="22" actId="478"/>
+          <ac:picMkLst>
+            <pc:docMk/>
+            <pc:sldMk cId="2367010815" sldId="268"/>
+            <ac:picMk id="4" creationId="{C2B166F0-3DDC-4E79-A835-B6DEC34F2A9B}"/>
+          </ac:picMkLst>
+        </pc:picChg>
+      </pc:sldChg>
+      <pc:sldChg chg="delSp">
+        <pc:chgData name="Matteo Corain" userId="1f5c112c79a0296d" providerId="LiveId" clId="{EEEF3436-BE3A-4069-A9FE-17852E7F22EB}" dt="2018-06-11T12:15:26.026" v="23" actId="478"/>
+        <pc:sldMkLst>
+          <pc:docMk/>
+          <pc:sldMk cId="3010972102" sldId="269"/>
+        </pc:sldMkLst>
+        <pc:picChg chg="del">
+          <ac:chgData name="Matteo Corain" userId="1f5c112c79a0296d" providerId="LiveId" clId="{EEEF3436-BE3A-4069-A9FE-17852E7F22EB}" dt="2018-06-11T12:15:26.026" v="23" actId="478"/>
+          <ac:picMkLst>
+            <pc:docMk/>
+            <pc:sldMk cId="3010972102" sldId="269"/>
+            <ac:picMk id="4" creationId="{C2B166F0-3DDC-4E79-A835-B6DEC34F2A9B}"/>
+          </ac:picMkLst>
+        </pc:picChg>
+      </pc:sldChg>
+      <pc:sldChg chg="delSp">
+        <pc:chgData name="Matteo Corain" userId="1f5c112c79a0296d" providerId="LiveId" clId="{EEEF3436-BE3A-4069-A9FE-17852E7F22EB}" dt="2018-06-11T12:15:28.991" v="24" actId="478"/>
+        <pc:sldMkLst>
+          <pc:docMk/>
+          <pc:sldMk cId="2946601969" sldId="270"/>
+        </pc:sldMkLst>
+        <pc:picChg chg="del">
+          <ac:chgData name="Matteo Corain" userId="1f5c112c79a0296d" providerId="LiveId" clId="{EEEF3436-BE3A-4069-A9FE-17852E7F22EB}" dt="2018-06-11T12:15:28.991" v="24" actId="478"/>
+          <ac:picMkLst>
+            <pc:docMk/>
+            <pc:sldMk cId="2946601969" sldId="270"/>
+            <ac:picMk id="4" creationId="{C2B166F0-3DDC-4E79-A835-B6DEC34F2A9B}"/>
+          </ac:picMkLst>
+        </pc:picChg>
+      </pc:sldChg>
+      <pc:sldChg chg="delSp">
+        <pc:chgData name="Matteo Corain" userId="1f5c112c79a0296d" providerId="LiveId" clId="{EEEF3436-BE3A-4069-A9FE-17852E7F22EB}" dt="2018-06-11T12:16:48.408" v="27" actId="478"/>
+        <pc:sldMkLst>
+          <pc:docMk/>
+          <pc:sldMk cId="522353301" sldId="271"/>
+        </pc:sldMkLst>
+        <pc:picChg chg="del">
+          <ac:chgData name="Matteo Corain" userId="1f5c112c79a0296d" providerId="LiveId" clId="{EEEF3436-BE3A-4069-A9FE-17852E7F22EB}" dt="2018-06-11T12:16:48.408" v="27" actId="478"/>
+          <ac:picMkLst>
+            <pc:docMk/>
+            <pc:sldMk cId="522353301" sldId="271"/>
+            <ac:picMk id="7" creationId="{79C0EC77-2E0A-429D-97D8-9CADB2DF2FB9}"/>
+          </ac:picMkLst>
+        </pc:picChg>
+      </pc:sldChg>
+      <pc:sldMasterChg chg="addSp delSp modSp modSldLayout">
+        <pc:chgData name="Matteo Corain" userId="1f5c112c79a0296d" providerId="LiveId" clId="{EEEF3436-BE3A-4069-A9FE-17852E7F22EB}" dt="2018-06-11T12:15:15.328" v="20" actId="1076"/>
+        <pc:sldMasterMkLst>
+          <pc:docMk/>
+          <pc:sldMasterMk cId="804498609" sldId="2147483648"/>
+        </pc:sldMasterMkLst>
+        <pc:spChg chg="mod">
+          <ac:chgData name="Matteo Corain" userId="1f5c112c79a0296d" providerId="LiveId" clId="{EEEF3436-BE3A-4069-A9FE-17852E7F22EB}" dt="2018-06-11T12:13:40.081" v="6" actId="14100"/>
+          <ac:spMkLst>
+            <pc:docMk/>
+            <pc:sldMasterMk cId="804498609" sldId="2147483648"/>
+            <ac:spMk id="2" creationId="{77169982-4271-4444-ADC6-8ADA8B4CF78B}"/>
+          </ac:spMkLst>
+        </pc:spChg>
+        <pc:picChg chg="add del mod">
+          <ac:chgData name="Matteo Corain" userId="1f5c112c79a0296d" providerId="LiveId" clId="{EEEF3436-BE3A-4069-A9FE-17852E7F22EB}" dt="2018-06-11T12:13:36.387" v="5" actId="478"/>
+          <ac:picMkLst>
+            <pc:docMk/>
+            <pc:sldMasterMk cId="804498609" sldId="2147483648"/>
+            <ac:picMk id="7" creationId="{08A7FFA2-CCA3-4740-8DC6-AE2791957084}"/>
+          </ac:picMkLst>
+        </pc:picChg>
+        <pc:sldLayoutChg chg="addSp delSp modSp">
+          <pc:chgData name="Matteo Corain" userId="1f5c112c79a0296d" providerId="LiveId" clId="{EEEF3436-BE3A-4069-A9FE-17852E7F22EB}" dt="2018-06-11T12:14:24.045" v="13" actId="14100"/>
+          <pc:sldLayoutMkLst>
+            <pc:docMk/>
+            <pc:sldMasterMk cId="804498609" sldId="2147483648"/>
+            <pc:sldLayoutMk cId="4179908209" sldId="2147483650"/>
+          </pc:sldLayoutMkLst>
+          <pc:spChg chg="mod">
+            <ac:chgData name="Matteo Corain" userId="1f5c112c79a0296d" providerId="LiveId" clId="{EEEF3436-BE3A-4069-A9FE-17852E7F22EB}" dt="2018-06-11T12:14:24.045" v="13" actId="14100"/>
+            <ac:spMkLst>
+              <pc:docMk/>
+              <pc:sldMasterMk cId="804498609" sldId="2147483648"/>
+              <pc:sldLayoutMk cId="4179908209" sldId="2147483650"/>
+              <ac:spMk id="2" creationId="{CD3801C4-C889-4195-BFED-4DB145B9FC92}"/>
+            </ac:spMkLst>
+          </pc:spChg>
+          <pc:picChg chg="add del mod">
+            <ac:chgData name="Matteo Corain" userId="1f5c112c79a0296d" providerId="LiveId" clId="{EEEF3436-BE3A-4069-A9FE-17852E7F22EB}" dt="2018-06-11T12:14:15.750" v="10" actId="478"/>
+            <ac:picMkLst>
+              <pc:docMk/>
+              <pc:sldMasterMk cId="804498609" sldId="2147483648"/>
+              <pc:sldLayoutMk cId="4179908209" sldId="2147483650"/>
+              <ac:picMk id="7" creationId="{BC16DE24-09BC-442E-BEFB-063375F501D2}"/>
+            </ac:picMkLst>
+          </pc:picChg>
+          <pc:picChg chg="add mod">
+            <ac:chgData name="Matteo Corain" userId="1f5c112c79a0296d" providerId="LiveId" clId="{EEEF3436-BE3A-4069-A9FE-17852E7F22EB}" dt="2018-06-11T12:14:21.382" v="12" actId="1076"/>
+            <ac:picMkLst>
+              <pc:docMk/>
+              <pc:sldMasterMk cId="804498609" sldId="2147483648"/>
+              <pc:sldLayoutMk cId="4179908209" sldId="2147483650"/>
+              <ac:picMk id="8" creationId="{F5D5CD5C-3C5F-4E33-B597-CF8F0E0D8EA3}"/>
+            </ac:picMkLst>
+          </pc:picChg>
+        </pc:sldLayoutChg>
+        <pc:sldLayoutChg chg="addSp modSp">
+          <pc:chgData name="Matteo Corain" userId="1f5c112c79a0296d" providerId="LiveId" clId="{EEEF3436-BE3A-4069-A9FE-17852E7F22EB}" dt="2018-06-11T12:15:15.328" v="20" actId="1076"/>
+          <pc:sldLayoutMkLst>
+            <pc:docMk/>
+            <pc:sldMasterMk cId="804498609" sldId="2147483648"/>
+            <pc:sldLayoutMk cId="458723602" sldId="2147483651"/>
+          </pc:sldLayoutMkLst>
+          <pc:picChg chg="add mod">
+            <ac:chgData name="Matteo Corain" userId="1f5c112c79a0296d" providerId="LiveId" clId="{EEEF3436-BE3A-4069-A9FE-17852E7F22EB}" dt="2018-06-11T12:15:15.328" v="20" actId="1076"/>
+            <ac:picMkLst>
+              <pc:docMk/>
+              <pc:sldMasterMk cId="804498609" sldId="2147483648"/>
+              <pc:sldLayoutMk cId="458723602" sldId="2147483651"/>
+              <ac:picMk id="7" creationId="{8F5DCD0C-D489-4874-B891-45300CED7FC0}"/>
+            </ac:picMkLst>
+          </pc:picChg>
+        </pc:sldLayoutChg>
+      </pc:sldMasterChg>
+    </pc:docChg>
+  </pc:docChgLst>
+</pc:chgInfo>
 </file>
 
 <file path=ppt/diagrams/colors1.xml><?xml version="1.0" encoding="utf-8"?>
@@ -5487,7 +5801,7 @@
   <dgm:whole/>
   <dgm:extLst>
     <a:ext uri="http://schemas.microsoft.com/office/drawing/2008/diagram">
-      <dsp:dataModelExt xmlns:dsp="http://schemas.microsoft.com/office/drawing/2008/diagram" relId="rId7" minVer="http://schemas.openxmlformats.org/drawingml/2006/diagram"/>
+      <dsp:dataModelExt xmlns:dsp="http://schemas.microsoft.com/office/drawing/2008/diagram" relId="rId6" minVer="http://schemas.openxmlformats.org/drawingml/2006/diagram"/>
     </a:ext>
   </dgm:extLst>
 </dgm:dataModel>
@@ -6519,7 +6833,7 @@
   <dgm:whole/>
   <dgm:extLst>
     <a:ext uri="http://schemas.microsoft.com/office/drawing/2008/diagram">
-      <dsp:dataModelExt xmlns:dsp="http://schemas.microsoft.com/office/drawing/2008/diagram" relId="rId7" minVer="http://schemas.openxmlformats.org/drawingml/2006/diagram"/>
+      <dsp:dataModelExt xmlns:dsp="http://schemas.microsoft.com/office/drawing/2008/diagram" relId="rId6" minVer="http://schemas.openxmlformats.org/drawingml/2006/diagram"/>
     </a:ext>
   </dgm:extLst>
 </dgm:dataModel>
@@ -6847,7 +7161,7 @@
   <dgm:whole/>
   <dgm:extLst>
     <a:ext uri="http://schemas.microsoft.com/office/drawing/2008/diagram">
-      <dsp:dataModelExt xmlns:dsp="http://schemas.microsoft.com/office/drawing/2008/diagram" relId="rId7" minVer="http://schemas.openxmlformats.org/drawingml/2006/diagram"/>
+      <dsp:dataModelExt xmlns:dsp="http://schemas.microsoft.com/office/drawing/2008/diagram" relId="rId6" minVer="http://schemas.openxmlformats.org/drawingml/2006/diagram"/>
     </a:ext>
   </dgm:extLst>
 </dgm:dataModel>
@@ -7108,7 +7422,7 @@
   <dgm:whole/>
   <dgm:extLst>
     <a:ext uri="http://schemas.microsoft.com/office/drawing/2008/diagram">
-      <dsp:dataModelExt xmlns:dsp="http://schemas.microsoft.com/office/drawing/2008/diagram" relId="rId7" minVer="http://schemas.openxmlformats.org/drawingml/2006/diagram"/>
+      <dsp:dataModelExt xmlns:dsp="http://schemas.microsoft.com/office/drawing/2008/diagram" relId="rId6" minVer="http://schemas.openxmlformats.org/drawingml/2006/diagram"/>
     </a:ext>
   </dgm:extLst>
 </dgm:dataModel>
@@ -7571,7 +7885,7 @@
   <dgm:whole/>
   <dgm:extLst>
     <a:ext uri="http://schemas.microsoft.com/office/drawing/2008/diagram">
-      <dsp:dataModelExt xmlns:dsp="http://schemas.microsoft.com/office/drawing/2008/diagram" relId="rId7" minVer="http://schemas.openxmlformats.org/drawingml/2006/diagram"/>
+      <dsp:dataModelExt xmlns:dsp="http://schemas.microsoft.com/office/drawing/2008/diagram" relId="rId6" minVer="http://schemas.openxmlformats.org/drawingml/2006/diagram"/>
     </a:ext>
   </dgm:extLst>
 </dgm:dataModel>
@@ -21314,7 +21628,12 @@
             <p:ph type="title"/>
           </p:nvPr>
         </p:nvSpPr>
-        <p:spPr/>
+        <p:spPr>
+          <a:xfrm>
+            <a:off x="2098200" y="365125"/>
+            <a:ext cx="9255600" cy="1325563"/>
+          </a:xfrm>
+        </p:spPr>
         <p:txBody>
           <a:bodyPr/>
           <a:lstStyle/>
@@ -21468,6 +21787,42 @@
           </a:p>
         </p:txBody>
       </p:sp>
+      <p:pic>
+        <p:nvPicPr>
+          <p:cNvPr id="8" name="Immagine 7">
+            <a:extLst>
+              <a:ext uri="{FF2B5EF4-FFF2-40B4-BE49-F238E27FC236}">
+                <a16:creationId xmlns:a16="http://schemas.microsoft.com/office/drawing/2014/main" id="{F5D5CD5C-3C5F-4E33-B597-CF8F0E0D8EA3}"/>
+              </a:ext>
+            </a:extLst>
+          </p:cNvPr>
+          <p:cNvPicPr>
+            <a:picLocks noChangeAspect="1"/>
+          </p:cNvPicPr>
+          <p:nvPr userDrawn="1"/>
+        </p:nvPicPr>
+        <p:blipFill>
+          <a:blip r:embed="rId2">
+            <a:extLst>
+              <a:ext uri="{28A0092B-C50C-407E-A947-70E740481C1C}">
+                <a14:useLocalDpi xmlns:a14="http://schemas.microsoft.com/office/drawing/2010/main" val="0"/>
+              </a:ext>
+            </a:extLst>
+          </a:blip>
+          <a:stretch>
+            <a:fillRect/>
+          </a:stretch>
+        </p:blipFill>
+        <p:spPr>
+          <a:xfrm>
+            <a:off x="838200" y="397906"/>
+            <a:ext cx="1260000" cy="1260000"/>
+          </a:xfrm>
+          <a:prstGeom prst="rect">
+            <a:avLst/>
+          </a:prstGeom>
+        </p:spPr>
+      </p:pic>
     </p:spTree>
     <p:extLst>
       <p:ext uri="{BB962C8B-B14F-4D97-AF65-F5344CB8AC3E}">
@@ -21541,7 +21896,7 @@
           </a:lstStyle>
           <a:p>
             <a:r>
-              <a:rPr lang="it-IT"/>
+              <a:rPr lang="it-IT" dirty="0"/>
               <a:t>Fare clic per modificare lo stile del titolo dello schema</a:t>
             </a:r>
           </a:p>
@@ -21757,6 +22112,42 @@
           </a:p>
         </p:txBody>
       </p:sp>
+      <p:pic>
+        <p:nvPicPr>
+          <p:cNvPr id="7" name="Immagine 6">
+            <a:extLst>
+              <a:ext uri="{FF2B5EF4-FFF2-40B4-BE49-F238E27FC236}">
+                <a16:creationId xmlns:a16="http://schemas.microsoft.com/office/drawing/2014/main" id="{8F5DCD0C-D489-4874-B891-45300CED7FC0}"/>
+              </a:ext>
+            </a:extLst>
+          </p:cNvPr>
+          <p:cNvPicPr>
+            <a:picLocks noChangeAspect="1"/>
+          </p:cNvPicPr>
+          <p:nvPr userDrawn="1"/>
+        </p:nvPicPr>
+        <p:blipFill>
+          <a:blip r:embed="rId2">
+            <a:extLst>
+              <a:ext uri="{28A0092B-C50C-407E-A947-70E740481C1C}">
+                <a14:useLocalDpi xmlns:a14="http://schemas.microsoft.com/office/drawing/2010/main" val="0"/>
+              </a:ext>
+            </a:extLst>
+          </a:blip>
+          <a:stretch>
+            <a:fillRect/>
+          </a:stretch>
+        </p:blipFill>
+        <p:spPr>
+          <a:xfrm>
+            <a:off x="844550" y="2296113"/>
+            <a:ext cx="1440000" cy="1440000"/>
+          </a:xfrm>
+          <a:prstGeom prst="rect">
+            <a:avLst/>
+          </a:prstGeom>
+        </p:spPr>
+      </p:pic>
     </p:spTree>
     <p:extLst>
       <p:ext uri="{BB962C8B-B14F-4D97-AF65-F5344CB8AC3E}">
@@ -23450,7 +23841,7 @@
           <a:lstStyle/>
           <a:p>
             <a:r>
-              <a:rPr lang="it-IT"/>
+              <a:rPr lang="it-IT" dirty="0"/>
               <a:t>Fare clic per modificare lo stile del titolo dello schema</a:t>
             </a:r>
           </a:p>
@@ -24397,42 +24788,6 @@
           </a:p>
         </p:txBody>
       </p:sp>
-      <p:pic>
-        <p:nvPicPr>
-          <p:cNvPr id="4" name="Immagine 3">
-            <a:extLst>
-              <a:ext uri="{FF2B5EF4-FFF2-40B4-BE49-F238E27FC236}">
-                <a16:creationId xmlns:a16="http://schemas.microsoft.com/office/drawing/2014/main" id="{C2B166F0-3DDC-4E79-A835-B6DEC34F2A9B}"/>
-              </a:ext>
-            </a:extLst>
-          </p:cNvPr>
-          <p:cNvPicPr>
-            <a:picLocks noChangeAspect="1"/>
-          </p:cNvPicPr>
-          <p:nvPr/>
-        </p:nvPicPr>
-        <p:blipFill>
-          <a:blip r:embed="rId2">
-            <a:extLst>
-              <a:ext uri="{28A0092B-C50C-407E-A947-70E740481C1C}">
-                <a14:useLocalDpi xmlns:a14="http://schemas.microsoft.com/office/drawing/2010/main" val="0"/>
-              </a:ext>
-            </a:extLst>
-          </a:blip>
-          <a:stretch>
-            <a:fillRect/>
-          </a:stretch>
-        </p:blipFill>
-        <p:spPr>
-          <a:xfrm>
-            <a:off x="838200" y="365125"/>
-            <a:ext cx="1260000" cy="1260000"/>
-          </a:xfrm>
-          <a:prstGeom prst="rect">
-            <a:avLst/>
-          </a:prstGeom>
-        </p:spPr>
-      </p:pic>
       <p:sp>
         <p:nvSpPr>
           <p:cNvPr id="5" name="Segnaposto data 4">
@@ -24545,7 +24900,7 @@
         </p:xfrm>
         <a:graphic>
           <a:graphicData uri="http://schemas.openxmlformats.org/drawingml/2006/diagram">
-            <dgm:relIds xmlns:dgm="http://schemas.openxmlformats.org/drawingml/2006/diagram" xmlns:r="http://schemas.openxmlformats.org/officeDocument/2006/relationships" r:dm="rId3" r:lo="rId4" r:qs="rId5" r:cs="rId6"/>
+            <dgm:relIds xmlns:dgm="http://schemas.openxmlformats.org/drawingml/2006/diagram" xmlns:r="http://schemas.openxmlformats.org/officeDocument/2006/relationships" r:dm="rId2" r:lo="rId3" r:qs="rId4" r:cs="rId5"/>
           </a:graphicData>
         </a:graphic>
       </p:graphicFrame>
@@ -24747,42 +25102,6 @@
           </a:p>
         </p:txBody>
       </p:sp>
-      <p:pic>
-        <p:nvPicPr>
-          <p:cNvPr id="7" name="Immagine 6">
-            <a:extLst>
-              <a:ext uri="{FF2B5EF4-FFF2-40B4-BE49-F238E27FC236}">
-                <a16:creationId xmlns:a16="http://schemas.microsoft.com/office/drawing/2014/main" id="{79C0EC77-2E0A-429D-97D8-9CADB2DF2FB9}"/>
-              </a:ext>
-            </a:extLst>
-          </p:cNvPr>
-          <p:cNvPicPr>
-            <a:picLocks noChangeAspect="1"/>
-          </p:cNvPicPr>
-          <p:nvPr/>
-        </p:nvPicPr>
-        <p:blipFill>
-          <a:blip r:embed="rId2">
-            <a:extLst>
-              <a:ext uri="{28A0092B-C50C-407E-A947-70E740481C1C}">
-                <a14:useLocalDpi xmlns:a14="http://schemas.microsoft.com/office/drawing/2010/main" val="0"/>
-              </a:ext>
-            </a:extLst>
-          </a:blip>
-          <a:stretch>
-            <a:fillRect/>
-          </a:stretch>
-        </p:blipFill>
-        <p:spPr>
-          <a:xfrm>
-            <a:off x="844550" y="2346119"/>
-            <a:ext cx="1440000" cy="1440000"/>
-          </a:xfrm>
-          <a:prstGeom prst="rect">
-            <a:avLst/>
-          </a:prstGeom>
-        </p:spPr>
-      </p:pic>
     </p:spTree>
     <p:extLst>
       <p:ext uri="{BB962C8B-B14F-4D97-AF65-F5344CB8AC3E}">
@@ -24989,42 +25308,6 @@
           </a:p>
         </p:txBody>
       </p:sp>
-      <p:pic>
-        <p:nvPicPr>
-          <p:cNvPr id="7" name="Immagine 6">
-            <a:extLst>
-              <a:ext uri="{FF2B5EF4-FFF2-40B4-BE49-F238E27FC236}">
-                <a16:creationId xmlns:a16="http://schemas.microsoft.com/office/drawing/2014/main" id="{79C0EC77-2E0A-429D-97D8-9CADB2DF2FB9}"/>
-              </a:ext>
-            </a:extLst>
-          </p:cNvPr>
-          <p:cNvPicPr>
-            <a:picLocks noChangeAspect="1"/>
-          </p:cNvPicPr>
-          <p:nvPr/>
-        </p:nvPicPr>
-        <p:blipFill>
-          <a:blip r:embed="rId2">
-            <a:extLst>
-              <a:ext uri="{28A0092B-C50C-407E-A947-70E740481C1C}">
-                <a14:useLocalDpi xmlns:a14="http://schemas.microsoft.com/office/drawing/2010/main" val="0"/>
-              </a:ext>
-            </a:extLst>
-          </a:blip>
-          <a:stretch>
-            <a:fillRect/>
-          </a:stretch>
-        </p:blipFill>
-        <p:spPr>
-          <a:xfrm>
-            <a:off x="844550" y="2346119"/>
-            <a:ext cx="1440000" cy="1440000"/>
-          </a:xfrm>
-          <a:prstGeom prst="rect">
-            <a:avLst/>
-          </a:prstGeom>
-        </p:spPr>
-      </p:pic>
     </p:spTree>
     <p:extLst>
       <p:ext uri="{BB962C8B-B14F-4D97-AF65-F5344CB8AC3E}">
@@ -28051,42 +28334,6 @@
           </a:p>
         </p:txBody>
       </p:sp>
-      <p:pic>
-        <p:nvPicPr>
-          <p:cNvPr id="7" name="Immagine 6">
-            <a:extLst>
-              <a:ext uri="{FF2B5EF4-FFF2-40B4-BE49-F238E27FC236}">
-                <a16:creationId xmlns:a16="http://schemas.microsoft.com/office/drawing/2014/main" id="{79C0EC77-2E0A-429D-97D8-9CADB2DF2FB9}"/>
-              </a:ext>
-            </a:extLst>
-          </p:cNvPr>
-          <p:cNvPicPr>
-            <a:picLocks noChangeAspect="1"/>
-          </p:cNvPicPr>
-          <p:nvPr/>
-        </p:nvPicPr>
-        <p:blipFill>
-          <a:blip r:embed="rId2">
-            <a:extLst>
-              <a:ext uri="{28A0092B-C50C-407E-A947-70E740481C1C}">
-                <a14:useLocalDpi xmlns:a14="http://schemas.microsoft.com/office/drawing/2010/main" val="0"/>
-              </a:ext>
-            </a:extLst>
-          </a:blip>
-          <a:stretch>
-            <a:fillRect/>
-          </a:stretch>
-        </p:blipFill>
-        <p:spPr>
-          <a:xfrm>
-            <a:off x="844550" y="2346119"/>
-            <a:ext cx="1440000" cy="1440000"/>
-          </a:xfrm>
-          <a:prstGeom prst="rect">
-            <a:avLst/>
-          </a:prstGeom>
-        </p:spPr>
-      </p:pic>
     </p:spTree>
     <p:extLst>
       <p:ext uri="{BB962C8B-B14F-4D97-AF65-F5344CB8AC3E}">
@@ -29586,42 +29833,6 @@
           </a:p>
         </p:txBody>
       </p:sp>
-      <p:pic>
-        <p:nvPicPr>
-          <p:cNvPr id="7" name="Immagine 6">
-            <a:extLst>
-              <a:ext uri="{FF2B5EF4-FFF2-40B4-BE49-F238E27FC236}">
-                <a16:creationId xmlns:a16="http://schemas.microsoft.com/office/drawing/2014/main" id="{79C0EC77-2E0A-429D-97D8-9CADB2DF2FB9}"/>
-              </a:ext>
-            </a:extLst>
-          </p:cNvPr>
-          <p:cNvPicPr>
-            <a:picLocks noChangeAspect="1"/>
-          </p:cNvPicPr>
-          <p:nvPr/>
-        </p:nvPicPr>
-        <p:blipFill>
-          <a:blip r:embed="rId2">
-            <a:extLst>
-              <a:ext uri="{28A0092B-C50C-407E-A947-70E740481C1C}">
-                <a14:useLocalDpi xmlns:a14="http://schemas.microsoft.com/office/drawing/2010/main" val="0"/>
-              </a:ext>
-            </a:extLst>
-          </a:blip>
-          <a:stretch>
-            <a:fillRect/>
-          </a:stretch>
-        </p:blipFill>
-        <p:spPr>
-          <a:xfrm>
-            <a:off x="844550" y="2346119"/>
-            <a:ext cx="1440000" cy="1440000"/>
-          </a:xfrm>
-          <a:prstGeom prst="rect">
-            <a:avLst/>
-          </a:prstGeom>
-        </p:spPr>
-      </p:pic>
     </p:spTree>
     <p:extLst>
       <p:ext uri="{BB962C8B-B14F-4D97-AF65-F5344CB8AC3E}">
@@ -32321,42 +32532,6 @@
           </a:p>
         </p:txBody>
       </p:sp>
-      <p:pic>
-        <p:nvPicPr>
-          <p:cNvPr id="7" name="Immagine 6">
-            <a:extLst>
-              <a:ext uri="{FF2B5EF4-FFF2-40B4-BE49-F238E27FC236}">
-                <a16:creationId xmlns:a16="http://schemas.microsoft.com/office/drawing/2014/main" id="{79C0EC77-2E0A-429D-97D8-9CADB2DF2FB9}"/>
-              </a:ext>
-            </a:extLst>
-          </p:cNvPr>
-          <p:cNvPicPr>
-            <a:picLocks noChangeAspect="1"/>
-          </p:cNvPicPr>
-          <p:nvPr/>
-        </p:nvPicPr>
-        <p:blipFill>
-          <a:blip r:embed="rId2">
-            <a:extLst>
-              <a:ext uri="{28A0092B-C50C-407E-A947-70E740481C1C}">
-                <a14:useLocalDpi xmlns:a14="http://schemas.microsoft.com/office/drawing/2010/main" val="0"/>
-              </a:ext>
-            </a:extLst>
-          </a:blip>
-          <a:stretch>
-            <a:fillRect/>
-          </a:stretch>
-        </p:blipFill>
-        <p:spPr>
-          <a:xfrm>
-            <a:off x="844550" y="2346119"/>
-            <a:ext cx="1440000" cy="1440000"/>
-          </a:xfrm>
-          <a:prstGeom prst="rect">
-            <a:avLst/>
-          </a:prstGeom>
-        </p:spPr>
-      </p:pic>
     </p:spTree>
     <p:extLst>
       <p:ext uri="{BB962C8B-B14F-4D97-AF65-F5344CB8AC3E}">
@@ -32545,42 +32720,6 @@
           </a:p>
         </p:txBody>
       </p:sp>
-      <p:pic>
-        <p:nvPicPr>
-          <p:cNvPr id="7" name="Immagine 6">
-            <a:extLst>
-              <a:ext uri="{FF2B5EF4-FFF2-40B4-BE49-F238E27FC236}">
-                <a16:creationId xmlns:a16="http://schemas.microsoft.com/office/drawing/2014/main" id="{79C0EC77-2E0A-429D-97D8-9CADB2DF2FB9}"/>
-              </a:ext>
-            </a:extLst>
-          </p:cNvPr>
-          <p:cNvPicPr>
-            <a:picLocks noChangeAspect="1"/>
-          </p:cNvPicPr>
-          <p:nvPr/>
-        </p:nvPicPr>
-        <p:blipFill>
-          <a:blip r:embed="rId2">
-            <a:extLst>
-              <a:ext uri="{28A0092B-C50C-407E-A947-70E740481C1C}">
-                <a14:useLocalDpi xmlns:a14="http://schemas.microsoft.com/office/drawing/2010/main" val="0"/>
-              </a:ext>
-            </a:extLst>
-          </a:blip>
-          <a:stretch>
-            <a:fillRect/>
-          </a:stretch>
-        </p:blipFill>
-        <p:spPr>
-          <a:xfrm>
-            <a:off x="844550" y="2346119"/>
-            <a:ext cx="1440000" cy="1440000"/>
-          </a:xfrm>
-          <a:prstGeom prst="rect">
-            <a:avLst/>
-          </a:prstGeom>
-        </p:spPr>
-      </p:pic>
     </p:spTree>
     <p:extLst>
       <p:ext uri="{BB962C8B-B14F-4D97-AF65-F5344CB8AC3E}">
@@ -32689,42 +32828,6 @@
           </a:p>
         </p:txBody>
       </p:sp>
-      <p:pic>
-        <p:nvPicPr>
-          <p:cNvPr id="4" name="Immagine 3">
-            <a:extLst>
-              <a:ext uri="{FF2B5EF4-FFF2-40B4-BE49-F238E27FC236}">
-                <a16:creationId xmlns:a16="http://schemas.microsoft.com/office/drawing/2014/main" id="{C2B166F0-3DDC-4E79-A835-B6DEC34F2A9B}"/>
-              </a:ext>
-            </a:extLst>
-          </p:cNvPr>
-          <p:cNvPicPr>
-            <a:picLocks noChangeAspect="1"/>
-          </p:cNvPicPr>
-          <p:nvPr/>
-        </p:nvPicPr>
-        <p:blipFill>
-          <a:blip r:embed="rId2">
-            <a:extLst>
-              <a:ext uri="{28A0092B-C50C-407E-A947-70E740481C1C}">
-                <a14:useLocalDpi xmlns:a14="http://schemas.microsoft.com/office/drawing/2010/main" val="0"/>
-              </a:ext>
-            </a:extLst>
-          </a:blip>
-          <a:stretch>
-            <a:fillRect/>
-          </a:stretch>
-        </p:blipFill>
-        <p:spPr>
-          <a:xfrm>
-            <a:off x="838200" y="365125"/>
-            <a:ext cx="1260000" cy="1260000"/>
-          </a:xfrm>
-          <a:prstGeom prst="rect">
-            <a:avLst/>
-          </a:prstGeom>
-        </p:spPr>
-      </p:pic>
       <p:sp>
         <p:nvSpPr>
           <p:cNvPr id="5" name="Segnaposto data 4">
@@ -32852,7 +32955,7 @@
         </p:xfrm>
         <a:graphic>
           <a:graphicData uri="http://schemas.openxmlformats.org/drawingml/2006/diagram">
-            <dgm:relIds xmlns:dgm="http://schemas.openxmlformats.org/drawingml/2006/diagram" xmlns:r="http://schemas.openxmlformats.org/officeDocument/2006/relationships" r:dm="rId3" r:lo="rId4" r:qs="rId5" r:cs="rId6"/>
+            <dgm:relIds xmlns:dgm="http://schemas.openxmlformats.org/drawingml/2006/diagram" xmlns:r="http://schemas.openxmlformats.org/officeDocument/2006/relationships" r:dm="rId2" r:lo="rId3" r:qs="rId4" r:cs="rId5"/>
           </a:graphicData>
         </a:graphic>
       </p:graphicFrame>
@@ -32993,42 +33096,6 @@
           </a:p>
         </p:txBody>
       </p:sp>
-      <p:pic>
-        <p:nvPicPr>
-          <p:cNvPr id="4" name="Immagine 3">
-            <a:extLst>
-              <a:ext uri="{FF2B5EF4-FFF2-40B4-BE49-F238E27FC236}">
-                <a16:creationId xmlns:a16="http://schemas.microsoft.com/office/drawing/2014/main" id="{C2B166F0-3DDC-4E79-A835-B6DEC34F2A9B}"/>
-              </a:ext>
-            </a:extLst>
-          </p:cNvPr>
-          <p:cNvPicPr>
-            <a:picLocks noChangeAspect="1"/>
-          </p:cNvPicPr>
-          <p:nvPr/>
-        </p:nvPicPr>
-        <p:blipFill>
-          <a:blip r:embed="rId2">
-            <a:extLst>
-              <a:ext uri="{28A0092B-C50C-407E-A947-70E740481C1C}">
-                <a14:useLocalDpi xmlns:a14="http://schemas.microsoft.com/office/drawing/2010/main" val="0"/>
-              </a:ext>
-            </a:extLst>
-          </a:blip>
-          <a:stretch>
-            <a:fillRect/>
-          </a:stretch>
-        </p:blipFill>
-        <p:spPr>
-          <a:xfrm>
-            <a:off x="838200" y="365125"/>
-            <a:ext cx="1260000" cy="1260000"/>
-          </a:xfrm>
-          <a:prstGeom prst="rect">
-            <a:avLst/>
-          </a:prstGeom>
-        </p:spPr>
-      </p:pic>
       <p:sp>
         <p:nvSpPr>
           <p:cNvPr id="5" name="Segnaposto data 4">
@@ -33183,49 +33250,17 @@
           <a:lstStyle/>
           <a:p>
             <a:r>
-              <a:rPr lang="it-IT"/>
-              <a:t>System architecture</a:t>
+              <a:rPr lang="it-IT" dirty="0"/>
+              <a:t>System </a:t>
+            </a:r>
+            <a:r>
+              <a:rPr lang="it-IT" dirty="0" err="1"/>
+              <a:t>architecture</a:t>
             </a:r>
             <a:endParaRPr lang="it-IT" dirty="0"/>
           </a:p>
         </p:txBody>
       </p:sp>
-      <p:pic>
-        <p:nvPicPr>
-          <p:cNvPr id="4" name="Immagine 3">
-            <a:extLst>
-              <a:ext uri="{FF2B5EF4-FFF2-40B4-BE49-F238E27FC236}">
-                <a16:creationId xmlns:a16="http://schemas.microsoft.com/office/drawing/2014/main" id="{C2B166F0-3DDC-4E79-A835-B6DEC34F2A9B}"/>
-              </a:ext>
-            </a:extLst>
-          </p:cNvPr>
-          <p:cNvPicPr>
-            <a:picLocks noChangeAspect="1"/>
-          </p:cNvPicPr>
-          <p:nvPr/>
-        </p:nvPicPr>
-        <p:blipFill>
-          <a:blip r:embed="rId2">
-            <a:extLst>
-              <a:ext uri="{28A0092B-C50C-407E-A947-70E740481C1C}">
-                <a14:useLocalDpi xmlns:a14="http://schemas.microsoft.com/office/drawing/2010/main" val="0"/>
-              </a:ext>
-            </a:extLst>
-          </a:blip>
-          <a:stretch>
-            <a:fillRect/>
-          </a:stretch>
-        </p:blipFill>
-        <p:spPr>
-          <a:xfrm>
-            <a:off x="838200" y="365125"/>
-            <a:ext cx="1260000" cy="1260000"/>
-          </a:xfrm>
-          <a:prstGeom prst="rect">
-            <a:avLst/>
-          </a:prstGeom>
-        </p:spPr>
-      </p:pic>
       <p:sp>
         <p:nvSpPr>
           <p:cNvPr id="5" name="Segnaposto data 4">
@@ -33343,7 +33378,7 @@
           </p:nvPr>
         </p:nvPicPr>
         <p:blipFill>
-          <a:blip r:embed="rId3"/>
+          <a:blip r:embed="rId2"/>
           <a:stretch>
             <a:fillRect/>
           </a:stretch>
@@ -33433,42 +33468,6 @@
           </a:p>
         </p:txBody>
       </p:sp>
-      <p:pic>
-        <p:nvPicPr>
-          <p:cNvPr id="4" name="Immagine 3">
-            <a:extLst>
-              <a:ext uri="{FF2B5EF4-FFF2-40B4-BE49-F238E27FC236}">
-                <a16:creationId xmlns:a16="http://schemas.microsoft.com/office/drawing/2014/main" id="{C2B166F0-3DDC-4E79-A835-B6DEC34F2A9B}"/>
-              </a:ext>
-            </a:extLst>
-          </p:cNvPr>
-          <p:cNvPicPr>
-            <a:picLocks noChangeAspect="1"/>
-          </p:cNvPicPr>
-          <p:nvPr/>
-        </p:nvPicPr>
-        <p:blipFill>
-          <a:blip r:embed="rId2">
-            <a:extLst>
-              <a:ext uri="{28A0092B-C50C-407E-A947-70E740481C1C}">
-                <a14:useLocalDpi xmlns:a14="http://schemas.microsoft.com/office/drawing/2010/main" val="0"/>
-              </a:ext>
-            </a:extLst>
-          </a:blip>
-          <a:stretch>
-            <a:fillRect/>
-          </a:stretch>
-        </p:blipFill>
-        <p:spPr>
-          <a:xfrm>
-            <a:off x="838200" y="365125"/>
-            <a:ext cx="1260000" cy="1260000"/>
-          </a:xfrm>
-          <a:prstGeom prst="rect">
-            <a:avLst/>
-          </a:prstGeom>
-        </p:spPr>
-      </p:pic>
       <p:sp>
         <p:nvSpPr>
           <p:cNvPr id="5" name="Segnaposto data 4">
@@ -33581,7 +33580,7 @@
         </p:xfrm>
         <a:graphic>
           <a:graphicData uri="http://schemas.openxmlformats.org/drawingml/2006/diagram">
-            <dgm:relIds xmlns:dgm="http://schemas.openxmlformats.org/drawingml/2006/diagram" xmlns:r="http://schemas.openxmlformats.org/officeDocument/2006/relationships" r:dm="rId3" r:lo="rId4" r:qs="rId5" r:cs="rId6"/>
+            <dgm:relIds xmlns:dgm="http://schemas.openxmlformats.org/drawingml/2006/diagram" xmlns:r="http://schemas.openxmlformats.org/officeDocument/2006/relationships" r:dm="rId2" r:lo="rId3" r:qs="rId4" r:cs="rId5"/>
           </a:graphicData>
         </a:graphic>
       </p:graphicFrame>
@@ -33778,42 +33777,6 @@
           </a:p>
         </p:txBody>
       </p:sp>
-      <p:pic>
-        <p:nvPicPr>
-          <p:cNvPr id="7" name="Immagine 6">
-            <a:extLst>
-              <a:ext uri="{FF2B5EF4-FFF2-40B4-BE49-F238E27FC236}">
-                <a16:creationId xmlns:a16="http://schemas.microsoft.com/office/drawing/2014/main" id="{79C0EC77-2E0A-429D-97D8-9CADB2DF2FB9}"/>
-              </a:ext>
-            </a:extLst>
-          </p:cNvPr>
-          <p:cNvPicPr>
-            <a:picLocks noChangeAspect="1"/>
-          </p:cNvPicPr>
-          <p:nvPr/>
-        </p:nvPicPr>
-        <p:blipFill>
-          <a:blip r:embed="rId2">
-            <a:extLst>
-              <a:ext uri="{28A0092B-C50C-407E-A947-70E740481C1C}">
-                <a14:useLocalDpi xmlns:a14="http://schemas.microsoft.com/office/drawing/2010/main" val="0"/>
-              </a:ext>
-            </a:extLst>
-          </a:blip>
-          <a:stretch>
-            <a:fillRect/>
-          </a:stretch>
-        </p:blipFill>
-        <p:spPr>
-          <a:xfrm>
-            <a:off x="844550" y="2346119"/>
-            <a:ext cx="1440000" cy="1440000"/>
-          </a:xfrm>
-          <a:prstGeom prst="rect">
-            <a:avLst/>
-          </a:prstGeom>
-        </p:spPr>
-      </p:pic>
     </p:spTree>
     <p:extLst>
       <p:ext uri="{BB962C8B-B14F-4D97-AF65-F5344CB8AC3E}">
@@ -33933,42 +33896,6 @@
           </a:graphicData>
         </a:graphic>
       </p:graphicFrame>
-      <p:pic>
-        <p:nvPicPr>
-          <p:cNvPr id="4" name="Immagine 3">
-            <a:extLst>
-              <a:ext uri="{FF2B5EF4-FFF2-40B4-BE49-F238E27FC236}">
-                <a16:creationId xmlns:a16="http://schemas.microsoft.com/office/drawing/2014/main" id="{C2B166F0-3DDC-4E79-A835-B6DEC34F2A9B}"/>
-              </a:ext>
-            </a:extLst>
-          </p:cNvPr>
-          <p:cNvPicPr>
-            <a:picLocks noChangeAspect="1"/>
-          </p:cNvPicPr>
-          <p:nvPr/>
-        </p:nvPicPr>
-        <p:blipFill>
-          <a:blip r:embed="rId7">
-            <a:extLst>
-              <a:ext uri="{28A0092B-C50C-407E-A947-70E740481C1C}">
-                <a14:useLocalDpi xmlns:a14="http://schemas.microsoft.com/office/drawing/2010/main" val="0"/>
-              </a:ext>
-            </a:extLst>
-          </a:blip>
-          <a:stretch>
-            <a:fillRect/>
-          </a:stretch>
-        </p:blipFill>
-        <p:spPr>
-          <a:xfrm>
-            <a:off x="838200" y="365125"/>
-            <a:ext cx="1260000" cy="1260000"/>
-          </a:xfrm>
-          <a:prstGeom prst="rect">
-            <a:avLst/>
-          </a:prstGeom>
-        </p:spPr>
-      </p:pic>
       <p:sp>
         <p:nvSpPr>
           <p:cNvPr id="5" name="Segnaposto data 4">
@@ -34129,42 +34056,6 @@
           </a:p>
         </p:txBody>
       </p:sp>
-      <p:pic>
-        <p:nvPicPr>
-          <p:cNvPr id="4" name="Immagine 3">
-            <a:extLst>
-              <a:ext uri="{FF2B5EF4-FFF2-40B4-BE49-F238E27FC236}">
-                <a16:creationId xmlns:a16="http://schemas.microsoft.com/office/drawing/2014/main" id="{C2B166F0-3DDC-4E79-A835-B6DEC34F2A9B}"/>
-              </a:ext>
-            </a:extLst>
-          </p:cNvPr>
-          <p:cNvPicPr>
-            <a:picLocks noChangeAspect="1"/>
-          </p:cNvPicPr>
-          <p:nvPr/>
-        </p:nvPicPr>
-        <p:blipFill>
-          <a:blip r:embed="rId2">
-            <a:extLst>
-              <a:ext uri="{28A0092B-C50C-407E-A947-70E740481C1C}">
-                <a14:useLocalDpi xmlns:a14="http://schemas.microsoft.com/office/drawing/2010/main" val="0"/>
-              </a:ext>
-            </a:extLst>
-          </a:blip>
-          <a:stretch>
-            <a:fillRect/>
-          </a:stretch>
-        </p:blipFill>
-        <p:spPr>
-          <a:xfrm>
-            <a:off x="838200" y="365125"/>
-            <a:ext cx="1260000" cy="1260000"/>
-          </a:xfrm>
-          <a:prstGeom prst="rect">
-            <a:avLst/>
-          </a:prstGeom>
-        </p:spPr>
-      </p:pic>
       <p:sp>
         <p:nvSpPr>
           <p:cNvPr id="5" name="Segnaposto data 4">
@@ -34277,7 +34168,7 @@
         </p:xfrm>
         <a:graphic>
           <a:graphicData uri="http://schemas.openxmlformats.org/drawingml/2006/diagram">
-            <dgm:relIds xmlns:dgm="http://schemas.openxmlformats.org/drawingml/2006/diagram" xmlns:r="http://schemas.openxmlformats.org/officeDocument/2006/relationships" r:dm="rId3" r:lo="rId4" r:qs="rId5" r:cs="rId6"/>
+            <dgm:relIds xmlns:dgm="http://schemas.openxmlformats.org/drawingml/2006/diagram" xmlns:r="http://schemas.openxmlformats.org/officeDocument/2006/relationships" r:dm="rId2" r:lo="rId3" r:qs="rId4" r:cs="rId5"/>
           </a:graphicData>
         </a:graphic>
       </p:graphicFrame>
@@ -34365,42 +34256,6 @@
           </a:p>
         </p:txBody>
       </p:sp>
-      <p:pic>
-        <p:nvPicPr>
-          <p:cNvPr id="4" name="Immagine 3">
-            <a:extLst>
-              <a:ext uri="{FF2B5EF4-FFF2-40B4-BE49-F238E27FC236}">
-                <a16:creationId xmlns:a16="http://schemas.microsoft.com/office/drawing/2014/main" id="{C2B166F0-3DDC-4E79-A835-B6DEC34F2A9B}"/>
-              </a:ext>
-            </a:extLst>
-          </p:cNvPr>
-          <p:cNvPicPr>
-            <a:picLocks noChangeAspect="1"/>
-          </p:cNvPicPr>
-          <p:nvPr/>
-        </p:nvPicPr>
-        <p:blipFill>
-          <a:blip r:embed="rId2">
-            <a:extLst>
-              <a:ext uri="{28A0092B-C50C-407E-A947-70E740481C1C}">
-                <a14:useLocalDpi xmlns:a14="http://schemas.microsoft.com/office/drawing/2010/main" val="0"/>
-              </a:ext>
-            </a:extLst>
-          </a:blip>
-          <a:stretch>
-            <a:fillRect/>
-          </a:stretch>
-        </p:blipFill>
-        <p:spPr>
-          <a:xfrm>
-            <a:off x="838200" y="365125"/>
-            <a:ext cx="1260000" cy="1260000"/>
-          </a:xfrm>
-          <a:prstGeom prst="rect">
-            <a:avLst/>
-          </a:prstGeom>
-        </p:spPr>
-      </p:pic>
       <p:sp>
         <p:nvSpPr>
           <p:cNvPr id="5" name="Segnaposto data 4">
@@ -34513,7 +34368,7 @@
         </p:xfrm>
         <a:graphic>
           <a:graphicData uri="http://schemas.openxmlformats.org/drawingml/2006/diagram">
-            <dgm:relIds xmlns:dgm="http://schemas.openxmlformats.org/drawingml/2006/diagram" xmlns:r="http://schemas.openxmlformats.org/officeDocument/2006/relationships" r:dm="rId3" r:lo="rId4" r:qs="rId5" r:cs="rId6"/>
+            <dgm:relIds xmlns:dgm="http://schemas.openxmlformats.org/drawingml/2006/diagram" xmlns:r="http://schemas.openxmlformats.org/officeDocument/2006/relationships" r:dm="rId2" r:lo="rId3" r:qs="rId4" r:cs="rId5"/>
           </a:graphicData>
         </a:graphic>
       </p:graphicFrame>
